--- a/512副本.pptx
+++ b/512副本.pptx
@@ -7,24 +7,26 @@
   <p:sldIdLst>
     <p:sldId id="256" r:id="rId2"/>
     <p:sldId id="257" r:id="rId3"/>
-    <p:sldId id="274" r:id="rId4"/>
-    <p:sldId id="275" r:id="rId5"/>
-    <p:sldId id="277" r:id="rId6"/>
-    <p:sldId id="280" r:id="rId7"/>
-    <p:sldId id="265" r:id="rId8"/>
-    <p:sldId id="264" r:id="rId9"/>
-    <p:sldId id="267" r:id="rId10"/>
-    <p:sldId id="268" r:id="rId11"/>
-    <p:sldId id="276" r:id="rId12"/>
-    <p:sldId id="263" r:id="rId13"/>
-    <p:sldId id="269" r:id="rId14"/>
-    <p:sldId id="262" r:id="rId15"/>
-    <p:sldId id="261" r:id="rId16"/>
-    <p:sldId id="272" r:id="rId17"/>
-    <p:sldId id="271" r:id="rId18"/>
-    <p:sldId id="273" r:id="rId19"/>
-    <p:sldId id="270" r:id="rId20"/>
-    <p:sldId id="260" r:id="rId21"/>
+    <p:sldId id="281" r:id="rId4"/>
+    <p:sldId id="282" r:id="rId5"/>
+    <p:sldId id="274" r:id="rId6"/>
+    <p:sldId id="275" r:id="rId7"/>
+    <p:sldId id="277" r:id="rId8"/>
+    <p:sldId id="280" r:id="rId9"/>
+    <p:sldId id="265" r:id="rId10"/>
+    <p:sldId id="264" r:id="rId11"/>
+    <p:sldId id="267" r:id="rId12"/>
+    <p:sldId id="268" r:id="rId13"/>
+    <p:sldId id="276" r:id="rId14"/>
+    <p:sldId id="263" r:id="rId15"/>
+    <p:sldId id="269" r:id="rId16"/>
+    <p:sldId id="262" r:id="rId17"/>
+    <p:sldId id="261" r:id="rId18"/>
+    <p:sldId id="272" r:id="rId19"/>
+    <p:sldId id="271" r:id="rId20"/>
+    <p:sldId id="273" r:id="rId21"/>
+    <p:sldId id="270" r:id="rId22"/>
+    <p:sldId id="260" r:id="rId23"/>
   </p:sldIdLst>
   <p:sldSz cx="9144000" cy="6858000" type="screen4x3"/>
   <p:notesSz cx="6858000" cy="9144000"/>
@@ -1343,7 +1345,7 @@
       <dsp:spPr>
         <a:xfrm>
           <a:off x="0" y="342887"/>
-          <a:ext cx="5712295" cy="504000"/>
+          <a:ext cx="5712296" cy="504000"/>
         </a:xfrm>
         <a:prstGeom prst="rect">
           <a:avLst/>
@@ -1467,8 +1469,8 @@
       </dsp:nvSpPr>
       <dsp:spPr>
         <a:xfrm>
-          <a:off x="0" y="1250087"/>
-          <a:ext cx="5712295" cy="504000"/>
+          <a:off x="0" y="1250088"/>
+          <a:ext cx="5712296" cy="504000"/>
         </a:xfrm>
         <a:prstGeom prst="rect">
           <a:avLst/>
@@ -1597,7 +1599,7 @@
       <dsp:spPr>
         <a:xfrm>
           <a:off x="0" y="2157288"/>
-          <a:ext cx="5712295" cy="504000"/>
+          <a:ext cx="5712296" cy="504000"/>
         </a:xfrm>
         <a:prstGeom prst="rect">
           <a:avLst/>
@@ -1644,7 +1646,7 @@
       </dsp:nvSpPr>
       <dsp:spPr>
         <a:xfrm>
-          <a:off x="285614" y="1862087"/>
+          <a:off x="285614" y="1862088"/>
           <a:ext cx="1097297" cy="590400"/>
         </a:xfrm>
         <a:prstGeom prst="roundRect">
@@ -1718,7 +1720,7 @@
         </a:p>
       </dsp:txBody>
       <dsp:txXfrm>
-        <a:off x="314435" y="1890908"/>
+        <a:off x="314435" y="1890909"/>
         <a:ext cx="1039655" cy="532758"/>
       </dsp:txXfrm>
     </dsp:sp>
@@ -1729,8 +1731,8 @@
       </dsp:nvSpPr>
       <dsp:spPr>
         <a:xfrm>
-          <a:off x="0" y="3112175"/>
-          <a:ext cx="5712295" cy="504000"/>
+          <a:off x="0" y="3112176"/>
+          <a:ext cx="5712296" cy="504000"/>
         </a:xfrm>
         <a:prstGeom prst="rect">
           <a:avLst/>
@@ -7021,7 +7023,7 @@
       </p:grpSpPr>
       <p:sp>
         <p:nvSpPr>
-          <p:cNvPr id="9218" name="Titre 3"/>
+          <p:cNvPr id="7170" name="Titre 3"/>
           <p:cNvSpPr>
             <a:spLocks noGrp="1"/>
           </p:cNvSpPr>
@@ -7032,7 +7034,7 @@
         <p:spPr>
           <a:xfrm>
             <a:off x="857250" y="2643188"/>
-            <a:ext cx="6954838" cy="1143000"/>
+            <a:ext cx="4143375" cy="1143000"/>
           </a:xfrm>
         </p:spPr>
         <p:txBody>
@@ -7047,14 +7049,14 @@
                 </a:solidFill>
                 <a:latin typeface="FFF Tusj" pitchFamily="18" charset="0"/>
               </a:rPr>
-              <a:t>Personal Footprint(Cont..)</a:t>
+              <a:t>Register page</a:t>
             </a:r>
           </a:p>
         </p:txBody>
       </p:sp>
       <p:sp>
         <p:nvSpPr>
-          <p:cNvPr id="9219" name="Espace réservé du contenu 4"/>
+          <p:cNvPr id="7171" name="Espace réservé du contenu 4"/>
           <p:cNvSpPr>
             <a:spLocks noGrp="1"/>
           </p:cNvSpPr>
@@ -7079,7 +7081,7 @@
                   <a:schemeClr val="bg1"/>
                 </a:solidFill>
               </a:rPr>
-              <a:t>Picture and text such as location/photo</a:t>
+              <a:t>picture</a:t>
             </a:r>
           </a:p>
         </p:txBody>
@@ -7130,7 +7132,7 @@
       </p:grpSpPr>
       <p:sp>
         <p:nvSpPr>
-          <p:cNvPr id="10242" name="Titre 3"/>
+          <p:cNvPr id="8194" name="Titre 3"/>
           <p:cNvSpPr>
             <a:spLocks noGrp="1"/>
           </p:cNvSpPr>
@@ -7141,7 +7143,7 @@
         <p:spPr>
           <a:xfrm>
             <a:off x="857250" y="2643188"/>
-            <a:ext cx="6954838" cy="1143000"/>
+            <a:ext cx="4143375" cy="1143000"/>
           </a:xfrm>
         </p:spPr>
         <p:txBody>
@@ -7156,14 +7158,14 @@
                 </a:solidFill>
                 <a:latin typeface="FFF Tusj" pitchFamily="18" charset="0"/>
               </a:rPr>
-              <a:t>Personal Footprint(Cont..)</a:t>
+              <a:t>Log in </a:t>
             </a:r>
           </a:p>
         </p:txBody>
       </p:sp>
       <p:sp>
         <p:nvSpPr>
-          <p:cNvPr id="10243" name="Espace réservé du contenu 4"/>
+          <p:cNvPr id="8195" name="Espace réservé du contenu 4"/>
           <p:cNvSpPr>
             <a:spLocks noGrp="1"/>
           </p:cNvSpPr>
@@ -7188,7 +7190,7 @@
                   <a:schemeClr val="bg1"/>
                 </a:solidFill>
               </a:rPr>
-              <a:t>Picture and text such as location/photo</a:t>
+              <a:t>picture. </a:t>
             </a:r>
           </a:p>
         </p:txBody>
@@ -7239,7 +7241,7 @@
       </p:grpSpPr>
       <p:sp>
         <p:nvSpPr>
-          <p:cNvPr id="11266" name="Titre 3"/>
+          <p:cNvPr id="9218" name="Titre 3"/>
           <p:cNvSpPr>
             <a:spLocks noGrp="1"/>
           </p:cNvSpPr>
@@ -7250,7 +7252,7 @@
         <p:spPr>
           <a:xfrm>
             <a:off x="857250" y="2643188"/>
-            <a:ext cx="4143375" cy="1143000"/>
+            <a:ext cx="6954838" cy="1143000"/>
           </a:xfrm>
         </p:spPr>
         <p:txBody>
@@ -7265,14 +7267,14 @@
                 </a:solidFill>
                 <a:latin typeface="FFF Tusj" pitchFamily="18" charset="0"/>
               </a:rPr>
-              <a:t>Comments</a:t>
+              <a:t>Personal Footprint(Cont..)</a:t>
             </a:r>
           </a:p>
         </p:txBody>
       </p:sp>
       <p:sp>
         <p:nvSpPr>
-          <p:cNvPr id="11267" name="Espace réservé du contenu 4"/>
+          <p:cNvPr id="9219" name="Espace réservé du contenu 4"/>
           <p:cNvSpPr>
             <a:spLocks noGrp="1"/>
           </p:cNvSpPr>
@@ -7297,18 +7299,7 @@
                   <a:schemeClr val="bg1"/>
                 </a:solidFill>
               </a:rPr>
-              <a:t>Lorem ipsum dolor sit amet, consectetuer adipiscing elit. Vivamus et magna. Fusce sed sem sed magna suscipit egestas. </a:t>
-            </a:r>
-          </a:p>
-          <a:p>
-            <a:pPr eaLnBrk="1" hangingPunct="1"/>
-            <a:r>
-              <a:rPr lang="fr-CA" altLang="zh-CN" sz="2800" smtClean="0">
-                <a:solidFill>
-                  <a:schemeClr val="bg1"/>
-                </a:solidFill>
-              </a:rPr>
-              <a:t>Lorem ipsum dolor sit amet, consectetuer adipiscing elit. Vivamus et magna. Fusce sed sem sed magna suscipit egestas. </a:t>
+              <a:t>Picture and text such as location/photo</a:t>
             </a:r>
           </a:p>
         </p:txBody>
@@ -7359,7 +7350,7 @@
       </p:grpSpPr>
       <p:sp>
         <p:nvSpPr>
-          <p:cNvPr id="12290" name="Titre 3"/>
+          <p:cNvPr id="10242" name="Titre 3"/>
           <p:cNvSpPr>
             <a:spLocks noGrp="1"/>
           </p:cNvSpPr>
@@ -7370,7 +7361,7 @@
         <p:spPr>
           <a:xfrm>
             <a:off x="857250" y="2643188"/>
-            <a:ext cx="4143375" cy="1143000"/>
+            <a:ext cx="6954838" cy="1143000"/>
           </a:xfrm>
         </p:spPr>
         <p:txBody>
@@ -7385,14 +7376,14 @@
                 </a:solidFill>
                 <a:latin typeface="FFF Tusj" pitchFamily="18" charset="0"/>
               </a:rPr>
-              <a:t>Title</a:t>
+              <a:t>Personal Footprint(Cont..)</a:t>
             </a:r>
           </a:p>
         </p:txBody>
       </p:sp>
       <p:sp>
         <p:nvSpPr>
-          <p:cNvPr id="12291" name="Espace réservé du contenu 4"/>
+          <p:cNvPr id="10243" name="Espace réservé du contenu 4"/>
           <p:cNvSpPr>
             <a:spLocks noGrp="1"/>
           </p:cNvSpPr>
@@ -7417,18 +7408,7 @@
                   <a:schemeClr val="bg1"/>
                 </a:solidFill>
               </a:rPr>
-              <a:t>Lorem ipsum dolor sit amet, consectetuer adipiscing elit. Vivamus et magna. Fusce sed sem sed magna suscipit egestas. </a:t>
-            </a:r>
-          </a:p>
-          <a:p>
-            <a:pPr eaLnBrk="1" hangingPunct="1"/>
-            <a:r>
-              <a:rPr lang="fr-CA" altLang="zh-CN" sz="2800" smtClean="0">
-                <a:solidFill>
-                  <a:schemeClr val="bg1"/>
-                </a:solidFill>
-              </a:rPr>
-              <a:t>Lorem ipsum dolor sit amet, consectetuer adipiscing elit. Vivamus et magna. Fusce sed sem sed magna suscipit egestas. </a:t>
+              <a:t>Picture and text such as location/photo</a:t>
             </a:r>
           </a:p>
         </p:txBody>
@@ -7479,7 +7459,7 @@
       </p:grpSpPr>
       <p:sp>
         <p:nvSpPr>
-          <p:cNvPr id="13314" name="Titre 3"/>
+          <p:cNvPr id="11266" name="Titre 3"/>
           <p:cNvSpPr>
             <a:spLocks noGrp="1"/>
           </p:cNvSpPr>
@@ -7505,14 +7485,14 @@
                 </a:solidFill>
                 <a:latin typeface="FFF Tusj" pitchFamily="18" charset="0"/>
               </a:rPr>
-              <a:t>Location</a:t>
+              <a:t>Comments</a:t>
             </a:r>
           </a:p>
         </p:txBody>
       </p:sp>
       <p:sp>
         <p:nvSpPr>
-          <p:cNvPr id="13315" name="Espace réservé du contenu 4"/>
+          <p:cNvPr id="11267" name="Espace réservé du contenu 4"/>
           <p:cNvSpPr>
             <a:spLocks noGrp="1"/>
           </p:cNvSpPr>
@@ -7537,7 +7517,18 @@
                   <a:schemeClr val="bg1"/>
                 </a:solidFill>
               </a:rPr>
-              <a:t>Google map</a:t>
+              <a:t>Lorem ipsum dolor sit amet, consectetuer adipiscing elit. Vivamus et magna. Fusce sed sem sed magna suscipit egestas. </a:t>
+            </a:r>
+          </a:p>
+          <a:p>
+            <a:pPr eaLnBrk="1" hangingPunct="1"/>
+            <a:r>
+              <a:rPr lang="fr-CA" altLang="zh-CN" sz="2800" smtClean="0">
+                <a:solidFill>
+                  <a:schemeClr val="bg1"/>
+                </a:solidFill>
+              </a:rPr>
+              <a:t>Lorem ipsum dolor sit amet, consectetuer adipiscing elit. Vivamus et magna. Fusce sed sem sed magna suscipit egestas. </a:t>
             </a:r>
           </a:p>
         </p:txBody>
@@ -7588,7 +7579,7 @@
       </p:grpSpPr>
       <p:sp>
         <p:nvSpPr>
-          <p:cNvPr id="14338" name="Titre 3"/>
+          <p:cNvPr id="12290" name="Titre 3"/>
           <p:cNvSpPr>
             <a:spLocks noGrp="1"/>
           </p:cNvSpPr>
@@ -7621,7 +7612,7 @@
       </p:sp>
       <p:sp>
         <p:nvSpPr>
-          <p:cNvPr id="14339" name="Espace réservé du contenu 4"/>
+          <p:cNvPr id="12291" name="Espace réservé du contenu 4"/>
           <p:cNvSpPr>
             <a:spLocks noGrp="1"/>
           </p:cNvSpPr>
@@ -7708,7 +7699,7 @@
       </p:grpSpPr>
       <p:sp>
         <p:nvSpPr>
-          <p:cNvPr id="15362" name="Titre 3"/>
+          <p:cNvPr id="13314" name="Titre 3"/>
           <p:cNvSpPr>
             <a:spLocks noGrp="1"/>
           </p:cNvSpPr>
@@ -7719,7 +7710,7 @@
         <p:spPr>
           <a:xfrm>
             <a:off x="857250" y="2643188"/>
-            <a:ext cx="4938713" cy="1143000"/>
+            <a:ext cx="4143375" cy="1143000"/>
           </a:xfrm>
         </p:spPr>
         <p:txBody>
@@ -7734,14 +7725,14 @@
                 </a:solidFill>
                 <a:latin typeface="FFF Tusj" pitchFamily="18" charset="0"/>
               </a:rPr>
-              <a:t>Database(Cont...)</a:t>
+              <a:t>Location</a:t>
             </a:r>
           </a:p>
         </p:txBody>
       </p:sp>
       <p:sp>
         <p:nvSpPr>
-          <p:cNvPr id="15363" name="Espace réservé du contenu 4"/>
+          <p:cNvPr id="13315" name="Espace réservé du contenu 4"/>
           <p:cNvSpPr>
             <a:spLocks noGrp="1"/>
           </p:cNvSpPr>
@@ -7766,7 +7757,7 @@
                   <a:schemeClr val="bg1"/>
                 </a:solidFill>
               </a:rPr>
-              <a:t>picture</a:t>
+              <a:t>Google map</a:t>
             </a:r>
           </a:p>
         </p:txBody>
@@ -7817,6 +7808,235 @@
       </p:grpSpPr>
       <p:sp>
         <p:nvSpPr>
+          <p:cNvPr id="14338" name="Titre 3"/>
+          <p:cNvSpPr>
+            <a:spLocks noGrp="1"/>
+          </p:cNvSpPr>
+          <p:nvPr>
+            <p:ph type="title"/>
+          </p:nvPr>
+        </p:nvSpPr>
+        <p:spPr>
+          <a:xfrm>
+            <a:off x="857250" y="2643188"/>
+            <a:ext cx="4143375" cy="1143000"/>
+          </a:xfrm>
+        </p:spPr>
+        <p:txBody>
+          <a:bodyPr/>
+          <a:lstStyle/>
+          <a:p>
+            <a:pPr algn="l" eaLnBrk="1" hangingPunct="1"/>
+            <a:r>
+              <a:rPr lang="fr-CA" altLang="zh-CN" smtClean="0">
+                <a:solidFill>
+                  <a:schemeClr val="bg1"/>
+                </a:solidFill>
+                <a:latin typeface="FFF Tusj" pitchFamily="18" charset="0"/>
+              </a:rPr>
+              <a:t>Title</a:t>
+            </a:r>
+          </a:p>
+        </p:txBody>
+      </p:sp>
+      <p:sp>
+        <p:nvSpPr>
+          <p:cNvPr id="14339" name="Espace réservé du contenu 4"/>
+          <p:cNvSpPr>
+            <a:spLocks noGrp="1"/>
+          </p:cNvSpPr>
+          <p:nvPr>
+            <p:ph idx="1"/>
+          </p:nvPr>
+        </p:nvSpPr>
+        <p:spPr>
+          <a:xfrm>
+            <a:off x="457200" y="3643313"/>
+            <a:ext cx="8229600" cy="2928937"/>
+          </a:xfrm>
+        </p:spPr>
+        <p:txBody>
+          <a:bodyPr/>
+          <a:lstStyle/>
+          <a:p>
+            <a:pPr eaLnBrk="1" hangingPunct="1"/>
+            <a:r>
+              <a:rPr lang="fr-CA" altLang="zh-CN" sz="2800" smtClean="0">
+                <a:solidFill>
+                  <a:schemeClr val="bg1"/>
+                </a:solidFill>
+              </a:rPr>
+              <a:t>Lorem ipsum dolor sit amet, consectetuer adipiscing elit. Vivamus et magna. Fusce sed sem sed magna suscipit egestas. </a:t>
+            </a:r>
+          </a:p>
+          <a:p>
+            <a:pPr eaLnBrk="1" hangingPunct="1"/>
+            <a:r>
+              <a:rPr lang="fr-CA" altLang="zh-CN" sz="2800" smtClean="0">
+                <a:solidFill>
+                  <a:schemeClr val="bg1"/>
+                </a:solidFill>
+              </a:rPr>
+              <a:t>Lorem ipsum dolor sit amet, consectetuer adipiscing elit. Vivamus et magna. Fusce sed sem sed magna suscipit egestas. </a:t>
+            </a:r>
+          </a:p>
+        </p:txBody>
+      </p:sp>
+    </p:spTree>
+  </p:cSld>
+  <p:clrMapOvr>
+    <a:masterClrMapping/>
+  </p:clrMapOvr>
+  <p:timing>
+    <p:tnLst>
+      <p:par>
+        <p:cTn id="1" dur="indefinite" restart="never" nodeType="tmRoot"/>
+      </p:par>
+    </p:tnLst>
+  </p:timing>
+</p:sld>
+</file>
+
+<file path=ppt/slides/slide18.xml><?xml version="1.0" encoding="utf-8"?>
+<p:sld xmlns:a="http://schemas.openxmlformats.org/drawingml/2006/main" xmlns:r="http://schemas.openxmlformats.org/officeDocument/2006/relationships" xmlns:p="http://schemas.openxmlformats.org/presentationml/2006/main">
+  <p:cSld>
+    <p:bg>
+      <p:bgPr>
+        <a:blipFill dpi="0" rotWithShape="0">
+          <a:blip r:embed="rId2"/>
+          <a:srcRect/>
+          <a:stretch>
+            <a:fillRect/>
+          </a:stretch>
+        </a:blipFill>
+        <a:effectLst/>
+      </p:bgPr>
+    </p:bg>
+    <p:spTree>
+      <p:nvGrpSpPr>
+        <p:cNvPr id="1" name=""/>
+        <p:cNvGrpSpPr/>
+        <p:nvPr/>
+      </p:nvGrpSpPr>
+      <p:grpSpPr>
+        <a:xfrm>
+          <a:off x="0" y="0"/>
+          <a:ext cx="0" cy="0"/>
+          <a:chOff x="0" y="0"/>
+          <a:chExt cx="0" cy="0"/>
+        </a:xfrm>
+      </p:grpSpPr>
+      <p:sp>
+        <p:nvSpPr>
+          <p:cNvPr id="15362" name="Titre 3"/>
+          <p:cNvSpPr>
+            <a:spLocks noGrp="1"/>
+          </p:cNvSpPr>
+          <p:nvPr>
+            <p:ph type="title"/>
+          </p:nvPr>
+        </p:nvSpPr>
+        <p:spPr>
+          <a:xfrm>
+            <a:off x="857250" y="2643188"/>
+            <a:ext cx="4938713" cy="1143000"/>
+          </a:xfrm>
+        </p:spPr>
+        <p:txBody>
+          <a:bodyPr/>
+          <a:lstStyle/>
+          <a:p>
+            <a:pPr algn="l" eaLnBrk="1" hangingPunct="1"/>
+            <a:r>
+              <a:rPr lang="fr-CA" altLang="zh-CN" smtClean="0">
+                <a:solidFill>
+                  <a:schemeClr val="bg1"/>
+                </a:solidFill>
+                <a:latin typeface="FFF Tusj" pitchFamily="18" charset="0"/>
+              </a:rPr>
+              <a:t>Database(Cont...)</a:t>
+            </a:r>
+          </a:p>
+        </p:txBody>
+      </p:sp>
+      <p:sp>
+        <p:nvSpPr>
+          <p:cNvPr id="15363" name="Espace réservé du contenu 4"/>
+          <p:cNvSpPr>
+            <a:spLocks noGrp="1"/>
+          </p:cNvSpPr>
+          <p:nvPr>
+            <p:ph idx="1"/>
+          </p:nvPr>
+        </p:nvSpPr>
+        <p:spPr>
+          <a:xfrm>
+            <a:off x="457200" y="3643313"/>
+            <a:ext cx="8229600" cy="2928937"/>
+          </a:xfrm>
+        </p:spPr>
+        <p:txBody>
+          <a:bodyPr/>
+          <a:lstStyle/>
+          <a:p>
+            <a:pPr eaLnBrk="1" hangingPunct="1"/>
+            <a:r>
+              <a:rPr lang="fr-CA" altLang="zh-CN" sz="2800" smtClean="0">
+                <a:solidFill>
+                  <a:schemeClr val="bg1"/>
+                </a:solidFill>
+              </a:rPr>
+              <a:t>picture</a:t>
+            </a:r>
+          </a:p>
+        </p:txBody>
+      </p:sp>
+    </p:spTree>
+  </p:cSld>
+  <p:clrMapOvr>
+    <a:masterClrMapping/>
+  </p:clrMapOvr>
+  <p:timing>
+    <p:tnLst>
+      <p:par>
+        <p:cTn id="1" dur="indefinite" restart="never" nodeType="tmRoot"/>
+      </p:par>
+    </p:tnLst>
+  </p:timing>
+</p:sld>
+</file>
+
+<file path=ppt/slides/slide19.xml><?xml version="1.0" encoding="utf-8"?>
+<p:sld xmlns:a="http://schemas.openxmlformats.org/drawingml/2006/main" xmlns:r="http://schemas.openxmlformats.org/officeDocument/2006/relationships" xmlns:p="http://schemas.openxmlformats.org/presentationml/2006/main">
+  <p:cSld>
+    <p:bg>
+      <p:bgPr>
+        <a:blipFill dpi="0" rotWithShape="0">
+          <a:blip r:embed="rId2"/>
+          <a:srcRect/>
+          <a:stretch>
+            <a:fillRect/>
+          </a:stretch>
+        </a:blipFill>
+        <a:effectLst/>
+      </p:bgPr>
+    </p:bg>
+    <p:spTree>
+      <p:nvGrpSpPr>
+        <p:cNvPr id="1" name=""/>
+        <p:cNvGrpSpPr/>
+        <p:nvPr/>
+      </p:nvGrpSpPr>
+      <p:grpSpPr>
+        <a:xfrm>
+          <a:off x="0" y="0"/>
+          <a:ext cx="0" cy="0"/>
+          <a:chOff x="0" y="0"/>
+          <a:chExt cx="0" cy="0"/>
+        </a:xfrm>
+      </p:grpSpPr>
+      <p:sp>
+        <p:nvSpPr>
           <p:cNvPr id="16386" name="Titre 3"/>
           <p:cNvSpPr>
             <a:spLocks noGrp="1"/>
@@ -7895,7 +8115,679 @@
 </p:sld>
 </file>
 
-<file path=ppt/slides/slide18.xml><?xml version="1.0" encoding="utf-8"?>
+<file path=ppt/slides/slide2.xml><?xml version="1.0" encoding="utf-8"?>
+<p:sld xmlns:a="http://schemas.openxmlformats.org/drawingml/2006/main" xmlns:r="http://schemas.openxmlformats.org/officeDocument/2006/relationships" xmlns:p="http://schemas.openxmlformats.org/presentationml/2006/main">
+  <p:cSld>
+    <p:bg>
+      <p:bgPr>
+        <a:blipFill dpi="0" rotWithShape="0">
+          <a:blip r:embed="rId2"/>
+          <a:srcRect/>
+          <a:stretch>
+            <a:fillRect/>
+          </a:stretch>
+        </a:blipFill>
+        <a:effectLst/>
+      </p:bgPr>
+    </p:bg>
+    <p:spTree>
+      <p:nvGrpSpPr>
+        <p:cNvPr id="1" name=""/>
+        <p:cNvGrpSpPr/>
+        <p:nvPr/>
+      </p:nvGrpSpPr>
+      <p:grpSpPr>
+        <a:xfrm>
+          <a:off x="0" y="0"/>
+          <a:ext cx="0" cy="0"/>
+          <a:chOff x="0" y="0"/>
+          <a:chExt cx="0" cy="0"/>
+        </a:xfrm>
+      </p:grpSpPr>
+      <p:sp>
+        <p:nvSpPr>
+          <p:cNvPr id="3074" name="Titre 1"/>
+          <p:cNvSpPr>
+            <a:spLocks noGrp="1"/>
+          </p:cNvSpPr>
+          <p:nvPr>
+            <p:ph type="title"/>
+          </p:nvPr>
+        </p:nvSpPr>
+        <p:spPr>
+          <a:xfrm>
+            <a:off x="2528888" y="214313"/>
+            <a:ext cx="6615112" cy="1143000"/>
+          </a:xfrm>
+        </p:spPr>
+        <p:txBody>
+          <a:bodyPr/>
+          <a:lstStyle/>
+          <a:p>
+            <a:pPr algn="l" eaLnBrk="1" hangingPunct="1"/>
+            <a:r>
+              <a:rPr lang="fr-CA" altLang="zh-CN" dirty="0" smtClean="0">
+                <a:solidFill>
+                  <a:schemeClr val="bg1"/>
+                </a:solidFill>
+                <a:latin typeface="FFF Tusj" pitchFamily="18" charset="0"/>
+              </a:rPr>
+              <a:t>Introdution </a:t>
+            </a:r>
+            <a:r>
+              <a:rPr lang="zh-CN" altLang="en-US" dirty="0" smtClean="0">
+                <a:solidFill>
+                  <a:schemeClr val="bg1"/>
+                </a:solidFill>
+                <a:latin typeface="FFF Tusj" pitchFamily="18" charset="0"/>
+              </a:rPr>
+              <a:t>（</a:t>
+            </a:r>
+            <a:r>
+              <a:rPr lang="en-US" altLang="zh-CN" dirty="0" smtClean="0">
+                <a:solidFill>
+                  <a:schemeClr val="bg1"/>
+                </a:solidFill>
+                <a:latin typeface="FFF Tusj" pitchFamily="18" charset="0"/>
+              </a:rPr>
+              <a:t>Cont..</a:t>
+            </a:r>
+            <a:r>
+              <a:rPr lang="zh-CN" altLang="en-US" dirty="0" smtClean="0">
+                <a:solidFill>
+                  <a:schemeClr val="bg1"/>
+                </a:solidFill>
+                <a:latin typeface="FFF Tusj" pitchFamily="18" charset="0"/>
+              </a:rPr>
+              <a:t>）</a:t>
+            </a:r>
+            <a:endParaRPr lang="fr-CA" altLang="zh-CN" dirty="0" smtClean="0">
+              <a:solidFill>
+                <a:schemeClr val="bg1"/>
+              </a:solidFill>
+              <a:latin typeface="FFF Tusj" pitchFamily="18" charset="0"/>
+            </a:endParaRPr>
+          </a:p>
+        </p:txBody>
+      </p:sp>
+      <p:sp>
+        <p:nvSpPr>
+          <p:cNvPr id="3075" name="Espace réservé du contenu 2"/>
+          <p:cNvSpPr>
+            <a:spLocks noGrp="1"/>
+          </p:cNvSpPr>
+          <p:nvPr>
+            <p:ph idx="1"/>
+          </p:nvPr>
+        </p:nvSpPr>
+        <p:spPr>
+          <a:xfrm>
+            <a:off x="2383780" y="1814091"/>
+            <a:ext cx="6615112" cy="4525962"/>
+          </a:xfrm>
+        </p:spPr>
+        <p:txBody>
+          <a:bodyPr/>
+          <a:lstStyle/>
+          <a:p>
+            <a:pPr marL="0" indent="0" eaLnBrk="1" hangingPunct="1">
+              <a:buFont typeface="Arial" charset="0"/>
+              <a:buNone/>
+              <a:defRPr/>
+            </a:pPr>
+            <a:endParaRPr lang="fr-CA" altLang="zh-CN" sz="2800" dirty="0" smtClean="0">
+              <a:solidFill>
+                <a:schemeClr val="bg1"/>
+              </a:solidFill>
+            </a:endParaRPr>
+          </a:p>
+          <a:p>
+            <a:pPr eaLnBrk="1" hangingPunct="1">
+              <a:defRPr/>
+            </a:pPr>
+            <a:r>
+              <a:rPr lang="fr-CA" altLang="zh-CN" sz="2800" dirty="0" smtClean="0">
+                <a:solidFill>
+                  <a:schemeClr val="bg1"/>
+                </a:solidFill>
+              </a:rPr>
+              <a:t>long term heavy load</a:t>
+            </a:r>
+          </a:p>
+          <a:p>
+            <a:pPr marL="0" indent="0" eaLnBrk="1" hangingPunct="1">
+              <a:buNone/>
+              <a:defRPr/>
+            </a:pPr>
+            <a:endParaRPr lang="fr-CA" altLang="zh-CN" sz="2800" dirty="0" smtClean="0">
+              <a:solidFill>
+                <a:schemeClr val="bg1"/>
+              </a:solidFill>
+            </a:endParaRPr>
+          </a:p>
+          <a:p>
+            <a:pPr eaLnBrk="1" hangingPunct="1">
+              <a:defRPr/>
+            </a:pPr>
+            <a:r>
+              <a:rPr lang="fr-CA" altLang="zh-CN" sz="2800" dirty="0" smtClean="0">
+                <a:solidFill>
+                  <a:schemeClr val="bg1"/>
+                </a:solidFill>
+              </a:rPr>
+              <a:t>Humdrum living environmet</a:t>
+            </a:r>
+          </a:p>
+          <a:p>
+            <a:pPr eaLnBrk="1" hangingPunct="1">
+              <a:defRPr/>
+            </a:pPr>
+            <a:endParaRPr lang="fr-CA" altLang="zh-CN" sz="2800" dirty="0" smtClean="0">
+              <a:solidFill>
+                <a:schemeClr val="bg1"/>
+              </a:solidFill>
+            </a:endParaRPr>
+          </a:p>
+        </p:txBody>
+      </p:sp>
+      <p:pic>
+        <p:nvPicPr>
+          <p:cNvPr id="2" name="图片 1"/>
+          <p:cNvPicPr>
+            <a:picLocks noChangeAspect="1"/>
+          </p:cNvPicPr>
+          <p:nvPr/>
+        </p:nvPicPr>
+        <p:blipFill>
+          <a:blip r:embed="rId3">
+            <a:extLst>
+              <a:ext uri="{28A0092B-C50C-407E-A947-70E740481C1C}">
+                <a14:useLocalDpi xmlns:a14="http://schemas.microsoft.com/office/drawing/2010/main" val="0"/>
+              </a:ext>
+            </a:extLst>
+          </a:blip>
+          <a:stretch>
+            <a:fillRect/>
+          </a:stretch>
+        </p:blipFill>
+        <p:spPr>
+          <a:xfrm>
+            <a:off x="6156176" y="1628799"/>
+            <a:ext cx="2664296" cy="1866669"/>
+          </a:xfrm>
+          <a:prstGeom prst="rect">
+            <a:avLst/>
+          </a:prstGeom>
+        </p:spPr>
+      </p:pic>
+      <p:pic>
+        <p:nvPicPr>
+          <p:cNvPr id="3" name="图片 2"/>
+          <p:cNvPicPr>
+            <a:picLocks noChangeAspect="1"/>
+          </p:cNvPicPr>
+          <p:nvPr/>
+        </p:nvPicPr>
+        <p:blipFill>
+          <a:blip r:embed="rId4">
+            <a:extLst>
+              <a:ext uri="{28A0092B-C50C-407E-A947-70E740481C1C}">
+                <a14:useLocalDpi xmlns:a14="http://schemas.microsoft.com/office/drawing/2010/main" val="0"/>
+              </a:ext>
+            </a:extLst>
+          </a:blip>
+          <a:stretch>
+            <a:fillRect/>
+          </a:stretch>
+        </p:blipFill>
+        <p:spPr>
+          <a:xfrm>
+            <a:off x="3656637" y="4077071"/>
+            <a:ext cx="3827991" cy="2393555"/>
+          </a:xfrm>
+          <a:prstGeom prst="rect">
+            <a:avLst/>
+          </a:prstGeom>
+        </p:spPr>
+      </p:pic>
+    </p:spTree>
+  </p:cSld>
+  <p:clrMapOvr>
+    <a:masterClrMapping/>
+  </p:clrMapOvr>
+  <p:timing>
+    <p:tnLst>
+      <p:par>
+        <p:cTn id="1" dur="indefinite" restart="never" nodeType="tmRoot">
+          <p:childTnLst>
+            <p:seq concurrent="1" nextAc="seek">
+              <p:cTn id="2" dur="indefinite" nodeType="mainSeq">
+                <p:childTnLst>
+                  <p:par>
+                    <p:cTn id="3" fill="hold">
+                      <p:stCondLst>
+                        <p:cond delay="indefinite"/>
+                      </p:stCondLst>
+                      <p:childTnLst>
+                        <p:par>
+                          <p:cTn id="4" fill="hold">
+                            <p:stCondLst>
+                              <p:cond delay="0"/>
+                            </p:stCondLst>
+                            <p:childTnLst>
+                              <p:par>
+                                <p:cTn id="5" presetID="2" presetClass="entr" presetSubtype="4" fill="hold" grpId="0" nodeType="clickEffect">
+                                  <p:stCondLst>
+                                    <p:cond delay="0"/>
+                                  </p:stCondLst>
+                                  <p:childTnLst>
+                                    <p:set>
+                                      <p:cBhvr>
+                                        <p:cTn id="6" dur="1" fill="hold">
+                                          <p:stCondLst>
+                                            <p:cond delay="0"/>
+                                          </p:stCondLst>
+                                        </p:cTn>
+                                        <p:tgtEl>
+                                          <p:spTgt spid="3075">
+                                            <p:txEl>
+                                              <p:pRg st="1" end="1"/>
+                                            </p:txEl>
+                                          </p:spTgt>
+                                        </p:tgtEl>
+                                        <p:attrNameLst>
+                                          <p:attrName>style.visibility</p:attrName>
+                                        </p:attrNameLst>
+                                      </p:cBhvr>
+                                      <p:to>
+                                        <p:strVal val="visible"/>
+                                      </p:to>
+                                    </p:set>
+                                    <p:anim calcmode="lin" valueType="num">
+                                      <p:cBhvr additive="base">
+                                        <p:cTn id="7" dur="500" fill="hold"/>
+                                        <p:tgtEl>
+                                          <p:spTgt spid="3075">
+                                            <p:txEl>
+                                              <p:pRg st="1" end="1"/>
+                                            </p:txEl>
+                                          </p:spTgt>
+                                        </p:tgtEl>
+                                        <p:attrNameLst>
+                                          <p:attrName>ppt_x</p:attrName>
+                                        </p:attrNameLst>
+                                      </p:cBhvr>
+                                      <p:tavLst>
+                                        <p:tav tm="0">
+                                          <p:val>
+                                            <p:strVal val="#ppt_x"/>
+                                          </p:val>
+                                        </p:tav>
+                                        <p:tav tm="100000">
+                                          <p:val>
+                                            <p:strVal val="#ppt_x"/>
+                                          </p:val>
+                                        </p:tav>
+                                      </p:tavLst>
+                                    </p:anim>
+                                    <p:anim calcmode="lin" valueType="num">
+                                      <p:cBhvr additive="base">
+                                        <p:cTn id="8" dur="500" fill="hold"/>
+                                        <p:tgtEl>
+                                          <p:spTgt spid="3075">
+                                            <p:txEl>
+                                              <p:pRg st="1" end="1"/>
+                                            </p:txEl>
+                                          </p:spTgt>
+                                        </p:tgtEl>
+                                        <p:attrNameLst>
+                                          <p:attrName>ppt_y</p:attrName>
+                                        </p:attrNameLst>
+                                      </p:cBhvr>
+                                      <p:tavLst>
+                                        <p:tav tm="0">
+                                          <p:val>
+                                            <p:strVal val="1+#ppt_h/2"/>
+                                          </p:val>
+                                        </p:tav>
+                                        <p:tav tm="100000">
+                                          <p:val>
+                                            <p:strVal val="#ppt_y"/>
+                                          </p:val>
+                                        </p:tav>
+                                      </p:tavLst>
+                                    </p:anim>
+                                  </p:childTnLst>
+                                </p:cTn>
+                              </p:par>
+                            </p:childTnLst>
+                          </p:cTn>
+                        </p:par>
+                      </p:childTnLst>
+                    </p:cTn>
+                  </p:par>
+                  <p:par>
+                    <p:cTn id="9" fill="hold">
+                      <p:stCondLst>
+                        <p:cond delay="indefinite"/>
+                      </p:stCondLst>
+                      <p:childTnLst>
+                        <p:par>
+                          <p:cTn id="10" fill="hold">
+                            <p:stCondLst>
+                              <p:cond delay="0"/>
+                            </p:stCondLst>
+                            <p:childTnLst>
+                              <p:par>
+                                <p:cTn id="11" presetID="2" presetClass="entr" presetSubtype="4" fill="hold" grpId="0" nodeType="clickEffect">
+                                  <p:stCondLst>
+                                    <p:cond delay="0"/>
+                                  </p:stCondLst>
+                                  <p:childTnLst>
+                                    <p:set>
+                                      <p:cBhvr>
+                                        <p:cTn id="12" dur="1" fill="hold">
+                                          <p:stCondLst>
+                                            <p:cond delay="0"/>
+                                          </p:stCondLst>
+                                        </p:cTn>
+                                        <p:tgtEl>
+                                          <p:spTgt spid="3075">
+                                            <p:txEl>
+                                              <p:pRg st="3" end="3"/>
+                                            </p:txEl>
+                                          </p:spTgt>
+                                        </p:tgtEl>
+                                        <p:attrNameLst>
+                                          <p:attrName>style.visibility</p:attrName>
+                                        </p:attrNameLst>
+                                      </p:cBhvr>
+                                      <p:to>
+                                        <p:strVal val="visible"/>
+                                      </p:to>
+                                    </p:set>
+                                    <p:anim calcmode="lin" valueType="num">
+                                      <p:cBhvr additive="base">
+                                        <p:cTn id="13" dur="500" fill="hold"/>
+                                        <p:tgtEl>
+                                          <p:spTgt spid="3075">
+                                            <p:txEl>
+                                              <p:pRg st="3" end="3"/>
+                                            </p:txEl>
+                                          </p:spTgt>
+                                        </p:tgtEl>
+                                        <p:attrNameLst>
+                                          <p:attrName>ppt_x</p:attrName>
+                                        </p:attrNameLst>
+                                      </p:cBhvr>
+                                      <p:tavLst>
+                                        <p:tav tm="0">
+                                          <p:val>
+                                            <p:strVal val="#ppt_x"/>
+                                          </p:val>
+                                        </p:tav>
+                                        <p:tav tm="100000">
+                                          <p:val>
+                                            <p:strVal val="#ppt_x"/>
+                                          </p:val>
+                                        </p:tav>
+                                      </p:tavLst>
+                                    </p:anim>
+                                    <p:anim calcmode="lin" valueType="num">
+                                      <p:cBhvr additive="base">
+                                        <p:cTn id="14" dur="500" fill="hold"/>
+                                        <p:tgtEl>
+                                          <p:spTgt spid="3075">
+                                            <p:txEl>
+                                              <p:pRg st="3" end="3"/>
+                                            </p:txEl>
+                                          </p:spTgt>
+                                        </p:tgtEl>
+                                        <p:attrNameLst>
+                                          <p:attrName>ppt_y</p:attrName>
+                                        </p:attrNameLst>
+                                      </p:cBhvr>
+                                      <p:tavLst>
+                                        <p:tav tm="0">
+                                          <p:val>
+                                            <p:strVal val="1+#ppt_h/2"/>
+                                          </p:val>
+                                        </p:tav>
+                                        <p:tav tm="100000">
+                                          <p:val>
+                                            <p:strVal val="#ppt_y"/>
+                                          </p:val>
+                                        </p:tav>
+                                      </p:tavLst>
+                                    </p:anim>
+                                  </p:childTnLst>
+                                </p:cTn>
+                              </p:par>
+                            </p:childTnLst>
+                          </p:cTn>
+                        </p:par>
+                      </p:childTnLst>
+                    </p:cTn>
+                  </p:par>
+                  <p:par>
+                    <p:cTn id="15" fill="hold">
+                      <p:stCondLst>
+                        <p:cond delay="indefinite"/>
+                      </p:stCondLst>
+                      <p:childTnLst>
+                        <p:par>
+                          <p:cTn id="16" fill="hold">
+                            <p:stCondLst>
+                              <p:cond delay="0"/>
+                            </p:stCondLst>
+                            <p:childTnLst>
+                              <p:par>
+                                <p:cTn id="17" presetID="2" presetClass="entr" presetSubtype="4" fill="hold" nodeType="clickEffect">
+                                  <p:stCondLst>
+                                    <p:cond delay="0"/>
+                                  </p:stCondLst>
+                                  <p:childTnLst>
+                                    <p:set>
+                                      <p:cBhvr>
+                                        <p:cTn id="18" dur="1" fill="hold">
+                                          <p:stCondLst>
+                                            <p:cond delay="0"/>
+                                          </p:stCondLst>
+                                        </p:cTn>
+                                        <p:tgtEl>
+                                          <p:spTgt spid="2"/>
+                                        </p:tgtEl>
+                                        <p:attrNameLst>
+                                          <p:attrName>style.visibility</p:attrName>
+                                        </p:attrNameLst>
+                                      </p:cBhvr>
+                                      <p:to>
+                                        <p:strVal val="visible"/>
+                                      </p:to>
+                                    </p:set>
+                                    <p:anim calcmode="lin" valueType="num">
+                                      <p:cBhvr additive="base">
+                                        <p:cTn id="19" dur="500" fill="hold"/>
+                                        <p:tgtEl>
+                                          <p:spTgt spid="2"/>
+                                        </p:tgtEl>
+                                        <p:attrNameLst>
+                                          <p:attrName>ppt_x</p:attrName>
+                                        </p:attrNameLst>
+                                      </p:cBhvr>
+                                      <p:tavLst>
+                                        <p:tav tm="0">
+                                          <p:val>
+                                            <p:strVal val="#ppt_x"/>
+                                          </p:val>
+                                        </p:tav>
+                                        <p:tav tm="100000">
+                                          <p:val>
+                                            <p:strVal val="#ppt_x"/>
+                                          </p:val>
+                                        </p:tav>
+                                      </p:tavLst>
+                                    </p:anim>
+                                    <p:anim calcmode="lin" valueType="num">
+                                      <p:cBhvr additive="base">
+                                        <p:cTn id="20" dur="500" fill="hold"/>
+                                        <p:tgtEl>
+                                          <p:spTgt spid="2"/>
+                                        </p:tgtEl>
+                                        <p:attrNameLst>
+                                          <p:attrName>ppt_y</p:attrName>
+                                        </p:attrNameLst>
+                                      </p:cBhvr>
+                                      <p:tavLst>
+                                        <p:tav tm="0">
+                                          <p:val>
+                                            <p:strVal val="1+#ppt_h/2"/>
+                                          </p:val>
+                                        </p:tav>
+                                        <p:tav tm="100000">
+                                          <p:val>
+                                            <p:strVal val="#ppt_y"/>
+                                          </p:val>
+                                        </p:tav>
+                                      </p:tavLst>
+                                    </p:anim>
+                                  </p:childTnLst>
+                                </p:cTn>
+                              </p:par>
+                            </p:childTnLst>
+                          </p:cTn>
+                        </p:par>
+                      </p:childTnLst>
+                    </p:cTn>
+                  </p:par>
+                  <p:par>
+                    <p:cTn id="21" fill="hold">
+                      <p:stCondLst>
+                        <p:cond delay="indefinite"/>
+                      </p:stCondLst>
+                      <p:childTnLst>
+                        <p:par>
+                          <p:cTn id="22" fill="hold">
+                            <p:stCondLst>
+                              <p:cond delay="0"/>
+                            </p:stCondLst>
+                            <p:childTnLst>
+                              <p:par>
+                                <p:cTn id="23" presetID="42" presetClass="entr" presetSubtype="0" fill="hold" nodeType="clickEffect">
+                                  <p:stCondLst>
+                                    <p:cond delay="0"/>
+                                  </p:stCondLst>
+                                  <p:childTnLst>
+                                    <p:set>
+                                      <p:cBhvr>
+                                        <p:cTn id="24" dur="1" fill="hold">
+                                          <p:stCondLst>
+                                            <p:cond delay="0"/>
+                                          </p:stCondLst>
+                                        </p:cTn>
+                                        <p:tgtEl>
+                                          <p:spTgt spid="3"/>
+                                        </p:tgtEl>
+                                        <p:attrNameLst>
+                                          <p:attrName>style.visibility</p:attrName>
+                                        </p:attrNameLst>
+                                      </p:cBhvr>
+                                      <p:to>
+                                        <p:strVal val="visible"/>
+                                      </p:to>
+                                    </p:set>
+                                    <p:animEffect transition="in" filter="fade">
+                                      <p:cBhvr>
+                                        <p:cTn id="25" dur="1000"/>
+                                        <p:tgtEl>
+                                          <p:spTgt spid="3"/>
+                                        </p:tgtEl>
+                                      </p:cBhvr>
+                                    </p:animEffect>
+                                    <p:anim calcmode="lin" valueType="num">
+                                      <p:cBhvr>
+                                        <p:cTn id="26" dur="1000" fill="hold"/>
+                                        <p:tgtEl>
+                                          <p:spTgt spid="3"/>
+                                        </p:tgtEl>
+                                        <p:attrNameLst>
+                                          <p:attrName>ppt_x</p:attrName>
+                                        </p:attrNameLst>
+                                      </p:cBhvr>
+                                      <p:tavLst>
+                                        <p:tav tm="0">
+                                          <p:val>
+                                            <p:strVal val="#ppt_x"/>
+                                          </p:val>
+                                        </p:tav>
+                                        <p:tav tm="100000">
+                                          <p:val>
+                                            <p:strVal val="#ppt_x"/>
+                                          </p:val>
+                                        </p:tav>
+                                      </p:tavLst>
+                                    </p:anim>
+                                    <p:anim calcmode="lin" valueType="num">
+                                      <p:cBhvr>
+                                        <p:cTn id="27" dur="1000" fill="hold"/>
+                                        <p:tgtEl>
+                                          <p:spTgt spid="3"/>
+                                        </p:tgtEl>
+                                        <p:attrNameLst>
+                                          <p:attrName>ppt_y</p:attrName>
+                                        </p:attrNameLst>
+                                      </p:cBhvr>
+                                      <p:tavLst>
+                                        <p:tav tm="0">
+                                          <p:val>
+                                            <p:strVal val="#ppt_y+.1"/>
+                                          </p:val>
+                                        </p:tav>
+                                        <p:tav tm="100000">
+                                          <p:val>
+                                            <p:strVal val="#ppt_y"/>
+                                          </p:val>
+                                        </p:tav>
+                                      </p:tavLst>
+                                    </p:anim>
+                                  </p:childTnLst>
+                                </p:cTn>
+                              </p:par>
+                            </p:childTnLst>
+                          </p:cTn>
+                        </p:par>
+                      </p:childTnLst>
+                    </p:cTn>
+                  </p:par>
+                </p:childTnLst>
+              </p:cTn>
+              <p:prevCondLst>
+                <p:cond evt="onPrev" delay="0">
+                  <p:tgtEl>
+                    <p:sldTgt/>
+                  </p:tgtEl>
+                </p:cond>
+              </p:prevCondLst>
+              <p:nextCondLst>
+                <p:cond evt="onNext" delay="0">
+                  <p:tgtEl>
+                    <p:sldTgt/>
+                  </p:tgtEl>
+                </p:cond>
+              </p:nextCondLst>
+            </p:seq>
+          </p:childTnLst>
+        </p:cTn>
+      </p:par>
+    </p:tnLst>
+    <p:bldLst>
+      <p:bldP spid="3075" grpId="0" build="p"/>
+    </p:bldLst>
+  </p:timing>
+</p:sld>
+</file>
+
+<file path=ppt/slides/slide20.xml><?xml version="1.0" encoding="utf-8"?>
 <p:sld xmlns:a="http://schemas.openxmlformats.org/drawingml/2006/main" xmlns:r="http://schemas.openxmlformats.org/officeDocument/2006/relationships" xmlns:p="http://schemas.openxmlformats.org/presentationml/2006/main">
   <p:cSld>
     <p:bg>
@@ -8085,7 +8977,7 @@
 </p:sld>
 </file>
 
-<file path=ppt/slides/slide19.xml><?xml version="1.0" encoding="utf-8"?>
+<file path=ppt/slides/slide21.xml><?xml version="1.0" encoding="utf-8"?>
 <p:sld xmlns:a="http://schemas.openxmlformats.org/drawingml/2006/main" xmlns:r="http://schemas.openxmlformats.org/officeDocument/2006/relationships" xmlns:p="http://schemas.openxmlformats.org/presentationml/2006/main">
   <p:cSld>
     <p:bg>
@@ -8234,228 +9126,7 @@
 </p:sld>
 </file>
 
-<file path=ppt/slides/slide2.xml><?xml version="1.0" encoding="utf-8"?>
-<p:sld xmlns:a="http://schemas.openxmlformats.org/drawingml/2006/main" xmlns:r="http://schemas.openxmlformats.org/officeDocument/2006/relationships" xmlns:p="http://schemas.openxmlformats.org/presentationml/2006/main">
-  <p:cSld>
-    <p:bg>
-      <p:bgPr>
-        <a:blipFill dpi="0" rotWithShape="0">
-          <a:blip r:embed="rId2"/>
-          <a:srcRect/>
-          <a:stretch>
-            <a:fillRect/>
-          </a:stretch>
-        </a:blipFill>
-        <a:effectLst/>
-      </p:bgPr>
-    </p:bg>
-    <p:spTree>
-      <p:nvGrpSpPr>
-        <p:cNvPr id="1" name=""/>
-        <p:cNvGrpSpPr/>
-        <p:nvPr/>
-      </p:nvGrpSpPr>
-      <p:grpSpPr>
-        <a:xfrm>
-          <a:off x="0" y="0"/>
-          <a:ext cx="0" cy="0"/>
-          <a:chOff x="0" y="0"/>
-          <a:chExt cx="0" cy="0"/>
-        </a:xfrm>
-      </p:grpSpPr>
-      <p:sp>
-        <p:nvSpPr>
-          <p:cNvPr id="3074" name="Titre 1"/>
-          <p:cNvSpPr>
-            <a:spLocks noGrp="1"/>
-          </p:cNvSpPr>
-          <p:nvPr>
-            <p:ph type="title"/>
-          </p:nvPr>
-        </p:nvSpPr>
-        <p:spPr>
-          <a:xfrm>
-            <a:off x="2528888" y="214313"/>
-            <a:ext cx="6615112" cy="1143000"/>
-          </a:xfrm>
-        </p:spPr>
-        <p:txBody>
-          <a:bodyPr/>
-          <a:lstStyle/>
-          <a:p>
-            <a:pPr algn="l" eaLnBrk="1" hangingPunct="1"/>
-            <a:r>
-              <a:rPr lang="fr-CA" altLang="zh-CN" smtClean="0">
-                <a:solidFill>
-                  <a:schemeClr val="bg1"/>
-                </a:solidFill>
-                <a:latin typeface="FFF Tusj" pitchFamily="18" charset="0"/>
-              </a:rPr>
-              <a:t>Introdution </a:t>
-            </a:r>
-            <a:r>
-              <a:rPr lang="zh-CN" altLang="en-US" smtClean="0">
-                <a:solidFill>
-                  <a:schemeClr val="bg1"/>
-                </a:solidFill>
-                <a:latin typeface="FFF Tusj" pitchFamily="18" charset="0"/>
-              </a:rPr>
-              <a:t>（</a:t>
-            </a:r>
-            <a:r>
-              <a:rPr lang="en-US" altLang="zh-CN" smtClean="0">
-                <a:solidFill>
-                  <a:schemeClr val="bg1"/>
-                </a:solidFill>
-                <a:latin typeface="FFF Tusj" pitchFamily="18" charset="0"/>
-              </a:rPr>
-              <a:t>Cont..</a:t>
-            </a:r>
-            <a:r>
-              <a:rPr lang="zh-CN" altLang="en-US" smtClean="0">
-                <a:solidFill>
-                  <a:schemeClr val="bg1"/>
-                </a:solidFill>
-                <a:latin typeface="FFF Tusj" pitchFamily="18" charset="0"/>
-              </a:rPr>
-              <a:t>）</a:t>
-            </a:r>
-            <a:endParaRPr lang="fr-CA" altLang="zh-CN" smtClean="0">
-              <a:solidFill>
-                <a:schemeClr val="bg1"/>
-              </a:solidFill>
-              <a:latin typeface="FFF Tusj" pitchFamily="18" charset="0"/>
-            </a:endParaRPr>
-          </a:p>
-        </p:txBody>
-      </p:sp>
-      <p:sp>
-        <p:nvSpPr>
-          <p:cNvPr id="3075" name="Espace réservé du contenu 2"/>
-          <p:cNvSpPr>
-            <a:spLocks noGrp="1"/>
-          </p:cNvSpPr>
-          <p:nvPr>
-            <p:ph idx="1"/>
-          </p:nvPr>
-        </p:nvSpPr>
-        <p:spPr>
-          <a:xfrm>
-            <a:off x="2357438" y="1785938"/>
-            <a:ext cx="6615112" cy="4525962"/>
-          </a:xfrm>
-        </p:spPr>
-        <p:txBody>
-          <a:bodyPr/>
-          <a:lstStyle/>
-          <a:p>
-            <a:pPr marL="0" indent="0" eaLnBrk="1" hangingPunct="1">
-              <a:buFont typeface="Arial" charset="0"/>
-              <a:buNone/>
-              <a:defRPr/>
-            </a:pPr>
-            <a:r>
-              <a:rPr lang="fr-CA" altLang="zh-CN" sz="2800" dirty="0">
-                <a:solidFill>
-                  <a:schemeClr val="bg1"/>
-                </a:solidFill>
-              </a:rPr>
-              <a:t> </a:t>
-            </a:r>
-            <a:r>
-              <a:rPr lang="fr-CA" altLang="zh-CN" sz="2800" dirty="0" smtClean="0">
-                <a:solidFill>
-                  <a:schemeClr val="bg1"/>
-                </a:solidFill>
-              </a:rPr>
-              <a:t>Trip-trip aims at helping people to:</a:t>
-            </a:r>
-          </a:p>
-          <a:p>
-            <a:pPr marL="0" indent="0" eaLnBrk="1" hangingPunct="1">
-              <a:buFont typeface="Arial" charset="0"/>
-              <a:buNone/>
-              <a:defRPr/>
-            </a:pPr>
-            <a:endParaRPr lang="fr-CA" altLang="zh-CN" sz="2800" dirty="0" smtClean="0">
-              <a:solidFill>
-                <a:schemeClr val="bg1"/>
-              </a:solidFill>
-            </a:endParaRPr>
-          </a:p>
-          <a:p>
-            <a:pPr eaLnBrk="1" hangingPunct="1">
-              <a:defRPr/>
-            </a:pPr>
-            <a:r>
-              <a:rPr lang="fr-CA" altLang="zh-CN" sz="2800" dirty="0" smtClean="0">
-                <a:solidFill>
-                  <a:schemeClr val="bg1"/>
-                </a:solidFill>
-              </a:rPr>
-              <a:t> Keep footprint and memory of the trip</a:t>
-            </a:r>
-          </a:p>
-          <a:p>
-            <a:pPr eaLnBrk="1" hangingPunct="1">
-              <a:defRPr/>
-            </a:pPr>
-            <a:r>
-              <a:rPr lang="fr-CA" altLang="zh-CN" sz="2800" dirty="0">
-                <a:solidFill>
-                  <a:schemeClr val="bg1"/>
-                </a:solidFill>
-              </a:rPr>
-              <a:t>G</a:t>
-            </a:r>
-            <a:r>
-              <a:rPr lang="fr-CA" altLang="zh-CN" sz="2800" dirty="0" smtClean="0">
-                <a:solidFill>
-                  <a:schemeClr val="bg1"/>
-                </a:solidFill>
-              </a:rPr>
-              <a:t>et infomation of the scenic spots</a:t>
-            </a:r>
-          </a:p>
-          <a:p>
-            <a:pPr eaLnBrk="1" hangingPunct="1">
-              <a:defRPr/>
-            </a:pPr>
-            <a:r>
-              <a:rPr lang="fr-CA" altLang="zh-CN" sz="2800" dirty="0">
-                <a:solidFill>
-                  <a:schemeClr val="bg1"/>
-                </a:solidFill>
-              </a:rPr>
-              <a:t>M</a:t>
-            </a:r>
-            <a:r>
-              <a:rPr lang="fr-CA" altLang="zh-CN" sz="2800" dirty="0" smtClean="0">
-                <a:solidFill>
-                  <a:schemeClr val="bg1"/>
-                </a:solidFill>
-              </a:rPr>
-              <a:t>ake friends during trip</a:t>
-            </a:r>
-          </a:p>
-        </p:txBody>
-      </p:sp>
-    </p:spTree>
-  </p:cSld>
-  <p:clrMapOvr>
-    <a:masterClrMapping/>
-  </p:clrMapOvr>
-  <p:timing>
-    <p:tnLst>
-      <p:par>
-        <p:cTn id="1" dur="indefinite" restart="never" nodeType="tmRoot"/>
-      </p:par>
-    </p:tnLst>
-  </p:timing>
-</p:sld>
-</file>
-
-<file path=ppt/slides/slide20.xml><?xml version="1.0" encoding="utf-8"?>
+<file path=ppt/slides/slide22.xml><?xml version="1.0" encoding="utf-8"?>
 <p:sld xmlns:a="http://schemas.openxmlformats.org/drawingml/2006/main" xmlns:r="http://schemas.openxmlformats.org/officeDocument/2006/relationships" xmlns:p="http://schemas.openxmlformats.org/presentationml/2006/main">
   <p:cSld>
     <p:bg>
@@ -8746,6 +9417,562 @@
       </p:grpSpPr>
       <p:sp>
         <p:nvSpPr>
+          <p:cNvPr id="3074" name="Titre 1"/>
+          <p:cNvSpPr>
+            <a:spLocks noGrp="1"/>
+          </p:cNvSpPr>
+          <p:nvPr>
+            <p:ph type="title"/>
+          </p:nvPr>
+        </p:nvSpPr>
+        <p:spPr>
+          <a:xfrm>
+            <a:off x="2528888" y="214313"/>
+            <a:ext cx="6615112" cy="1143000"/>
+          </a:xfrm>
+        </p:spPr>
+        <p:txBody>
+          <a:bodyPr/>
+          <a:lstStyle/>
+          <a:p>
+            <a:pPr algn="l" eaLnBrk="1" hangingPunct="1"/>
+            <a:r>
+              <a:rPr lang="fr-CA" altLang="zh-CN" smtClean="0">
+                <a:solidFill>
+                  <a:schemeClr val="bg1"/>
+                </a:solidFill>
+                <a:latin typeface="FFF Tusj" pitchFamily="18" charset="0"/>
+              </a:rPr>
+              <a:t>Introdution </a:t>
+            </a:r>
+            <a:r>
+              <a:rPr lang="zh-CN" altLang="en-US" smtClean="0">
+                <a:solidFill>
+                  <a:schemeClr val="bg1"/>
+                </a:solidFill>
+                <a:latin typeface="FFF Tusj" pitchFamily="18" charset="0"/>
+              </a:rPr>
+              <a:t>（</a:t>
+            </a:r>
+            <a:r>
+              <a:rPr lang="en-US" altLang="zh-CN" smtClean="0">
+                <a:solidFill>
+                  <a:schemeClr val="bg1"/>
+                </a:solidFill>
+                <a:latin typeface="FFF Tusj" pitchFamily="18" charset="0"/>
+              </a:rPr>
+              <a:t>Cont..</a:t>
+            </a:r>
+            <a:r>
+              <a:rPr lang="zh-CN" altLang="en-US" smtClean="0">
+                <a:solidFill>
+                  <a:schemeClr val="bg1"/>
+                </a:solidFill>
+                <a:latin typeface="FFF Tusj" pitchFamily="18" charset="0"/>
+              </a:rPr>
+              <a:t>）</a:t>
+            </a:r>
+            <a:endParaRPr lang="fr-CA" altLang="zh-CN" smtClean="0">
+              <a:solidFill>
+                <a:schemeClr val="bg1"/>
+              </a:solidFill>
+              <a:latin typeface="FFF Tusj" pitchFamily="18" charset="0"/>
+            </a:endParaRPr>
+          </a:p>
+        </p:txBody>
+      </p:sp>
+      <p:sp>
+        <p:nvSpPr>
+          <p:cNvPr id="3075" name="Espace réservé du contenu 2"/>
+          <p:cNvSpPr>
+            <a:spLocks noGrp="1"/>
+          </p:cNvSpPr>
+          <p:nvPr>
+            <p:ph idx="1"/>
+          </p:nvPr>
+        </p:nvSpPr>
+        <p:spPr>
+          <a:xfrm>
+            <a:off x="2357438" y="1785938"/>
+            <a:ext cx="6615112" cy="4525962"/>
+          </a:xfrm>
+        </p:spPr>
+        <p:txBody>
+          <a:bodyPr/>
+          <a:lstStyle/>
+          <a:p>
+            <a:pPr marL="0" indent="0" eaLnBrk="1" hangingPunct="1">
+              <a:buFont typeface="Arial" charset="0"/>
+              <a:buNone/>
+              <a:defRPr/>
+            </a:pPr>
+            <a:r>
+              <a:rPr lang="fr-CA" altLang="zh-CN" sz="2800" dirty="0">
+                <a:solidFill>
+                  <a:schemeClr val="bg1"/>
+                </a:solidFill>
+              </a:rPr>
+              <a:t> </a:t>
+            </a:r>
+            <a:r>
+              <a:rPr lang="fr-CA" altLang="zh-CN" sz="2800" dirty="0" smtClean="0">
+                <a:solidFill>
+                  <a:schemeClr val="bg1"/>
+                </a:solidFill>
+              </a:rPr>
+              <a:t>Trip-trip aims at helping people to:</a:t>
+            </a:r>
+          </a:p>
+          <a:p>
+            <a:pPr marL="0" indent="0" eaLnBrk="1" hangingPunct="1">
+              <a:buFont typeface="Arial" charset="0"/>
+              <a:buNone/>
+              <a:defRPr/>
+            </a:pPr>
+            <a:endParaRPr lang="fr-CA" altLang="zh-CN" sz="2800" dirty="0" smtClean="0">
+              <a:solidFill>
+                <a:schemeClr val="bg1"/>
+              </a:solidFill>
+            </a:endParaRPr>
+          </a:p>
+          <a:p>
+            <a:pPr eaLnBrk="1" hangingPunct="1">
+              <a:defRPr/>
+            </a:pPr>
+            <a:r>
+              <a:rPr lang="fr-CA" altLang="zh-CN" sz="2800" dirty="0" smtClean="0">
+                <a:solidFill>
+                  <a:schemeClr val="bg1"/>
+                </a:solidFill>
+              </a:rPr>
+              <a:t> </a:t>
+            </a:r>
+            <a:r>
+              <a:rPr lang="fr-CA" altLang="zh-CN" sz="2800" dirty="0" smtClean="0">
+                <a:solidFill>
+                  <a:schemeClr val="bg1"/>
+                </a:solidFill>
+              </a:rPr>
+              <a:t>Keep minute of life</a:t>
+            </a:r>
+            <a:endParaRPr lang="fr-CA" altLang="zh-CN" sz="2800" dirty="0" smtClean="0">
+              <a:solidFill>
+                <a:schemeClr val="bg1"/>
+              </a:solidFill>
+            </a:endParaRPr>
+          </a:p>
+          <a:p>
+            <a:pPr eaLnBrk="1" hangingPunct="1">
+              <a:defRPr/>
+            </a:pPr>
+            <a:r>
+              <a:rPr lang="fr-CA" altLang="zh-CN" sz="2800" dirty="0" smtClean="0">
+                <a:solidFill>
+                  <a:schemeClr val="bg1"/>
+                </a:solidFill>
+              </a:rPr>
+              <a:t>Relax yourself</a:t>
+            </a:r>
+            <a:endParaRPr lang="fr-CA" altLang="zh-CN" sz="2800" dirty="0" smtClean="0">
+              <a:solidFill>
+                <a:schemeClr val="bg1"/>
+              </a:solidFill>
+            </a:endParaRPr>
+          </a:p>
+          <a:p>
+            <a:pPr eaLnBrk="1" hangingPunct="1">
+              <a:defRPr/>
+            </a:pPr>
+            <a:r>
+              <a:rPr lang="fr-CA" altLang="zh-CN" sz="2800" dirty="0">
+                <a:solidFill>
+                  <a:schemeClr val="bg1"/>
+                </a:solidFill>
+              </a:rPr>
+              <a:t>M</a:t>
+            </a:r>
+            <a:r>
+              <a:rPr lang="fr-CA" altLang="zh-CN" sz="2800" dirty="0" smtClean="0">
+                <a:solidFill>
+                  <a:schemeClr val="bg1"/>
+                </a:solidFill>
+              </a:rPr>
+              <a:t>ake friends during </a:t>
+            </a:r>
+            <a:r>
+              <a:rPr lang="fr-CA" altLang="zh-CN" sz="2800" dirty="0" smtClean="0">
+                <a:solidFill>
+                  <a:schemeClr val="bg1"/>
+                </a:solidFill>
+              </a:rPr>
+              <a:t>trip</a:t>
+            </a:r>
+          </a:p>
+          <a:p>
+            <a:pPr eaLnBrk="1" hangingPunct="1">
+              <a:defRPr/>
+            </a:pPr>
+            <a:endParaRPr lang="fr-CA" altLang="zh-CN" sz="2800" dirty="0">
+              <a:solidFill>
+                <a:schemeClr val="bg1"/>
+              </a:solidFill>
+            </a:endParaRPr>
+          </a:p>
+          <a:p>
+            <a:pPr marL="0" indent="0" algn="ctr" eaLnBrk="1" hangingPunct="1">
+              <a:buNone/>
+              <a:defRPr/>
+            </a:pPr>
+            <a:r>
+              <a:rPr lang="fr-CA" altLang="zh-CN" sz="4000" i="1" dirty="0" smtClean="0">
+                <a:solidFill>
+                  <a:schemeClr val="bg1"/>
+                </a:solidFill>
+              </a:rPr>
+              <a:t>Ideal website for you!</a:t>
+            </a:r>
+            <a:endParaRPr lang="fr-CA" altLang="zh-CN" sz="4000" i="1" dirty="0" smtClean="0">
+              <a:solidFill>
+                <a:schemeClr val="bg1"/>
+              </a:solidFill>
+            </a:endParaRPr>
+          </a:p>
+        </p:txBody>
+      </p:sp>
+    </p:spTree>
+    <p:extLst>
+      <p:ext uri="{BB962C8B-B14F-4D97-AF65-F5344CB8AC3E}">
+        <p14:creationId xmlns:p14="http://schemas.microsoft.com/office/powerpoint/2010/main" val="2327665251"/>
+      </p:ext>
+    </p:extLst>
+  </p:cSld>
+  <p:clrMapOvr>
+    <a:masterClrMapping/>
+  </p:clrMapOvr>
+  <p:timing>
+    <p:tnLst>
+      <p:par>
+        <p:cTn id="1" dur="indefinite" restart="never" nodeType="tmRoot">
+          <p:childTnLst>
+            <p:seq concurrent="1" nextAc="seek">
+              <p:cTn id="2" dur="indefinite" nodeType="mainSeq">
+                <p:childTnLst>
+                  <p:par>
+                    <p:cTn id="3" fill="hold">
+                      <p:stCondLst>
+                        <p:cond delay="indefinite"/>
+                      </p:stCondLst>
+                      <p:childTnLst>
+                        <p:par>
+                          <p:cTn id="4" fill="hold">
+                            <p:stCondLst>
+                              <p:cond delay="0"/>
+                            </p:stCondLst>
+                            <p:childTnLst>
+                              <p:par>
+                                <p:cTn id="5" presetID="1" presetClass="entr" presetSubtype="0" fill="hold" grpId="0" nodeType="clickEffect">
+                                  <p:stCondLst>
+                                    <p:cond delay="0"/>
+                                  </p:stCondLst>
+                                  <p:childTnLst>
+                                    <p:set>
+                                      <p:cBhvr>
+                                        <p:cTn id="6" dur="1" fill="hold">
+                                          <p:stCondLst>
+                                            <p:cond delay="0"/>
+                                          </p:stCondLst>
+                                        </p:cTn>
+                                        <p:tgtEl>
+                                          <p:spTgt spid="3075">
+                                            <p:txEl>
+                                              <p:pRg st="0" end="0"/>
+                                            </p:txEl>
+                                          </p:spTgt>
+                                        </p:tgtEl>
+                                        <p:attrNameLst>
+                                          <p:attrName>style.visibility</p:attrName>
+                                        </p:attrNameLst>
+                                      </p:cBhvr>
+                                      <p:to>
+                                        <p:strVal val="visible"/>
+                                      </p:to>
+                                    </p:set>
+                                  </p:childTnLst>
+                                </p:cTn>
+                              </p:par>
+                            </p:childTnLst>
+                          </p:cTn>
+                        </p:par>
+                      </p:childTnLst>
+                    </p:cTn>
+                  </p:par>
+                  <p:par>
+                    <p:cTn id="7" fill="hold">
+                      <p:stCondLst>
+                        <p:cond delay="indefinite"/>
+                      </p:stCondLst>
+                      <p:childTnLst>
+                        <p:par>
+                          <p:cTn id="8" fill="hold">
+                            <p:stCondLst>
+                              <p:cond delay="0"/>
+                            </p:stCondLst>
+                            <p:childTnLst>
+                              <p:par>
+                                <p:cTn id="9" presetID="1" presetClass="entr" presetSubtype="0" fill="hold" grpId="0" nodeType="clickEffect">
+                                  <p:stCondLst>
+                                    <p:cond delay="0"/>
+                                  </p:stCondLst>
+                                  <p:childTnLst>
+                                    <p:set>
+                                      <p:cBhvr>
+                                        <p:cTn id="10" dur="1" fill="hold">
+                                          <p:stCondLst>
+                                            <p:cond delay="0"/>
+                                          </p:stCondLst>
+                                        </p:cTn>
+                                        <p:tgtEl>
+                                          <p:spTgt spid="3075">
+                                            <p:txEl>
+                                              <p:pRg st="2" end="2"/>
+                                            </p:txEl>
+                                          </p:spTgt>
+                                        </p:tgtEl>
+                                        <p:attrNameLst>
+                                          <p:attrName>style.visibility</p:attrName>
+                                        </p:attrNameLst>
+                                      </p:cBhvr>
+                                      <p:to>
+                                        <p:strVal val="visible"/>
+                                      </p:to>
+                                    </p:set>
+                                  </p:childTnLst>
+                                </p:cTn>
+                              </p:par>
+                            </p:childTnLst>
+                          </p:cTn>
+                        </p:par>
+                      </p:childTnLst>
+                    </p:cTn>
+                  </p:par>
+                  <p:par>
+                    <p:cTn id="11" fill="hold">
+                      <p:stCondLst>
+                        <p:cond delay="indefinite"/>
+                      </p:stCondLst>
+                      <p:childTnLst>
+                        <p:par>
+                          <p:cTn id="12" fill="hold">
+                            <p:stCondLst>
+                              <p:cond delay="0"/>
+                            </p:stCondLst>
+                            <p:childTnLst>
+                              <p:par>
+                                <p:cTn id="13" presetID="1" presetClass="entr" presetSubtype="0" fill="hold" grpId="0" nodeType="clickEffect">
+                                  <p:stCondLst>
+                                    <p:cond delay="0"/>
+                                  </p:stCondLst>
+                                  <p:childTnLst>
+                                    <p:set>
+                                      <p:cBhvr>
+                                        <p:cTn id="14" dur="1" fill="hold">
+                                          <p:stCondLst>
+                                            <p:cond delay="0"/>
+                                          </p:stCondLst>
+                                        </p:cTn>
+                                        <p:tgtEl>
+                                          <p:spTgt spid="3075">
+                                            <p:txEl>
+                                              <p:pRg st="3" end="3"/>
+                                            </p:txEl>
+                                          </p:spTgt>
+                                        </p:tgtEl>
+                                        <p:attrNameLst>
+                                          <p:attrName>style.visibility</p:attrName>
+                                        </p:attrNameLst>
+                                      </p:cBhvr>
+                                      <p:to>
+                                        <p:strVal val="visible"/>
+                                      </p:to>
+                                    </p:set>
+                                  </p:childTnLst>
+                                </p:cTn>
+                              </p:par>
+                            </p:childTnLst>
+                          </p:cTn>
+                        </p:par>
+                      </p:childTnLst>
+                    </p:cTn>
+                  </p:par>
+                  <p:par>
+                    <p:cTn id="15" fill="hold">
+                      <p:stCondLst>
+                        <p:cond delay="indefinite"/>
+                      </p:stCondLst>
+                      <p:childTnLst>
+                        <p:par>
+                          <p:cTn id="16" fill="hold">
+                            <p:stCondLst>
+                              <p:cond delay="0"/>
+                            </p:stCondLst>
+                            <p:childTnLst>
+                              <p:par>
+                                <p:cTn id="17" presetID="1" presetClass="entr" presetSubtype="0" fill="hold" grpId="0" nodeType="clickEffect">
+                                  <p:stCondLst>
+                                    <p:cond delay="0"/>
+                                  </p:stCondLst>
+                                  <p:childTnLst>
+                                    <p:set>
+                                      <p:cBhvr>
+                                        <p:cTn id="18" dur="1" fill="hold">
+                                          <p:stCondLst>
+                                            <p:cond delay="0"/>
+                                          </p:stCondLst>
+                                        </p:cTn>
+                                        <p:tgtEl>
+                                          <p:spTgt spid="3075">
+                                            <p:txEl>
+                                              <p:pRg st="4" end="4"/>
+                                            </p:txEl>
+                                          </p:spTgt>
+                                        </p:tgtEl>
+                                        <p:attrNameLst>
+                                          <p:attrName>style.visibility</p:attrName>
+                                        </p:attrNameLst>
+                                      </p:cBhvr>
+                                      <p:to>
+                                        <p:strVal val="visible"/>
+                                      </p:to>
+                                    </p:set>
+                                  </p:childTnLst>
+                                </p:cTn>
+                              </p:par>
+                            </p:childTnLst>
+                          </p:cTn>
+                        </p:par>
+                      </p:childTnLst>
+                    </p:cTn>
+                  </p:par>
+                  <p:par>
+                    <p:cTn id="19" fill="hold">
+                      <p:stCondLst>
+                        <p:cond delay="indefinite"/>
+                      </p:stCondLst>
+                      <p:childTnLst>
+                        <p:par>
+                          <p:cTn id="20" fill="hold">
+                            <p:stCondLst>
+                              <p:cond delay="0"/>
+                            </p:stCondLst>
+                            <p:childTnLst>
+                              <p:par>
+                                <p:cTn id="21" presetID="21" presetClass="entr" presetSubtype="1" fill="hold" grpId="0" nodeType="clickEffect">
+                                  <p:stCondLst>
+                                    <p:cond delay="0"/>
+                                  </p:stCondLst>
+                                  <p:childTnLst>
+                                    <p:set>
+                                      <p:cBhvr>
+                                        <p:cTn id="22" dur="1" fill="hold">
+                                          <p:stCondLst>
+                                            <p:cond delay="0"/>
+                                          </p:stCondLst>
+                                        </p:cTn>
+                                        <p:tgtEl>
+                                          <p:spTgt spid="3075">
+                                            <p:txEl>
+                                              <p:pRg st="6" end="6"/>
+                                            </p:txEl>
+                                          </p:spTgt>
+                                        </p:tgtEl>
+                                        <p:attrNameLst>
+                                          <p:attrName>style.visibility</p:attrName>
+                                        </p:attrNameLst>
+                                      </p:cBhvr>
+                                      <p:to>
+                                        <p:strVal val="visible"/>
+                                      </p:to>
+                                    </p:set>
+                                    <p:animEffect transition="in" filter="wheel(1)">
+                                      <p:cBhvr>
+                                        <p:cTn id="23" dur="2000"/>
+                                        <p:tgtEl>
+                                          <p:spTgt spid="3075">
+                                            <p:txEl>
+                                              <p:pRg st="6" end="6"/>
+                                            </p:txEl>
+                                          </p:spTgt>
+                                        </p:tgtEl>
+                                      </p:cBhvr>
+                                    </p:animEffect>
+                                  </p:childTnLst>
+                                </p:cTn>
+                              </p:par>
+                            </p:childTnLst>
+                          </p:cTn>
+                        </p:par>
+                      </p:childTnLst>
+                    </p:cTn>
+                  </p:par>
+                </p:childTnLst>
+              </p:cTn>
+              <p:prevCondLst>
+                <p:cond evt="onPrev" delay="0">
+                  <p:tgtEl>
+                    <p:sldTgt/>
+                  </p:tgtEl>
+                </p:cond>
+              </p:prevCondLst>
+              <p:nextCondLst>
+                <p:cond evt="onNext" delay="0">
+                  <p:tgtEl>
+                    <p:sldTgt/>
+                  </p:tgtEl>
+                </p:cond>
+              </p:nextCondLst>
+            </p:seq>
+          </p:childTnLst>
+        </p:cTn>
+      </p:par>
+    </p:tnLst>
+    <p:bldLst>
+      <p:bldP spid="3075" grpId="0" build="p"/>
+    </p:bldLst>
+  </p:timing>
+</p:sld>
+</file>
+
+<file path=ppt/slides/slide4.xml><?xml version="1.0" encoding="utf-8"?>
+<p:sld xmlns:a="http://schemas.openxmlformats.org/drawingml/2006/main" xmlns:r="http://schemas.openxmlformats.org/officeDocument/2006/relationships" xmlns:p="http://schemas.openxmlformats.org/presentationml/2006/main">
+  <p:cSld>
+    <p:bg>
+      <p:bgPr>
+        <a:blipFill dpi="0" rotWithShape="0">
+          <a:blip r:embed="rId2"/>
+          <a:srcRect/>
+          <a:stretch>
+            <a:fillRect/>
+          </a:stretch>
+        </a:blipFill>
+        <a:effectLst/>
+      </p:bgPr>
+    </p:bg>
+    <p:spTree>
+      <p:nvGrpSpPr>
+        <p:cNvPr id="1" name=""/>
+        <p:cNvGrpSpPr/>
+        <p:nvPr/>
+      </p:nvGrpSpPr>
+      <p:grpSpPr>
+        <a:xfrm>
+          <a:off x="0" y="0"/>
+          <a:ext cx="0" cy="0"/>
+          <a:chOff x="0" y="0"/>
+          <a:chExt cx="0" cy="0"/>
+        </a:xfrm>
+      </p:grpSpPr>
+      <p:sp>
+        <p:nvSpPr>
           <p:cNvPr id="4098" name="Titre 3"/>
           <p:cNvSpPr>
             <a:spLocks noGrp="1"/>
@@ -8766,14 +9993,20 @@
           <a:p>
             <a:pPr eaLnBrk="1" hangingPunct="1"/>
             <a:r>
-              <a:rPr lang="fr-CA" altLang="zh-CN" smtClean="0">
+              <a:rPr lang="fr-CA" altLang="zh-CN" dirty="0" smtClean="0">
                 <a:solidFill>
                   <a:schemeClr val="bg1"/>
                 </a:solidFill>
                 <a:latin typeface="FFF Tusj" pitchFamily="18" charset="0"/>
               </a:rPr>
-              <a:t>Functions</a:t>
-            </a:r>
+              <a:t>Functions(Cont...)</a:t>
+            </a:r>
+            <a:endParaRPr lang="fr-CA" altLang="zh-CN" dirty="0" smtClean="0">
+              <a:solidFill>
+                <a:schemeClr val="bg1"/>
+              </a:solidFill>
+              <a:latin typeface="FFF Tusj" pitchFamily="18" charset="0"/>
+            </a:endParaRPr>
           </a:p>
         </p:txBody>
       </p:sp>
@@ -8797,6 +10030,20 @@
           <a:bodyPr/>
           <a:lstStyle/>
           <a:p>
+            <a:pPr marL="0" indent="0" eaLnBrk="1" hangingPunct="1">
+              <a:buNone/>
+              <a:defRPr/>
+            </a:pPr>
+            <a:r>
+              <a:rPr lang="fr-CA" altLang="zh-CN" sz="4000" i="1" dirty="0" smtClean="0">
+                <a:solidFill>
+                  <a:schemeClr val="bg1"/>
+                </a:solidFill>
+              </a:rPr>
+              <a:t>Basic:</a:t>
+            </a:r>
+          </a:p>
+          <a:p>
             <a:pPr eaLnBrk="1" hangingPunct="1">
               <a:defRPr/>
             </a:pPr>
@@ -8806,8 +10053,13 @@
                   <a:schemeClr val="bg1"/>
                 </a:solidFill>
               </a:rPr>
-              <a:t>Register to be member</a:t>
-            </a:r>
+              <a:t>Account management</a:t>
+            </a:r>
+            <a:endParaRPr lang="fr-CA" altLang="zh-CN" sz="2800" dirty="0" smtClean="0">
+              <a:solidFill>
+                <a:schemeClr val="bg1"/>
+              </a:solidFill>
+            </a:endParaRPr>
           </a:p>
           <a:p>
             <a:pPr eaLnBrk="1" hangingPunct="1">
@@ -8819,7 +10071,7 @@
                   <a:schemeClr val="bg1"/>
                 </a:solidFill>
               </a:rPr>
-              <a:t>Log in or out</a:t>
+              <a:t>Add friends or groups</a:t>
             </a:r>
           </a:p>
           <a:p>
@@ -8832,7 +10084,7 @@
                   <a:schemeClr val="bg1"/>
                 </a:solidFill>
               </a:rPr>
-              <a:t>Share photos or strategy</a:t>
+              <a:t>Basic search </a:t>
             </a:r>
           </a:p>
           <a:p>
@@ -8845,13 +10097,29 @@
                   <a:schemeClr val="bg1"/>
                 </a:solidFill>
               </a:rPr>
-              <a:t>Comments on the share</a:t>
-            </a:r>
-          </a:p>
-          <a:p>
-            <a:pPr marL="0" indent="0" eaLnBrk="1" hangingPunct="1">
-              <a:buFont typeface="Arial" charset="0"/>
-              <a:buNone/>
+              <a:t>Share information</a:t>
+            </a:r>
+          </a:p>
+          <a:p>
+            <a:pPr eaLnBrk="1" hangingPunct="1">
+              <a:defRPr/>
+            </a:pPr>
+            <a:r>
+              <a:rPr lang="fr-CA" altLang="zh-CN" sz="2800" dirty="0" smtClean="0">
+                <a:solidFill>
+                  <a:schemeClr val="bg1"/>
+                </a:solidFill>
+              </a:rPr>
+              <a:t>Comments</a:t>
+            </a:r>
+            <a:endParaRPr lang="fr-CA" altLang="zh-CN" sz="2800" dirty="0" smtClean="0">
+              <a:solidFill>
+                <a:schemeClr val="bg1"/>
+              </a:solidFill>
+            </a:endParaRPr>
+          </a:p>
+          <a:p>
+            <a:pPr eaLnBrk="1" hangingPunct="1">
               <a:defRPr/>
             </a:pPr>
             <a:endParaRPr lang="fr-CA" altLang="zh-CN" sz="2800" dirty="0" smtClean="0">
@@ -8860,6 +10128,851 @@
               </a:solidFill>
             </a:endParaRPr>
           </a:p>
+        </p:txBody>
+      </p:sp>
+    </p:spTree>
+    <p:extLst>
+      <p:ext uri="{BB962C8B-B14F-4D97-AF65-F5344CB8AC3E}">
+        <p14:creationId xmlns:p14="http://schemas.microsoft.com/office/powerpoint/2010/main" val="2237314651"/>
+      </p:ext>
+    </p:extLst>
+  </p:cSld>
+  <p:clrMapOvr>
+    <a:masterClrMapping/>
+  </p:clrMapOvr>
+  <p:timing>
+    <p:tnLst>
+      <p:par>
+        <p:cTn id="1" dur="indefinite" restart="never" nodeType="tmRoot">
+          <p:childTnLst>
+            <p:seq concurrent="1" nextAc="seek">
+              <p:cTn id="2" dur="indefinite" nodeType="mainSeq">
+                <p:childTnLst>
+                  <p:par>
+                    <p:cTn id="3" fill="hold">
+                      <p:stCondLst>
+                        <p:cond delay="indefinite"/>
+                      </p:stCondLst>
+                      <p:childTnLst>
+                        <p:par>
+                          <p:cTn id="4" fill="hold">
+                            <p:stCondLst>
+                              <p:cond delay="0"/>
+                            </p:stCondLst>
+                            <p:childTnLst>
+                              <p:par>
+                                <p:cTn id="5" presetID="42" presetClass="entr" presetSubtype="0" fill="hold" grpId="0" nodeType="clickEffect">
+                                  <p:stCondLst>
+                                    <p:cond delay="0"/>
+                                  </p:stCondLst>
+                                  <p:childTnLst>
+                                    <p:set>
+                                      <p:cBhvr>
+                                        <p:cTn id="6" dur="1" fill="hold">
+                                          <p:stCondLst>
+                                            <p:cond delay="0"/>
+                                          </p:stCondLst>
+                                        </p:cTn>
+                                        <p:tgtEl>
+                                          <p:spTgt spid="4099">
+                                            <p:txEl>
+                                              <p:pRg st="0" end="0"/>
+                                            </p:txEl>
+                                          </p:spTgt>
+                                        </p:tgtEl>
+                                        <p:attrNameLst>
+                                          <p:attrName>style.visibility</p:attrName>
+                                        </p:attrNameLst>
+                                      </p:cBhvr>
+                                      <p:to>
+                                        <p:strVal val="visible"/>
+                                      </p:to>
+                                    </p:set>
+                                    <p:animEffect transition="in" filter="fade">
+                                      <p:cBhvr>
+                                        <p:cTn id="7" dur="1000"/>
+                                        <p:tgtEl>
+                                          <p:spTgt spid="4099">
+                                            <p:txEl>
+                                              <p:pRg st="0" end="0"/>
+                                            </p:txEl>
+                                          </p:spTgt>
+                                        </p:tgtEl>
+                                      </p:cBhvr>
+                                    </p:animEffect>
+                                    <p:anim calcmode="lin" valueType="num">
+                                      <p:cBhvr>
+                                        <p:cTn id="8" dur="1000" fill="hold"/>
+                                        <p:tgtEl>
+                                          <p:spTgt spid="4099">
+                                            <p:txEl>
+                                              <p:pRg st="0" end="0"/>
+                                            </p:txEl>
+                                          </p:spTgt>
+                                        </p:tgtEl>
+                                        <p:attrNameLst>
+                                          <p:attrName>ppt_x</p:attrName>
+                                        </p:attrNameLst>
+                                      </p:cBhvr>
+                                      <p:tavLst>
+                                        <p:tav tm="0">
+                                          <p:val>
+                                            <p:strVal val="#ppt_x"/>
+                                          </p:val>
+                                        </p:tav>
+                                        <p:tav tm="100000">
+                                          <p:val>
+                                            <p:strVal val="#ppt_x"/>
+                                          </p:val>
+                                        </p:tav>
+                                      </p:tavLst>
+                                    </p:anim>
+                                    <p:anim calcmode="lin" valueType="num">
+                                      <p:cBhvr>
+                                        <p:cTn id="9" dur="1000" fill="hold"/>
+                                        <p:tgtEl>
+                                          <p:spTgt spid="4099">
+                                            <p:txEl>
+                                              <p:pRg st="0" end="0"/>
+                                            </p:txEl>
+                                          </p:spTgt>
+                                        </p:tgtEl>
+                                        <p:attrNameLst>
+                                          <p:attrName>ppt_y</p:attrName>
+                                        </p:attrNameLst>
+                                      </p:cBhvr>
+                                      <p:tavLst>
+                                        <p:tav tm="0">
+                                          <p:val>
+                                            <p:strVal val="#ppt_y+.1"/>
+                                          </p:val>
+                                        </p:tav>
+                                        <p:tav tm="100000">
+                                          <p:val>
+                                            <p:strVal val="#ppt_y"/>
+                                          </p:val>
+                                        </p:tav>
+                                      </p:tavLst>
+                                    </p:anim>
+                                  </p:childTnLst>
+                                </p:cTn>
+                              </p:par>
+                            </p:childTnLst>
+                          </p:cTn>
+                        </p:par>
+                      </p:childTnLst>
+                    </p:cTn>
+                  </p:par>
+                  <p:par>
+                    <p:cTn id="10" fill="hold">
+                      <p:stCondLst>
+                        <p:cond delay="indefinite"/>
+                      </p:stCondLst>
+                      <p:childTnLst>
+                        <p:par>
+                          <p:cTn id="11" fill="hold">
+                            <p:stCondLst>
+                              <p:cond delay="0"/>
+                            </p:stCondLst>
+                            <p:childTnLst>
+                              <p:par>
+                                <p:cTn id="12" presetID="42" presetClass="entr" presetSubtype="0" fill="hold" grpId="0" nodeType="clickEffect">
+                                  <p:stCondLst>
+                                    <p:cond delay="0"/>
+                                  </p:stCondLst>
+                                  <p:childTnLst>
+                                    <p:set>
+                                      <p:cBhvr>
+                                        <p:cTn id="13" dur="1" fill="hold">
+                                          <p:stCondLst>
+                                            <p:cond delay="0"/>
+                                          </p:stCondLst>
+                                        </p:cTn>
+                                        <p:tgtEl>
+                                          <p:spTgt spid="4099">
+                                            <p:txEl>
+                                              <p:pRg st="1" end="1"/>
+                                            </p:txEl>
+                                          </p:spTgt>
+                                        </p:tgtEl>
+                                        <p:attrNameLst>
+                                          <p:attrName>style.visibility</p:attrName>
+                                        </p:attrNameLst>
+                                      </p:cBhvr>
+                                      <p:to>
+                                        <p:strVal val="visible"/>
+                                      </p:to>
+                                    </p:set>
+                                    <p:animEffect transition="in" filter="fade">
+                                      <p:cBhvr>
+                                        <p:cTn id="14" dur="1000"/>
+                                        <p:tgtEl>
+                                          <p:spTgt spid="4099">
+                                            <p:txEl>
+                                              <p:pRg st="1" end="1"/>
+                                            </p:txEl>
+                                          </p:spTgt>
+                                        </p:tgtEl>
+                                      </p:cBhvr>
+                                    </p:animEffect>
+                                    <p:anim calcmode="lin" valueType="num">
+                                      <p:cBhvr>
+                                        <p:cTn id="15" dur="1000" fill="hold"/>
+                                        <p:tgtEl>
+                                          <p:spTgt spid="4099">
+                                            <p:txEl>
+                                              <p:pRg st="1" end="1"/>
+                                            </p:txEl>
+                                          </p:spTgt>
+                                        </p:tgtEl>
+                                        <p:attrNameLst>
+                                          <p:attrName>ppt_x</p:attrName>
+                                        </p:attrNameLst>
+                                      </p:cBhvr>
+                                      <p:tavLst>
+                                        <p:tav tm="0">
+                                          <p:val>
+                                            <p:strVal val="#ppt_x"/>
+                                          </p:val>
+                                        </p:tav>
+                                        <p:tav tm="100000">
+                                          <p:val>
+                                            <p:strVal val="#ppt_x"/>
+                                          </p:val>
+                                        </p:tav>
+                                      </p:tavLst>
+                                    </p:anim>
+                                    <p:anim calcmode="lin" valueType="num">
+                                      <p:cBhvr>
+                                        <p:cTn id="16" dur="1000" fill="hold"/>
+                                        <p:tgtEl>
+                                          <p:spTgt spid="4099">
+                                            <p:txEl>
+                                              <p:pRg st="1" end="1"/>
+                                            </p:txEl>
+                                          </p:spTgt>
+                                        </p:tgtEl>
+                                        <p:attrNameLst>
+                                          <p:attrName>ppt_y</p:attrName>
+                                        </p:attrNameLst>
+                                      </p:cBhvr>
+                                      <p:tavLst>
+                                        <p:tav tm="0">
+                                          <p:val>
+                                            <p:strVal val="#ppt_y+.1"/>
+                                          </p:val>
+                                        </p:tav>
+                                        <p:tav tm="100000">
+                                          <p:val>
+                                            <p:strVal val="#ppt_y"/>
+                                          </p:val>
+                                        </p:tav>
+                                      </p:tavLst>
+                                    </p:anim>
+                                  </p:childTnLst>
+                                </p:cTn>
+                              </p:par>
+                            </p:childTnLst>
+                          </p:cTn>
+                        </p:par>
+                      </p:childTnLst>
+                    </p:cTn>
+                  </p:par>
+                  <p:par>
+                    <p:cTn id="17" fill="hold">
+                      <p:stCondLst>
+                        <p:cond delay="indefinite"/>
+                      </p:stCondLst>
+                      <p:childTnLst>
+                        <p:par>
+                          <p:cTn id="18" fill="hold">
+                            <p:stCondLst>
+                              <p:cond delay="0"/>
+                            </p:stCondLst>
+                            <p:childTnLst>
+                              <p:par>
+                                <p:cTn id="19" presetID="42" presetClass="entr" presetSubtype="0" fill="hold" grpId="0" nodeType="clickEffect">
+                                  <p:stCondLst>
+                                    <p:cond delay="0"/>
+                                  </p:stCondLst>
+                                  <p:childTnLst>
+                                    <p:set>
+                                      <p:cBhvr>
+                                        <p:cTn id="20" dur="1" fill="hold">
+                                          <p:stCondLst>
+                                            <p:cond delay="0"/>
+                                          </p:stCondLst>
+                                        </p:cTn>
+                                        <p:tgtEl>
+                                          <p:spTgt spid="4099">
+                                            <p:txEl>
+                                              <p:pRg st="2" end="2"/>
+                                            </p:txEl>
+                                          </p:spTgt>
+                                        </p:tgtEl>
+                                        <p:attrNameLst>
+                                          <p:attrName>style.visibility</p:attrName>
+                                        </p:attrNameLst>
+                                      </p:cBhvr>
+                                      <p:to>
+                                        <p:strVal val="visible"/>
+                                      </p:to>
+                                    </p:set>
+                                    <p:animEffect transition="in" filter="fade">
+                                      <p:cBhvr>
+                                        <p:cTn id="21" dur="1000"/>
+                                        <p:tgtEl>
+                                          <p:spTgt spid="4099">
+                                            <p:txEl>
+                                              <p:pRg st="2" end="2"/>
+                                            </p:txEl>
+                                          </p:spTgt>
+                                        </p:tgtEl>
+                                      </p:cBhvr>
+                                    </p:animEffect>
+                                    <p:anim calcmode="lin" valueType="num">
+                                      <p:cBhvr>
+                                        <p:cTn id="22" dur="1000" fill="hold"/>
+                                        <p:tgtEl>
+                                          <p:spTgt spid="4099">
+                                            <p:txEl>
+                                              <p:pRg st="2" end="2"/>
+                                            </p:txEl>
+                                          </p:spTgt>
+                                        </p:tgtEl>
+                                        <p:attrNameLst>
+                                          <p:attrName>ppt_x</p:attrName>
+                                        </p:attrNameLst>
+                                      </p:cBhvr>
+                                      <p:tavLst>
+                                        <p:tav tm="0">
+                                          <p:val>
+                                            <p:strVal val="#ppt_x"/>
+                                          </p:val>
+                                        </p:tav>
+                                        <p:tav tm="100000">
+                                          <p:val>
+                                            <p:strVal val="#ppt_x"/>
+                                          </p:val>
+                                        </p:tav>
+                                      </p:tavLst>
+                                    </p:anim>
+                                    <p:anim calcmode="lin" valueType="num">
+                                      <p:cBhvr>
+                                        <p:cTn id="23" dur="1000" fill="hold"/>
+                                        <p:tgtEl>
+                                          <p:spTgt spid="4099">
+                                            <p:txEl>
+                                              <p:pRg st="2" end="2"/>
+                                            </p:txEl>
+                                          </p:spTgt>
+                                        </p:tgtEl>
+                                        <p:attrNameLst>
+                                          <p:attrName>ppt_y</p:attrName>
+                                        </p:attrNameLst>
+                                      </p:cBhvr>
+                                      <p:tavLst>
+                                        <p:tav tm="0">
+                                          <p:val>
+                                            <p:strVal val="#ppt_y+.1"/>
+                                          </p:val>
+                                        </p:tav>
+                                        <p:tav tm="100000">
+                                          <p:val>
+                                            <p:strVal val="#ppt_y"/>
+                                          </p:val>
+                                        </p:tav>
+                                      </p:tavLst>
+                                    </p:anim>
+                                  </p:childTnLst>
+                                </p:cTn>
+                              </p:par>
+                            </p:childTnLst>
+                          </p:cTn>
+                        </p:par>
+                      </p:childTnLst>
+                    </p:cTn>
+                  </p:par>
+                  <p:par>
+                    <p:cTn id="24" fill="hold">
+                      <p:stCondLst>
+                        <p:cond delay="indefinite"/>
+                      </p:stCondLst>
+                      <p:childTnLst>
+                        <p:par>
+                          <p:cTn id="25" fill="hold">
+                            <p:stCondLst>
+                              <p:cond delay="0"/>
+                            </p:stCondLst>
+                            <p:childTnLst>
+                              <p:par>
+                                <p:cTn id="26" presetID="42" presetClass="entr" presetSubtype="0" fill="hold" grpId="0" nodeType="clickEffect">
+                                  <p:stCondLst>
+                                    <p:cond delay="0"/>
+                                  </p:stCondLst>
+                                  <p:childTnLst>
+                                    <p:set>
+                                      <p:cBhvr>
+                                        <p:cTn id="27" dur="1" fill="hold">
+                                          <p:stCondLst>
+                                            <p:cond delay="0"/>
+                                          </p:stCondLst>
+                                        </p:cTn>
+                                        <p:tgtEl>
+                                          <p:spTgt spid="4099">
+                                            <p:txEl>
+                                              <p:pRg st="3" end="3"/>
+                                            </p:txEl>
+                                          </p:spTgt>
+                                        </p:tgtEl>
+                                        <p:attrNameLst>
+                                          <p:attrName>style.visibility</p:attrName>
+                                        </p:attrNameLst>
+                                      </p:cBhvr>
+                                      <p:to>
+                                        <p:strVal val="visible"/>
+                                      </p:to>
+                                    </p:set>
+                                    <p:animEffect transition="in" filter="fade">
+                                      <p:cBhvr>
+                                        <p:cTn id="28" dur="1000"/>
+                                        <p:tgtEl>
+                                          <p:spTgt spid="4099">
+                                            <p:txEl>
+                                              <p:pRg st="3" end="3"/>
+                                            </p:txEl>
+                                          </p:spTgt>
+                                        </p:tgtEl>
+                                      </p:cBhvr>
+                                    </p:animEffect>
+                                    <p:anim calcmode="lin" valueType="num">
+                                      <p:cBhvr>
+                                        <p:cTn id="29" dur="1000" fill="hold"/>
+                                        <p:tgtEl>
+                                          <p:spTgt spid="4099">
+                                            <p:txEl>
+                                              <p:pRg st="3" end="3"/>
+                                            </p:txEl>
+                                          </p:spTgt>
+                                        </p:tgtEl>
+                                        <p:attrNameLst>
+                                          <p:attrName>ppt_x</p:attrName>
+                                        </p:attrNameLst>
+                                      </p:cBhvr>
+                                      <p:tavLst>
+                                        <p:tav tm="0">
+                                          <p:val>
+                                            <p:strVal val="#ppt_x"/>
+                                          </p:val>
+                                        </p:tav>
+                                        <p:tav tm="100000">
+                                          <p:val>
+                                            <p:strVal val="#ppt_x"/>
+                                          </p:val>
+                                        </p:tav>
+                                      </p:tavLst>
+                                    </p:anim>
+                                    <p:anim calcmode="lin" valueType="num">
+                                      <p:cBhvr>
+                                        <p:cTn id="30" dur="1000" fill="hold"/>
+                                        <p:tgtEl>
+                                          <p:spTgt spid="4099">
+                                            <p:txEl>
+                                              <p:pRg st="3" end="3"/>
+                                            </p:txEl>
+                                          </p:spTgt>
+                                        </p:tgtEl>
+                                        <p:attrNameLst>
+                                          <p:attrName>ppt_y</p:attrName>
+                                        </p:attrNameLst>
+                                      </p:cBhvr>
+                                      <p:tavLst>
+                                        <p:tav tm="0">
+                                          <p:val>
+                                            <p:strVal val="#ppt_y+.1"/>
+                                          </p:val>
+                                        </p:tav>
+                                        <p:tav tm="100000">
+                                          <p:val>
+                                            <p:strVal val="#ppt_y"/>
+                                          </p:val>
+                                        </p:tav>
+                                      </p:tavLst>
+                                    </p:anim>
+                                  </p:childTnLst>
+                                </p:cTn>
+                              </p:par>
+                            </p:childTnLst>
+                          </p:cTn>
+                        </p:par>
+                      </p:childTnLst>
+                    </p:cTn>
+                  </p:par>
+                  <p:par>
+                    <p:cTn id="31" fill="hold">
+                      <p:stCondLst>
+                        <p:cond delay="indefinite"/>
+                      </p:stCondLst>
+                      <p:childTnLst>
+                        <p:par>
+                          <p:cTn id="32" fill="hold">
+                            <p:stCondLst>
+                              <p:cond delay="0"/>
+                            </p:stCondLst>
+                            <p:childTnLst>
+                              <p:par>
+                                <p:cTn id="33" presetID="42" presetClass="entr" presetSubtype="0" fill="hold" grpId="0" nodeType="clickEffect">
+                                  <p:stCondLst>
+                                    <p:cond delay="0"/>
+                                  </p:stCondLst>
+                                  <p:childTnLst>
+                                    <p:set>
+                                      <p:cBhvr>
+                                        <p:cTn id="34" dur="1" fill="hold">
+                                          <p:stCondLst>
+                                            <p:cond delay="0"/>
+                                          </p:stCondLst>
+                                        </p:cTn>
+                                        <p:tgtEl>
+                                          <p:spTgt spid="4099">
+                                            <p:txEl>
+                                              <p:pRg st="4" end="4"/>
+                                            </p:txEl>
+                                          </p:spTgt>
+                                        </p:tgtEl>
+                                        <p:attrNameLst>
+                                          <p:attrName>style.visibility</p:attrName>
+                                        </p:attrNameLst>
+                                      </p:cBhvr>
+                                      <p:to>
+                                        <p:strVal val="visible"/>
+                                      </p:to>
+                                    </p:set>
+                                    <p:animEffect transition="in" filter="fade">
+                                      <p:cBhvr>
+                                        <p:cTn id="35" dur="1000"/>
+                                        <p:tgtEl>
+                                          <p:spTgt spid="4099">
+                                            <p:txEl>
+                                              <p:pRg st="4" end="4"/>
+                                            </p:txEl>
+                                          </p:spTgt>
+                                        </p:tgtEl>
+                                      </p:cBhvr>
+                                    </p:animEffect>
+                                    <p:anim calcmode="lin" valueType="num">
+                                      <p:cBhvr>
+                                        <p:cTn id="36" dur="1000" fill="hold"/>
+                                        <p:tgtEl>
+                                          <p:spTgt spid="4099">
+                                            <p:txEl>
+                                              <p:pRg st="4" end="4"/>
+                                            </p:txEl>
+                                          </p:spTgt>
+                                        </p:tgtEl>
+                                        <p:attrNameLst>
+                                          <p:attrName>ppt_x</p:attrName>
+                                        </p:attrNameLst>
+                                      </p:cBhvr>
+                                      <p:tavLst>
+                                        <p:tav tm="0">
+                                          <p:val>
+                                            <p:strVal val="#ppt_x"/>
+                                          </p:val>
+                                        </p:tav>
+                                        <p:tav tm="100000">
+                                          <p:val>
+                                            <p:strVal val="#ppt_x"/>
+                                          </p:val>
+                                        </p:tav>
+                                      </p:tavLst>
+                                    </p:anim>
+                                    <p:anim calcmode="lin" valueType="num">
+                                      <p:cBhvr>
+                                        <p:cTn id="37" dur="1000" fill="hold"/>
+                                        <p:tgtEl>
+                                          <p:spTgt spid="4099">
+                                            <p:txEl>
+                                              <p:pRg st="4" end="4"/>
+                                            </p:txEl>
+                                          </p:spTgt>
+                                        </p:tgtEl>
+                                        <p:attrNameLst>
+                                          <p:attrName>ppt_y</p:attrName>
+                                        </p:attrNameLst>
+                                      </p:cBhvr>
+                                      <p:tavLst>
+                                        <p:tav tm="0">
+                                          <p:val>
+                                            <p:strVal val="#ppt_y+.1"/>
+                                          </p:val>
+                                        </p:tav>
+                                        <p:tav tm="100000">
+                                          <p:val>
+                                            <p:strVal val="#ppt_y"/>
+                                          </p:val>
+                                        </p:tav>
+                                      </p:tavLst>
+                                    </p:anim>
+                                  </p:childTnLst>
+                                </p:cTn>
+                              </p:par>
+                            </p:childTnLst>
+                          </p:cTn>
+                        </p:par>
+                      </p:childTnLst>
+                    </p:cTn>
+                  </p:par>
+                  <p:par>
+                    <p:cTn id="38" fill="hold">
+                      <p:stCondLst>
+                        <p:cond delay="indefinite"/>
+                      </p:stCondLst>
+                      <p:childTnLst>
+                        <p:par>
+                          <p:cTn id="39" fill="hold">
+                            <p:stCondLst>
+                              <p:cond delay="0"/>
+                            </p:stCondLst>
+                            <p:childTnLst>
+                              <p:par>
+                                <p:cTn id="40" presetID="42" presetClass="entr" presetSubtype="0" fill="hold" grpId="0" nodeType="clickEffect">
+                                  <p:stCondLst>
+                                    <p:cond delay="0"/>
+                                  </p:stCondLst>
+                                  <p:childTnLst>
+                                    <p:set>
+                                      <p:cBhvr>
+                                        <p:cTn id="41" dur="1" fill="hold">
+                                          <p:stCondLst>
+                                            <p:cond delay="0"/>
+                                          </p:stCondLst>
+                                        </p:cTn>
+                                        <p:tgtEl>
+                                          <p:spTgt spid="4099">
+                                            <p:txEl>
+                                              <p:pRg st="5" end="5"/>
+                                            </p:txEl>
+                                          </p:spTgt>
+                                        </p:tgtEl>
+                                        <p:attrNameLst>
+                                          <p:attrName>style.visibility</p:attrName>
+                                        </p:attrNameLst>
+                                      </p:cBhvr>
+                                      <p:to>
+                                        <p:strVal val="visible"/>
+                                      </p:to>
+                                    </p:set>
+                                    <p:animEffect transition="in" filter="fade">
+                                      <p:cBhvr>
+                                        <p:cTn id="42" dur="1000"/>
+                                        <p:tgtEl>
+                                          <p:spTgt spid="4099">
+                                            <p:txEl>
+                                              <p:pRg st="5" end="5"/>
+                                            </p:txEl>
+                                          </p:spTgt>
+                                        </p:tgtEl>
+                                      </p:cBhvr>
+                                    </p:animEffect>
+                                    <p:anim calcmode="lin" valueType="num">
+                                      <p:cBhvr>
+                                        <p:cTn id="43" dur="1000" fill="hold"/>
+                                        <p:tgtEl>
+                                          <p:spTgt spid="4099">
+                                            <p:txEl>
+                                              <p:pRg st="5" end="5"/>
+                                            </p:txEl>
+                                          </p:spTgt>
+                                        </p:tgtEl>
+                                        <p:attrNameLst>
+                                          <p:attrName>ppt_x</p:attrName>
+                                        </p:attrNameLst>
+                                      </p:cBhvr>
+                                      <p:tavLst>
+                                        <p:tav tm="0">
+                                          <p:val>
+                                            <p:strVal val="#ppt_x"/>
+                                          </p:val>
+                                        </p:tav>
+                                        <p:tav tm="100000">
+                                          <p:val>
+                                            <p:strVal val="#ppt_x"/>
+                                          </p:val>
+                                        </p:tav>
+                                      </p:tavLst>
+                                    </p:anim>
+                                    <p:anim calcmode="lin" valueType="num">
+                                      <p:cBhvr>
+                                        <p:cTn id="44" dur="1000" fill="hold"/>
+                                        <p:tgtEl>
+                                          <p:spTgt spid="4099">
+                                            <p:txEl>
+                                              <p:pRg st="5" end="5"/>
+                                            </p:txEl>
+                                          </p:spTgt>
+                                        </p:tgtEl>
+                                        <p:attrNameLst>
+                                          <p:attrName>ppt_y</p:attrName>
+                                        </p:attrNameLst>
+                                      </p:cBhvr>
+                                      <p:tavLst>
+                                        <p:tav tm="0">
+                                          <p:val>
+                                            <p:strVal val="#ppt_y+.1"/>
+                                          </p:val>
+                                        </p:tav>
+                                        <p:tav tm="100000">
+                                          <p:val>
+                                            <p:strVal val="#ppt_y"/>
+                                          </p:val>
+                                        </p:tav>
+                                      </p:tavLst>
+                                    </p:anim>
+                                  </p:childTnLst>
+                                </p:cTn>
+                              </p:par>
+                            </p:childTnLst>
+                          </p:cTn>
+                        </p:par>
+                      </p:childTnLst>
+                    </p:cTn>
+                  </p:par>
+                </p:childTnLst>
+              </p:cTn>
+              <p:prevCondLst>
+                <p:cond evt="onPrev" delay="0">
+                  <p:tgtEl>
+                    <p:sldTgt/>
+                  </p:tgtEl>
+                </p:cond>
+              </p:prevCondLst>
+              <p:nextCondLst>
+                <p:cond evt="onNext" delay="0">
+                  <p:tgtEl>
+                    <p:sldTgt/>
+                  </p:tgtEl>
+                </p:cond>
+              </p:nextCondLst>
+            </p:seq>
+          </p:childTnLst>
+        </p:cTn>
+      </p:par>
+    </p:tnLst>
+    <p:bldLst>
+      <p:bldP spid="4099" grpId="0" build="p"/>
+    </p:bldLst>
+  </p:timing>
+</p:sld>
+</file>
+
+<file path=ppt/slides/slide5.xml><?xml version="1.0" encoding="utf-8"?>
+<p:sld xmlns:a="http://schemas.openxmlformats.org/drawingml/2006/main" xmlns:r="http://schemas.openxmlformats.org/officeDocument/2006/relationships" xmlns:p="http://schemas.openxmlformats.org/presentationml/2006/main">
+  <p:cSld>
+    <p:bg>
+      <p:bgPr>
+        <a:blipFill dpi="0" rotWithShape="0">
+          <a:blip r:embed="rId2"/>
+          <a:srcRect/>
+          <a:stretch>
+            <a:fillRect/>
+          </a:stretch>
+        </a:blipFill>
+        <a:effectLst/>
+      </p:bgPr>
+    </p:bg>
+    <p:spTree>
+      <p:nvGrpSpPr>
+        <p:cNvPr id="1" name=""/>
+        <p:cNvGrpSpPr/>
+        <p:nvPr/>
+      </p:nvGrpSpPr>
+      <p:grpSpPr>
+        <a:xfrm>
+          <a:off x="0" y="0"/>
+          <a:ext cx="0" cy="0"/>
+          <a:chOff x="0" y="0"/>
+          <a:chExt cx="0" cy="0"/>
+        </a:xfrm>
+      </p:grpSpPr>
+      <p:sp>
+        <p:nvSpPr>
+          <p:cNvPr id="4098" name="Titre 3"/>
+          <p:cNvSpPr>
+            <a:spLocks noGrp="1"/>
+          </p:cNvSpPr>
+          <p:nvPr>
+            <p:ph type="title"/>
+          </p:nvPr>
+        </p:nvSpPr>
+        <p:spPr>
+          <a:xfrm>
+            <a:off x="285750" y="285750"/>
+            <a:ext cx="8229600" cy="1143000"/>
+          </a:xfrm>
+        </p:spPr>
+        <p:txBody>
+          <a:bodyPr/>
+          <a:lstStyle/>
+          <a:p>
+            <a:pPr eaLnBrk="1" hangingPunct="1"/>
+            <a:r>
+              <a:rPr lang="fr-CA" altLang="zh-CN" dirty="0" smtClean="0">
+                <a:solidFill>
+                  <a:schemeClr val="bg1"/>
+                </a:solidFill>
+                <a:latin typeface="FFF Tusj" pitchFamily="18" charset="0"/>
+              </a:rPr>
+              <a:t>Functions(Cont...)</a:t>
+            </a:r>
+            <a:endParaRPr lang="fr-CA" altLang="zh-CN" dirty="0" smtClean="0">
+              <a:solidFill>
+                <a:schemeClr val="bg1"/>
+              </a:solidFill>
+              <a:latin typeface="FFF Tusj" pitchFamily="18" charset="0"/>
+            </a:endParaRPr>
+          </a:p>
+        </p:txBody>
+      </p:sp>
+      <p:sp>
+        <p:nvSpPr>
+          <p:cNvPr id="4099" name="Espace réservé du contenu 4"/>
+          <p:cNvSpPr>
+            <a:spLocks noGrp="1"/>
+          </p:cNvSpPr>
+          <p:nvPr>
+            <p:ph idx="1"/>
+          </p:nvPr>
+        </p:nvSpPr>
+        <p:spPr>
+          <a:xfrm>
+            <a:off x="3419475" y="2133600"/>
+            <a:ext cx="5357813" cy="2576513"/>
+          </a:xfrm>
+        </p:spPr>
+        <p:txBody>
+          <a:bodyPr/>
+          <a:lstStyle/>
+          <a:p>
+            <a:pPr marL="0" indent="0" eaLnBrk="1" hangingPunct="1">
+              <a:buFont typeface="Arial" charset="0"/>
+              <a:buNone/>
+              <a:defRPr/>
+            </a:pPr>
+            <a:r>
+              <a:rPr lang="fr-CA" altLang="zh-CN" sz="4000" i="1" dirty="0" smtClean="0">
+                <a:solidFill>
+                  <a:schemeClr val="bg1"/>
+                </a:solidFill>
+              </a:rPr>
+              <a:t>Advanced:</a:t>
+            </a:r>
+            <a:endParaRPr lang="fr-CA" altLang="zh-CN" sz="4000" i="1" dirty="0" smtClean="0">
+              <a:solidFill>
+                <a:schemeClr val="bg1"/>
+              </a:solidFill>
+            </a:endParaRPr>
+          </a:p>
           <a:p>
             <a:pPr eaLnBrk="1" hangingPunct="1">
               <a:defRPr/>
@@ -8870,8 +10983,21 @@
                   <a:schemeClr val="bg1"/>
                 </a:solidFill>
               </a:rPr>
-              <a:t>Guiding map</a:t>
-            </a:r>
+              <a:t>Rank</a:t>
+            </a:r>
+            <a:r>
+              <a:rPr lang="fr-CA" altLang="zh-CN" sz="2800" dirty="0">
+                <a:solidFill>
+                  <a:schemeClr val="bg1"/>
+                </a:solidFill>
+              </a:rPr>
+              <a:t> </a:t>
+            </a:r>
+            <a:endParaRPr lang="fr-CA" altLang="zh-CN" sz="2800" dirty="0">
+              <a:solidFill>
+                <a:schemeClr val="bg1"/>
+              </a:solidFill>
+            </a:endParaRPr>
           </a:p>
           <a:p>
             <a:pPr eaLnBrk="1" hangingPunct="1">
@@ -8883,7 +11009,33 @@
                   <a:schemeClr val="bg1"/>
                 </a:solidFill>
               </a:rPr>
-              <a:t>Share photos or strategy  </a:t>
+              <a:t>Recommendation</a:t>
+            </a:r>
+          </a:p>
+          <a:p>
+            <a:pPr eaLnBrk="1" hangingPunct="1">
+              <a:defRPr/>
+            </a:pPr>
+            <a:r>
+              <a:rPr lang="fr-CA" altLang="zh-CN" sz="2800" dirty="0" smtClean="0">
+                <a:solidFill>
+                  <a:schemeClr val="bg1"/>
+                </a:solidFill>
+              </a:rPr>
+              <a:t>Chat</a:t>
+            </a:r>
+          </a:p>
+          <a:p>
+            <a:pPr eaLnBrk="1" hangingPunct="1">
+              <a:defRPr/>
+            </a:pPr>
+            <a:r>
+              <a:rPr lang="fr-CA" altLang="zh-CN" sz="2800" dirty="0" smtClean="0">
+                <a:solidFill>
+                  <a:schemeClr val="bg1"/>
+                </a:solidFill>
+              </a:rPr>
+              <a:t>Advanced search</a:t>
             </a:r>
           </a:p>
           <a:p>
@@ -8906,14 +11058,615 @@
   <p:timing>
     <p:tnLst>
       <p:par>
-        <p:cTn id="1" dur="indefinite" restart="never" nodeType="tmRoot"/>
+        <p:cTn id="1" dur="indefinite" restart="never" nodeType="tmRoot">
+          <p:childTnLst>
+            <p:seq concurrent="1" nextAc="seek">
+              <p:cTn id="2" dur="indefinite" nodeType="mainSeq">
+                <p:childTnLst>
+                  <p:par>
+                    <p:cTn id="3" fill="hold">
+                      <p:stCondLst>
+                        <p:cond delay="indefinite"/>
+                      </p:stCondLst>
+                      <p:childTnLst>
+                        <p:par>
+                          <p:cTn id="4" fill="hold">
+                            <p:stCondLst>
+                              <p:cond delay="0"/>
+                            </p:stCondLst>
+                            <p:childTnLst>
+                              <p:par>
+                                <p:cTn id="5" presetID="42" presetClass="entr" presetSubtype="0" fill="hold" grpId="0" nodeType="clickEffect">
+                                  <p:stCondLst>
+                                    <p:cond delay="0"/>
+                                  </p:stCondLst>
+                                  <p:childTnLst>
+                                    <p:set>
+                                      <p:cBhvr>
+                                        <p:cTn id="6" dur="1" fill="hold">
+                                          <p:stCondLst>
+                                            <p:cond delay="0"/>
+                                          </p:stCondLst>
+                                        </p:cTn>
+                                        <p:tgtEl>
+                                          <p:spTgt spid="4099">
+                                            <p:txEl>
+                                              <p:pRg st="0" end="0"/>
+                                            </p:txEl>
+                                          </p:spTgt>
+                                        </p:tgtEl>
+                                        <p:attrNameLst>
+                                          <p:attrName>style.visibility</p:attrName>
+                                        </p:attrNameLst>
+                                      </p:cBhvr>
+                                      <p:to>
+                                        <p:strVal val="visible"/>
+                                      </p:to>
+                                    </p:set>
+                                    <p:animEffect transition="in" filter="fade">
+                                      <p:cBhvr>
+                                        <p:cTn id="7" dur="1000"/>
+                                        <p:tgtEl>
+                                          <p:spTgt spid="4099">
+                                            <p:txEl>
+                                              <p:pRg st="0" end="0"/>
+                                            </p:txEl>
+                                          </p:spTgt>
+                                        </p:tgtEl>
+                                      </p:cBhvr>
+                                    </p:animEffect>
+                                    <p:anim calcmode="lin" valueType="num">
+                                      <p:cBhvr>
+                                        <p:cTn id="8" dur="1000" fill="hold"/>
+                                        <p:tgtEl>
+                                          <p:spTgt spid="4099">
+                                            <p:txEl>
+                                              <p:pRg st="0" end="0"/>
+                                            </p:txEl>
+                                          </p:spTgt>
+                                        </p:tgtEl>
+                                        <p:attrNameLst>
+                                          <p:attrName>ppt_x</p:attrName>
+                                        </p:attrNameLst>
+                                      </p:cBhvr>
+                                      <p:tavLst>
+                                        <p:tav tm="0">
+                                          <p:val>
+                                            <p:strVal val="#ppt_x"/>
+                                          </p:val>
+                                        </p:tav>
+                                        <p:tav tm="100000">
+                                          <p:val>
+                                            <p:strVal val="#ppt_x"/>
+                                          </p:val>
+                                        </p:tav>
+                                      </p:tavLst>
+                                    </p:anim>
+                                    <p:anim calcmode="lin" valueType="num">
+                                      <p:cBhvr>
+                                        <p:cTn id="9" dur="1000" fill="hold"/>
+                                        <p:tgtEl>
+                                          <p:spTgt spid="4099">
+                                            <p:txEl>
+                                              <p:pRg st="0" end="0"/>
+                                            </p:txEl>
+                                          </p:spTgt>
+                                        </p:tgtEl>
+                                        <p:attrNameLst>
+                                          <p:attrName>ppt_y</p:attrName>
+                                        </p:attrNameLst>
+                                      </p:cBhvr>
+                                      <p:tavLst>
+                                        <p:tav tm="0">
+                                          <p:val>
+                                            <p:strVal val="#ppt_y+.1"/>
+                                          </p:val>
+                                        </p:tav>
+                                        <p:tav tm="100000">
+                                          <p:val>
+                                            <p:strVal val="#ppt_y"/>
+                                          </p:val>
+                                        </p:tav>
+                                      </p:tavLst>
+                                    </p:anim>
+                                  </p:childTnLst>
+                                </p:cTn>
+                              </p:par>
+                            </p:childTnLst>
+                          </p:cTn>
+                        </p:par>
+                      </p:childTnLst>
+                    </p:cTn>
+                  </p:par>
+                  <p:par>
+                    <p:cTn id="10" fill="hold">
+                      <p:stCondLst>
+                        <p:cond delay="indefinite"/>
+                      </p:stCondLst>
+                      <p:childTnLst>
+                        <p:par>
+                          <p:cTn id="11" fill="hold">
+                            <p:stCondLst>
+                              <p:cond delay="0"/>
+                            </p:stCondLst>
+                            <p:childTnLst>
+                              <p:par>
+                                <p:cTn id="12" presetID="42" presetClass="entr" presetSubtype="0" fill="hold" grpId="0" nodeType="clickEffect">
+                                  <p:stCondLst>
+                                    <p:cond delay="0"/>
+                                  </p:stCondLst>
+                                  <p:childTnLst>
+                                    <p:set>
+                                      <p:cBhvr>
+                                        <p:cTn id="13" dur="1" fill="hold">
+                                          <p:stCondLst>
+                                            <p:cond delay="0"/>
+                                          </p:stCondLst>
+                                        </p:cTn>
+                                        <p:tgtEl>
+                                          <p:spTgt spid="4099">
+                                            <p:txEl>
+                                              <p:pRg st="1" end="1"/>
+                                            </p:txEl>
+                                          </p:spTgt>
+                                        </p:tgtEl>
+                                        <p:attrNameLst>
+                                          <p:attrName>style.visibility</p:attrName>
+                                        </p:attrNameLst>
+                                      </p:cBhvr>
+                                      <p:to>
+                                        <p:strVal val="visible"/>
+                                      </p:to>
+                                    </p:set>
+                                    <p:animEffect transition="in" filter="fade">
+                                      <p:cBhvr>
+                                        <p:cTn id="14" dur="1000"/>
+                                        <p:tgtEl>
+                                          <p:spTgt spid="4099">
+                                            <p:txEl>
+                                              <p:pRg st="1" end="1"/>
+                                            </p:txEl>
+                                          </p:spTgt>
+                                        </p:tgtEl>
+                                      </p:cBhvr>
+                                    </p:animEffect>
+                                    <p:anim calcmode="lin" valueType="num">
+                                      <p:cBhvr>
+                                        <p:cTn id="15" dur="1000" fill="hold"/>
+                                        <p:tgtEl>
+                                          <p:spTgt spid="4099">
+                                            <p:txEl>
+                                              <p:pRg st="1" end="1"/>
+                                            </p:txEl>
+                                          </p:spTgt>
+                                        </p:tgtEl>
+                                        <p:attrNameLst>
+                                          <p:attrName>ppt_x</p:attrName>
+                                        </p:attrNameLst>
+                                      </p:cBhvr>
+                                      <p:tavLst>
+                                        <p:tav tm="0">
+                                          <p:val>
+                                            <p:strVal val="#ppt_x"/>
+                                          </p:val>
+                                        </p:tav>
+                                        <p:tav tm="100000">
+                                          <p:val>
+                                            <p:strVal val="#ppt_x"/>
+                                          </p:val>
+                                        </p:tav>
+                                      </p:tavLst>
+                                    </p:anim>
+                                    <p:anim calcmode="lin" valueType="num">
+                                      <p:cBhvr>
+                                        <p:cTn id="16" dur="1000" fill="hold"/>
+                                        <p:tgtEl>
+                                          <p:spTgt spid="4099">
+                                            <p:txEl>
+                                              <p:pRg st="1" end="1"/>
+                                            </p:txEl>
+                                          </p:spTgt>
+                                        </p:tgtEl>
+                                        <p:attrNameLst>
+                                          <p:attrName>ppt_y</p:attrName>
+                                        </p:attrNameLst>
+                                      </p:cBhvr>
+                                      <p:tavLst>
+                                        <p:tav tm="0">
+                                          <p:val>
+                                            <p:strVal val="#ppt_y+.1"/>
+                                          </p:val>
+                                        </p:tav>
+                                        <p:tav tm="100000">
+                                          <p:val>
+                                            <p:strVal val="#ppt_y"/>
+                                          </p:val>
+                                        </p:tav>
+                                      </p:tavLst>
+                                    </p:anim>
+                                  </p:childTnLst>
+                                </p:cTn>
+                              </p:par>
+                            </p:childTnLst>
+                          </p:cTn>
+                        </p:par>
+                      </p:childTnLst>
+                    </p:cTn>
+                  </p:par>
+                  <p:par>
+                    <p:cTn id="17" fill="hold">
+                      <p:stCondLst>
+                        <p:cond delay="indefinite"/>
+                      </p:stCondLst>
+                      <p:childTnLst>
+                        <p:par>
+                          <p:cTn id="18" fill="hold">
+                            <p:stCondLst>
+                              <p:cond delay="0"/>
+                            </p:stCondLst>
+                            <p:childTnLst>
+                              <p:par>
+                                <p:cTn id="19" presetID="42" presetClass="entr" presetSubtype="0" fill="hold" grpId="0" nodeType="clickEffect">
+                                  <p:stCondLst>
+                                    <p:cond delay="0"/>
+                                  </p:stCondLst>
+                                  <p:childTnLst>
+                                    <p:set>
+                                      <p:cBhvr>
+                                        <p:cTn id="20" dur="1" fill="hold">
+                                          <p:stCondLst>
+                                            <p:cond delay="0"/>
+                                          </p:stCondLst>
+                                        </p:cTn>
+                                        <p:tgtEl>
+                                          <p:spTgt spid="4099">
+                                            <p:txEl>
+                                              <p:pRg st="2" end="2"/>
+                                            </p:txEl>
+                                          </p:spTgt>
+                                        </p:tgtEl>
+                                        <p:attrNameLst>
+                                          <p:attrName>style.visibility</p:attrName>
+                                        </p:attrNameLst>
+                                      </p:cBhvr>
+                                      <p:to>
+                                        <p:strVal val="visible"/>
+                                      </p:to>
+                                    </p:set>
+                                    <p:animEffect transition="in" filter="fade">
+                                      <p:cBhvr>
+                                        <p:cTn id="21" dur="1000"/>
+                                        <p:tgtEl>
+                                          <p:spTgt spid="4099">
+                                            <p:txEl>
+                                              <p:pRg st="2" end="2"/>
+                                            </p:txEl>
+                                          </p:spTgt>
+                                        </p:tgtEl>
+                                      </p:cBhvr>
+                                    </p:animEffect>
+                                    <p:anim calcmode="lin" valueType="num">
+                                      <p:cBhvr>
+                                        <p:cTn id="22" dur="1000" fill="hold"/>
+                                        <p:tgtEl>
+                                          <p:spTgt spid="4099">
+                                            <p:txEl>
+                                              <p:pRg st="2" end="2"/>
+                                            </p:txEl>
+                                          </p:spTgt>
+                                        </p:tgtEl>
+                                        <p:attrNameLst>
+                                          <p:attrName>ppt_x</p:attrName>
+                                        </p:attrNameLst>
+                                      </p:cBhvr>
+                                      <p:tavLst>
+                                        <p:tav tm="0">
+                                          <p:val>
+                                            <p:strVal val="#ppt_x"/>
+                                          </p:val>
+                                        </p:tav>
+                                        <p:tav tm="100000">
+                                          <p:val>
+                                            <p:strVal val="#ppt_x"/>
+                                          </p:val>
+                                        </p:tav>
+                                      </p:tavLst>
+                                    </p:anim>
+                                    <p:anim calcmode="lin" valueType="num">
+                                      <p:cBhvr>
+                                        <p:cTn id="23" dur="1000" fill="hold"/>
+                                        <p:tgtEl>
+                                          <p:spTgt spid="4099">
+                                            <p:txEl>
+                                              <p:pRg st="2" end="2"/>
+                                            </p:txEl>
+                                          </p:spTgt>
+                                        </p:tgtEl>
+                                        <p:attrNameLst>
+                                          <p:attrName>ppt_y</p:attrName>
+                                        </p:attrNameLst>
+                                      </p:cBhvr>
+                                      <p:tavLst>
+                                        <p:tav tm="0">
+                                          <p:val>
+                                            <p:strVal val="#ppt_y+.1"/>
+                                          </p:val>
+                                        </p:tav>
+                                        <p:tav tm="100000">
+                                          <p:val>
+                                            <p:strVal val="#ppt_y"/>
+                                          </p:val>
+                                        </p:tav>
+                                      </p:tavLst>
+                                    </p:anim>
+                                  </p:childTnLst>
+                                </p:cTn>
+                              </p:par>
+                            </p:childTnLst>
+                          </p:cTn>
+                        </p:par>
+                      </p:childTnLst>
+                    </p:cTn>
+                  </p:par>
+                  <p:par>
+                    <p:cTn id="24" fill="hold">
+                      <p:stCondLst>
+                        <p:cond delay="indefinite"/>
+                      </p:stCondLst>
+                      <p:childTnLst>
+                        <p:par>
+                          <p:cTn id="25" fill="hold">
+                            <p:stCondLst>
+                              <p:cond delay="0"/>
+                            </p:stCondLst>
+                            <p:childTnLst>
+                              <p:par>
+                                <p:cTn id="26" presetID="42" presetClass="entr" presetSubtype="0" fill="hold" grpId="0" nodeType="clickEffect">
+                                  <p:stCondLst>
+                                    <p:cond delay="0"/>
+                                  </p:stCondLst>
+                                  <p:childTnLst>
+                                    <p:set>
+                                      <p:cBhvr>
+                                        <p:cTn id="27" dur="1" fill="hold">
+                                          <p:stCondLst>
+                                            <p:cond delay="0"/>
+                                          </p:stCondLst>
+                                        </p:cTn>
+                                        <p:tgtEl>
+                                          <p:spTgt spid="4099">
+                                            <p:txEl>
+                                              <p:pRg st="3" end="3"/>
+                                            </p:txEl>
+                                          </p:spTgt>
+                                        </p:tgtEl>
+                                        <p:attrNameLst>
+                                          <p:attrName>style.visibility</p:attrName>
+                                        </p:attrNameLst>
+                                      </p:cBhvr>
+                                      <p:to>
+                                        <p:strVal val="visible"/>
+                                      </p:to>
+                                    </p:set>
+                                    <p:animEffect transition="in" filter="fade">
+                                      <p:cBhvr>
+                                        <p:cTn id="28" dur="1000"/>
+                                        <p:tgtEl>
+                                          <p:spTgt spid="4099">
+                                            <p:txEl>
+                                              <p:pRg st="3" end="3"/>
+                                            </p:txEl>
+                                          </p:spTgt>
+                                        </p:tgtEl>
+                                      </p:cBhvr>
+                                    </p:animEffect>
+                                    <p:anim calcmode="lin" valueType="num">
+                                      <p:cBhvr>
+                                        <p:cTn id="29" dur="1000" fill="hold"/>
+                                        <p:tgtEl>
+                                          <p:spTgt spid="4099">
+                                            <p:txEl>
+                                              <p:pRg st="3" end="3"/>
+                                            </p:txEl>
+                                          </p:spTgt>
+                                        </p:tgtEl>
+                                        <p:attrNameLst>
+                                          <p:attrName>ppt_x</p:attrName>
+                                        </p:attrNameLst>
+                                      </p:cBhvr>
+                                      <p:tavLst>
+                                        <p:tav tm="0">
+                                          <p:val>
+                                            <p:strVal val="#ppt_x"/>
+                                          </p:val>
+                                        </p:tav>
+                                        <p:tav tm="100000">
+                                          <p:val>
+                                            <p:strVal val="#ppt_x"/>
+                                          </p:val>
+                                        </p:tav>
+                                      </p:tavLst>
+                                    </p:anim>
+                                    <p:anim calcmode="lin" valueType="num">
+                                      <p:cBhvr>
+                                        <p:cTn id="30" dur="1000" fill="hold"/>
+                                        <p:tgtEl>
+                                          <p:spTgt spid="4099">
+                                            <p:txEl>
+                                              <p:pRg st="3" end="3"/>
+                                            </p:txEl>
+                                          </p:spTgt>
+                                        </p:tgtEl>
+                                        <p:attrNameLst>
+                                          <p:attrName>ppt_y</p:attrName>
+                                        </p:attrNameLst>
+                                      </p:cBhvr>
+                                      <p:tavLst>
+                                        <p:tav tm="0">
+                                          <p:val>
+                                            <p:strVal val="#ppt_y+.1"/>
+                                          </p:val>
+                                        </p:tav>
+                                        <p:tav tm="100000">
+                                          <p:val>
+                                            <p:strVal val="#ppt_y"/>
+                                          </p:val>
+                                        </p:tav>
+                                      </p:tavLst>
+                                    </p:anim>
+                                  </p:childTnLst>
+                                </p:cTn>
+                              </p:par>
+                            </p:childTnLst>
+                          </p:cTn>
+                        </p:par>
+                      </p:childTnLst>
+                    </p:cTn>
+                  </p:par>
+                  <p:par>
+                    <p:cTn id="31" fill="hold">
+                      <p:stCondLst>
+                        <p:cond delay="indefinite"/>
+                      </p:stCondLst>
+                      <p:childTnLst>
+                        <p:par>
+                          <p:cTn id="32" fill="hold">
+                            <p:stCondLst>
+                              <p:cond delay="0"/>
+                            </p:stCondLst>
+                            <p:childTnLst>
+                              <p:par>
+                                <p:cTn id="33" presetID="42" presetClass="entr" presetSubtype="0" fill="hold" grpId="0" nodeType="clickEffect">
+                                  <p:stCondLst>
+                                    <p:cond delay="0"/>
+                                  </p:stCondLst>
+                                  <p:childTnLst>
+                                    <p:set>
+                                      <p:cBhvr>
+                                        <p:cTn id="34" dur="1" fill="hold">
+                                          <p:stCondLst>
+                                            <p:cond delay="0"/>
+                                          </p:stCondLst>
+                                        </p:cTn>
+                                        <p:tgtEl>
+                                          <p:spTgt spid="4099">
+                                            <p:txEl>
+                                              <p:pRg st="4" end="4"/>
+                                            </p:txEl>
+                                          </p:spTgt>
+                                        </p:tgtEl>
+                                        <p:attrNameLst>
+                                          <p:attrName>style.visibility</p:attrName>
+                                        </p:attrNameLst>
+                                      </p:cBhvr>
+                                      <p:to>
+                                        <p:strVal val="visible"/>
+                                      </p:to>
+                                    </p:set>
+                                    <p:animEffect transition="in" filter="fade">
+                                      <p:cBhvr>
+                                        <p:cTn id="35" dur="1000"/>
+                                        <p:tgtEl>
+                                          <p:spTgt spid="4099">
+                                            <p:txEl>
+                                              <p:pRg st="4" end="4"/>
+                                            </p:txEl>
+                                          </p:spTgt>
+                                        </p:tgtEl>
+                                      </p:cBhvr>
+                                    </p:animEffect>
+                                    <p:anim calcmode="lin" valueType="num">
+                                      <p:cBhvr>
+                                        <p:cTn id="36" dur="1000" fill="hold"/>
+                                        <p:tgtEl>
+                                          <p:spTgt spid="4099">
+                                            <p:txEl>
+                                              <p:pRg st="4" end="4"/>
+                                            </p:txEl>
+                                          </p:spTgt>
+                                        </p:tgtEl>
+                                        <p:attrNameLst>
+                                          <p:attrName>ppt_x</p:attrName>
+                                        </p:attrNameLst>
+                                      </p:cBhvr>
+                                      <p:tavLst>
+                                        <p:tav tm="0">
+                                          <p:val>
+                                            <p:strVal val="#ppt_x"/>
+                                          </p:val>
+                                        </p:tav>
+                                        <p:tav tm="100000">
+                                          <p:val>
+                                            <p:strVal val="#ppt_x"/>
+                                          </p:val>
+                                        </p:tav>
+                                      </p:tavLst>
+                                    </p:anim>
+                                    <p:anim calcmode="lin" valueType="num">
+                                      <p:cBhvr>
+                                        <p:cTn id="37" dur="1000" fill="hold"/>
+                                        <p:tgtEl>
+                                          <p:spTgt spid="4099">
+                                            <p:txEl>
+                                              <p:pRg st="4" end="4"/>
+                                            </p:txEl>
+                                          </p:spTgt>
+                                        </p:tgtEl>
+                                        <p:attrNameLst>
+                                          <p:attrName>ppt_y</p:attrName>
+                                        </p:attrNameLst>
+                                      </p:cBhvr>
+                                      <p:tavLst>
+                                        <p:tav tm="0">
+                                          <p:val>
+                                            <p:strVal val="#ppt_y+.1"/>
+                                          </p:val>
+                                        </p:tav>
+                                        <p:tav tm="100000">
+                                          <p:val>
+                                            <p:strVal val="#ppt_y"/>
+                                          </p:val>
+                                        </p:tav>
+                                      </p:tavLst>
+                                    </p:anim>
+                                  </p:childTnLst>
+                                </p:cTn>
+                              </p:par>
+                            </p:childTnLst>
+                          </p:cTn>
+                        </p:par>
+                      </p:childTnLst>
+                    </p:cTn>
+                  </p:par>
+                </p:childTnLst>
+              </p:cTn>
+              <p:prevCondLst>
+                <p:cond evt="onPrev" delay="0">
+                  <p:tgtEl>
+                    <p:sldTgt/>
+                  </p:tgtEl>
+                </p:cond>
+              </p:prevCondLst>
+              <p:nextCondLst>
+                <p:cond evt="onNext" delay="0">
+                  <p:tgtEl>
+                    <p:sldTgt/>
+                  </p:tgtEl>
+                </p:cond>
+              </p:nextCondLst>
+            </p:seq>
+          </p:childTnLst>
+        </p:cTn>
       </p:par>
     </p:tnLst>
+    <p:bldLst>
+      <p:bldP spid="4099" grpId="0" build="p"/>
+    </p:bldLst>
   </p:timing>
 </p:sld>
 </file>
 
-<file path=ppt/slides/slide4.xml><?xml version="1.0" encoding="utf-8"?>
+<file path=ppt/slides/slide6.xml><?xml version="1.0" encoding="utf-8"?>
 <p:sld xmlns:a="http://schemas.openxmlformats.org/drawingml/2006/main" xmlns:r="http://schemas.openxmlformats.org/officeDocument/2006/relationships" xmlns:p="http://schemas.openxmlformats.org/presentationml/2006/main">
   <p:cSld>
     <p:bg>
@@ -9073,7 +11826,7 @@
 </p:sld>
 </file>
 
-<file path=ppt/slides/slide5.xml><?xml version="1.0" encoding="utf-8"?>
+<file path=ppt/slides/slide7.xml><?xml version="1.0" encoding="utf-8"?>
 <p:sld xmlns:a="http://schemas.openxmlformats.org/drawingml/2006/main" xmlns:r="http://schemas.openxmlformats.org/officeDocument/2006/relationships" xmlns:p="http://schemas.openxmlformats.org/presentationml/2006/main">
   <p:cSld>
     <p:bg>
@@ -9132,12 +11885,6 @@
               </a:rPr>
               <a:t>Website Hierarchy(basic)</a:t>
             </a:r>
-            <a:endParaRPr lang="fr-CA" altLang="zh-CN" sz="4000" dirty="0" smtClean="0">
-              <a:solidFill>
-                <a:schemeClr val="bg1"/>
-              </a:solidFill>
-              <a:latin typeface="FFF Tusj" pitchFamily="18" charset="0"/>
-            </a:endParaRPr>
           </a:p>
         </p:txBody>
       </p:sp>
@@ -11768,7 +14515,7 @@
 </p:sld>
 </file>
 
-<file path=ppt/slides/slide6.xml><?xml version="1.0" encoding="utf-8"?>
+<file path=ppt/slides/slide8.xml><?xml version="1.0" encoding="utf-8"?>
 <p:sld xmlns:a="http://schemas.openxmlformats.org/drawingml/2006/main" xmlns:r="http://schemas.openxmlformats.org/officeDocument/2006/relationships" xmlns:p="http://schemas.openxmlformats.org/presentationml/2006/main">
   <p:cSld>
     <p:bg>
@@ -11827,12 +14574,6 @@
               </a:rPr>
               <a:t>Website Hierarchy(Advanced)</a:t>
             </a:r>
-            <a:endParaRPr lang="fr-CA" altLang="zh-CN" sz="4000" dirty="0" smtClean="0">
-              <a:solidFill>
-                <a:schemeClr val="bg1"/>
-              </a:solidFill>
-              <a:latin typeface="FFF Tusj" pitchFamily="18" charset="0"/>
-            </a:endParaRPr>
           </a:p>
         </p:txBody>
       </p:sp>
@@ -15108,7 +17849,7 @@
 </p:sld>
 </file>
 
-<file path=ppt/slides/slide7.xml><?xml version="1.0" encoding="utf-8"?>
+<file path=ppt/slides/slide9.xml><?xml version="1.0" encoding="utf-8"?>
 <p:sld xmlns:a="http://schemas.openxmlformats.org/drawingml/2006/main" xmlns:r="http://schemas.openxmlformats.org/officeDocument/2006/relationships" xmlns:p="http://schemas.openxmlformats.org/presentationml/2006/main">
   <p:cSld>
     <p:bg>
@@ -15231,224 +17972,6 @@
                 </a:solidFill>
               </a:rPr>
               <a:t>HTML</a:t>
-            </a:r>
-          </a:p>
-        </p:txBody>
-      </p:sp>
-    </p:spTree>
-  </p:cSld>
-  <p:clrMapOvr>
-    <a:masterClrMapping/>
-  </p:clrMapOvr>
-  <p:timing>
-    <p:tnLst>
-      <p:par>
-        <p:cTn id="1" dur="indefinite" restart="never" nodeType="tmRoot"/>
-      </p:par>
-    </p:tnLst>
-  </p:timing>
-</p:sld>
-</file>
-
-<file path=ppt/slides/slide8.xml><?xml version="1.0" encoding="utf-8"?>
-<p:sld xmlns:a="http://schemas.openxmlformats.org/drawingml/2006/main" xmlns:r="http://schemas.openxmlformats.org/officeDocument/2006/relationships" xmlns:p="http://schemas.openxmlformats.org/presentationml/2006/main">
-  <p:cSld>
-    <p:bg>
-      <p:bgPr>
-        <a:blipFill dpi="0" rotWithShape="0">
-          <a:blip r:embed="rId2"/>
-          <a:srcRect/>
-          <a:stretch>
-            <a:fillRect/>
-          </a:stretch>
-        </a:blipFill>
-        <a:effectLst/>
-      </p:bgPr>
-    </p:bg>
-    <p:spTree>
-      <p:nvGrpSpPr>
-        <p:cNvPr id="1" name=""/>
-        <p:cNvGrpSpPr/>
-        <p:nvPr/>
-      </p:nvGrpSpPr>
-      <p:grpSpPr>
-        <a:xfrm>
-          <a:off x="0" y="0"/>
-          <a:ext cx="0" cy="0"/>
-          <a:chOff x="0" y="0"/>
-          <a:chExt cx="0" cy="0"/>
-        </a:xfrm>
-      </p:grpSpPr>
-      <p:sp>
-        <p:nvSpPr>
-          <p:cNvPr id="7170" name="Titre 3"/>
-          <p:cNvSpPr>
-            <a:spLocks noGrp="1"/>
-          </p:cNvSpPr>
-          <p:nvPr>
-            <p:ph type="title"/>
-          </p:nvPr>
-        </p:nvSpPr>
-        <p:spPr>
-          <a:xfrm>
-            <a:off x="857250" y="2643188"/>
-            <a:ext cx="4143375" cy="1143000"/>
-          </a:xfrm>
-        </p:spPr>
-        <p:txBody>
-          <a:bodyPr/>
-          <a:lstStyle/>
-          <a:p>
-            <a:pPr algn="l" eaLnBrk="1" hangingPunct="1"/>
-            <a:r>
-              <a:rPr lang="fr-CA" altLang="zh-CN" smtClean="0">
-                <a:solidFill>
-                  <a:schemeClr val="bg1"/>
-                </a:solidFill>
-                <a:latin typeface="FFF Tusj" pitchFamily="18" charset="0"/>
-              </a:rPr>
-              <a:t>Register page</a:t>
-            </a:r>
-          </a:p>
-        </p:txBody>
-      </p:sp>
-      <p:sp>
-        <p:nvSpPr>
-          <p:cNvPr id="7171" name="Espace réservé du contenu 4"/>
-          <p:cNvSpPr>
-            <a:spLocks noGrp="1"/>
-          </p:cNvSpPr>
-          <p:nvPr>
-            <p:ph idx="1"/>
-          </p:nvPr>
-        </p:nvSpPr>
-        <p:spPr>
-          <a:xfrm>
-            <a:off x="457200" y="3643313"/>
-            <a:ext cx="8229600" cy="2928937"/>
-          </a:xfrm>
-        </p:spPr>
-        <p:txBody>
-          <a:bodyPr/>
-          <a:lstStyle/>
-          <a:p>
-            <a:pPr eaLnBrk="1" hangingPunct="1"/>
-            <a:r>
-              <a:rPr lang="fr-CA" altLang="zh-CN" sz="2800" smtClean="0">
-                <a:solidFill>
-                  <a:schemeClr val="bg1"/>
-                </a:solidFill>
-              </a:rPr>
-              <a:t>picture</a:t>
-            </a:r>
-          </a:p>
-        </p:txBody>
-      </p:sp>
-    </p:spTree>
-  </p:cSld>
-  <p:clrMapOvr>
-    <a:masterClrMapping/>
-  </p:clrMapOvr>
-  <p:timing>
-    <p:tnLst>
-      <p:par>
-        <p:cTn id="1" dur="indefinite" restart="never" nodeType="tmRoot"/>
-      </p:par>
-    </p:tnLst>
-  </p:timing>
-</p:sld>
-</file>
-
-<file path=ppt/slides/slide9.xml><?xml version="1.0" encoding="utf-8"?>
-<p:sld xmlns:a="http://schemas.openxmlformats.org/drawingml/2006/main" xmlns:r="http://schemas.openxmlformats.org/officeDocument/2006/relationships" xmlns:p="http://schemas.openxmlformats.org/presentationml/2006/main">
-  <p:cSld>
-    <p:bg>
-      <p:bgPr>
-        <a:blipFill dpi="0" rotWithShape="0">
-          <a:blip r:embed="rId2"/>
-          <a:srcRect/>
-          <a:stretch>
-            <a:fillRect/>
-          </a:stretch>
-        </a:blipFill>
-        <a:effectLst/>
-      </p:bgPr>
-    </p:bg>
-    <p:spTree>
-      <p:nvGrpSpPr>
-        <p:cNvPr id="1" name=""/>
-        <p:cNvGrpSpPr/>
-        <p:nvPr/>
-      </p:nvGrpSpPr>
-      <p:grpSpPr>
-        <a:xfrm>
-          <a:off x="0" y="0"/>
-          <a:ext cx="0" cy="0"/>
-          <a:chOff x="0" y="0"/>
-          <a:chExt cx="0" cy="0"/>
-        </a:xfrm>
-      </p:grpSpPr>
-      <p:sp>
-        <p:nvSpPr>
-          <p:cNvPr id="8194" name="Titre 3"/>
-          <p:cNvSpPr>
-            <a:spLocks noGrp="1"/>
-          </p:cNvSpPr>
-          <p:nvPr>
-            <p:ph type="title"/>
-          </p:nvPr>
-        </p:nvSpPr>
-        <p:spPr>
-          <a:xfrm>
-            <a:off x="857250" y="2643188"/>
-            <a:ext cx="4143375" cy="1143000"/>
-          </a:xfrm>
-        </p:spPr>
-        <p:txBody>
-          <a:bodyPr/>
-          <a:lstStyle/>
-          <a:p>
-            <a:pPr algn="l" eaLnBrk="1" hangingPunct="1"/>
-            <a:r>
-              <a:rPr lang="fr-CA" altLang="zh-CN" smtClean="0">
-                <a:solidFill>
-                  <a:schemeClr val="bg1"/>
-                </a:solidFill>
-                <a:latin typeface="FFF Tusj" pitchFamily="18" charset="0"/>
-              </a:rPr>
-              <a:t>Log in </a:t>
-            </a:r>
-          </a:p>
-        </p:txBody>
-      </p:sp>
-      <p:sp>
-        <p:nvSpPr>
-          <p:cNvPr id="8195" name="Espace réservé du contenu 4"/>
-          <p:cNvSpPr>
-            <a:spLocks noGrp="1"/>
-          </p:cNvSpPr>
-          <p:nvPr>
-            <p:ph idx="1"/>
-          </p:nvPr>
-        </p:nvSpPr>
-        <p:spPr>
-          <a:xfrm>
-            <a:off x="457200" y="3643313"/>
-            <a:ext cx="8229600" cy="2928937"/>
-          </a:xfrm>
-        </p:spPr>
-        <p:txBody>
-          <a:bodyPr/>
-          <a:lstStyle/>
-          <a:p>
-            <a:pPr eaLnBrk="1" hangingPunct="1"/>
-            <a:r>
-              <a:rPr lang="fr-CA" altLang="zh-CN" sz="2800" smtClean="0">
-                <a:solidFill>
-                  <a:schemeClr val="bg1"/>
-                </a:solidFill>
-              </a:rPr>
-              <a:t>picture. </a:t>
             </a:r>
           </a:p>
         </p:txBody>

--- a/512副本.pptx
+++ b/512副本.pptx
@@ -13,20 +13,12 @@
     <p:sldId id="275" r:id="rId7"/>
     <p:sldId id="277" r:id="rId8"/>
     <p:sldId id="280" r:id="rId9"/>
-    <p:sldId id="265" r:id="rId10"/>
-    <p:sldId id="264" r:id="rId11"/>
-    <p:sldId id="267" r:id="rId12"/>
-    <p:sldId id="268" r:id="rId13"/>
-    <p:sldId id="276" r:id="rId14"/>
-    <p:sldId id="263" r:id="rId15"/>
-    <p:sldId id="269" r:id="rId16"/>
-    <p:sldId id="262" r:id="rId17"/>
-    <p:sldId id="261" r:id="rId18"/>
-    <p:sldId id="272" r:id="rId19"/>
-    <p:sldId id="271" r:id="rId20"/>
-    <p:sldId id="273" r:id="rId21"/>
-    <p:sldId id="270" r:id="rId22"/>
-    <p:sldId id="260" r:id="rId23"/>
+    <p:sldId id="286" r:id="rId10"/>
+    <p:sldId id="287" r:id="rId11"/>
+    <p:sldId id="288" r:id="rId12"/>
+    <p:sldId id="285" r:id="rId13"/>
+    <p:sldId id="270" r:id="rId14"/>
+    <p:sldId id="260" r:id="rId15"/>
   </p:sldIdLst>
   <p:sldSz cx="9144000" cy="6858000" type="screen4x3"/>
   <p:notesSz cx="6858000" cy="9144000"/>
@@ -156,2960 +148,6 @@
     </a:lvl9pPr>
   </p:defaultTextStyle>
 </p:presentation>
-</file>
-
-<file path=ppt/diagrams/colors1.xml><?xml version="1.0" encoding="utf-8"?>
-<dgm:colorsDef xmlns:dgm="http://schemas.openxmlformats.org/drawingml/2006/diagram" xmlns:a="http://schemas.openxmlformats.org/drawingml/2006/main" uniqueId="urn:microsoft.com/office/officeart/2005/8/colors/accent1_2">
-  <dgm:title val=""/>
-  <dgm:desc val=""/>
-  <dgm:catLst>
-    <dgm:cat type="accent1" pri="11200"/>
-  </dgm:catLst>
-  <dgm:styleLbl name="node0">
-    <dgm:fillClrLst meth="repeat">
-      <a:schemeClr val="accent1"/>
-    </dgm:fillClrLst>
-    <dgm:linClrLst meth="repeat">
-      <a:schemeClr val="lt1"/>
-    </dgm:linClrLst>
-    <dgm:effectClrLst/>
-    <dgm:txLinClrLst/>
-    <dgm:txFillClrLst/>
-    <dgm:txEffectClrLst/>
-  </dgm:styleLbl>
-  <dgm:styleLbl name="alignNode1">
-    <dgm:fillClrLst meth="repeat">
-      <a:schemeClr val="accent1"/>
-    </dgm:fillClrLst>
-    <dgm:linClrLst meth="repeat">
-      <a:schemeClr val="accent1"/>
-    </dgm:linClrLst>
-    <dgm:effectClrLst/>
-    <dgm:txLinClrLst/>
-    <dgm:txFillClrLst/>
-    <dgm:txEffectClrLst/>
-  </dgm:styleLbl>
-  <dgm:styleLbl name="node1">
-    <dgm:fillClrLst meth="repeat">
-      <a:schemeClr val="accent1"/>
-    </dgm:fillClrLst>
-    <dgm:linClrLst meth="repeat">
-      <a:schemeClr val="lt1"/>
-    </dgm:linClrLst>
-    <dgm:effectClrLst/>
-    <dgm:txLinClrLst/>
-    <dgm:txFillClrLst/>
-    <dgm:txEffectClrLst/>
-  </dgm:styleLbl>
-  <dgm:styleLbl name="lnNode1">
-    <dgm:fillClrLst meth="repeat">
-      <a:schemeClr val="accent1"/>
-    </dgm:fillClrLst>
-    <dgm:linClrLst meth="repeat">
-      <a:schemeClr val="lt1"/>
-    </dgm:linClrLst>
-    <dgm:effectClrLst/>
-    <dgm:txLinClrLst/>
-    <dgm:txFillClrLst/>
-    <dgm:txEffectClrLst/>
-  </dgm:styleLbl>
-  <dgm:styleLbl name="vennNode1">
-    <dgm:fillClrLst meth="repeat">
-      <a:schemeClr val="accent1">
-        <a:alpha val="50000"/>
-      </a:schemeClr>
-    </dgm:fillClrLst>
-    <dgm:linClrLst meth="repeat">
-      <a:schemeClr val="lt1"/>
-    </dgm:linClrLst>
-    <dgm:effectClrLst/>
-    <dgm:txLinClrLst/>
-    <dgm:txFillClrLst/>
-    <dgm:txEffectClrLst/>
-  </dgm:styleLbl>
-  <dgm:styleLbl name="node2">
-    <dgm:fillClrLst meth="repeat">
-      <a:schemeClr val="accent1"/>
-    </dgm:fillClrLst>
-    <dgm:linClrLst meth="repeat">
-      <a:schemeClr val="lt1"/>
-    </dgm:linClrLst>
-    <dgm:effectClrLst/>
-    <dgm:txLinClrLst/>
-    <dgm:txFillClrLst/>
-    <dgm:txEffectClrLst/>
-  </dgm:styleLbl>
-  <dgm:styleLbl name="node3">
-    <dgm:fillClrLst meth="repeat">
-      <a:schemeClr val="accent1"/>
-    </dgm:fillClrLst>
-    <dgm:linClrLst meth="repeat">
-      <a:schemeClr val="lt1"/>
-    </dgm:linClrLst>
-    <dgm:effectClrLst/>
-    <dgm:txLinClrLst/>
-    <dgm:txFillClrLst/>
-    <dgm:txEffectClrLst/>
-  </dgm:styleLbl>
-  <dgm:styleLbl name="node4">
-    <dgm:fillClrLst meth="repeat">
-      <a:schemeClr val="accent1"/>
-    </dgm:fillClrLst>
-    <dgm:linClrLst meth="repeat">
-      <a:schemeClr val="lt1"/>
-    </dgm:linClrLst>
-    <dgm:effectClrLst/>
-    <dgm:txLinClrLst/>
-    <dgm:txFillClrLst/>
-    <dgm:txEffectClrLst/>
-  </dgm:styleLbl>
-  <dgm:styleLbl name="fgImgPlace1">
-    <dgm:fillClrLst meth="repeat">
-      <a:schemeClr val="accent1">
-        <a:tint val="50000"/>
-      </a:schemeClr>
-    </dgm:fillClrLst>
-    <dgm:linClrLst meth="repeat">
-      <a:schemeClr val="lt1"/>
-    </dgm:linClrLst>
-    <dgm:effectClrLst/>
-    <dgm:txLinClrLst/>
-    <dgm:txFillClrLst meth="repeat">
-      <a:schemeClr val="lt1"/>
-    </dgm:txFillClrLst>
-    <dgm:txEffectClrLst/>
-  </dgm:styleLbl>
-  <dgm:styleLbl name="alignImgPlace1">
-    <dgm:fillClrLst meth="repeat">
-      <a:schemeClr val="accent1">
-        <a:tint val="50000"/>
-      </a:schemeClr>
-    </dgm:fillClrLst>
-    <dgm:linClrLst meth="repeat">
-      <a:schemeClr val="lt1"/>
-    </dgm:linClrLst>
-    <dgm:effectClrLst/>
-    <dgm:txLinClrLst/>
-    <dgm:txFillClrLst meth="repeat">
-      <a:schemeClr val="lt1"/>
-    </dgm:txFillClrLst>
-    <dgm:txEffectClrLst/>
-  </dgm:styleLbl>
-  <dgm:styleLbl name="bgImgPlace1">
-    <dgm:fillClrLst meth="repeat">
-      <a:schemeClr val="accent1">
-        <a:tint val="50000"/>
-      </a:schemeClr>
-    </dgm:fillClrLst>
-    <dgm:linClrLst meth="repeat">
-      <a:schemeClr val="lt1"/>
-    </dgm:linClrLst>
-    <dgm:effectClrLst/>
-    <dgm:txLinClrLst/>
-    <dgm:txFillClrLst meth="repeat">
-      <a:schemeClr val="lt1"/>
-    </dgm:txFillClrLst>
-    <dgm:txEffectClrLst/>
-  </dgm:styleLbl>
-  <dgm:styleLbl name="sibTrans2D1">
-    <dgm:fillClrLst meth="repeat">
-      <a:schemeClr val="accent1">
-        <a:tint val="60000"/>
-      </a:schemeClr>
-    </dgm:fillClrLst>
-    <dgm:linClrLst meth="repeat">
-      <a:schemeClr val="accent1">
-        <a:tint val="60000"/>
-      </a:schemeClr>
-    </dgm:linClrLst>
-    <dgm:effectClrLst/>
-    <dgm:txLinClrLst/>
-    <dgm:txFillClrLst/>
-    <dgm:txEffectClrLst/>
-  </dgm:styleLbl>
-  <dgm:styleLbl name="fgSibTrans2D1">
-    <dgm:fillClrLst meth="repeat">
-      <a:schemeClr val="accent1">
-        <a:tint val="60000"/>
-      </a:schemeClr>
-    </dgm:fillClrLst>
-    <dgm:linClrLst meth="repeat">
-      <a:schemeClr val="accent1">
-        <a:tint val="60000"/>
-      </a:schemeClr>
-    </dgm:linClrLst>
-    <dgm:effectClrLst/>
-    <dgm:txLinClrLst/>
-    <dgm:txFillClrLst/>
-    <dgm:txEffectClrLst/>
-  </dgm:styleLbl>
-  <dgm:styleLbl name="bgSibTrans2D1">
-    <dgm:fillClrLst meth="repeat">
-      <a:schemeClr val="accent1">
-        <a:tint val="60000"/>
-      </a:schemeClr>
-    </dgm:fillClrLst>
-    <dgm:linClrLst meth="repeat">
-      <a:schemeClr val="accent1">
-        <a:tint val="60000"/>
-      </a:schemeClr>
-    </dgm:linClrLst>
-    <dgm:effectClrLst/>
-    <dgm:txLinClrLst/>
-    <dgm:txFillClrLst/>
-    <dgm:txEffectClrLst/>
-  </dgm:styleLbl>
-  <dgm:styleLbl name="sibTrans1D1">
-    <dgm:fillClrLst meth="repeat">
-      <a:schemeClr val="accent1"/>
-    </dgm:fillClrLst>
-    <dgm:linClrLst meth="repeat">
-      <a:schemeClr val="accent1"/>
-    </dgm:linClrLst>
-    <dgm:effectClrLst/>
-    <dgm:txLinClrLst/>
-    <dgm:txFillClrLst meth="repeat">
-      <a:schemeClr val="tx1"/>
-    </dgm:txFillClrLst>
-    <dgm:txEffectClrLst/>
-  </dgm:styleLbl>
-  <dgm:styleLbl name="callout">
-    <dgm:fillClrLst meth="repeat">
-      <a:schemeClr val="accent1"/>
-    </dgm:fillClrLst>
-    <dgm:linClrLst meth="repeat">
-      <a:schemeClr val="accent1">
-        <a:tint val="50000"/>
-      </a:schemeClr>
-    </dgm:linClrLst>
-    <dgm:effectClrLst/>
-    <dgm:txLinClrLst/>
-    <dgm:txFillClrLst meth="repeat">
-      <a:schemeClr val="tx1"/>
-    </dgm:txFillClrLst>
-    <dgm:txEffectClrLst/>
-  </dgm:styleLbl>
-  <dgm:styleLbl name="asst0">
-    <dgm:fillClrLst meth="repeat">
-      <a:schemeClr val="accent1"/>
-    </dgm:fillClrLst>
-    <dgm:linClrLst meth="repeat">
-      <a:schemeClr val="lt1"/>
-    </dgm:linClrLst>
-    <dgm:effectClrLst/>
-    <dgm:txLinClrLst/>
-    <dgm:txFillClrLst/>
-    <dgm:txEffectClrLst/>
-  </dgm:styleLbl>
-  <dgm:styleLbl name="asst1">
-    <dgm:fillClrLst meth="repeat">
-      <a:schemeClr val="accent1"/>
-    </dgm:fillClrLst>
-    <dgm:linClrLst meth="repeat">
-      <a:schemeClr val="lt1"/>
-    </dgm:linClrLst>
-    <dgm:effectClrLst/>
-    <dgm:txLinClrLst/>
-    <dgm:txFillClrLst/>
-    <dgm:txEffectClrLst/>
-  </dgm:styleLbl>
-  <dgm:styleLbl name="asst2">
-    <dgm:fillClrLst meth="repeat">
-      <a:schemeClr val="accent1"/>
-    </dgm:fillClrLst>
-    <dgm:linClrLst meth="repeat">
-      <a:schemeClr val="lt1"/>
-    </dgm:linClrLst>
-    <dgm:effectClrLst/>
-    <dgm:txLinClrLst/>
-    <dgm:txFillClrLst/>
-    <dgm:txEffectClrLst/>
-  </dgm:styleLbl>
-  <dgm:styleLbl name="asst3">
-    <dgm:fillClrLst meth="repeat">
-      <a:schemeClr val="accent1"/>
-    </dgm:fillClrLst>
-    <dgm:linClrLst meth="repeat">
-      <a:schemeClr val="lt1"/>
-    </dgm:linClrLst>
-    <dgm:effectClrLst/>
-    <dgm:txLinClrLst/>
-    <dgm:txFillClrLst/>
-    <dgm:txEffectClrLst/>
-  </dgm:styleLbl>
-  <dgm:styleLbl name="asst4">
-    <dgm:fillClrLst meth="repeat">
-      <a:schemeClr val="accent1"/>
-    </dgm:fillClrLst>
-    <dgm:linClrLst meth="repeat">
-      <a:schemeClr val="lt1"/>
-    </dgm:linClrLst>
-    <dgm:effectClrLst/>
-    <dgm:txLinClrLst/>
-    <dgm:txFillClrLst/>
-    <dgm:txEffectClrLst/>
-  </dgm:styleLbl>
-  <dgm:styleLbl name="parChTrans2D1">
-    <dgm:fillClrLst meth="repeat">
-      <a:schemeClr val="accent1">
-        <a:tint val="60000"/>
-      </a:schemeClr>
-    </dgm:fillClrLst>
-    <dgm:linClrLst meth="repeat">
-      <a:schemeClr val="accent1">
-        <a:tint val="60000"/>
-      </a:schemeClr>
-    </dgm:linClrLst>
-    <dgm:effectClrLst/>
-    <dgm:txLinClrLst/>
-    <dgm:txFillClrLst meth="repeat">
-      <a:schemeClr val="lt1"/>
-    </dgm:txFillClrLst>
-    <dgm:txEffectClrLst/>
-  </dgm:styleLbl>
-  <dgm:styleLbl name="parChTrans2D2">
-    <dgm:fillClrLst meth="repeat">
-      <a:schemeClr val="accent1"/>
-    </dgm:fillClrLst>
-    <dgm:linClrLst meth="repeat">
-      <a:schemeClr val="accent1"/>
-    </dgm:linClrLst>
-    <dgm:effectClrLst/>
-    <dgm:txLinClrLst/>
-    <dgm:txFillClrLst meth="repeat">
-      <a:schemeClr val="lt1"/>
-    </dgm:txFillClrLst>
-    <dgm:txEffectClrLst/>
-  </dgm:styleLbl>
-  <dgm:styleLbl name="parChTrans2D3">
-    <dgm:fillClrLst meth="repeat">
-      <a:schemeClr val="accent1"/>
-    </dgm:fillClrLst>
-    <dgm:linClrLst meth="repeat">
-      <a:schemeClr val="accent1"/>
-    </dgm:linClrLst>
-    <dgm:effectClrLst/>
-    <dgm:txLinClrLst/>
-    <dgm:txFillClrLst meth="repeat">
-      <a:schemeClr val="lt1"/>
-    </dgm:txFillClrLst>
-    <dgm:txEffectClrLst/>
-  </dgm:styleLbl>
-  <dgm:styleLbl name="parChTrans2D4">
-    <dgm:fillClrLst meth="repeat">
-      <a:schemeClr val="accent1"/>
-    </dgm:fillClrLst>
-    <dgm:linClrLst meth="repeat">
-      <a:schemeClr val="accent1"/>
-    </dgm:linClrLst>
-    <dgm:effectClrLst/>
-    <dgm:txLinClrLst/>
-    <dgm:txFillClrLst meth="repeat">
-      <a:schemeClr val="lt1"/>
-    </dgm:txFillClrLst>
-    <dgm:txEffectClrLst/>
-  </dgm:styleLbl>
-  <dgm:styleLbl name="parChTrans1D1">
-    <dgm:fillClrLst meth="repeat">
-      <a:schemeClr val="accent1"/>
-    </dgm:fillClrLst>
-    <dgm:linClrLst meth="repeat">
-      <a:schemeClr val="accent1">
-        <a:shade val="60000"/>
-      </a:schemeClr>
-    </dgm:linClrLst>
-    <dgm:effectClrLst/>
-    <dgm:txLinClrLst/>
-    <dgm:txFillClrLst meth="repeat">
-      <a:schemeClr val="tx1"/>
-    </dgm:txFillClrLst>
-    <dgm:txEffectClrLst/>
-  </dgm:styleLbl>
-  <dgm:styleLbl name="parChTrans1D2">
-    <dgm:fillClrLst meth="repeat">
-      <a:schemeClr val="accent1"/>
-    </dgm:fillClrLst>
-    <dgm:linClrLst meth="repeat">
-      <a:schemeClr val="accent1">
-        <a:shade val="60000"/>
-      </a:schemeClr>
-    </dgm:linClrLst>
-    <dgm:effectClrLst/>
-    <dgm:txLinClrLst/>
-    <dgm:txFillClrLst meth="repeat">
-      <a:schemeClr val="tx1"/>
-    </dgm:txFillClrLst>
-    <dgm:txEffectClrLst/>
-  </dgm:styleLbl>
-  <dgm:styleLbl name="parChTrans1D3">
-    <dgm:fillClrLst meth="repeat">
-      <a:schemeClr val="accent1"/>
-    </dgm:fillClrLst>
-    <dgm:linClrLst meth="repeat">
-      <a:schemeClr val="accent1">
-        <a:shade val="80000"/>
-      </a:schemeClr>
-    </dgm:linClrLst>
-    <dgm:effectClrLst/>
-    <dgm:txLinClrLst/>
-    <dgm:txFillClrLst meth="repeat">
-      <a:schemeClr val="tx1"/>
-    </dgm:txFillClrLst>
-    <dgm:txEffectClrLst/>
-  </dgm:styleLbl>
-  <dgm:styleLbl name="parChTrans1D4">
-    <dgm:fillClrLst meth="repeat">
-      <a:schemeClr val="accent1"/>
-    </dgm:fillClrLst>
-    <dgm:linClrLst meth="repeat">
-      <a:schemeClr val="accent1">
-        <a:shade val="80000"/>
-      </a:schemeClr>
-    </dgm:linClrLst>
-    <dgm:effectClrLst/>
-    <dgm:txLinClrLst/>
-    <dgm:txFillClrLst meth="repeat">
-      <a:schemeClr val="tx1"/>
-    </dgm:txFillClrLst>
-    <dgm:txEffectClrLst/>
-  </dgm:styleLbl>
-  <dgm:styleLbl name="fgAcc1">
-    <dgm:fillClrLst meth="repeat">
-      <a:schemeClr val="lt1">
-        <a:alpha val="90000"/>
-      </a:schemeClr>
-    </dgm:fillClrLst>
-    <dgm:linClrLst meth="repeat">
-      <a:schemeClr val="accent1"/>
-    </dgm:linClrLst>
-    <dgm:effectClrLst/>
-    <dgm:txLinClrLst/>
-    <dgm:txFillClrLst meth="repeat">
-      <a:schemeClr val="dk1"/>
-    </dgm:txFillClrLst>
-    <dgm:txEffectClrLst/>
-  </dgm:styleLbl>
-  <dgm:styleLbl name="conFgAcc1">
-    <dgm:fillClrLst meth="repeat">
-      <a:schemeClr val="lt1">
-        <a:alpha val="90000"/>
-      </a:schemeClr>
-    </dgm:fillClrLst>
-    <dgm:linClrLst meth="repeat">
-      <a:schemeClr val="accent1"/>
-    </dgm:linClrLst>
-    <dgm:effectClrLst/>
-    <dgm:txLinClrLst/>
-    <dgm:txFillClrLst meth="repeat">
-      <a:schemeClr val="dk1"/>
-    </dgm:txFillClrLst>
-    <dgm:txEffectClrLst/>
-  </dgm:styleLbl>
-  <dgm:styleLbl name="alignAcc1">
-    <dgm:fillClrLst meth="repeat">
-      <a:schemeClr val="lt1">
-        <a:alpha val="90000"/>
-      </a:schemeClr>
-    </dgm:fillClrLst>
-    <dgm:linClrLst meth="repeat">
-      <a:schemeClr val="accent1"/>
-    </dgm:linClrLst>
-    <dgm:effectClrLst/>
-    <dgm:txLinClrLst/>
-    <dgm:txFillClrLst meth="repeat">
-      <a:schemeClr val="dk1"/>
-    </dgm:txFillClrLst>
-    <dgm:txEffectClrLst/>
-  </dgm:styleLbl>
-  <dgm:styleLbl name="trAlignAcc1">
-    <dgm:fillClrLst meth="repeat">
-      <a:schemeClr val="lt1">
-        <a:alpha val="40000"/>
-      </a:schemeClr>
-    </dgm:fillClrLst>
-    <dgm:linClrLst meth="repeat">
-      <a:schemeClr val="accent1"/>
-    </dgm:linClrLst>
-    <dgm:effectClrLst/>
-    <dgm:txLinClrLst/>
-    <dgm:txFillClrLst meth="repeat">
-      <a:schemeClr val="dk1"/>
-    </dgm:txFillClrLst>
-    <dgm:txEffectClrLst/>
-  </dgm:styleLbl>
-  <dgm:styleLbl name="bgAcc1">
-    <dgm:fillClrLst meth="repeat">
-      <a:schemeClr val="lt1">
-        <a:alpha val="90000"/>
-      </a:schemeClr>
-    </dgm:fillClrLst>
-    <dgm:linClrLst meth="repeat">
-      <a:schemeClr val="accent1"/>
-    </dgm:linClrLst>
-    <dgm:effectClrLst/>
-    <dgm:txLinClrLst/>
-    <dgm:txFillClrLst meth="repeat">
-      <a:schemeClr val="dk1"/>
-    </dgm:txFillClrLst>
-    <dgm:txEffectClrLst/>
-  </dgm:styleLbl>
-  <dgm:styleLbl name="solidFgAcc1">
-    <dgm:fillClrLst meth="repeat">
-      <a:schemeClr val="lt1"/>
-    </dgm:fillClrLst>
-    <dgm:linClrLst meth="repeat">
-      <a:schemeClr val="accent1"/>
-    </dgm:linClrLst>
-    <dgm:effectClrLst/>
-    <dgm:txLinClrLst/>
-    <dgm:txFillClrLst meth="repeat">
-      <a:schemeClr val="dk1"/>
-    </dgm:txFillClrLst>
-    <dgm:txEffectClrLst/>
-  </dgm:styleLbl>
-  <dgm:styleLbl name="solidAlignAcc1">
-    <dgm:fillClrLst meth="repeat">
-      <a:schemeClr val="lt1"/>
-    </dgm:fillClrLst>
-    <dgm:linClrLst meth="repeat">
-      <a:schemeClr val="accent1"/>
-    </dgm:linClrLst>
-    <dgm:effectClrLst/>
-    <dgm:txLinClrLst/>
-    <dgm:txFillClrLst meth="repeat">
-      <a:schemeClr val="dk1"/>
-    </dgm:txFillClrLst>
-    <dgm:txEffectClrLst/>
-  </dgm:styleLbl>
-  <dgm:styleLbl name="solidBgAcc1">
-    <dgm:fillClrLst meth="repeat">
-      <a:schemeClr val="lt1"/>
-    </dgm:fillClrLst>
-    <dgm:linClrLst meth="repeat">
-      <a:schemeClr val="accent1"/>
-    </dgm:linClrLst>
-    <dgm:effectClrLst/>
-    <dgm:txLinClrLst/>
-    <dgm:txFillClrLst meth="repeat">
-      <a:schemeClr val="dk1"/>
-    </dgm:txFillClrLst>
-    <dgm:txEffectClrLst/>
-  </dgm:styleLbl>
-  <dgm:styleLbl name="fgAccFollowNode1">
-    <dgm:fillClrLst meth="repeat">
-      <a:schemeClr val="accent1">
-        <a:alpha val="90000"/>
-        <a:tint val="40000"/>
-      </a:schemeClr>
-    </dgm:fillClrLst>
-    <dgm:linClrLst meth="repeat">
-      <a:schemeClr val="accent1">
-        <a:alpha val="90000"/>
-        <a:tint val="40000"/>
-      </a:schemeClr>
-    </dgm:linClrLst>
-    <dgm:effectClrLst/>
-    <dgm:txLinClrLst/>
-    <dgm:txFillClrLst meth="repeat">
-      <a:schemeClr val="dk1"/>
-    </dgm:txFillClrLst>
-    <dgm:txEffectClrLst/>
-  </dgm:styleLbl>
-  <dgm:styleLbl name="alignAccFollowNode1">
-    <dgm:fillClrLst meth="repeat">
-      <a:schemeClr val="accent1">
-        <a:alpha val="90000"/>
-        <a:tint val="40000"/>
-      </a:schemeClr>
-    </dgm:fillClrLst>
-    <dgm:linClrLst meth="repeat">
-      <a:schemeClr val="accent1">
-        <a:alpha val="90000"/>
-        <a:tint val="40000"/>
-      </a:schemeClr>
-    </dgm:linClrLst>
-    <dgm:effectClrLst/>
-    <dgm:txLinClrLst/>
-    <dgm:txFillClrLst meth="repeat">
-      <a:schemeClr val="dk1"/>
-    </dgm:txFillClrLst>
-    <dgm:txEffectClrLst/>
-  </dgm:styleLbl>
-  <dgm:styleLbl name="bgAccFollowNode1">
-    <dgm:fillClrLst meth="repeat">
-      <a:schemeClr val="accent1">
-        <a:alpha val="90000"/>
-        <a:tint val="40000"/>
-      </a:schemeClr>
-    </dgm:fillClrLst>
-    <dgm:linClrLst meth="repeat">
-      <a:schemeClr val="accent1">
-        <a:alpha val="90000"/>
-        <a:tint val="40000"/>
-      </a:schemeClr>
-    </dgm:linClrLst>
-    <dgm:effectClrLst/>
-    <dgm:txLinClrLst/>
-    <dgm:txFillClrLst meth="repeat">
-      <a:schemeClr val="dk1"/>
-    </dgm:txFillClrLst>
-    <dgm:txEffectClrLst/>
-  </dgm:styleLbl>
-  <dgm:styleLbl name="fgAcc0">
-    <dgm:fillClrLst meth="repeat">
-      <a:schemeClr val="lt1">
-        <a:alpha val="90000"/>
-      </a:schemeClr>
-    </dgm:fillClrLst>
-    <dgm:linClrLst meth="repeat">
-      <a:schemeClr val="accent1"/>
-    </dgm:linClrLst>
-    <dgm:effectClrLst/>
-    <dgm:txLinClrLst/>
-    <dgm:txFillClrLst meth="repeat">
-      <a:schemeClr val="dk1"/>
-    </dgm:txFillClrLst>
-    <dgm:txEffectClrLst/>
-  </dgm:styleLbl>
-  <dgm:styleLbl name="fgAcc2">
-    <dgm:fillClrLst meth="repeat">
-      <a:schemeClr val="lt1">
-        <a:alpha val="90000"/>
-      </a:schemeClr>
-    </dgm:fillClrLst>
-    <dgm:linClrLst meth="repeat">
-      <a:schemeClr val="accent1"/>
-    </dgm:linClrLst>
-    <dgm:effectClrLst/>
-    <dgm:txLinClrLst/>
-    <dgm:txFillClrLst meth="repeat">
-      <a:schemeClr val="dk1"/>
-    </dgm:txFillClrLst>
-    <dgm:txEffectClrLst/>
-  </dgm:styleLbl>
-  <dgm:styleLbl name="fgAcc3">
-    <dgm:fillClrLst meth="repeat">
-      <a:schemeClr val="lt1">
-        <a:alpha val="90000"/>
-      </a:schemeClr>
-    </dgm:fillClrLst>
-    <dgm:linClrLst meth="repeat">
-      <a:schemeClr val="accent1"/>
-    </dgm:linClrLst>
-    <dgm:effectClrLst/>
-    <dgm:txLinClrLst/>
-    <dgm:txFillClrLst meth="repeat">
-      <a:schemeClr val="dk1"/>
-    </dgm:txFillClrLst>
-    <dgm:txEffectClrLst/>
-  </dgm:styleLbl>
-  <dgm:styleLbl name="fgAcc4">
-    <dgm:fillClrLst meth="repeat">
-      <a:schemeClr val="lt1">
-        <a:alpha val="90000"/>
-      </a:schemeClr>
-    </dgm:fillClrLst>
-    <dgm:linClrLst meth="repeat">
-      <a:schemeClr val="accent1"/>
-    </dgm:linClrLst>
-    <dgm:effectClrLst/>
-    <dgm:txLinClrLst/>
-    <dgm:txFillClrLst meth="repeat">
-      <a:schemeClr val="dk1"/>
-    </dgm:txFillClrLst>
-    <dgm:txEffectClrLst/>
-  </dgm:styleLbl>
-  <dgm:styleLbl name="bgShp">
-    <dgm:fillClrLst meth="repeat">
-      <a:schemeClr val="accent1">
-        <a:tint val="40000"/>
-      </a:schemeClr>
-    </dgm:fillClrLst>
-    <dgm:linClrLst meth="repeat">
-      <a:schemeClr val="accent1"/>
-    </dgm:linClrLst>
-    <dgm:effectClrLst/>
-    <dgm:txLinClrLst/>
-    <dgm:txFillClrLst meth="repeat">
-      <a:schemeClr val="dk1"/>
-    </dgm:txFillClrLst>
-    <dgm:txEffectClrLst/>
-  </dgm:styleLbl>
-  <dgm:styleLbl name="dkBgShp">
-    <dgm:fillClrLst meth="repeat">
-      <a:schemeClr val="accent1">
-        <a:shade val="80000"/>
-      </a:schemeClr>
-    </dgm:fillClrLst>
-    <dgm:linClrLst meth="repeat">
-      <a:schemeClr val="accent1"/>
-    </dgm:linClrLst>
-    <dgm:effectClrLst/>
-    <dgm:txLinClrLst/>
-    <dgm:txFillClrLst meth="repeat">
-      <a:schemeClr val="lt1"/>
-    </dgm:txFillClrLst>
-    <dgm:txEffectClrLst/>
-  </dgm:styleLbl>
-  <dgm:styleLbl name="trBgShp">
-    <dgm:fillClrLst meth="repeat">
-      <a:schemeClr val="accent1">
-        <a:tint val="50000"/>
-        <a:alpha val="40000"/>
-      </a:schemeClr>
-    </dgm:fillClrLst>
-    <dgm:linClrLst meth="repeat">
-      <a:schemeClr val="accent1"/>
-    </dgm:linClrLst>
-    <dgm:effectClrLst/>
-    <dgm:txLinClrLst/>
-    <dgm:txFillClrLst meth="repeat">
-      <a:schemeClr val="lt1"/>
-    </dgm:txFillClrLst>
-    <dgm:txEffectClrLst/>
-  </dgm:styleLbl>
-  <dgm:styleLbl name="fgShp">
-    <dgm:fillClrLst meth="repeat">
-      <a:schemeClr val="accent1">
-        <a:tint val="60000"/>
-      </a:schemeClr>
-    </dgm:fillClrLst>
-    <dgm:linClrLst meth="repeat">
-      <a:schemeClr val="lt1"/>
-    </dgm:linClrLst>
-    <dgm:effectClrLst/>
-    <dgm:txLinClrLst/>
-    <dgm:txFillClrLst meth="repeat">
-      <a:schemeClr val="dk1"/>
-    </dgm:txFillClrLst>
-    <dgm:txEffectClrLst/>
-  </dgm:styleLbl>
-  <dgm:styleLbl name="revTx">
-    <dgm:fillClrLst meth="repeat">
-      <a:schemeClr val="lt1">
-        <a:alpha val="0"/>
-      </a:schemeClr>
-    </dgm:fillClrLst>
-    <dgm:linClrLst meth="repeat">
-      <a:schemeClr val="dk1">
-        <a:alpha val="0"/>
-      </a:schemeClr>
-    </dgm:linClrLst>
-    <dgm:effectClrLst/>
-    <dgm:txLinClrLst/>
-    <dgm:txFillClrLst meth="repeat">
-      <a:schemeClr val="tx1"/>
-    </dgm:txFillClrLst>
-    <dgm:txEffectClrLst/>
-  </dgm:styleLbl>
-</dgm:colorsDef>
-</file>
-
-<file path=ppt/diagrams/data1.xml><?xml version="1.0" encoding="utf-8"?>
-<dgm:dataModel xmlns:dgm="http://schemas.openxmlformats.org/drawingml/2006/diagram" xmlns:a="http://schemas.openxmlformats.org/drawingml/2006/main">
-  <dgm:ptLst>
-    <dgm:pt modelId="{60EDC988-381F-46B0-B42B-6DA1610984C9}" type="doc">
-      <dgm:prSet loTypeId="urn:microsoft.com/office/officeart/2005/8/layout/list1" loCatId="list" qsTypeId="urn:microsoft.com/office/officeart/2005/8/quickstyle/simple1" qsCatId="simple" csTypeId="urn:microsoft.com/office/officeart/2005/8/colors/accent1_2" csCatId="accent1" phldr="1"/>
-      <dgm:spPr/>
-      <dgm:t>
-        <a:bodyPr/>
-        <a:lstStyle/>
-        <a:p>
-          <a:endParaRPr lang="zh-CN" altLang="en-US"/>
-        </a:p>
-      </dgm:t>
-    </dgm:pt>
-    <dgm:pt modelId="{C668E71F-BAEB-4D9E-96EA-0DA498748444}">
-      <dgm:prSet phldrT="[文本]"/>
-      <dgm:spPr/>
-      <dgm:t>
-        <a:bodyPr/>
-        <a:lstStyle/>
-        <a:p>
-          <a:r>
-            <a:rPr lang="en-US" altLang="zh-CN" dirty="0" smtClean="0"/>
-            <a:t>Ying Wang</a:t>
-          </a:r>
-          <a:endParaRPr lang="zh-CN" altLang="en-US" dirty="0"/>
-        </a:p>
-      </dgm:t>
-    </dgm:pt>
-    <dgm:pt modelId="{20D40884-81F8-4DD2-8FB3-F10ACC5A4DDB}" type="parTrans" cxnId="{75A92ABE-76DE-4FDC-9751-A86640072E26}">
-      <dgm:prSet/>
-      <dgm:spPr/>
-      <dgm:t>
-        <a:bodyPr/>
-        <a:lstStyle/>
-        <a:p>
-          <a:endParaRPr lang="zh-CN" altLang="en-US"/>
-        </a:p>
-      </dgm:t>
-    </dgm:pt>
-    <dgm:pt modelId="{73466F7F-18B1-4FA7-A5BD-B196D25CAEEE}" type="sibTrans" cxnId="{75A92ABE-76DE-4FDC-9751-A86640072E26}">
-      <dgm:prSet/>
-      <dgm:spPr/>
-      <dgm:t>
-        <a:bodyPr/>
-        <a:lstStyle/>
-        <a:p>
-          <a:endParaRPr lang="zh-CN" altLang="en-US"/>
-        </a:p>
-      </dgm:t>
-    </dgm:pt>
-    <dgm:pt modelId="{5BE36A83-C9E5-471F-B280-A46346B542E4}">
-      <dgm:prSet phldrT="[文本]"/>
-      <dgm:spPr/>
-      <dgm:t>
-        <a:bodyPr/>
-        <a:lstStyle/>
-        <a:p>
-          <a:r>
-            <a:rPr lang="en-US" altLang="zh-CN" dirty="0" err="1" smtClean="0"/>
-            <a:t>Shaobin</a:t>
-          </a:r>
-          <a:r>
-            <a:rPr lang="en-US" altLang="zh-CN" dirty="0" smtClean="0"/>
-            <a:t> Ding</a:t>
-          </a:r>
-          <a:endParaRPr lang="zh-CN" altLang="en-US" dirty="0"/>
-        </a:p>
-      </dgm:t>
-    </dgm:pt>
-    <dgm:pt modelId="{A3829A80-05FC-4A80-981B-8231EDDA96AC}" type="parTrans" cxnId="{DA38F374-7B91-42AB-97E6-04ECB60F78C2}">
-      <dgm:prSet/>
-      <dgm:spPr/>
-      <dgm:t>
-        <a:bodyPr/>
-        <a:lstStyle/>
-        <a:p>
-          <a:endParaRPr lang="zh-CN" altLang="en-US"/>
-        </a:p>
-      </dgm:t>
-    </dgm:pt>
-    <dgm:pt modelId="{73BA4DC9-F7C3-4E35-9377-3BE04F510865}" type="sibTrans" cxnId="{DA38F374-7B91-42AB-97E6-04ECB60F78C2}">
-      <dgm:prSet/>
-      <dgm:spPr/>
-      <dgm:t>
-        <a:bodyPr/>
-        <a:lstStyle/>
-        <a:p>
-          <a:endParaRPr lang="zh-CN" altLang="en-US"/>
-        </a:p>
-      </dgm:t>
-    </dgm:pt>
-    <dgm:pt modelId="{B83AD811-B715-45EB-BE80-1B5FF495C25C}">
-      <dgm:prSet phldrT="[文本]"/>
-      <dgm:spPr/>
-      <dgm:t>
-        <a:bodyPr/>
-        <a:lstStyle/>
-        <a:p>
-          <a:r>
-            <a:rPr lang="en-US" altLang="zh-CN" dirty="0" err="1" smtClean="0"/>
-            <a:t>Congrui</a:t>
-          </a:r>
-          <a:r>
-            <a:rPr lang="en-US" altLang="zh-CN" dirty="0" smtClean="0"/>
-            <a:t> </a:t>
-          </a:r>
-          <a:r>
-            <a:rPr lang="en-US" altLang="zh-CN" dirty="0" err="1" smtClean="0"/>
-            <a:t>Xu</a:t>
-          </a:r>
-          <a:endParaRPr lang="zh-CN" altLang="en-US" dirty="0"/>
-        </a:p>
-      </dgm:t>
-    </dgm:pt>
-    <dgm:pt modelId="{4D0F4871-E6AF-4828-A01E-E937E46A5869}" type="parTrans" cxnId="{D0E5FD01-FC0F-4C15-845D-1BC1DF1D0ECB}">
-      <dgm:prSet/>
-      <dgm:spPr/>
-      <dgm:t>
-        <a:bodyPr/>
-        <a:lstStyle/>
-        <a:p>
-          <a:endParaRPr lang="zh-CN" altLang="en-US"/>
-        </a:p>
-      </dgm:t>
-    </dgm:pt>
-    <dgm:pt modelId="{17F40143-138A-4056-931A-7B4E945CB7A6}" type="sibTrans" cxnId="{D0E5FD01-FC0F-4C15-845D-1BC1DF1D0ECB}">
-      <dgm:prSet/>
-      <dgm:spPr/>
-      <dgm:t>
-        <a:bodyPr/>
-        <a:lstStyle/>
-        <a:p>
-          <a:endParaRPr lang="zh-CN" altLang="en-US"/>
-        </a:p>
-      </dgm:t>
-    </dgm:pt>
-    <dgm:pt modelId="{9E58EA1A-3116-45D3-96A7-90C90A1DD453}">
-      <dgm:prSet/>
-      <dgm:spPr/>
-      <dgm:t>
-        <a:bodyPr/>
-        <a:lstStyle/>
-        <a:p>
-          <a:r>
-            <a:rPr lang="en-US" altLang="zh-CN" dirty="0" smtClean="0"/>
-            <a:t>Tong Liu</a:t>
-          </a:r>
-          <a:endParaRPr lang="zh-CN" altLang="en-US" dirty="0"/>
-        </a:p>
-      </dgm:t>
-    </dgm:pt>
-    <dgm:pt modelId="{9366371B-8F27-4945-AD52-13173784FBAB}" type="parTrans" cxnId="{20B59EDD-BBEB-490F-86D8-D9697098BCAB}">
-      <dgm:prSet/>
-      <dgm:spPr/>
-      <dgm:t>
-        <a:bodyPr/>
-        <a:lstStyle/>
-        <a:p>
-          <a:endParaRPr lang="zh-CN" altLang="en-US"/>
-        </a:p>
-      </dgm:t>
-    </dgm:pt>
-    <dgm:pt modelId="{D3B89DBE-74E2-402E-8882-6769A58935EC}" type="sibTrans" cxnId="{20B59EDD-BBEB-490F-86D8-D9697098BCAB}">
-      <dgm:prSet/>
-      <dgm:spPr/>
-      <dgm:t>
-        <a:bodyPr/>
-        <a:lstStyle/>
-        <a:p>
-          <a:endParaRPr lang="zh-CN" altLang="en-US"/>
-        </a:p>
-      </dgm:t>
-    </dgm:pt>
-    <dgm:pt modelId="{BFD261B7-BB94-4625-BEC7-3AABD32B09AB}" type="pres">
-      <dgm:prSet presAssocID="{60EDC988-381F-46B0-B42B-6DA1610984C9}" presName="linear" presStyleCnt="0">
-        <dgm:presLayoutVars>
-          <dgm:dir/>
-          <dgm:animLvl val="lvl"/>
-          <dgm:resizeHandles val="exact"/>
-        </dgm:presLayoutVars>
-      </dgm:prSet>
-      <dgm:spPr/>
-      <dgm:t>
-        <a:bodyPr/>
-        <a:lstStyle/>
-        <a:p>
-          <a:endParaRPr lang="zh-CN" altLang="en-US"/>
-        </a:p>
-      </dgm:t>
-    </dgm:pt>
-    <dgm:pt modelId="{22C770A8-50A4-4FEB-B189-D14339108F55}" type="pres">
-      <dgm:prSet presAssocID="{C668E71F-BAEB-4D9E-96EA-0DA498748444}" presName="parentLin" presStyleCnt="0"/>
-      <dgm:spPr/>
-    </dgm:pt>
-    <dgm:pt modelId="{E8306DA3-6FAA-405A-8980-84DE80F26217}" type="pres">
-      <dgm:prSet presAssocID="{C668E71F-BAEB-4D9E-96EA-0DA498748444}" presName="parentLeftMargin" presStyleLbl="node1" presStyleIdx="0" presStyleCnt="4"/>
-      <dgm:spPr/>
-      <dgm:t>
-        <a:bodyPr/>
-        <a:lstStyle/>
-        <a:p>
-          <a:endParaRPr lang="zh-CN" altLang="en-US"/>
-        </a:p>
-      </dgm:t>
-    </dgm:pt>
-    <dgm:pt modelId="{8A22BBCF-A273-4DE9-B340-9C46B7B240EB}" type="pres">
-      <dgm:prSet presAssocID="{C668E71F-BAEB-4D9E-96EA-0DA498748444}" presName="parentText" presStyleLbl="node1" presStyleIdx="0" presStyleCnt="4" custScaleX="27442">
-        <dgm:presLayoutVars>
-          <dgm:chMax val="0"/>
-          <dgm:bulletEnabled val="1"/>
-        </dgm:presLayoutVars>
-      </dgm:prSet>
-      <dgm:spPr/>
-      <dgm:t>
-        <a:bodyPr/>
-        <a:lstStyle/>
-        <a:p>
-          <a:endParaRPr lang="zh-CN" altLang="en-US"/>
-        </a:p>
-      </dgm:t>
-    </dgm:pt>
-    <dgm:pt modelId="{0D53D3E5-BD27-4FE9-AC2F-1B7C60432DD0}" type="pres">
-      <dgm:prSet presAssocID="{C668E71F-BAEB-4D9E-96EA-0DA498748444}" presName="negativeSpace" presStyleCnt="0"/>
-      <dgm:spPr/>
-    </dgm:pt>
-    <dgm:pt modelId="{59A737F0-1F6A-41E4-91B0-003BDB45F8DE}" type="pres">
-      <dgm:prSet presAssocID="{C668E71F-BAEB-4D9E-96EA-0DA498748444}" presName="childText" presStyleLbl="conFgAcc1" presStyleIdx="0" presStyleCnt="4">
-        <dgm:presLayoutVars>
-          <dgm:bulletEnabled val="1"/>
-        </dgm:presLayoutVars>
-      </dgm:prSet>
-      <dgm:spPr/>
-    </dgm:pt>
-    <dgm:pt modelId="{8D07688C-7DA1-4E71-B99D-67C1C1D179EC}" type="pres">
-      <dgm:prSet presAssocID="{73466F7F-18B1-4FA7-A5BD-B196D25CAEEE}" presName="spaceBetweenRectangles" presStyleCnt="0"/>
-      <dgm:spPr/>
-    </dgm:pt>
-    <dgm:pt modelId="{93E4D212-5902-413F-853E-82723B446B70}" type="pres">
-      <dgm:prSet presAssocID="{5BE36A83-C9E5-471F-B280-A46346B542E4}" presName="parentLin" presStyleCnt="0"/>
-      <dgm:spPr/>
-    </dgm:pt>
-    <dgm:pt modelId="{9EDB3B69-39D7-4829-ACC1-202A053BC3B3}" type="pres">
-      <dgm:prSet presAssocID="{5BE36A83-C9E5-471F-B280-A46346B542E4}" presName="parentLeftMargin" presStyleLbl="node1" presStyleIdx="0" presStyleCnt="4"/>
-      <dgm:spPr/>
-      <dgm:t>
-        <a:bodyPr/>
-        <a:lstStyle/>
-        <a:p>
-          <a:endParaRPr lang="zh-CN" altLang="en-US"/>
-        </a:p>
-      </dgm:t>
-    </dgm:pt>
-    <dgm:pt modelId="{15F90060-A3A2-40EC-AD3C-82541E6B5681}" type="pres">
-      <dgm:prSet presAssocID="{5BE36A83-C9E5-471F-B280-A46346B542E4}" presName="parentText" presStyleLbl="node1" presStyleIdx="1" presStyleCnt="4" custScaleX="27442">
-        <dgm:presLayoutVars>
-          <dgm:chMax val="0"/>
-          <dgm:bulletEnabled val="1"/>
-        </dgm:presLayoutVars>
-      </dgm:prSet>
-      <dgm:spPr/>
-      <dgm:t>
-        <a:bodyPr/>
-        <a:lstStyle/>
-        <a:p>
-          <a:endParaRPr lang="zh-CN" altLang="en-US"/>
-        </a:p>
-      </dgm:t>
-    </dgm:pt>
-    <dgm:pt modelId="{55368826-0CB7-47FD-A4F5-67A900A5AAA6}" type="pres">
-      <dgm:prSet presAssocID="{5BE36A83-C9E5-471F-B280-A46346B542E4}" presName="negativeSpace" presStyleCnt="0"/>
-      <dgm:spPr/>
-    </dgm:pt>
-    <dgm:pt modelId="{EA507EFA-602A-450E-9CAF-DAAC1920C9DA}" type="pres">
-      <dgm:prSet presAssocID="{5BE36A83-C9E5-471F-B280-A46346B542E4}" presName="childText" presStyleLbl="conFgAcc1" presStyleIdx="1" presStyleCnt="4">
-        <dgm:presLayoutVars>
-          <dgm:bulletEnabled val="1"/>
-        </dgm:presLayoutVars>
-      </dgm:prSet>
-      <dgm:spPr/>
-    </dgm:pt>
-    <dgm:pt modelId="{DC624391-AE5D-41D2-B5FB-54C89718E20C}" type="pres">
-      <dgm:prSet presAssocID="{73BA4DC9-F7C3-4E35-9377-3BE04F510865}" presName="spaceBetweenRectangles" presStyleCnt="0"/>
-      <dgm:spPr/>
-    </dgm:pt>
-    <dgm:pt modelId="{B2527296-0138-4D92-9431-D3E06F6D241B}" type="pres">
-      <dgm:prSet presAssocID="{B83AD811-B715-45EB-BE80-1B5FF495C25C}" presName="parentLin" presStyleCnt="0"/>
-      <dgm:spPr/>
-    </dgm:pt>
-    <dgm:pt modelId="{CCE0CB32-6628-4A68-A984-7DF1C4303263}" type="pres">
-      <dgm:prSet presAssocID="{B83AD811-B715-45EB-BE80-1B5FF495C25C}" presName="parentLeftMargin" presStyleLbl="node1" presStyleIdx="1" presStyleCnt="4"/>
-      <dgm:spPr/>
-      <dgm:t>
-        <a:bodyPr/>
-        <a:lstStyle/>
-        <a:p>
-          <a:endParaRPr lang="zh-CN" altLang="en-US"/>
-        </a:p>
-      </dgm:t>
-    </dgm:pt>
-    <dgm:pt modelId="{CC4576C1-15F1-45DA-ADBC-2F3F457BD9A8}" type="pres">
-      <dgm:prSet presAssocID="{B83AD811-B715-45EB-BE80-1B5FF495C25C}" presName="parentText" presStyleLbl="node1" presStyleIdx="2" presStyleCnt="4" custScaleX="27442">
-        <dgm:presLayoutVars>
-          <dgm:chMax val="0"/>
-          <dgm:bulletEnabled val="1"/>
-        </dgm:presLayoutVars>
-      </dgm:prSet>
-      <dgm:spPr/>
-      <dgm:t>
-        <a:bodyPr/>
-        <a:lstStyle/>
-        <a:p>
-          <a:endParaRPr lang="zh-CN" altLang="en-US"/>
-        </a:p>
-      </dgm:t>
-    </dgm:pt>
-    <dgm:pt modelId="{5FF3CE65-A08F-411D-B354-8C0D7226FC27}" type="pres">
-      <dgm:prSet presAssocID="{B83AD811-B715-45EB-BE80-1B5FF495C25C}" presName="negativeSpace" presStyleCnt="0"/>
-      <dgm:spPr/>
-    </dgm:pt>
-    <dgm:pt modelId="{70B7CEB6-2489-4DA2-B2E8-2CFD16E185C9}" type="pres">
-      <dgm:prSet presAssocID="{B83AD811-B715-45EB-BE80-1B5FF495C25C}" presName="childText" presStyleLbl="conFgAcc1" presStyleIdx="2" presStyleCnt="4">
-        <dgm:presLayoutVars>
-          <dgm:bulletEnabled val="1"/>
-        </dgm:presLayoutVars>
-      </dgm:prSet>
-      <dgm:spPr/>
-    </dgm:pt>
-    <dgm:pt modelId="{397B68A8-5DA0-470B-BCC8-897BDE375E2D}" type="pres">
-      <dgm:prSet presAssocID="{17F40143-138A-4056-931A-7B4E945CB7A6}" presName="spaceBetweenRectangles" presStyleCnt="0"/>
-      <dgm:spPr/>
-    </dgm:pt>
-    <dgm:pt modelId="{DD08761B-972D-4EA4-B023-69B3F470AD26}" type="pres">
-      <dgm:prSet presAssocID="{9E58EA1A-3116-45D3-96A7-90C90A1DD453}" presName="parentLin" presStyleCnt="0"/>
-      <dgm:spPr/>
-    </dgm:pt>
-    <dgm:pt modelId="{A111E267-C69C-4D15-95E7-C4A938C9CA39}" type="pres">
-      <dgm:prSet presAssocID="{9E58EA1A-3116-45D3-96A7-90C90A1DD453}" presName="parentLeftMargin" presStyleLbl="node1" presStyleIdx="2" presStyleCnt="4"/>
-      <dgm:spPr/>
-      <dgm:t>
-        <a:bodyPr/>
-        <a:lstStyle/>
-        <a:p>
-          <a:endParaRPr lang="zh-CN" altLang="en-US"/>
-        </a:p>
-      </dgm:t>
-    </dgm:pt>
-    <dgm:pt modelId="{2B227B34-6565-4BFE-ABE9-45549824380A}" type="pres">
-      <dgm:prSet presAssocID="{9E58EA1A-3116-45D3-96A7-90C90A1DD453}" presName="parentText" presStyleLbl="node1" presStyleIdx="3" presStyleCnt="4" custScaleX="27442">
-        <dgm:presLayoutVars>
-          <dgm:chMax val="0"/>
-          <dgm:bulletEnabled val="1"/>
-        </dgm:presLayoutVars>
-      </dgm:prSet>
-      <dgm:spPr/>
-      <dgm:t>
-        <a:bodyPr/>
-        <a:lstStyle/>
-        <a:p>
-          <a:endParaRPr lang="zh-CN" altLang="en-US"/>
-        </a:p>
-      </dgm:t>
-    </dgm:pt>
-    <dgm:pt modelId="{10B15049-5F1D-4DE4-85BC-1FDCE6DF31DA}" type="pres">
-      <dgm:prSet presAssocID="{9E58EA1A-3116-45D3-96A7-90C90A1DD453}" presName="negativeSpace" presStyleCnt="0"/>
-      <dgm:spPr/>
-    </dgm:pt>
-    <dgm:pt modelId="{8EC6D46C-4071-4B39-8E1E-7BA4A256C1E3}" type="pres">
-      <dgm:prSet presAssocID="{9E58EA1A-3116-45D3-96A7-90C90A1DD453}" presName="childText" presStyleLbl="conFgAcc1" presStyleIdx="3" presStyleCnt="4" custLinFactY="8029" custLinFactNeighborX="414" custLinFactNeighborY="100000">
-        <dgm:presLayoutVars>
-          <dgm:bulletEnabled val="1"/>
-        </dgm:presLayoutVars>
-      </dgm:prSet>
-      <dgm:spPr/>
-    </dgm:pt>
-  </dgm:ptLst>
-  <dgm:cxnLst>
-    <dgm:cxn modelId="{9549ACD5-2DB6-4A68-A2F5-86072FE916DF}" type="presOf" srcId="{9E58EA1A-3116-45D3-96A7-90C90A1DD453}" destId="{A111E267-C69C-4D15-95E7-C4A938C9CA39}" srcOrd="0" destOrd="0" presId="urn:microsoft.com/office/officeart/2005/8/layout/list1"/>
-    <dgm:cxn modelId="{DA38F374-7B91-42AB-97E6-04ECB60F78C2}" srcId="{60EDC988-381F-46B0-B42B-6DA1610984C9}" destId="{5BE36A83-C9E5-471F-B280-A46346B542E4}" srcOrd="1" destOrd="0" parTransId="{A3829A80-05FC-4A80-981B-8231EDDA96AC}" sibTransId="{73BA4DC9-F7C3-4E35-9377-3BE04F510865}"/>
-    <dgm:cxn modelId="{6B3A9CD0-8DC3-484F-93ED-99C09F2B23ED}" type="presOf" srcId="{9E58EA1A-3116-45D3-96A7-90C90A1DD453}" destId="{2B227B34-6565-4BFE-ABE9-45549824380A}" srcOrd="1" destOrd="0" presId="urn:microsoft.com/office/officeart/2005/8/layout/list1"/>
-    <dgm:cxn modelId="{A2D406AD-0300-4F87-A679-A96C875806E2}" type="presOf" srcId="{B83AD811-B715-45EB-BE80-1B5FF495C25C}" destId="{CC4576C1-15F1-45DA-ADBC-2F3F457BD9A8}" srcOrd="1" destOrd="0" presId="urn:microsoft.com/office/officeart/2005/8/layout/list1"/>
-    <dgm:cxn modelId="{90C31C3B-A82C-479B-B149-5C3B22B6F771}" type="presOf" srcId="{C668E71F-BAEB-4D9E-96EA-0DA498748444}" destId="{E8306DA3-6FAA-405A-8980-84DE80F26217}" srcOrd="0" destOrd="0" presId="urn:microsoft.com/office/officeart/2005/8/layout/list1"/>
-    <dgm:cxn modelId="{75A92ABE-76DE-4FDC-9751-A86640072E26}" srcId="{60EDC988-381F-46B0-B42B-6DA1610984C9}" destId="{C668E71F-BAEB-4D9E-96EA-0DA498748444}" srcOrd="0" destOrd="0" parTransId="{20D40884-81F8-4DD2-8FB3-F10ACC5A4DDB}" sibTransId="{73466F7F-18B1-4FA7-A5BD-B196D25CAEEE}"/>
-    <dgm:cxn modelId="{A151C430-0977-41A0-A339-2CBF1F84C126}" type="presOf" srcId="{5BE36A83-C9E5-471F-B280-A46346B542E4}" destId="{9EDB3B69-39D7-4829-ACC1-202A053BC3B3}" srcOrd="0" destOrd="0" presId="urn:microsoft.com/office/officeart/2005/8/layout/list1"/>
-    <dgm:cxn modelId="{112B2A4A-7311-4436-BEEA-3E468BAFCB29}" type="presOf" srcId="{C668E71F-BAEB-4D9E-96EA-0DA498748444}" destId="{8A22BBCF-A273-4DE9-B340-9C46B7B240EB}" srcOrd="1" destOrd="0" presId="urn:microsoft.com/office/officeart/2005/8/layout/list1"/>
-    <dgm:cxn modelId="{20B59EDD-BBEB-490F-86D8-D9697098BCAB}" srcId="{60EDC988-381F-46B0-B42B-6DA1610984C9}" destId="{9E58EA1A-3116-45D3-96A7-90C90A1DD453}" srcOrd="3" destOrd="0" parTransId="{9366371B-8F27-4945-AD52-13173784FBAB}" sibTransId="{D3B89DBE-74E2-402E-8882-6769A58935EC}"/>
-    <dgm:cxn modelId="{29BC8BE6-D6EE-42DB-B2BD-08BB7BF81D2C}" type="presOf" srcId="{60EDC988-381F-46B0-B42B-6DA1610984C9}" destId="{BFD261B7-BB94-4625-BEC7-3AABD32B09AB}" srcOrd="0" destOrd="0" presId="urn:microsoft.com/office/officeart/2005/8/layout/list1"/>
-    <dgm:cxn modelId="{B57C0990-9C6A-4BB3-93A3-0BED015B6C5C}" type="presOf" srcId="{5BE36A83-C9E5-471F-B280-A46346B542E4}" destId="{15F90060-A3A2-40EC-AD3C-82541E6B5681}" srcOrd="1" destOrd="0" presId="urn:microsoft.com/office/officeart/2005/8/layout/list1"/>
-    <dgm:cxn modelId="{D0E5FD01-FC0F-4C15-845D-1BC1DF1D0ECB}" srcId="{60EDC988-381F-46B0-B42B-6DA1610984C9}" destId="{B83AD811-B715-45EB-BE80-1B5FF495C25C}" srcOrd="2" destOrd="0" parTransId="{4D0F4871-E6AF-4828-A01E-E937E46A5869}" sibTransId="{17F40143-138A-4056-931A-7B4E945CB7A6}"/>
-    <dgm:cxn modelId="{6A655159-9B34-4F19-A186-537B61788401}" type="presOf" srcId="{B83AD811-B715-45EB-BE80-1B5FF495C25C}" destId="{CCE0CB32-6628-4A68-A984-7DF1C4303263}" srcOrd="0" destOrd="0" presId="urn:microsoft.com/office/officeart/2005/8/layout/list1"/>
-    <dgm:cxn modelId="{52A72C0D-572C-4F34-A8AC-F9767D4602F6}" type="presParOf" srcId="{BFD261B7-BB94-4625-BEC7-3AABD32B09AB}" destId="{22C770A8-50A4-4FEB-B189-D14339108F55}" srcOrd="0" destOrd="0" presId="urn:microsoft.com/office/officeart/2005/8/layout/list1"/>
-    <dgm:cxn modelId="{3F597886-5FDE-4CD5-8EEF-739EF5B2B386}" type="presParOf" srcId="{22C770A8-50A4-4FEB-B189-D14339108F55}" destId="{E8306DA3-6FAA-405A-8980-84DE80F26217}" srcOrd="0" destOrd="0" presId="urn:microsoft.com/office/officeart/2005/8/layout/list1"/>
-    <dgm:cxn modelId="{0223C392-F03A-4FC5-A46E-1626A5A6F74D}" type="presParOf" srcId="{22C770A8-50A4-4FEB-B189-D14339108F55}" destId="{8A22BBCF-A273-4DE9-B340-9C46B7B240EB}" srcOrd="1" destOrd="0" presId="urn:microsoft.com/office/officeart/2005/8/layout/list1"/>
-    <dgm:cxn modelId="{7C88CE24-691C-4B59-A5FD-0AF7B6F4F1A4}" type="presParOf" srcId="{BFD261B7-BB94-4625-BEC7-3AABD32B09AB}" destId="{0D53D3E5-BD27-4FE9-AC2F-1B7C60432DD0}" srcOrd="1" destOrd="0" presId="urn:microsoft.com/office/officeart/2005/8/layout/list1"/>
-    <dgm:cxn modelId="{0E70B4E7-BE58-4D4A-AD86-624906899DC1}" type="presParOf" srcId="{BFD261B7-BB94-4625-BEC7-3AABD32B09AB}" destId="{59A737F0-1F6A-41E4-91B0-003BDB45F8DE}" srcOrd="2" destOrd="0" presId="urn:microsoft.com/office/officeart/2005/8/layout/list1"/>
-    <dgm:cxn modelId="{261C9425-0D40-42A3-8FFD-DAB3B045F20D}" type="presParOf" srcId="{BFD261B7-BB94-4625-BEC7-3AABD32B09AB}" destId="{8D07688C-7DA1-4E71-B99D-67C1C1D179EC}" srcOrd="3" destOrd="0" presId="urn:microsoft.com/office/officeart/2005/8/layout/list1"/>
-    <dgm:cxn modelId="{869C7B17-24BA-4212-A3EC-8D2D8C38FEAF}" type="presParOf" srcId="{BFD261B7-BB94-4625-BEC7-3AABD32B09AB}" destId="{93E4D212-5902-413F-853E-82723B446B70}" srcOrd="4" destOrd="0" presId="urn:microsoft.com/office/officeart/2005/8/layout/list1"/>
-    <dgm:cxn modelId="{088573C3-3350-43C2-97AF-168ACB32DCFB}" type="presParOf" srcId="{93E4D212-5902-413F-853E-82723B446B70}" destId="{9EDB3B69-39D7-4829-ACC1-202A053BC3B3}" srcOrd="0" destOrd="0" presId="urn:microsoft.com/office/officeart/2005/8/layout/list1"/>
-    <dgm:cxn modelId="{D29CB6ED-523C-4DD9-9224-E66A332FDDE4}" type="presParOf" srcId="{93E4D212-5902-413F-853E-82723B446B70}" destId="{15F90060-A3A2-40EC-AD3C-82541E6B5681}" srcOrd="1" destOrd="0" presId="urn:microsoft.com/office/officeart/2005/8/layout/list1"/>
-    <dgm:cxn modelId="{51C58666-AD14-424C-88D6-E941C05F3F67}" type="presParOf" srcId="{BFD261B7-BB94-4625-BEC7-3AABD32B09AB}" destId="{55368826-0CB7-47FD-A4F5-67A900A5AAA6}" srcOrd="5" destOrd="0" presId="urn:microsoft.com/office/officeart/2005/8/layout/list1"/>
-    <dgm:cxn modelId="{19407999-EEB8-4C97-ACCC-1EEB4284CE12}" type="presParOf" srcId="{BFD261B7-BB94-4625-BEC7-3AABD32B09AB}" destId="{EA507EFA-602A-450E-9CAF-DAAC1920C9DA}" srcOrd="6" destOrd="0" presId="urn:microsoft.com/office/officeart/2005/8/layout/list1"/>
-    <dgm:cxn modelId="{BA20DC40-4280-4B25-AE07-A441CDDE4817}" type="presParOf" srcId="{BFD261B7-BB94-4625-BEC7-3AABD32B09AB}" destId="{DC624391-AE5D-41D2-B5FB-54C89718E20C}" srcOrd="7" destOrd="0" presId="urn:microsoft.com/office/officeart/2005/8/layout/list1"/>
-    <dgm:cxn modelId="{4232A958-264C-4719-9CCF-BD7B4644FAC2}" type="presParOf" srcId="{BFD261B7-BB94-4625-BEC7-3AABD32B09AB}" destId="{B2527296-0138-4D92-9431-D3E06F6D241B}" srcOrd="8" destOrd="0" presId="urn:microsoft.com/office/officeart/2005/8/layout/list1"/>
-    <dgm:cxn modelId="{93BCA74C-5B3D-498F-891C-552B0CA24EBA}" type="presParOf" srcId="{B2527296-0138-4D92-9431-D3E06F6D241B}" destId="{CCE0CB32-6628-4A68-A984-7DF1C4303263}" srcOrd="0" destOrd="0" presId="urn:microsoft.com/office/officeart/2005/8/layout/list1"/>
-    <dgm:cxn modelId="{1659A1A2-C677-435C-9012-7D5512A0BBA4}" type="presParOf" srcId="{B2527296-0138-4D92-9431-D3E06F6D241B}" destId="{CC4576C1-15F1-45DA-ADBC-2F3F457BD9A8}" srcOrd="1" destOrd="0" presId="urn:microsoft.com/office/officeart/2005/8/layout/list1"/>
-    <dgm:cxn modelId="{55F2AC5D-3C8C-4FC4-A433-38A8DC2A9279}" type="presParOf" srcId="{BFD261B7-BB94-4625-BEC7-3AABD32B09AB}" destId="{5FF3CE65-A08F-411D-B354-8C0D7226FC27}" srcOrd="9" destOrd="0" presId="urn:microsoft.com/office/officeart/2005/8/layout/list1"/>
-    <dgm:cxn modelId="{2C52E4C5-CB4F-4225-8492-23F0A0E73F5E}" type="presParOf" srcId="{BFD261B7-BB94-4625-BEC7-3AABD32B09AB}" destId="{70B7CEB6-2489-4DA2-B2E8-2CFD16E185C9}" srcOrd="10" destOrd="0" presId="urn:microsoft.com/office/officeart/2005/8/layout/list1"/>
-    <dgm:cxn modelId="{88CB2923-9F67-49E1-9F77-9B4C7F681061}" type="presParOf" srcId="{BFD261B7-BB94-4625-BEC7-3AABD32B09AB}" destId="{397B68A8-5DA0-470B-BCC8-897BDE375E2D}" srcOrd="11" destOrd="0" presId="urn:microsoft.com/office/officeart/2005/8/layout/list1"/>
-    <dgm:cxn modelId="{B9450B88-997A-4FC5-8ED5-19593B613920}" type="presParOf" srcId="{BFD261B7-BB94-4625-BEC7-3AABD32B09AB}" destId="{DD08761B-972D-4EA4-B023-69B3F470AD26}" srcOrd="12" destOrd="0" presId="urn:microsoft.com/office/officeart/2005/8/layout/list1"/>
-    <dgm:cxn modelId="{9B479A7D-F4F3-4892-8771-02AA263D11E6}" type="presParOf" srcId="{DD08761B-972D-4EA4-B023-69B3F470AD26}" destId="{A111E267-C69C-4D15-95E7-C4A938C9CA39}" srcOrd="0" destOrd="0" presId="urn:microsoft.com/office/officeart/2005/8/layout/list1"/>
-    <dgm:cxn modelId="{01177358-698D-4F13-A411-D9DF8A5353DA}" type="presParOf" srcId="{DD08761B-972D-4EA4-B023-69B3F470AD26}" destId="{2B227B34-6565-4BFE-ABE9-45549824380A}" srcOrd="1" destOrd="0" presId="urn:microsoft.com/office/officeart/2005/8/layout/list1"/>
-    <dgm:cxn modelId="{C9E9A0BF-3095-403C-B306-F8A3BEF8E60B}" type="presParOf" srcId="{BFD261B7-BB94-4625-BEC7-3AABD32B09AB}" destId="{10B15049-5F1D-4DE4-85BC-1FDCE6DF31DA}" srcOrd="13" destOrd="0" presId="urn:microsoft.com/office/officeart/2005/8/layout/list1"/>
-    <dgm:cxn modelId="{023CCCF1-B022-46C5-8675-985BC007AED1}" type="presParOf" srcId="{BFD261B7-BB94-4625-BEC7-3AABD32B09AB}" destId="{8EC6D46C-4071-4B39-8E1E-7BA4A256C1E3}" srcOrd="14" destOrd="0" presId="urn:microsoft.com/office/officeart/2005/8/layout/list1"/>
-  </dgm:cxnLst>
-  <dgm:bg/>
-  <dgm:whole/>
-  <dgm:extLst>
-    <a:ext uri="http://schemas.microsoft.com/office/drawing/2008/diagram">
-      <dsp:dataModelExt xmlns:dsp="http://schemas.microsoft.com/office/drawing/2008/diagram" relId="rId7" minVer="http://schemas.openxmlformats.org/drawingml/2006/diagram"/>
-    </a:ext>
-  </dgm:extLst>
-</dgm:dataModel>
-</file>
-
-<file path=ppt/diagrams/drawing1.xml><?xml version="1.0" encoding="utf-8"?>
-<dsp:drawing xmlns:dgm="http://schemas.openxmlformats.org/drawingml/2006/diagram" xmlns:dsp="http://schemas.microsoft.com/office/drawing/2008/diagram" xmlns:a="http://schemas.openxmlformats.org/drawingml/2006/main">
-  <dsp:spTree>
-    <dsp:nvGrpSpPr>
-      <dsp:cNvPr id="0" name=""/>
-      <dsp:cNvGrpSpPr/>
-    </dsp:nvGrpSpPr>
-    <dsp:grpSpPr/>
-    <dsp:sp modelId="{59A737F0-1F6A-41E4-91B0-003BDB45F8DE}">
-      <dsp:nvSpPr>
-        <dsp:cNvPr id="0" name=""/>
-        <dsp:cNvSpPr/>
-      </dsp:nvSpPr>
-      <dsp:spPr>
-        <a:xfrm>
-          <a:off x="0" y="342887"/>
-          <a:ext cx="5712296" cy="504000"/>
-        </a:xfrm>
-        <a:prstGeom prst="rect">
-          <a:avLst/>
-        </a:prstGeom>
-        <a:solidFill>
-          <a:schemeClr val="lt1">
-            <a:alpha val="90000"/>
-            <a:hueOff val="0"/>
-            <a:satOff val="0"/>
-            <a:lumOff val="0"/>
-            <a:alphaOff val="0"/>
-          </a:schemeClr>
-        </a:solidFill>
-        <a:ln w="25400" cap="flat" cmpd="sng" algn="ctr">
-          <a:solidFill>
-            <a:schemeClr val="accent1">
-              <a:hueOff val="0"/>
-              <a:satOff val="0"/>
-              <a:lumOff val="0"/>
-              <a:alphaOff val="0"/>
-            </a:schemeClr>
-          </a:solidFill>
-          <a:prstDash val="solid"/>
-        </a:ln>
-        <a:effectLst/>
-      </dsp:spPr>
-      <dsp:style>
-        <a:lnRef idx="2">
-          <a:scrgbClr r="0" g="0" b="0"/>
-        </a:lnRef>
-        <a:fillRef idx="1">
-          <a:scrgbClr r="0" g="0" b="0"/>
-        </a:fillRef>
-        <a:effectRef idx="0">
-          <a:scrgbClr r="0" g="0" b="0"/>
-        </a:effectRef>
-        <a:fontRef idx="minor"/>
-      </dsp:style>
-    </dsp:sp>
-    <dsp:sp modelId="{8A22BBCF-A273-4DE9-B340-9C46B7B240EB}">
-      <dsp:nvSpPr>
-        <dsp:cNvPr id="0" name=""/>
-        <dsp:cNvSpPr/>
-      </dsp:nvSpPr>
-      <dsp:spPr>
-        <a:xfrm>
-          <a:off x="285614" y="47687"/>
-          <a:ext cx="1097297" cy="590400"/>
-        </a:xfrm>
-        <a:prstGeom prst="roundRect">
-          <a:avLst/>
-        </a:prstGeom>
-        <a:solidFill>
-          <a:schemeClr val="accent1">
-            <a:hueOff val="0"/>
-            <a:satOff val="0"/>
-            <a:lumOff val="0"/>
-            <a:alphaOff val="0"/>
-          </a:schemeClr>
-        </a:solidFill>
-        <a:ln w="25400" cap="flat" cmpd="sng" algn="ctr">
-          <a:solidFill>
-            <a:schemeClr val="lt1">
-              <a:hueOff val="0"/>
-              <a:satOff val="0"/>
-              <a:lumOff val="0"/>
-              <a:alphaOff val="0"/>
-            </a:schemeClr>
-          </a:solidFill>
-          <a:prstDash val="solid"/>
-        </a:ln>
-        <a:effectLst/>
-      </dsp:spPr>
-      <dsp:style>
-        <a:lnRef idx="2">
-          <a:scrgbClr r="0" g="0" b="0"/>
-        </a:lnRef>
-        <a:fillRef idx="1">
-          <a:scrgbClr r="0" g="0" b="0"/>
-        </a:fillRef>
-        <a:effectRef idx="0">
-          <a:scrgbClr r="0" g="0" b="0"/>
-        </a:effectRef>
-        <a:fontRef idx="minor">
-          <a:schemeClr val="lt1"/>
-        </a:fontRef>
-      </dsp:style>
-      <dsp:txBody>
-        <a:bodyPr spcFirstLastPara="0" vert="horz" wrap="square" lIns="151138" tIns="0" rIns="151138" bIns="0" numCol="1" spcCol="1270" anchor="ctr" anchorCtr="0">
-          <a:noAutofit/>
-        </a:bodyPr>
-        <a:lstStyle/>
-        <a:p>
-          <a:pPr lvl="0" algn="l" defTabSz="755650">
-            <a:lnSpc>
-              <a:spcPct val="90000"/>
-            </a:lnSpc>
-            <a:spcBef>
-              <a:spcPct val="0"/>
-            </a:spcBef>
-            <a:spcAft>
-              <a:spcPct val="35000"/>
-            </a:spcAft>
-          </a:pPr>
-          <a:r>
-            <a:rPr lang="en-US" altLang="zh-CN" sz="1700" kern="1200" dirty="0" smtClean="0"/>
-            <a:t>Ying Wang</a:t>
-          </a:r>
-          <a:endParaRPr lang="zh-CN" altLang="en-US" sz="1700" kern="1200" dirty="0"/>
-        </a:p>
-      </dsp:txBody>
-      <dsp:txXfrm>
-        <a:off x="314435" y="76508"/>
-        <a:ext cx="1039655" cy="532758"/>
-      </dsp:txXfrm>
-    </dsp:sp>
-    <dsp:sp modelId="{EA507EFA-602A-450E-9CAF-DAAC1920C9DA}">
-      <dsp:nvSpPr>
-        <dsp:cNvPr id="0" name=""/>
-        <dsp:cNvSpPr/>
-      </dsp:nvSpPr>
-      <dsp:spPr>
-        <a:xfrm>
-          <a:off x="0" y="1250088"/>
-          <a:ext cx="5712296" cy="504000"/>
-        </a:xfrm>
-        <a:prstGeom prst="rect">
-          <a:avLst/>
-        </a:prstGeom>
-        <a:solidFill>
-          <a:schemeClr val="lt1">
-            <a:alpha val="90000"/>
-            <a:hueOff val="0"/>
-            <a:satOff val="0"/>
-            <a:lumOff val="0"/>
-            <a:alphaOff val="0"/>
-          </a:schemeClr>
-        </a:solidFill>
-        <a:ln w="25400" cap="flat" cmpd="sng" algn="ctr">
-          <a:solidFill>
-            <a:schemeClr val="accent1">
-              <a:hueOff val="0"/>
-              <a:satOff val="0"/>
-              <a:lumOff val="0"/>
-              <a:alphaOff val="0"/>
-            </a:schemeClr>
-          </a:solidFill>
-          <a:prstDash val="solid"/>
-        </a:ln>
-        <a:effectLst/>
-      </dsp:spPr>
-      <dsp:style>
-        <a:lnRef idx="2">
-          <a:scrgbClr r="0" g="0" b="0"/>
-        </a:lnRef>
-        <a:fillRef idx="1">
-          <a:scrgbClr r="0" g="0" b="0"/>
-        </a:fillRef>
-        <a:effectRef idx="0">
-          <a:scrgbClr r="0" g="0" b="0"/>
-        </a:effectRef>
-        <a:fontRef idx="minor"/>
-      </dsp:style>
-    </dsp:sp>
-    <dsp:sp modelId="{15F90060-A3A2-40EC-AD3C-82541E6B5681}">
-      <dsp:nvSpPr>
-        <dsp:cNvPr id="0" name=""/>
-        <dsp:cNvSpPr/>
-      </dsp:nvSpPr>
-      <dsp:spPr>
-        <a:xfrm>
-          <a:off x="285614" y="954887"/>
-          <a:ext cx="1097297" cy="590400"/>
-        </a:xfrm>
-        <a:prstGeom prst="roundRect">
-          <a:avLst/>
-        </a:prstGeom>
-        <a:solidFill>
-          <a:schemeClr val="accent1">
-            <a:hueOff val="0"/>
-            <a:satOff val="0"/>
-            <a:lumOff val="0"/>
-            <a:alphaOff val="0"/>
-          </a:schemeClr>
-        </a:solidFill>
-        <a:ln w="25400" cap="flat" cmpd="sng" algn="ctr">
-          <a:solidFill>
-            <a:schemeClr val="lt1">
-              <a:hueOff val="0"/>
-              <a:satOff val="0"/>
-              <a:lumOff val="0"/>
-              <a:alphaOff val="0"/>
-            </a:schemeClr>
-          </a:solidFill>
-          <a:prstDash val="solid"/>
-        </a:ln>
-        <a:effectLst/>
-      </dsp:spPr>
-      <dsp:style>
-        <a:lnRef idx="2">
-          <a:scrgbClr r="0" g="0" b="0"/>
-        </a:lnRef>
-        <a:fillRef idx="1">
-          <a:scrgbClr r="0" g="0" b="0"/>
-        </a:fillRef>
-        <a:effectRef idx="0">
-          <a:scrgbClr r="0" g="0" b="0"/>
-        </a:effectRef>
-        <a:fontRef idx="minor">
-          <a:schemeClr val="lt1"/>
-        </a:fontRef>
-      </dsp:style>
-      <dsp:txBody>
-        <a:bodyPr spcFirstLastPara="0" vert="horz" wrap="square" lIns="151138" tIns="0" rIns="151138" bIns="0" numCol="1" spcCol="1270" anchor="ctr" anchorCtr="0">
-          <a:noAutofit/>
-        </a:bodyPr>
-        <a:lstStyle/>
-        <a:p>
-          <a:pPr lvl="0" algn="l" defTabSz="755650">
-            <a:lnSpc>
-              <a:spcPct val="90000"/>
-            </a:lnSpc>
-            <a:spcBef>
-              <a:spcPct val="0"/>
-            </a:spcBef>
-            <a:spcAft>
-              <a:spcPct val="35000"/>
-            </a:spcAft>
-          </a:pPr>
-          <a:r>
-            <a:rPr lang="en-US" altLang="zh-CN" sz="1700" kern="1200" dirty="0" err="1" smtClean="0"/>
-            <a:t>Shaobin</a:t>
-          </a:r>
-          <a:r>
-            <a:rPr lang="en-US" altLang="zh-CN" sz="1700" kern="1200" dirty="0" smtClean="0"/>
-            <a:t> Ding</a:t>
-          </a:r>
-          <a:endParaRPr lang="zh-CN" altLang="en-US" sz="1700" kern="1200" dirty="0"/>
-        </a:p>
-      </dsp:txBody>
-      <dsp:txXfrm>
-        <a:off x="314435" y="983708"/>
-        <a:ext cx="1039655" cy="532758"/>
-      </dsp:txXfrm>
-    </dsp:sp>
-    <dsp:sp modelId="{70B7CEB6-2489-4DA2-B2E8-2CFD16E185C9}">
-      <dsp:nvSpPr>
-        <dsp:cNvPr id="0" name=""/>
-        <dsp:cNvSpPr/>
-      </dsp:nvSpPr>
-      <dsp:spPr>
-        <a:xfrm>
-          <a:off x="0" y="2157288"/>
-          <a:ext cx="5712296" cy="504000"/>
-        </a:xfrm>
-        <a:prstGeom prst="rect">
-          <a:avLst/>
-        </a:prstGeom>
-        <a:solidFill>
-          <a:schemeClr val="lt1">
-            <a:alpha val="90000"/>
-            <a:hueOff val="0"/>
-            <a:satOff val="0"/>
-            <a:lumOff val="0"/>
-            <a:alphaOff val="0"/>
-          </a:schemeClr>
-        </a:solidFill>
-        <a:ln w="25400" cap="flat" cmpd="sng" algn="ctr">
-          <a:solidFill>
-            <a:schemeClr val="accent1">
-              <a:hueOff val="0"/>
-              <a:satOff val="0"/>
-              <a:lumOff val="0"/>
-              <a:alphaOff val="0"/>
-            </a:schemeClr>
-          </a:solidFill>
-          <a:prstDash val="solid"/>
-        </a:ln>
-        <a:effectLst/>
-      </dsp:spPr>
-      <dsp:style>
-        <a:lnRef idx="2">
-          <a:scrgbClr r="0" g="0" b="0"/>
-        </a:lnRef>
-        <a:fillRef idx="1">
-          <a:scrgbClr r="0" g="0" b="0"/>
-        </a:fillRef>
-        <a:effectRef idx="0">
-          <a:scrgbClr r="0" g="0" b="0"/>
-        </a:effectRef>
-        <a:fontRef idx="minor"/>
-      </dsp:style>
-    </dsp:sp>
-    <dsp:sp modelId="{CC4576C1-15F1-45DA-ADBC-2F3F457BD9A8}">
-      <dsp:nvSpPr>
-        <dsp:cNvPr id="0" name=""/>
-        <dsp:cNvSpPr/>
-      </dsp:nvSpPr>
-      <dsp:spPr>
-        <a:xfrm>
-          <a:off x="285614" y="1862088"/>
-          <a:ext cx="1097297" cy="590400"/>
-        </a:xfrm>
-        <a:prstGeom prst="roundRect">
-          <a:avLst/>
-        </a:prstGeom>
-        <a:solidFill>
-          <a:schemeClr val="accent1">
-            <a:hueOff val="0"/>
-            <a:satOff val="0"/>
-            <a:lumOff val="0"/>
-            <a:alphaOff val="0"/>
-          </a:schemeClr>
-        </a:solidFill>
-        <a:ln w="25400" cap="flat" cmpd="sng" algn="ctr">
-          <a:solidFill>
-            <a:schemeClr val="lt1">
-              <a:hueOff val="0"/>
-              <a:satOff val="0"/>
-              <a:lumOff val="0"/>
-              <a:alphaOff val="0"/>
-            </a:schemeClr>
-          </a:solidFill>
-          <a:prstDash val="solid"/>
-        </a:ln>
-        <a:effectLst/>
-      </dsp:spPr>
-      <dsp:style>
-        <a:lnRef idx="2">
-          <a:scrgbClr r="0" g="0" b="0"/>
-        </a:lnRef>
-        <a:fillRef idx="1">
-          <a:scrgbClr r="0" g="0" b="0"/>
-        </a:fillRef>
-        <a:effectRef idx="0">
-          <a:scrgbClr r="0" g="0" b="0"/>
-        </a:effectRef>
-        <a:fontRef idx="minor">
-          <a:schemeClr val="lt1"/>
-        </a:fontRef>
-      </dsp:style>
-      <dsp:txBody>
-        <a:bodyPr spcFirstLastPara="0" vert="horz" wrap="square" lIns="151138" tIns="0" rIns="151138" bIns="0" numCol="1" spcCol="1270" anchor="ctr" anchorCtr="0">
-          <a:noAutofit/>
-        </a:bodyPr>
-        <a:lstStyle/>
-        <a:p>
-          <a:pPr lvl="0" algn="l" defTabSz="755650">
-            <a:lnSpc>
-              <a:spcPct val="90000"/>
-            </a:lnSpc>
-            <a:spcBef>
-              <a:spcPct val="0"/>
-            </a:spcBef>
-            <a:spcAft>
-              <a:spcPct val="35000"/>
-            </a:spcAft>
-          </a:pPr>
-          <a:r>
-            <a:rPr lang="en-US" altLang="zh-CN" sz="1700" kern="1200" dirty="0" err="1" smtClean="0"/>
-            <a:t>Congrui</a:t>
-          </a:r>
-          <a:r>
-            <a:rPr lang="en-US" altLang="zh-CN" sz="1700" kern="1200" dirty="0" smtClean="0"/>
-            <a:t> </a:t>
-          </a:r>
-          <a:r>
-            <a:rPr lang="en-US" altLang="zh-CN" sz="1700" kern="1200" dirty="0" err="1" smtClean="0"/>
-            <a:t>Xu</a:t>
-          </a:r>
-          <a:endParaRPr lang="zh-CN" altLang="en-US" sz="1700" kern="1200" dirty="0"/>
-        </a:p>
-      </dsp:txBody>
-      <dsp:txXfrm>
-        <a:off x="314435" y="1890909"/>
-        <a:ext cx="1039655" cy="532758"/>
-      </dsp:txXfrm>
-    </dsp:sp>
-    <dsp:sp modelId="{8EC6D46C-4071-4B39-8E1E-7BA4A256C1E3}">
-      <dsp:nvSpPr>
-        <dsp:cNvPr id="0" name=""/>
-        <dsp:cNvSpPr/>
-      </dsp:nvSpPr>
-      <dsp:spPr>
-        <a:xfrm>
-          <a:off x="0" y="3112176"/>
-          <a:ext cx="5712296" cy="504000"/>
-        </a:xfrm>
-        <a:prstGeom prst="rect">
-          <a:avLst/>
-        </a:prstGeom>
-        <a:solidFill>
-          <a:schemeClr val="lt1">
-            <a:alpha val="90000"/>
-            <a:hueOff val="0"/>
-            <a:satOff val="0"/>
-            <a:lumOff val="0"/>
-            <a:alphaOff val="0"/>
-          </a:schemeClr>
-        </a:solidFill>
-        <a:ln w="25400" cap="flat" cmpd="sng" algn="ctr">
-          <a:solidFill>
-            <a:schemeClr val="accent1">
-              <a:hueOff val="0"/>
-              <a:satOff val="0"/>
-              <a:lumOff val="0"/>
-              <a:alphaOff val="0"/>
-            </a:schemeClr>
-          </a:solidFill>
-          <a:prstDash val="solid"/>
-        </a:ln>
-        <a:effectLst/>
-      </dsp:spPr>
-      <dsp:style>
-        <a:lnRef idx="2">
-          <a:scrgbClr r="0" g="0" b="0"/>
-        </a:lnRef>
-        <a:fillRef idx="1">
-          <a:scrgbClr r="0" g="0" b="0"/>
-        </a:fillRef>
-        <a:effectRef idx="0">
-          <a:scrgbClr r="0" g="0" b="0"/>
-        </a:effectRef>
-        <a:fontRef idx="minor"/>
-      </dsp:style>
-    </dsp:sp>
-    <dsp:sp modelId="{2B227B34-6565-4BFE-ABE9-45549824380A}">
-      <dsp:nvSpPr>
-        <dsp:cNvPr id="0" name=""/>
-        <dsp:cNvSpPr/>
-      </dsp:nvSpPr>
-      <dsp:spPr>
-        <a:xfrm>
-          <a:off x="285614" y="2769288"/>
-          <a:ext cx="1097297" cy="590400"/>
-        </a:xfrm>
-        <a:prstGeom prst="roundRect">
-          <a:avLst/>
-        </a:prstGeom>
-        <a:solidFill>
-          <a:schemeClr val="accent1">
-            <a:hueOff val="0"/>
-            <a:satOff val="0"/>
-            <a:lumOff val="0"/>
-            <a:alphaOff val="0"/>
-          </a:schemeClr>
-        </a:solidFill>
-        <a:ln w="25400" cap="flat" cmpd="sng" algn="ctr">
-          <a:solidFill>
-            <a:schemeClr val="lt1">
-              <a:hueOff val="0"/>
-              <a:satOff val="0"/>
-              <a:lumOff val="0"/>
-              <a:alphaOff val="0"/>
-            </a:schemeClr>
-          </a:solidFill>
-          <a:prstDash val="solid"/>
-        </a:ln>
-        <a:effectLst/>
-      </dsp:spPr>
-      <dsp:style>
-        <a:lnRef idx="2">
-          <a:scrgbClr r="0" g="0" b="0"/>
-        </a:lnRef>
-        <a:fillRef idx="1">
-          <a:scrgbClr r="0" g="0" b="0"/>
-        </a:fillRef>
-        <a:effectRef idx="0">
-          <a:scrgbClr r="0" g="0" b="0"/>
-        </a:effectRef>
-        <a:fontRef idx="minor">
-          <a:schemeClr val="lt1"/>
-        </a:fontRef>
-      </dsp:style>
-      <dsp:txBody>
-        <a:bodyPr spcFirstLastPara="0" vert="horz" wrap="square" lIns="151138" tIns="0" rIns="151138" bIns="0" numCol="1" spcCol="1270" anchor="ctr" anchorCtr="0">
-          <a:noAutofit/>
-        </a:bodyPr>
-        <a:lstStyle/>
-        <a:p>
-          <a:pPr lvl="0" algn="l" defTabSz="755650">
-            <a:lnSpc>
-              <a:spcPct val="90000"/>
-            </a:lnSpc>
-            <a:spcBef>
-              <a:spcPct val="0"/>
-            </a:spcBef>
-            <a:spcAft>
-              <a:spcPct val="35000"/>
-            </a:spcAft>
-          </a:pPr>
-          <a:r>
-            <a:rPr lang="en-US" altLang="zh-CN" sz="1700" kern="1200" dirty="0" smtClean="0"/>
-            <a:t>Tong Liu</a:t>
-          </a:r>
-          <a:endParaRPr lang="zh-CN" altLang="en-US" sz="1700" kern="1200" dirty="0"/>
-        </a:p>
-      </dsp:txBody>
-      <dsp:txXfrm>
-        <a:off x="314435" y="2798109"/>
-        <a:ext cx="1039655" cy="532758"/>
-      </dsp:txXfrm>
-    </dsp:sp>
-  </dsp:spTree>
-</dsp:drawing>
-</file>
-
-<file path=ppt/diagrams/layout1.xml><?xml version="1.0" encoding="utf-8"?>
-<dgm:layoutDef xmlns:dgm="http://schemas.openxmlformats.org/drawingml/2006/diagram" xmlns:a="http://schemas.openxmlformats.org/drawingml/2006/main" uniqueId="urn:microsoft.com/office/officeart/2005/8/layout/list1">
-  <dgm:title val=""/>
-  <dgm:desc val=""/>
-  <dgm:catLst>
-    <dgm:cat type="list" pri="4000"/>
-  </dgm:catLst>
-  <dgm:sampData>
-    <dgm:dataModel>
-      <dgm:ptLst>
-        <dgm:pt modelId="0" type="doc"/>
-        <dgm:pt modelId="1">
-          <dgm:prSet phldr="1"/>
-        </dgm:pt>
-        <dgm:pt modelId="2">
-          <dgm:prSet phldr="1"/>
-        </dgm:pt>
-        <dgm:pt modelId="3">
-          <dgm:prSet phldr="1"/>
-        </dgm:pt>
-      </dgm:ptLst>
-      <dgm:cxnLst>
-        <dgm:cxn modelId="4" srcId="0" destId="1" srcOrd="0" destOrd="0"/>
-        <dgm:cxn modelId="5" srcId="0" destId="2" srcOrd="1" destOrd="0"/>
-        <dgm:cxn modelId="6" srcId="0" destId="3" srcOrd="2" destOrd="0"/>
-      </dgm:cxnLst>
-      <dgm:bg/>
-      <dgm:whole/>
-    </dgm:dataModel>
-  </dgm:sampData>
-  <dgm:styleData>
-    <dgm:dataModel>
-      <dgm:ptLst>
-        <dgm:pt modelId="0" type="doc"/>
-        <dgm:pt modelId="1"/>
-        <dgm:pt modelId="2"/>
-      </dgm:ptLst>
-      <dgm:cxnLst>
-        <dgm:cxn modelId="4" srcId="0" destId="1" srcOrd="0" destOrd="0"/>
-        <dgm:cxn modelId="5" srcId="0" destId="2" srcOrd="1" destOrd="0"/>
-      </dgm:cxnLst>
-      <dgm:bg/>
-      <dgm:whole/>
-    </dgm:dataModel>
-  </dgm:styleData>
-  <dgm:clrData>
-    <dgm:dataModel>
-      <dgm:ptLst>
-        <dgm:pt modelId="0" type="doc"/>
-        <dgm:pt modelId="1"/>
-        <dgm:pt modelId="2"/>
-        <dgm:pt modelId="3"/>
-        <dgm:pt modelId="4"/>
-      </dgm:ptLst>
-      <dgm:cxnLst>
-        <dgm:cxn modelId="5" srcId="0" destId="1" srcOrd="0" destOrd="0"/>
-        <dgm:cxn modelId="6" srcId="0" destId="2" srcOrd="1" destOrd="0"/>
-        <dgm:cxn modelId="7" srcId="0" destId="3" srcOrd="2" destOrd="0"/>
-        <dgm:cxn modelId="8" srcId="0" destId="4" srcOrd="3" destOrd="0"/>
-      </dgm:cxnLst>
-      <dgm:bg/>
-      <dgm:whole/>
-    </dgm:dataModel>
-  </dgm:clrData>
-  <dgm:layoutNode name="linear">
-    <dgm:varLst>
-      <dgm:dir/>
-      <dgm:animLvl val="lvl"/>
-      <dgm:resizeHandles val="exact"/>
-    </dgm:varLst>
-    <dgm:choose name="Name0">
-      <dgm:if name="Name1" func="var" arg="dir" op="equ" val="norm">
-        <dgm:alg type="lin">
-          <dgm:param type="linDir" val="fromT"/>
-          <dgm:param type="vertAlign" val="mid"/>
-          <dgm:param type="horzAlign" val="l"/>
-          <dgm:param type="nodeHorzAlign" val="l"/>
-        </dgm:alg>
-      </dgm:if>
-      <dgm:else name="Name2">
-        <dgm:alg type="lin">
-          <dgm:param type="linDir" val="fromT"/>
-          <dgm:param type="vertAlign" val="mid"/>
-          <dgm:param type="horzAlign" val="r"/>
-          <dgm:param type="nodeHorzAlign" val="r"/>
-        </dgm:alg>
-      </dgm:else>
-    </dgm:choose>
-    <dgm:shape xmlns:r="http://schemas.openxmlformats.org/officeDocument/2006/relationships" r:blip="">
-      <dgm:adjLst/>
-    </dgm:shape>
-    <dgm:presOf/>
-    <dgm:constrLst>
-      <dgm:constr type="w" for="ch" forName="parentLin" refType="w"/>
-      <dgm:constr type="h" for="ch" forName="parentLin" val="INF"/>
-      <dgm:constr type="w" for="des" forName="parentLeftMargin" refType="w" fact="0.05"/>
-      <dgm:constr type="w" for="des" forName="parentText" refType="w" fact="0.7"/>
-      <dgm:constr type="h" for="des" forName="parentText" refType="primFontSz" refFor="des" refForName="parentText" fact="0.82"/>
-      <dgm:constr type="h" for="ch" forName="negativeSpace" refType="primFontSz" refFor="des" refForName="parentText" fact="-0.41"/>
-      <dgm:constr type="h" for="ch" forName="negativeSpace" refType="h" refFor="des" refForName="parentText" op="lte" fact="-0.82"/>
-      <dgm:constr type="h" for="ch" forName="negativeSpace" refType="h" refFor="des" refForName="parentText" op="gte" fact="-0.82"/>
-      <dgm:constr type="w" for="ch" forName="childText" refType="w"/>
-      <dgm:constr type="h" for="ch" forName="childText" refType="primFontSz" refFor="des" refForName="parentText" fact="0.7"/>
-      <dgm:constr type="primFontSz" for="des" forName="parentText" val="65"/>
-      <dgm:constr type="primFontSz" for="ch" forName="childText" refType="primFontSz" refFor="des" refForName="parentText"/>
-      <dgm:constr type="tMarg" for="ch" forName="childText" refType="primFontSz" refFor="des" refForName="parentText" fact="1.64"/>
-      <dgm:constr type="tMarg" for="ch" forName="childText" refType="h" refFor="des" refForName="parentText" op="lte" fact="3.28"/>
-      <dgm:constr type="tMarg" for="ch" forName="childText" refType="h" refFor="des" refForName="parentText" op="gte" fact="3.28"/>
-      <dgm:constr type="lMarg" for="ch" forName="childText" refType="w" fact="0.22"/>
-      <dgm:constr type="rMarg" for="ch" forName="childText" refType="lMarg" refFor="ch" refForName="childText"/>
-      <dgm:constr type="lMarg" for="des" forName="parentText" refType="w" fact="0.075"/>
-      <dgm:constr type="rMarg" for="des" forName="parentText" refType="lMarg" refFor="des" refForName="parentText"/>
-      <dgm:constr type="h" for="ch" forName="spaceBetweenRectangles" refType="primFontSz" refFor="des" refForName="parentText" fact="0.15"/>
-    </dgm:constrLst>
-    <dgm:ruleLst>
-      <dgm:rule type="primFontSz" for="des" forName="parentText" val="5" fact="NaN" max="NaN"/>
-    </dgm:ruleLst>
-    <dgm:forEach name="Name3" axis="ch" ptType="node">
-      <dgm:layoutNode name="parentLin">
-        <dgm:choose name="Name4">
-          <dgm:if name="Name5" func="var" arg="dir" op="equ" val="norm">
-            <dgm:alg type="lin">
-              <dgm:param type="linDir" val="fromL"/>
-              <dgm:param type="horzAlign" val="l"/>
-              <dgm:param type="nodeHorzAlign" val="l"/>
-            </dgm:alg>
-          </dgm:if>
-          <dgm:else name="Name6">
-            <dgm:alg type="lin">
-              <dgm:param type="linDir" val="fromR"/>
-              <dgm:param type="horzAlign" val="r"/>
-              <dgm:param type="nodeHorzAlign" val="r"/>
-            </dgm:alg>
-          </dgm:else>
-        </dgm:choose>
-        <dgm:shape xmlns:r="http://schemas.openxmlformats.org/officeDocument/2006/relationships" r:blip="">
-          <dgm:adjLst/>
-        </dgm:shape>
-        <dgm:presOf/>
-        <dgm:constrLst/>
-        <dgm:ruleLst/>
-        <dgm:layoutNode name="parentLeftMargin">
-          <dgm:alg type="sp"/>
-          <dgm:shape xmlns:r="http://schemas.openxmlformats.org/officeDocument/2006/relationships" type="rect" r:blip="" hideGeom="1">
-            <dgm:adjLst/>
-          </dgm:shape>
-          <dgm:presOf axis="self"/>
-          <dgm:constrLst>
-            <dgm:constr type="h"/>
-          </dgm:constrLst>
-          <dgm:ruleLst/>
-        </dgm:layoutNode>
-        <dgm:layoutNode name="parentText" styleLbl="node1">
-          <dgm:varLst>
-            <dgm:chMax val="0"/>
-            <dgm:bulletEnabled val="1"/>
-          </dgm:varLst>
-          <dgm:choose name="Name7">
-            <dgm:if name="Name8" func="var" arg="dir" op="equ" val="norm">
-              <dgm:alg type="tx">
-                <dgm:param type="parTxLTRAlign" val="l"/>
-                <dgm:param type="parTxRTLAlign" val="l"/>
-              </dgm:alg>
-            </dgm:if>
-            <dgm:else name="Name9">
-              <dgm:alg type="tx">
-                <dgm:param type="parTxLTRAlign" val="r"/>
-                <dgm:param type="parTxRTLAlign" val="r"/>
-              </dgm:alg>
-            </dgm:else>
-          </dgm:choose>
-          <dgm:shape xmlns:r="http://schemas.openxmlformats.org/officeDocument/2006/relationships" type="roundRect" r:blip="">
-            <dgm:adjLst/>
-          </dgm:shape>
-          <dgm:presOf axis="self" ptType="node"/>
-          <dgm:constrLst>
-            <dgm:constr type="tMarg"/>
-            <dgm:constr type="bMarg"/>
-          </dgm:constrLst>
-          <dgm:ruleLst/>
-        </dgm:layoutNode>
-      </dgm:layoutNode>
-      <dgm:layoutNode name="negativeSpace">
-        <dgm:alg type="sp"/>
-        <dgm:shape xmlns:r="http://schemas.openxmlformats.org/officeDocument/2006/relationships" r:blip="">
-          <dgm:adjLst/>
-        </dgm:shape>
-        <dgm:presOf/>
-        <dgm:constrLst/>
-        <dgm:ruleLst/>
-      </dgm:layoutNode>
-      <dgm:layoutNode name="childText" styleLbl="conFgAcc1">
-        <dgm:varLst>
-          <dgm:bulletEnabled val="1"/>
-        </dgm:varLst>
-        <dgm:alg type="tx">
-          <dgm:param type="stBulletLvl" val="1"/>
-        </dgm:alg>
-        <dgm:shape xmlns:r="http://schemas.openxmlformats.org/officeDocument/2006/relationships" type="rect" r:blip="" zOrderOff="-2">
-          <dgm:adjLst/>
-        </dgm:shape>
-        <dgm:presOf axis="des" ptType="node"/>
-        <dgm:constrLst>
-          <dgm:constr type="secFontSz" refType="primFontSz"/>
-        </dgm:constrLst>
-        <dgm:ruleLst>
-          <dgm:rule type="h" val="INF" fact="NaN" max="NaN"/>
-        </dgm:ruleLst>
-      </dgm:layoutNode>
-      <dgm:forEach name="Name10" axis="followSib" ptType="sibTrans" cnt="1">
-        <dgm:layoutNode name="spaceBetweenRectangles">
-          <dgm:alg type="sp"/>
-          <dgm:shape xmlns:r="http://schemas.openxmlformats.org/officeDocument/2006/relationships" r:blip="">
-            <dgm:adjLst/>
-          </dgm:shape>
-          <dgm:presOf/>
-          <dgm:constrLst/>
-          <dgm:ruleLst/>
-        </dgm:layoutNode>
-      </dgm:forEach>
-    </dgm:forEach>
-  </dgm:layoutNode>
-</dgm:layoutDef>
-</file>
-
-<file path=ppt/diagrams/quickStyle1.xml><?xml version="1.0" encoding="utf-8"?>
-<dgm:styleDef xmlns:dgm="http://schemas.openxmlformats.org/drawingml/2006/diagram" xmlns:a="http://schemas.openxmlformats.org/drawingml/2006/main" uniqueId="urn:microsoft.com/office/officeart/2005/8/quickstyle/simple1">
-  <dgm:title val=""/>
-  <dgm:desc val=""/>
-  <dgm:catLst>
-    <dgm:cat type="simple" pri="10100"/>
-  </dgm:catLst>
-  <dgm:scene3d>
-    <a:camera prst="orthographicFront"/>
-    <a:lightRig rig="threePt" dir="t"/>
-  </dgm:scene3d>
-  <dgm:styleLbl name="node0">
-    <dgm:scene3d>
-      <a:camera prst="orthographicFront"/>
-      <a:lightRig rig="threePt" dir="t"/>
-    </dgm:scene3d>
-    <dgm:sp3d/>
-    <dgm:txPr/>
-    <dgm:style>
-      <a:lnRef idx="2">
-        <a:scrgbClr r="0" g="0" b="0"/>
-      </a:lnRef>
-      <a:fillRef idx="1">
-        <a:scrgbClr r="0" g="0" b="0"/>
-      </a:fillRef>
-      <a:effectRef idx="0">
-        <a:scrgbClr r="0" g="0" b="0"/>
-      </a:effectRef>
-      <a:fontRef idx="minor">
-        <a:schemeClr val="lt1"/>
-      </a:fontRef>
-    </dgm:style>
-  </dgm:styleLbl>
-  <dgm:styleLbl name="lnNode1">
-    <dgm:scene3d>
-      <a:camera prst="orthographicFront"/>
-      <a:lightRig rig="threePt" dir="t"/>
-    </dgm:scene3d>
-    <dgm:sp3d/>
-    <dgm:txPr/>
-    <dgm:style>
-      <a:lnRef idx="2">
-        <a:scrgbClr r="0" g="0" b="0"/>
-      </a:lnRef>
-      <a:fillRef idx="1">
-        <a:scrgbClr r="0" g="0" b="0"/>
-      </a:fillRef>
-      <a:effectRef idx="0">
-        <a:scrgbClr r="0" g="0" b="0"/>
-      </a:effectRef>
-      <a:fontRef idx="minor">
-        <a:schemeClr val="lt1"/>
-      </a:fontRef>
-    </dgm:style>
-  </dgm:styleLbl>
-  <dgm:styleLbl name="vennNode1">
-    <dgm:scene3d>
-      <a:camera prst="orthographicFront"/>
-      <a:lightRig rig="threePt" dir="t"/>
-    </dgm:scene3d>
-    <dgm:sp3d/>
-    <dgm:txPr/>
-    <dgm:style>
-      <a:lnRef idx="2">
-        <a:scrgbClr r="0" g="0" b="0"/>
-      </a:lnRef>
-      <a:fillRef idx="1">
-        <a:scrgbClr r="0" g="0" b="0"/>
-      </a:fillRef>
-      <a:effectRef idx="0">
-        <a:scrgbClr r="0" g="0" b="0"/>
-      </a:effectRef>
-      <a:fontRef idx="minor">
-        <a:schemeClr val="tx1"/>
-      </a:fontRef>
-    </dgm:style>
-  </dgm:styleLbl>
-  <dgm:styleLbl name="alignNode1">
-    <dgm:scene3d>
-      <a:camera prst="orthographicFront"/>
-      <a:lightRig rig="threePt" dir="t"/>
-    </dgm:scene3d>
-    <dgm:sp3d/>
-    <dgm:txPr/>
-    <dgm:style>
-      <a:lnRef idx="2">
-        <a:scrgbClr r="0" g="0" b="0"/>
-      </a:lnRef>
-      <a:fillRef idx="1">
-        <a:scrgbClr r="0" g="0" b="0"/>
-      </a:fillRef>
-      <a:effectRef idx="0">
-        <a:scrgbClr r="0" g="0" b="0"/>
-      </a:effectRef>
-      <a:fontRef idx="minor">
-        <a:schemeClr val="lt1"/>
-      </a:fontRef>
-    </dgm:style>
-  </dgm:styleLbl>
-  <dgm:styleLbl name="node1">
-    <dgm:scene3d>
-      <a:camera prst="orthographicFront"/>
-      <a:lightRig rig="threePt" dir="t"/>
-    </dgm:scene3d>
-    <dgm:sp3d/>
-    <dgm:txPr/>
-    <dgm:style>
-      <a:lnRef idx="2">
-        <a:scrgbClr r="0" g="0" b="0"/>
-      </a:lnRef>
-      <a:fillRef idx="1">
-        <a:scrgbClr r="0" g="0" b="0"/>
-      </a:fillRef>
-      <a:effectRef idx="0">
-        <a:scrgbClr r="0" g="0" b="0"/>
-      </a:effectRef>
-      <a:fontRef idx="minor">
-        <a:schemeClr val="lt1"/>
-      </a:fontRef>
-    </dgm:style>
-  </dgm:styleLbl>
-  <dgm:styleLbl name="node2">
-    <dgm:scene3d>
-      <a:camera prst="orthographicFront"/>
-      <a:lightRig rig="threePt" dir="t"/>
-    </dgm:scene3d>
-    <dgm:sp3d/>
-    <dgm:txPr/>
-    <dgm:style>
-      <a:lnRef idx="2">
-        <a:scrgbClr r="0" g="0" b="0"/>
-      </a:lnRef>
-      <a:fillRef idx="1">
-        <a:scrgbClr r="0" g="0" b="0"/>
-      </a:fillRef>
-      <a:effectRef idx="0">
-        <a:scrgbClr r="0" g="0" b="0"/>
-      </a:effectRef>
-      <a:fontRef idx="minor">
-        <a:schemeClr val="lt1"/>
-      </a:fontRef>
-    </dgm:style>
-  </dgm:styleLbl>
-  <dgm:styleLbl name="node3">
-    <dgm:scene3d>
-      <a:camera prst="orthographicFront"/>
-      <a:lightRig rig="threePt" dir="t"/>
-    </dgm:scene3d>
-    <dgm:sp3d/>
-    <dgm:txPr/>
-    <dgm:style>
-      <a:lnRef idx="2">
-        <a:scrgbClr r="0" g="0" b="0"/>
-      </a:lnRef>
-      <a:fillRef idx="1">
-        <a:scrgbClr r="0" g="0" b="0"/>
-      </a:fillRef>
-      <a:effectRef idx="0">
-        <a:scrgbClr r="0" g="0" b="0"/>
-      </a:effectRef>
-      <a:fontRef idx="minor">
-        <a:schemeClr val="lt1"/>
-      </a:fontRef>
-    </dgm:style>
-  </dgm:styleLbl>
-  <dgm:styleLbl name="node4">
-    <dgm:scene3d>
-      <a:camera prst="orthographicFront"/>
-      <a:lightRig rig="threePt" dir="t"/>
-    </dgm:scene3d>
-    <dgm:sp3d/>
-    <dgm:txPr/>
-    <dgm:style>
-      <a:lnRef idx="2">
-        <a:scrgbClr r="0" g="0" b="0"/>
-      </a:lnRef>
-      <a:fillRef idx="1">
-        <a:scrgbClr r="0" g="0" b="0"/>
-      </a:fillRef>
-      <a:effectRef idx="0">
-        <a:scrgbClr r="0" g="0" b="0"/>
-      </a:effectRef>
-      <a:fontRef idx="minor">
-        <a:schemeClr val="lt1"/>
-      </a:fontRef>
-    </dgm:style>
-  </dgm:styleLbl>
-  <dgm:styleLbl name="fgImgPlace1">
-    <dgm:scene3d>
-      <a:camera prst="orthographicFront"/>
-      <a:lightRig rig="threePt" dir="t"/>
-    </dgm:scene3d>
-    <dgm:sp3d/>
-    <dgm:txPr/>
-    <dgm:style>
-      <a:lnRef idx="2">
-        <a:scrgbClr r="0" g="0" b="0"/>
-      </a:lnRef>
-      <a:fillRef idx="1">
-        <a:scrgbClr r="0" g="0" b="0"/>
-      </a:fillRef>
-      <a:effectRef idx="0">
-        <a:scrgbClr r="0" g="0" b="0"/>
-      </a:effectRef>
-      <a:fontRef idx="minor"/>
-    </dgm:style>
-  </dgm:styleLbl>
-  <dgm:styleLbl name="alignImgPlace1">
-    <dgm:scene3d>
-      <a:camera prst="orthographicFront"/>
-      <a:lightRig rig="threePt" dir="t"/>
-    </dgm:scene3d>
-    <dgm:sp3d/>
-    <dgm:txPr/>
-    <dgm:style>
-      <a:lnRef idx="2">
-        <a:scrgbClr r="0" g="0" b="0"/>
-      </a:lnRef>
-      <a:fillRef idx="1">
-        <a:scrgbClr r="0" g="0" b="0"/>
-      </a:fillRef>
-      <a:effectRef idx="0">
-        <a:scrgbClr r="0" g="0" b="0"/>
-      </a:effectRef>
-      <a:fontRef idx="minor"/>
-    </dgm:style>
-  </dgm:styleLbl>
-  <dgm:styleLbl name="bgImgPlace1">
-    <dgm:scene3d>
-      <a:camera prst="orthographicFront"/>
-      <a:lightRig rig="threePt" dir="t"/>
-    </dgm:scene3d>
-    <dgm:sp3d/>
-    <dgm:txPr/>
-    <dgm:style>
-      <a:lnRef idx="2">
-        <a:scrgbClr r="0" g="0" b="0"/>
-      </a:lnRef>
-      <a:fillRef idx="1">
-        <a:scrgbClr r="0" g="0" b="0"/>
-      </a:fillRef>
-      <a:effectRef idx="0">
-        <a:scrgbClr r="0" g="0" b="0"/>
-      </a:effectRef>
-      <a:fontRef idx="minor"/>
-    </dgm:style>
-  </dgm:styleLbl>
-  <dgm:styleLbl name="sibTrans2D1">
-    <dgm:scene3d>
-      <a:camera prst="orthographicFront"/>
-      <a:lightRig rig="threePt" dir="t"/>
-    </dgm:scene3d>
-    <dgm:sp3d/>
-    <dgm:txPr/>
-    <dgm:style>
-      <a:lnRef idx="0">
-        <a:scrgbClr r="0" g="0" b="0"/>
-      </a:lnRef>
-      <a:fillRef idx="1">
-        <a:scrgbClr r="0" g="0" b="0"/>
-      </a:fillRef>
-      <a:effectRef idx="0">
-        <a:scrgbClr r="0" g="0" b="0"/>
-      </a:effectRef>
-      <a:fontRef idx="minor">
-        <a:schemeClr val="lt1"/>
-      </a:fontRef>
-    </dgm:style>
-  </dgm:styleLbl>
-  <dgm:styleLbl name="fgSibTrans2D1">
-    <dgm:scene3d>
-      <a:camera prst="orthographicFront"/>
-      <a:lightRig rig="threePt" dir="t"/>
-    </dgm:scene3d>
-    <dgm:sp3d/>
-    <dgm:txPr/>
-    <dgm:style>
-      <a:lnRef idx="0">
-        <a:scrgbClr r="0" g="0" b="0"/>
-      </a:lnRef>
-      <a:fillRef idx="1">
-        <a:scrgbClr r="0" g="0" b="0"/>
-      </a:fillRef>
-      <a:effectRef idx="0">
-        <a:scrgbClr r="0" g="0" b="0"/>
-      </a:effectRef>
-      <a:fontRef idx="minor">
-        <a:schemeClr val="lt1"/>
-      </a:fontRef>
-    </dgm:style>
-  </dgm:styleLbl>
-  <dgm:styleLbl name="bgSibTrans2D1">
-    <dgm:scene3d>
-      <a:camera prst="orthographicFront"/>
-      <a:lightRig rig="threePt" dir="t"/>
-    </dgm:scene3d>
-    <dgm:sp3d/>
-    <dgm:txPr/>
-    <dgm:style>
-      <a:lnRef idx="0">
-        <a:scrgbClr r="0" g="0" b="0"/>
-      </a:lnRef>
-      <a:fillRef idx="1">
-        <a:scrgbClr r="0" g="0" b="0"/>
-      </a:fillRef>
-      <a:effectRef idx="0">
-        <a:scrgbClr r="0" g="0" b="0"/>
-      </a:effectRef>
-      <a:fontRef idx="minor">
-        <a:schemeClr val="lt1"/>
-      </a:fontRef>
-    </dgm:style>
-  </dgm:styleLbl>
-  <dgm:styleLbl name="sibTrans1D1">
-    <dgm:scene3d>
-      <a:camera prst="orthographicFront"/>
-      <a:lightRig rig="threePt" dir="t"/>
-    </dgm:scene3d>
-    <dgm:sp3d/>
-    <dgm:txPr/>
-    <dgm:style>
-      <a:lnRef idx="1">
-        <a:scrgbClr r="0" g="0" b="0"/>
-      </a:lnRef>
-      <a:fillRef idx="0">
-        <a:scrgbClr r="0" g="0" b="0"/>
-      </a:fillRef>
-      <a:effectRef idx="0">
-        <a:scrgbClr r="0" g="0" b="0"/>
-      </a:effectRef>
-      <a:fontRef idx="minor"/>
-    </dgm:style>
-  </dgm:styleLbl>
-  <dgm:styleLbl name="callout">
-    <dgm:scene3d>
-      <a:camera prst="orthographicFront"/>
-      <a:lightRig rig="threePt" dir="t"/>
-    </dgm:scene3d>
-    <dgm:sp3d/>
-    <dgm:txPr/>
-    <dgm:style>
-      <a:lnRef idx="2">
-        <a:scrgbClr r="0" g="0" b="0"/>
-      </a:lnRef>
-      <a:fillRef idx="1">
-        <a:scrgbClr r="0" g="0" b="0"/>
-      </a:fillRef>
-      <a:effectRef idx="0">
-        <a:scrgbClr r="0" g="0" b="0"/>
-      </a:effectRef>
-      <a:fontRef idx="minor"/>
-    </dgm:style>
-  </dgm:styleLbl>
-  <dgm:styleLbl name="asst0">
-    <dgm:scene3d>
-      <a:camera prst="orthographicFront"/>
-      <a:lightRig rig="threePt" dir="t"/>
-    </dgm:scene3d>
-    <dgm:sp3d/>
-    <dgm:txPr/>
-    <dgm:style>
-      <a:lnRef idx="2">
-        <a:scrgbClr r="0" g="0" b="0"/>
-      </a:lnRef>
-      <a:fillRef idx="1">
-        <a:scrgbClr r="0" g="0" b="0"/>
-      </a:fillRef>
-      <a:effectRef idx="0">
-        <a:scrgbClr r="0" g="0" b="0"/>
-      </a:effectRef>
-      <a:fontRef idx="minor">
-        <a:schemeClr val="lt1"/>
-      </a:fontRef>
-    </dgm:style>
-  </dgm:styleLbl>
-  <dgm:styleLbl name="asst1">
-    <dgm:scene3d>
-      <a:camera prst="orthographicFront"/>
-      <a:lightRig rig="threePt" dir="t"/>
-    </dgm:scene3d>
-    <dgm:sp3d/>
-    <dgm:txPr/>
-    <dgm:style>
-      <a:lnRef idx="2">
-        <a:scrgbClr r="0" g="0" b="0"/>
-      </a:lnRef>
-      <a:fillRef idx="1">
-        <a:scrgbClr r="0" g="0" b="0"/>
-      </a:fillRef>
-      <a:effectRef idx="0">
-        <a:scrgbClr r="0" g="0" b="0"/>
-      </a:effectRef>
-      <a:fontRef idx="minor">
-        <a:schemeClr val="lt1"/>
-      </a:fontRef>
-    </dgm:style>
-  </dgm:styleLbl>
-  <dgm:styleLbl name="asst2">
-    <dgm:scene3d>
-      <a:camera prst="orthographicFront"/>
-      <a:lightRig rig="threePt" dir="t"/>
-    </dgm:scene3d>
-    <dgm:sp3d/>
-    <dgm:txPr/>
-    <dgm:style>
-      <a:lnRef idx="2">
-        <a:scrgbClr r="0" g="0" b="0"/>
-      </a:lnRef>
-      <a:fillRef idx="1">
-        <a:scrgbClr r="0" g="0" b="0"/>
-      </a:fillRef>
-      <a:effectRef idx="0">
-        <a:scrgbClr r="0" g="0" b="0"/>
-      </a:effectRef>
-      <a:fontRef idx="minor">
-        <a:schemeClr val="lt1"/>
-      </a:fontRef>
-    </dgm:style>
-  </dgm:styleLbl>
-  <dgm:styleLbl name="asst3">
-    <dgm:scene3d>
-      <a:camera prst="orthographicFront"/>
-      <a:lightRig rig="threePt" dir="t"/>
-    </dgm:scene3d>
-    <dgm:sp3d/>
-    <dgm:txPr/>
-    <dgm:style>
-      <a:lnRef idx="2">
-        <a:scrgbClr r="0" g="0" b="0"/>
-      </a:lnRef>
-      <a:fillRef idx="1">
-        <a:scrgbClr r="0" g="0" b="0"/>
-      </a:fillRef>
-      <a:effectRef idx="0">
-        <a:scrgbClr r="0" g="0" b="0"/>
-      </a:effectRef>
-      <a:fontRef idx="minor">
-        <a:schemeClr val="lt1"/>
-      </a:fontRef>
-    </dgm:style>
-  </dgm:styleLbl>
-  <dgm:styleLbl name="asst4">
-    <dgm:scene3d>
-      <a:camera prst="orthographicFront"/>
-      <a:lightRig rig="threePt" dir="t"/>
-    </dgm:scene3d>
-    <dgm:sp3d/>
-    <dgm:txPr/>
-    <dgm:style>
-      <a:lnRef idx="2">
-        <a:scrgbClr r="0" g="0" b="0"/>
-      </a:lnRef>
-      <a:fillRef idx="1">
-        <a:scrgbClr r="0" g="0" b="0"/>
-      </a:fillRef>
-      <a:effectRef idx="0">
-        <a:scrgbClr r="0" g="0" b="0"/>
-      </a:effectRef>
-      <a:fontRef idx="minor">
-        <a:schemeClr val="lt1"/>
-      </a:fontRef>
-    </dgm:style>
-  </dgm:styleLbl>
-  <dgm:styleLbl name="parChTrans2D1">
-    <dgm:scene3d>
-      <a:camera prst="orthographicFront"/>
-      <a:lightRig rig="threePt" dir="t"/>
-    </dgm:scene3d>
-    <dgm:sp3d/>
-    <dgm:txPr/>
-    <dgm:style>
-      <a:lnRef idx="2">
-        <a:scrgbClr r="0" g="0" b="0"/>
-      </a:lnRef>
-      <a:fillRef idx="1">
-        <a:scrgbClr r="0" g="0" b="0"/>
-      </a:fillRef>
-      <a:effectRef idx="0">
-        <a:scrgbClr r="0" g="0" b="0"/>
-      </a:effectRef>
-      <a:fontRef idx="minor">
-        <a:schemeClr val="lt1"/>
-      </a:fontRef>
-    </dgm:style>
-  </dgm:styleLbl>
-  <dgm:styleLbl name="parChTrans2D2">
-    <dgm:scene3d>
-      <a:camera prst="orthographicFront"/>
-      <a:lightRig rig="threePt" dir="t"/>
-    </dgm:scene3d>
-    <dgm:sp3d/>
-    <dgm:txPr/>
-    <dgm:style>
-      <a:lnRef idx="2">
-        <a:scrgbClr r="0" g="0" b="0"/>
-      </a:lnRef>
-      <a:fillRef idx="1">
-        <a:scrgbClr r="0" g="0" b="0"/>
-      </a:fillRef>
-      <a:effectRef idx="0">
-        <a:scrgbClr r="0" g="0" b="0"/>
-      </a:effectRef>
-      <a:fontRef idx="minor">
-        <a:schemeClr val="lt1"/>
-      </a:fontRef>
-    </dgm:style>
-  </dgm:styleLbl>
-  <dgm:styleLbl name="parChTrans2D3">
-    <dgm:scene3d>
-      <a:camera prst="orthographicFront"/>
-      <a:lightRig rig="threePt" dir="t"/>
-    </dgm:scene3d>
-    <dgm:sp3d/>
-    <dgm:txPr/>
-    <dgm:style>
-      <a:lnRef idx="2">
-        <a:scrgbClr r="0" g="0" b="0"/>
-      </a:lnRef>
-      <a:fillRef idx="1">
-        <a:scrgbClr r="0" g="0" b="0"/>
-      </a:fillRef>
-      <a:effectRef idx="0">
-        <a:scrgbClr r="0" g="0" b="0"/>
-      </a:effectRef>
-      <a:fontRef idx="minor">
-        <a:schemeClr val="lt1"/>
-      </a:fontRef>
-    </dgm:style>
-  </dgm:styleLbl>
-  <dgm:styleLbl name="parChTrans2D4">
-    <dgm:scene3d>
-      <a:camera prst="orthographicFront"/>
-      <a:lightRig rig="threePt" dir="t"/>
-    </dgm:scene3d>
-    <dgm:sp3d/>
-    <dgm:txPr/>
-    <dgm:style>
-      <a:lnRef idx="2">
-        <a:scrgbClr r="0" g="0" b="0"/>
-      </a:lnRef>
-      <a:fillRef idx="1">
-        <a:scrgbClr r="0" g="0" b="0"/>
-      </a:fillRef>
-      <a:effectRef idx="0">
-        <a:scrgbClr r="0" g="0" b="0"/>
-      </a:effectRef>
-      <a:fontRef idx="minor">
-        <a:schemeClr val="lt1"/>
-      </a:fontRef>
-    </dgm:style>
-  </dgm:styleLbl>
-  <dgm:styleLbl name="parChTrans1D1">
-    <dgm:scene3d>
-      <a:camera prst="orthographicFront"/>
-      <a:lightRig rig="threePt" dir="t"/>
-    </dgm:scene3d>
-    <dgm:sp3d/>
-    <dgm:txPr/>
-    <dgm:style>
-      <a:lnRef idx="2">
-        <a:scrgbClr r="0" g="0" b="0"/>
-      </a:lnRef>
-      <a:fillRef idx="0">
-        <a:scrgbClr r="0" g="0" b="0"/>
-      </a:fillRef>
-      <a:effectRef idx="0">
-        <a:scrgbClr r="0" g="0" b="0"/>
-      </a:effectRef>
-      <a:fontRef idx="minor"/>
-    </dgm:style>
-  </dgm:styleLbl>
-  <dgm:styleLbl name="parChTrans1D2">
-    <dgm:scene3d>
-      <a:camera prst="orthographicFront"/>
-      <a:lightRig rig="threePt" dir="t"/>
-    </dgm:scene3d>
-    <dgm:sp3d/>
-    <dgm:txPr/>
-    <dgm:style>
-      <a:lnRef idx="2">
-        <a:scrgbClr r="0" g="0" b="0"/>
-      </a:lnRef>
-      <a:fillRef idx="0">
-        <a:scrgbClr r="0" g="0" b="0"/>
-      </a:fillRef>
-      <a:effectRef idx="0">
-        <a:scrgbClr r="0" g="0" b="0"/>
-      </a:effectRef>
-      <a:fontRef idx="minor"/>
-    </dgm:style>
-  </dgm:styleLbl>
-  <dgm:styleLbl name="parChTrans1D3">
-    <dgm:scene3d>
-      <a:camera prst="orthographicFront"/>
-      <a:lightRig rig="threePt" dir="t"/>
-    </dgm:scene3d>
-    <dgm:sp3d/>
-    <dgm:txPr/>
-    <dgm:style>
-      <a:lnRef idx="2">
-        <a:scrgbClr r="0" g="0" b="0"/>
-      </a:lnRef>
-      <a:fillRef idx="0">
-        <a:scrgbClr r="0" g="0" b="0"/>
-      </a:fillRef>
-      <a:effectRef idx="0">
-        <a:scrgbClr r="0" g="0" b="0"/>
-      </a:effectRef>
-      <a:fontRef idx="minor"/>
-    </dgm:style>
-  </dgm:styleLbl>
-  <dgm:styleLbl name="parChTrans1D4">
-    <dgm:scene3d>
-      <a:camera prst="orthographicFront"/>
-      <a:lightRig rig="threePt" dir="t"/>
-    </dgm:scene3d>
-    <dgm:sp3d/>
-    <dgm:txPr/>
-    <dgm:style>
-      <a:lnRef idx="2">
-        <a:scrgbClr r="0" g="0" b="0"/>
-      </a:lnRef>
-      <a:fillRef idx="0">
-        <a:scrgbClr r="0" g="0" b="0"/>
-      </a:fillRef>
-      <a:effectRef idx="0">
-        <a:scrgbClr r="0" g="0" b="0"/>
-      </a:effectRef>
-      <a:fontRef idx="minor"/>
-    </dgm:style>
-  </dgm:styleLbl>
-  <dgm:styleLbl name="fgAcc1">
-    <dgm:scene3d>
-      <a:camera prst="orthographicFront"/>
-      <a:lightRig rig="threePt" dir="t"/>
-    </dgm:scene3d>
-    <dgm:sp3d/>
-    <dgm:txPr/>
-    <dgm:style>
-      <a:lnRef idx="2">
-        <a:scrgbClr r="0" g="0" b="0"/>
-      </a:lnRef>
-      <a:fillRef idx="1">
-        <a:scrgbClr r="0" g="0" b="0"/>
-      </a:fillRef>
-      <a:effectRef idx="0">
-        <a:scrgbClr r="0" g="0" b="0"/>
-      </a:effectRef>
-      <a:fontRef idx="minor"/>
-    </dgm:style>
-  </dgm:styleLbl>
-  <dgm:styleLbl name="conFgAcc1">
-    <dgm:scene3d>
-      <a:camera prst="orthographicFront"/>
-      <a:lightRig rig="threePt" dir="t"/>
-    </dgm:scene3d>
-    <dgm:sp3d/>
-    <dgm:txPr/>
-    <dgm:style>
-      <a:lnRef idx="2">
-        <a:scrgbClr r="0" g="0" b="0"/>
-      </a:lnRef>
-      <a:fillRef idx="1">
-        <a:scrgbClr r="0" g="0" b="0"/>
-      </a:fillRef>
-      <a:effectRef idx="0">
-        <a:scrgbClr r="0" g="0" b="0"/>
-      </a:effectRef>
-      <a:fontRef idx="minor"/>
-    </dgm:style>
-  </dgm:styleLbl>
-  <dgm:styleLbl name="alignAcc1">
-    <dgm:scene3d>
-      <a:camera prst="orthographicFront"/>
-      <a:lightRig rig="threePt" dir="t"/>
-    </dgm:scene3d>
-    <dgm:sp3d/>
-    <dgm:txPr/>
-    <dgm:style>
-      <a:lnRef idx="2">
-        <a:scrgbClr r="0" g="0" b="0"/>
-      </a:lnRef>
-      <a:fillRef idx="1">
-        <a:scrgbClr r="0" g="0" b="0"/>
-      </a:fillRef>
-      <a:effectRef idx="0">
-        <a:scrgbClr r="0" g="0" b="0"/>
-      </a:effectRef>
-      <a:fontRef idx="minor"/>
-    </dgm:style>
-  </dgm:styleLbl>
-  <dgm:styleLbl name="trAlignAcc1">
-    <dgm:scene3d>
-      <a:camera prst="orthographicFront"/>
-      <a:lightRig rig="threePt" dir="t"/>
-    </dgm:scene3d>
-    <dgm:sp3d/>
-    <dgm:txPr/>
-    <dgm:style>
-      <a:lnRef idx="1">
-        <a:scrgbClr r="0" g="0" b="0"/>
-      </a:lnRef>
-      <a:fillRef idx="1">
-        <a:scrgbClr r="0" g="0" b="0"/>
-      </a:fillRef>
-      <a:effectRef idx="0">
-        <a:scrgbClr r="0" g="0" b="0"/>
-      </a:effectRef>
-      <a:fontRef idx="minor"/>
-    </dgm:style>
-  </dgm:styleLbl>
-  <dgm:styleLbl name="bgAcc1">
-    <dgm:scene3d>
-      <a:camera prst="orthographicFront"/>
-      <a:lightRig rig="threePt" dir="t"/>
-    </dgm:scene3d>
-    <dgm:sp3d/>
-    <dgm:txPr/>
-    <dgm:style>
-      <a:lnRef idx="2">
-        <a:scrgbClr r="0" g="0" b="0"/>
-      </a:lnRef>
-      <a:fillRef idx="1">
-        <a:scrgbClr r="0" g="0" b="0"/>
-      </a:fillRef>
-      <a:effectRef idx="0">
-        <a:scrgbClr r="0" g="0" b="0"/>
-      </a:effectRef>
-      <a:fontRef idx="minor"/>
-    </dgm:style>
-  </dgm:styleLbl>
-  <dgm:styleLbl name="solidFgAcc1">
-    <dgm:scene3d>
-      <a:camera prst="orthographicFront"/>
-      <a:lightRig rig="threePt" dir="t"/>
-    </dgm:scene3d>
-    <dgm:sp3d/>
-    <dgm:txPr/>
-    <dgm:style>
-      <a:lnRef idx="2">
-        <a:scrgbClr r="0" g="0" b="0"/>
-      </a:lnRef>
-      <a:fillRef idx="1">
-        <a:scrgbClr r="0" g="0" b="0"/>
-      </a:fillRef>
-      <a:effectRef idx="0">
-        <a:scrgbClr r="0" g="0" b="0"/>
-      </a:effectRef>
-      <a:fontRef idx="minor"/>
-    </dgm:style>
-  </dgm:styleLbl>
-  <dgm:styleLbl name="solidAlignAcc1">
-    <dgm:scene3d>
-      <a:camera prst="orthographicFront"/>
-      <a:lightRig rig="threePt" dir="t"/>
-    </dgm:scene3d>
-    <dgm:sp3d/>
-    <dgm:txPr/>
-    <dgm:style>
-      <a:lnRef idx="2">
-        <a:scrgbClr r="0" g="0" b="0"/>
-      </a:lnRef>
-      <a:fillRef idx="1">
-        <a:scrgbClr r="0" g="0" b="0"/>
-      </a:fillRef>
-      <a:effectRef idx="0">
-        <a:scrgbClr r="0" g="0" b="0"/>
-      </a:effectRef>
-      <a:fontRef idx="minor"/>
-    </dgm:style>
-  </dgm:styleLbl>
-  <dgm:styleLbl name="solidBgAcc1">
-    <dgm:scene3d>
-      <a:camera prst="orthographicFront"/>
-      <a:lightRig rig="threePt" dir="t"/>
-    </dgm:scene3d>
-    <dgm:sp3d/>
-    <dgm:txPr/>
-    <dgm:style>
-      <a:lnRef idx="2">
-        <a:scrgbClr r="0" g="0" b="0"/>
-      </a:lnRef>
-      <a:fillRef idx="1">
-        <a:scrgbClr r="0" g="0" b="0"/>
-      </a:fillRef>
-      <a:effectRef idx="0">
-        <a:scrgbClr r="0" g="0" b="0"/>
-      </a:effectRef>
-      <a:fontRef idx="minor"/>
-    </dgm:style>
-  </dgm:styleLbl>
-  <dgm:styleLbl name="fgAccFollowNode1">
-    <dgm:scene3d>
-      <a:camera prst="orthographicFront"/>
-      <a:lightRig rig="threePt" dir="t"/>
-    </dgm:scene3d>
-    <dgm:sp3d/>
-    <dgm:txPr/>
-    <dgm:style>
-      <a:lnRef idx="2">
-        <a:scrgbClr r="0" g="0" b="0"/>
-      </a:lnRef>
-      <a:fillRef idx="1">
-        <a:scrgbClr r="0" g="0" b="0"/>
-      </a:fillRef>
-      <a:effectRef idx="0">
-        <a:scrgbClr r="0" g="0" b="0"/>
-      </a:effectRef>
-      <a:fontRef idx="minor"/>
-    </dgm:style>
-  </dgm:styleLbl>
-  <dgm:styleLbl name="alignAccFollowNode1">
-    <dgm:scene3d>
-      <a:camera prst="orthographicFront"/>
-      <a:lightRig rig="threePt" dir="t"/>
-    </dgm:scene3d>
-    <dgm:sp3d/>
-    <dgm:txPr/>
-    <dgm:style>
-      <a:lnRef idx="2">
-        <a:scrgbClr r="0" g="0" b="0"/>
-      </a:lnRef>
-      <a:fillRef idx="1">
-        <a:scrgbClr r="0" g="0" b="0"/>
-      </a:fillRef>
-      <a:effectRef idx="0">
-        <a:scrgbClr r="0" g="0" b="0"/>
-      </a:effectRef>
-      <a:fontRef idx="minor"/>
-    </dgm:style>
-  </dgm:styleLbl>
-  <dgm:styleLbl name="bgAccFollowNode1">
-    <dgm:scene3d>
-      <a:camera prst="orthographicFront"/>
-      <a:lightRig rig="threePt" dir="t"/>
-    </dgm:scene3d>
-    <dgm:sp3d/>
-    <dgm:txPr/>
-    <dgm:style>
-      <a:lnRef idx="2">
-        <a:scrgbClr r="0" g="0" b="0"/>
-      </a:lnRef>
-      <a:fillRef idx="1">
-        <a:scrgbClr r="0" g="0" b="0"/>
-      </a:fillRef>
-      <a:effectRef idx="0">
-        <a:scrgbClr r="0" g="0" b="0"/>
-      </a:effectRef>
-      <a:fontRef idx="minor"/>
-    </dgm:style>
-  </dgm:styleLbl>
-  <dgm:styleLbl name="fgAcc0">
-    <dgm:scene3d>
-      <a:camera prst="orthographicFront"/>
-      <a:lightRig rig="threePt" dir="t"/>
-    </dgm:scene3d>
-    <dgm:sp3d/>
-    <dgm:txPr/>
-    <dgm:style>
-      <a:lnRef idx="2">
-        <a:scrgbClr r="0" g="0" b="0"/>
-      </a:lnRef>
-      <a:fillRef idx="1">
-        <a:scrgbClr r="0" g="0" b="0"/>
-      </a:fillRef>
-      <a:effectRef idx="0">
-        <a:scrgbClr r="0" g="0" b="0"/>
-      </a:effectRef>
-      <a:fontRef idx="minor"/>
-    </dgm:style>
-  </dgm:styleLbl>
-  <dgm:styleLbl name="fgAcc2">
-    <dgm:scene3d>
-      <a:camera prst="orthographicFront"/>
-      <a:lightRig rig="threePt" dir="t"/>
-    </dgm:scene3d>
-    <dgm:sp3d/>
-    <dgm:txPr/>
-    <dgm:style>
-      <a:lnRef idx="2">
-        <a:scrgbClr r="0" g="0" b="0"/>
-      </a:lnRef>
-      <a:fillRef idx="1">
-        <a:scrgbClr r="0" g="0" b="0"/>
-      </a:fillRef>
-      <a:effectRef idx="0">
-        <a:scrgbClr r="0" g="0" b="0"/>
-      </a:effectRef>
-      <a:fontRef idx="minor"/>
-    </dgm:style>
-  </dgm:styleLbl>
-  <dgm:styleLbl name="fgAcc3">
-    <dgm:scene3d>
-      <a:camera prst="orthographicFront"/>
-      <a:lightRig rig="threePt" dir="t"/>
-    </dgm:scene3d>
-    <dgm:sp3d/>
-    <dgm:txPr/>
-    <dgm:style>
-      <a:lnRef idx="2">
-        <a:scrgbClr r="0" g="0" b="0"/>
-      </a:lnRef>
-      <a:fillRef idx="1">
-        <a:scrgbClr r="0" g="0" b="0"/>
-      </a:fillRef>
-      <a:effectRef idx="0">
-        <a:scrgbClr r="0" g="0" b="0"/>
-      </a:effectRef>
-      <a:fontRef idx="minor"/>
-    </dgm:style>
-  </dgm:styleLbl>
-  <dgm:styleLbl name="fgAcc4">
-    <dgm:scene3d>
-      <a:camera prst="orthographicFront"/>
-      <a:lightRig rig="threePt" dir="t"/>
-    </dgm:scene3d>
-    <dgm:sp3d/>
-    <dgm:txPr/>
-    <dgm:style>
-      <a:lnRef idx="2">
-        <a:scrgbClr r="0" g="0" b="0"/>
-      </a:lnRef>
-      <a:fillRef idx="1">
-        <a:scrgbClr r="0" g="0" b="0"/>
-      </a:fillRef>
-      <a:effectRef idx="0">
-        <a:scrgbClr r="0" g="0" b="0"/>
-      </a:effectRef>
-      <a:fontRef idx="minor"/>
-    </dgm:style>
-  </dgm:styleLbl>
-  <dgm:styleLbl name="bgShp">
-    <dgm:scene3d>
-      <a:camera prst="orthographicFront"/>
-      <a:lightRig rig="threePt" dir="t"/>
-    </dgm:scene3d>
-    <dgm:sp3d/>
-    <dgm:txPr/>
-    <dgm:style>
-      <a:lnRef idx="0">
-        <a:scrgbClr r="0" g="0" b="0"/>
-      </a:lnRef>
-      <a:fillRef idx="1">
-        <a:scrgbClr r="0" g="0" b="0"/>
-      </a:fillRef>
-      <a:effectRef idx="0">
-        <a:scrgbClr r="0" g="0" b="0"/>
-      </a:effectRef>
-      <a:fontRef idx="minor"/>
-    </dgm:style>
-  </dgm:styleLbl>
-  <dgm:styleLbl name="dkBgShp">
-    <dgm:scene3d>
-      <a:camera prst="orthographicFront"/>
-      <a:lightRig rig="threePt" dir="t"/>
-    </dgm:scene3d>
-    <dgm:sp3d/>
-    <dgm:txPr/>
-    <dgm:style>
-      <a:lnRef idx="0">
-        <a:scrgbClr r="0" g="0" b="0"/>
-      </a:lnRef>
-      <a:fillRef idx="1">
-        <a:scrgbClr r="0" g="0" b="0"/>
-      </a:fillRef>
-      <a:effectRef idx="0">
-        <a:scrgbClr r="0" g="0" b="0"/>
-      </a:effectRef>
-      <a:fontRef idx="minor"/>
-    </dgm:style>
-  </dgm:styleLbl>
-  <dgm:styleLbl name="trBgShp">
-    <dgm:scene3d>
-      <a:camera prst="orthographicFront"/>
-      <a:lightRig rig="threePt" dir="t"/>
-    </dgm:scene3d>
-    <dgm:sp3d/>
-    <dgm:txPr/>
-    <dgm:style>
-      <a:lnRef idx="0">
-        <a:scrgbClr r="0" g="0" b="0"/>
-      </a:lnRef>
-      <a:fillRef idx="1">
-        <a:scrgbClr r="0" g="0" b="0"/>
-      </a:fillRef>
-      <a:effectRef idx="0">
-        <a:scrgbClr r="0" g="0" b="0"/>
-      </a:effectRef>
-      <a:fontRef idx="minor"/>
-    </dgm:style>
-  </dgm:styleLbl>
-  <dgm:styleLbl name="fgShp">
-    <dgm:scene3d>
-      <a:camera prst="orthographicFront"/>
-      <a:lightRig rig="threePt" dir="t"/>
-    </dgm:scene3d>
-    <dgm:sp3d/>
-    <dgm:txPr/>
-    <dgm:style>
-      <a:lnRef idx="2">
-        <a:scrgbClr r="0" g="0" b="0"/>
-      </a:lnRef>
-      <a:fillRef idx="1">
-        <a:scrgbClr r="0" g="0" b="0"/>
-      </a:fillRef>
-      <a:effectRef idx="0">
-        <a:scrgbClr r="0" g="0" b="0"/>
-      </a:effectRef>
-      <a:fontRef idx="minor"/>
-    </dgm:style>
-  </dgm:styleLbl>
-  <dgm:styleLbl name="revTx">
-    <dgm:scene3d>
-      <a:camera prst="orthographicFront"/>
-      <a:lightRig rig="threePt" dir="t"/>
-    </dgm:scene3d>
-    <dgm:sp3d/>
-    <dgm:txPr/>
-    <dgm:style>
-      <a:lnRef idx="0">
-        <a:scrgbClr r="0" g="0" b="0"/>
-      </a:lnRef>
-      <a:fillRef idx="0">
-        <a:scrgbClr r="0" g="0" b="0"/>
-      </a:fillRef>
-      <a:effectRef idx="0">
-        <a:scrgbClr r="0" g="0" b="0"/>
-      </a:effectRef>
-      <a:fontRef idx="minor"/>
-    </dgm:style>
-  </dgm:styleLbl>
-</dgm:styleDef>
 </file>
 
 <file path=ppt/slideLayouts/slideLayout1.xml><?xml version="1.0" encoding="utf-8"?>
@@ -7023,7 +4061,7 @@
       </p:grpSpPr>
       <p:sp>
         <p:nvSpPr>
-          <p:cNvPr id="7170" name="Titre 3"/>
+          <p:cNvPr id="5122" name="Titre 1"/>
           <p:cNvSpPr>
             <a:spLocks noGrp="1"/>
           </p:cNvSpPr>
@@ -7033,8 +4071,8 @@
         </p:nvSpPr>
         <p:spPr>
           <a:xfrm>
-            <a:off x="857250" y="2643188"/>
-            <a:ext cx="4143375" cy="1143000"/>
+            <a:off x="2528888" y="214313"/>
+            <a:ext cx="6615112" cy="1143000"/>
           </a:xfrm>
         </p:spPr>
         <p:txBody>
@@ -7043,20 +4081,26 @@
           <a:p>
             <a:pPr algn="l" eaLnBrk="1" hangingPunct="1"/>
             <a:r>
-              <a:rPr lang="fr-CA" altLang="zh-CN" smtClean="0">
+              <a:rPr lang="fr-CA" altLang="zh-CN" dirty="0" smtClean="0">
                 <a:solidFill>
                   <a:schemeClr val="bg1"/>
                 </a:solidFill>
                 <a:latin typeface="FFF Tusj" pitchFamily="18" charset="0"/>
               </a:rPr>
-              <a:t>Register page</a:t>
-            </a:r>
+              <a:t>Gannt Chart</a:t>
+            </a:r>
+            <a:endParaRPr lang="fr-CA" altLang="zh-CN" dirty="0" smtClean="0">
+              <a:solidFill>
+                <a:schemeClr val="bg1"/>
+              </a:solidFill>
+              <a:latin typeface="FFF Tusj" pitchFamily="18" charset="0"/>
+            </a:endParaRPr>
           </a:p>
         </p:txBody>
       </p:sp>
       <p:sp>
         <p:nvSpPr>
-          <p:cNvPr id="7171" name="Espace réservé du contenu 4"/>
+          <p:cNvPr id="5123" name="Espace réservé du contenu 2"/>
           <p:cNvSpPr>
             <a:spLocks noGrp="1"/>
           </p:cNvSpPr>
@@ -7066,27 +4110,140 @@
         </p:nvSpPr>
         <p:spPr>
           <a:xfrm>
-            <a:off x="457200" y="3643313"/>
-            <a:ext cx="8229600" cy="2928937"/>
+            <a:off x="2528888" y="1412776"/>
+            <a:ext cx="6615112" cy="4525962"/>
           </a:xfrm>
         </p:spPr>
         <p:txBody>
           <a:bodyPr/>
           <a:lstStyle/>
           <a:p>
-            <a:pPr eaLnBrk="1" hangingPunct="1"/>
-            <a:r>
-              <a:rPr lang="fr-CA" altLang="zh-CN" sz="2800" smtClean="0">
-                <a:solidFill>
-                  <a:schemeClr val="bg1"/>
-                </a:solidFill>
-              </a:rPr>
-              <a:t>picture</a:t>
-            </a:r>
+            <a:pPr marL="0" indent="0" eaLnBrk="1" hangingPunct="1">
+              <a:buFont typeface="Arial" charset="0"/>
+              <a:buNone/>
+            </a:pPr>
+            <a:endParaRPr lang="fr-CA" altLang="zh-CN" sz="2400" dirty="0" smtClean="0">
+              <a:solidFill>
+                <a:schemeClr val="bg1"/>
+              </a:solidFill>
+            </a:endParaRPr>
           </a:p>
         </p:txBody>
       </p:sp>
+      <p:pic>
+        <p:nvPicPr>
+          <p:cNvPr id="4" name="Picture 2"/>
+          <p:cNvPicPr>
+            <a:picLocks noChangeAspect="1" noChangeArrowheads="1"/>
+          </p:cNvPicPr>
+          <p:nvPr/>
+        </p:nvPicPr>
+        <p:blipFill>
+          <a:blip r:embed="rId3">
+            <a:extLst>
+              <a:ext uri="{28A0092B-C50C-407E-A947-70E740481C1C}">
+                <a14:useLocalDpi xmlns:a14="http://schemas.microsoft.com/office/drawing/2010/main" val="0"/>
+              </a:ext>
+            </a:extLst>
+          </a:blip>
+          <a:srcRect/>
+          <a:stretch>
+            <a:fillRect/>
+          </a:stretch>
+        </p:blipFill>
+        <p:spPr bwMode="auto">
+          <a:xfrm>
+            <a:off x="2555778" y="3611017"/>
+            <a:ext cx="6297834" cy="2482279"/>
+          </a:xfrm>
+          <a:prstGeom prst="rect">
+            <a:avLst/>
+          </a:prstGeom>
+          <a:noFill/>
+          <a:ln>
+            <a:noFill/>
+          </a:ln>
+          <a:extLst>
+            <a:ext uri="{909E8E84-426E-40DD-AFC4-6F175D3DCCD1}">
+              <a14:hiddenFill xmlns:a14="http://schemas.microsoft.com/office/drawing/2010/main">
+                <a:solidFill>
+                  <a:schemeClr val="accent1"/>
+                </a:solidFill>
+              </a14:hiddenFill>
+            </a:ext>
+            <a:ext uri="{91240B29-F687-4F45-9708-019B960494DF}">
+              <a14:hiddenLine xmlns:a14="http://schemas.microsoft.com/office/drawing/2010/main" w="9525">
+                <a:solidFill>
+                  <a:schemeClr val="tx1"/>
+                </a:solidFill>
+                <a:miter lim="800000"/>
+                <a:headEnd/>
+                <a:tailEnd/>
+              </a14:hiddenLine>
+            </a:ext>
+          </a:extLst>
+        </p:spPr>
+      </p:pic>
+      <p:pic>
+        <p:nvPicPr>
+          <p:cNvPr id="5" name="Picture 8"/>
+          <p:cNvPicPr>
+            <a:picLocks noChangeAspect="1" noChangeArrowheads="1"/>
+          </p:cNvPicPr>
+          <p:nvPr/>
+        </p:nvPicPr>
+        <p:blipFill>
+          <a:blip r:embed="rId4">
+            <a:extLst>
+              <a:ext uri="{28A0092B-C50C-407E-A947-70E740481C1C}">
+                <a14:useLocalDpi xmlns:a14="http://schemas.microsoft.com/office/drawing/2010/main" val="0"/>
+              </a:ext>
+            </a:extLst>
+          </a:blip>
+          <a:srcRect/>
+          <a:stretch>
+            <a:fillRect/>
+          </a:stretch>
+        </p:blipFill>
+        <p:spPr bwMode="auto">
+          <a:xfrm>
+            <a:off x="2528037" y="1484784"/>
+            <a:ext cx="6325575" cy="1957509"/>
+          </a:xfrm>
+          <a:prstGeom prst="rect">
+            <a:avLst/>
+          </a:prstGeom>
+          <a:noFill/>
+          <a:ln>
+            <a:noFill/>
+          </a:ln>
+          <a:extLst>
+            <a:ext uri="{909E8E84-426E-40DD-AFC4-6F175D3DCCD1}">
+              <a14:hiddenFill xmlns:a14="http://schemas.microsoft.com/office/drawing/2010/main">
+                <a:solidFill>
+                  <a:schemeClr val="accent1"/>
+                </a:solidFill>
+              </a14:hiddenFill>
+            </a:ext>
+            <a:ext uri="{91240B29-F687-4F45-9708-019B960494DF}">
+              <a14:hiddenLine xmlns:a14="http://schemas.microsoft.com/office/drawing/2010/main" w="9525">
+                <a:solidFill>
+                  <a:schemeClr val="tx1"/>
+                </a:solidFill>
+                <a:miter lim="800000"/>
+                <a:headEnd/>
+                <a:tailEnd/>
+              </a14:hiddenLine>
+            </a:ext>
+          </a:extLst>
+        </p:spPr>
+      </p:pic>
     </p:spTree>
+    <p:extLst>
+      <p:ext uri="{BB962C8B-B14F-4D97-AF65-F5344CB8AC3E}">
+        <p14:creationId xmlns:p14="http://schemas.microsoft.com/office/powerpoint/2010/main" val="1338142244"/>
+      </p:ext>
+    </p:extLst>
   </p:cSld>
   <p:clrMapOvr>
     <a:masterClrMapping/>
@@ -7132,7 +4289,7 @@
       </p:grpSpPr>
       <p:sp>
         <p:nvSpPr>
-          <p:cNvPr id="8194" name="Titre 3"/>
+          <p:cNvPr id="5122" name="Titre 1"/>
           <p:cNvSpPr>
             <a:spLocks noGrp="1"/>
           </p:cNvSpPr>
@@ -7142,8 +4299,8 @@
         </p:nvSpPr>
         <p:spPr>
           <a:xfrm>
-            <a:off x="857250" y="2643188"/>
-            <a:ext cx="4143375" cy="1143000"/>
+            <a:off x="2528888" y="214313"/>
+            <a:ext cx="6615112" cy="1143000"/>
           </a:xfrm>
         </p:spPr>
         <p:txBody>
@@ -7152,20 +4309,26 @@
           <a:p>
             <a:pPr algn="l" eaLnBrk="1" hangingPunct="1"/>
             <a:r>
-              <a:rPr lang="fr-CA" altLang="zh-CN" smtClean="0">
+              <a:rPr lang="fr-CA" altLang="zh-CN">
                 <a:solidFill>
                   <a:schemeClr val="bg1"/>
                 </a:solidFill>
                 <a:latin typeface="FFF Tusj" pitchFamily="18" charset="0"/>
               </a:rPr>
-              <a:t>Log in </a:t>
-            </a:r>
+              <a:t>Work Division</a:t>
+            </a:r>
+            <a:endParaRPr lang="fr-CA" altLang="zh-CN" dirty="0" smtClean="0">
+              <a:solidFill>
+                <a:schemeClr val="bg1"/>
+              </a:solidFill>
+              <a:latin typeface="FFF Tusj" pitchFamily="18" charset="0"/>
+            </a:endParaRPr>
           </a:p>
         </p:txBody>
       </p:sp>
       <p:sp>
         <p:nvSpPr>
-          <p:cNvPr id="8195" name="Espace réservé du contenu 4"/>
+          <p:cNvPr id="5123" name="Espace réservé du contenu 2"/>
           <p:cNvSpPr>
             <a:spLocks noGrp="1"/>
           </p:cNvSpPr>
@@ -7175,27 +4338,201 @@
         </p:nvSpPr>
         <p:spPr>
           <a:xfrm>
-            <a:off x="457200" y="3643313"/>
-            <a:ext cx="8229600" cy="2928937"/>
+            <a:off x="2528888" y="1412776"/>
+            <a:ext cx="6615112" cy="4525962"/>
           </a:xfrm>
         </p:spPr>
         <p:txBody>
           <a:bodyPr/>
           <a:lstStyle/>
           <a:p>
-            <a:pPr eaLnBrk="1" hangingPunct="1"/>
-            <a:r>
-              <a:rPr lang="fr-CA" altLang="zh-CN" sz="2800" smtClean="0">
+            <a:pPr eaLnBrk="1" hangingPunct="1">
+              <a:defRPr/>
+            </a:pPr>
+            <a:r>
+              <a:rPr lang="fr-CA" altLang="zh-CN" sz="2000" dirty="0">
                 <a:solidFill>
                   <a:schemeClr val="bg1"/>
                 </a:solidFill>
               </a:rPr>
-              <a:t>picture. </a:t>
-            </a:r>
+              <a:t>Ying Wang</a:t>
+            </a:r>
+          </a:p>
+          <a:p>
+            <a:pPr lvl="1" eaLnBrk="1" hangingPunct="1">
+              <a:defRPr/>
+            </a:pPr>
+            <a:r>
+              <a:rPr lang="fr-CA" altLang="zh-CN" sz="2000" dirty="0">
+                <a:solidFill>
+                  <a:schemeClr val="bg1"/>
+                </a:solidFill>
+              </a:rPr>
+              <a:t>User interface design and implementation.</a:t>
+            </a:r>
+          </a:p>
+          <a:p>
+            <a:pPr lvl="1" eaLnBrk="1" hangingPunct="1">
+              <a:defRPr/>
+            </a:pPr>
+            <a:r>
+              <a:rPr lang="fr-CA" altLang="zh-CN" sz="2000" dirty="0">
+                <a:solidFill>
+                  <a:schemeClr val="bg1"/>
+                </a:solidFill>
+              </a:rPr>
+              <a:t>Gather information for the contents and enrich the database.</a:t>
+            </a:r>
+          </a:p>
+          <a:p>
+            <a:pPr eaLnBrk="1" hangingPunct="1">
+              <a:defRPr/>
+            </a:pPr>
+            <a:r>
+              <a:rPr lang="fr-CA" altLang="zh-CN" sz="2000" dirty="0">
+                <a:solidFill>
+                  <a:schemeClr val="bg1"/>
+                </a:solidFill>
+              </a:rPr>
+              <a:t>Congrui Xu</a:t>
+            </a:r>
+          </a:p>
+          <a:p>
+            <a:pPr lvl="1" eaLnBrk="1" hangingPunct="1">
+              <a:defRPr/>
+            </a:pPr>
+            <a:r>
+              <a:rPr lang="fr-CA" altLang="zh-CN" sz="2000" dirty="0">
+                <a:solidFill>
+                  <a:schemeClr val="bg1"/>
+                </a:solidFill>
+              </a:rPr>
+              <a:t>Login function and friends function.</a:t>
+            </a:r>
+          </a:p>
+          <a:p>
+            <a:pPr lvl="1" eaLnBrk="1" hangingPunct="1">
+              <a:defRPr/>
+            </a:pPr>
+            <a:r>
+              <a:rPr lang="fr-CA" altLang="zh-CN" sz="2000" dirty="0">
+                <a:solidFill>
+                  <a:schemeClr val="bg1"/>
+                </a:solidFill>
+              </a:rPr>
+              <a:t>Testing</a:t>
+            </a:r>
+          </a:p>
+          <a:p>
+            <a:pPr eaLnBrk="1" hangingPunct="1">
+              <a:defRPr/>
+            </a:pPr>
+            <a:r>
+              <a:rPr lang="fr-CA" altLang="zh-CN" sz="2000" dirty="0">
+                <a:solidFill>
+                  <a:schemeClr val="bg1"/>
+                </a:solidFill>
+              </a:rPr>
+              <a:t>Tong Liu</a:t>
+            </a:r>
+          </a:p>
+          <a:p>
+            <a:pPr lvl="1" eaLnBrk="1" hangingPunct="1">
+              <a:defRPr/>
+            </a:pPr>
+            <a:r>
+              <a:rPr lang="fr-CA" altLang="zh-CN" sz="2000" dirty="0">
+                <a:solidFill>
+                  <a:schemeClr val="bg1"/>
+                </a:solidFill>
+              </a:rPr>
+              <a:t>Design and maintain the database for user imformation</a:t>
+            </a:r>
+          </a:p>
+          <a:p>
+            <a:pPr lvl="1" eaLnBrk="1" hangingPunct="1">
+              <a:defRPr/>
+            </a:pPr>
+            <a:r>
+              <a:rPr lang="fr-CA" altLang="zh-CN" sz="2000" dirty="0">
+                <a:solidFill>
+                  <a:schemeClr val="bg1"/>
+                </a:solidFill>
+              </a:rPr>
+              <a:t>Design databse for travel blog and photos</a:t>
+            </a:r>
+          </a:p>
+          <a:p>
+            <a:pPr eaLnBrk="1" hangingPunct="1">
+              <a:defRPr/>
+            </a:pPr>
+            <a:r>
+              <a:rPr lang="fr-CA" altLang="zh-CN" sz="2000" dirty="0">
+                <a:solidFill>
+                  <a:schemeClr val="bg1"/>
+                </a:solidFill>
+              </a:rPr>
+              <a:t>Shaobin Ding</a:t>
+            </a:r>
+          </a:p>
+          <a:p>
+            <a:pPr lvl="1" eaLnBrk="1" hangingPunct="1">
+              <a:defRPr/>
+            </a:pPr>
+            <a:r>
+              <a:rPr lang="fr-CA" altLang="zh-CN" sz="2000" dirty="0">
+                <a:solidFill>
+                  <a:schemeClr val="bg1"/>
+                </a:solidFill>
+              </a:rPr>
+              <a:t>Progaming for main page and personal pages</a:t>
+            </a:r>
+          </a:p>
+          <a:p>
+            <a:pPr lvl="1" eaLnBrk="1" hangingPunct="1">
+              <a:defRPr/>
+            </a:pPr>
+            <a:r>
+              <a:rPr lang="fr-CA" altLang="zh-CN" sz="2000" dirty="0">
+                <a:solidFill>
+                  <a:schemeClr val="bg1"/>
+                </a:solidFill>
+              </a:rPr>
+              <a:t>Design the structure of travel blog</a:t>
+            </a:r>
+          </a:p>
+          <a:p>
+            <a:pPr lvl="1" eaLnBrk="1" hangingPunct="1">
+              <a:defRPr/>
+            </a:pPr>
+            <a:r>
+              <a:rPr lang="fr-CA" altLang="zh-CN" sz="2000" dirty="0">
+                <a:solidFill>
+                  <a:schemeClr val="bg1"/>
+                </a:solidFill>
+              </a:rPr>
+              <a:t>Comment function</a:t>
+            </a:r>
+          </a:p>
+          <a:p>
+            <a:pPr marL="0" indent="0" eaLnBrk="1" hangingPunct="1">
+              <a:buNone/>
+              <a:defRPr/>
+            </a:pPr>
+            <a:endParaRPr lang="fr-CA" altLang="zh-CN" sz="2000" dirty="0">
+              <a:solidFill>
+                <a:schemeClr val="bg1"/>
+              </a:solidFill>
+            </a:endParaRPr>
           </a:p>
         </p:txBody>
       </p:sp>
     </p:spTree>
+    <p:extLst>
+      <p:ext uri="{BB962C8B-B14F-4D97-AF65-F5344CB8AC3E}">
+        <p14:creationId xmlns:p14="http://schemas.microsoft.com/office/powerpoint/2010/main" val="4245606113"/>
+      </p:ext>
+    </p:extLst>
   </p:cSld>
   <p:clrMapOvr>
     <a:masterClrMapping/>
@@ -7241,7 +4578,7 @@
       </p:grpSpPr>
       <p:sp>
         <p:nvSpPr>
-          <p:cNvPr id="9218" name="Titre 3"/>
+          <p:cNvPr id="18434" name="Titre 3"/>
           <p:cNvSpPr>
             <a:spLocks noGrp="1"/>
           </p:cNvSpPr>
@@ -7251,8 +4588,8 @@
         </p:nvSpPr>
         <p:spPr>
           <a:xfrm>
-            <a:off x="857250" y="2643188"/>
-            <a:ext cx="6954838" cy="1143000"/>
+            <a:off x="755576" y="332656"/>
+            <a:ext cx="7099126" cy="1143000"/>
           </a:xfrm>
         </p:spPr>
         <p:txBody>
@@ -7261,20 +4598,26 @@
           <a:p>
             <a:pPr algn="l" eaLnBrk="1" hangingPunct="1"/>
             <a:r>
-              <a:rPr lang="fr-CA" altLang="zh-CN" smtClean="0">
+              <a:rPr lang="fr-CA" altLang="zh-CN" dirty="0" smtClean="0">
                 <a:solidFill>
                   <a:schemeClr val="bg1"/>
                 </a:solidFill>
                 <a:latin typeface="FFF Tusj" pitchFamily="18" charset="0"/>
               </a:rPr>
-              <a:t>Personal Footprint(Cont..)</a:t>
-            </a:r>
+              <a:t>Work Division</a:t>
+            </a:r>
+            <a:endParaRPr lang="fr-CA" altLang="zh-CN" dirty="0" smtClean="0">
+              <a:solidFill>
+                <a:schemeClr val="bg1"/>
+              </a:solidFill>
+              <a:latin typeface="FFF Tusj" pitchFamily="18" charset="0"/>
+            </a:endParaRPr>
           </a:p>
         </p:txBody>
       </p:sp>
       <p:sp>
         <p:nvSpPr>
-          <p:cNvPr id="9219" name="Espace réservé du contenu 4"/>
+          <p:cNvPr id="5123" name="Espace réservé du contenu 4"/>
           <p:cNvSpPr>
             <a:spLocks noGrp="1"/>
           </p:cNvSpPr>
@@ -7284,27 +4627,246 @@
         </p:nvSpPr>
         <p:spPr>
           <a:xfrm>
-            <a:off x="457200" y="3643313"/>
-            <a:ext cx="8229600" cy="2928937"/>
+            <a:off x="457200" y="1628801"/>
+            <a:ext cx="8229600" cy="4943450"/>
           </a:xfrm>
         </p:spPr>
         <p:txBody>
           <a:bodyPr/>
           <a:lstStyle/>
           <a:p>
-            <a:pPr eaLnBrk="1" hangingPunct="1"/>
-            <a:r>
-              <a:rPr lang="fr-CA" altLang="zh-CN" sz="2800" smtClean="0">
+            <a:pPr eaLnBrk="1" hangingPunct="1">
+              <a:defRPr/>
+            </a:pPr>
+            <a:r>
+              <a:rPr lang="fr-CA" altLang="zh-CN" sz="2000" dirty="0" smtClean="0">
                 <a:solidFill>
                   <a:schemeClr val="bg1"/>
                 </a:solidFill>
               </a:rPr>
-              <a:t>Picture and text such as location/photo</a:t>
-            </a:r>
+              <a:t>Ying Wang</a:t>
+            </a:r>
+          </a:p>
+          <a:p>
+            <a:pPr lvl="1" eaLnBrk="1" hangingPunct="1">
+              <a:defRPr/>
+            </a:pPr>
+            <a:r>
+              <a:rPr lang="fr-CA" altLang="zh-CN" sz="2000" dirty="0">
+                <a:solidFill>
+                  <a:schemeClr val="bg1"/>
+                </a:solidFill>
+              </a:rPr>
+              <a:t>User interface design and </a:t>
+            </a:r>
+            <a:r>
+              <a:rPr lang="fr-CA" altLang="zh-CN" sz="2000" dirty="0" smtClean="0">
+                <a:solidFill>
+                  <a:schemeClr val="bg1"/>
+                </a:solidFill>
+              </a:rPr>
+              <a:t>implementation.</a:t>
+            </a:r>
+            <a:endParaRPr lang="fr-CA" altLang="zh-CN" sz="2000" dirty="0">
+              <a:solidFill>
+                <a:schemeClr val="bg1"/>
+              </a:solidFill>
+            </a:endParaRPr>
+          </a:p>
+          <a:p>
+            <a:pPr lvl="1" eaLnBrk="1" hangingPunct="1">
+              <a:defRPr/>
+            </a:pPr>
+            <a:r>
+              <a:rPr lang="fr-CA" altLang="zh-CN" sz="2000" dirty="0">
+                <a:solidFill>
+                  <a:schemeClr val="bg1"/>
+                </a:solidFill>
+              </a:rPr>
+              <a:t>Gather information for the contents and </a:t>
+            </a:r>
+            <a:r>
+              <a:rPr lang="fr-CA" altLang="zh-CN" sz="2000" dirty="0" smtClean="0">
+                <a:solidFill>
+                  <a:schemeClr val="bg1"/>
+                </a:solidFill>
+              </a:rPr>
+              <a:t>enrich the database.</a:t>
+            </a:r>
+            <a:endParaRPr lang="fr-CA" altLang="zh-CN" sz="2000" dirty="0" smtClean="0">
+              <a:solidFill>
+                <a:schemeClr val="bg1"/>
+              </a:solidFill>
+            </a:endParaRPr>
+          </a:p>
+          <a:p>
+            <a:pPr eaLnBrk="1" hangingPunct="1">
+              <a:defRPr/>
+            </a:pPr>
+            <a:r>
+              <a:rPr lang="fr-CA" altLang="zh-CN" sz="2000" dirty="0" smtClean="0">
+                <a:solidFill>
+                  <a:schemeClr val="bg1"/>
+                </a:solidFill>
+              </a:rPr>
+              <a:t>Congrui Xu</a:t>
+            </a:r>
+          </a:p>
+          <a:p>
+            <a:pPr lvl="1" eaLnBrk="1" hangingPunct="1">
+              <a:defRPr/>
+            </a:pPr>
+            <a:r>
+              <a:rPr lang="fr-CA" altLang="zh-CN" sz="2000" dirty="0" smtClean="0">
+                <a:solidFill>
+                  <a:schemeClr val="bg1"/>
+                </a:solidFill>
+              </a:rPr>
+              <a:t>Login function and friends function.</a:t>
+            </a:r>
+          </a:p>
+          <a:p>
+            <a:pPr lvl="1" eaLnBrk="1" hangingPunct="1">
+              <a:defRPr/>
+            </a:pPr>
+            <a:r>
+              <a:rPr lang="fr-CA" altLang="zh-CN" sz="2000" dirty="0" smtClean="0">
+                <a:solidFill>
+                  <a:schemeClr val="bg1"/>
+                </a:solidFill>
+              </a:rPr>
+              <a:t>Testing</a:t>
+            </a:r>
+            <a:endParaRPr lang="fr-CA" altLang="zh-CN" sz="2000" dirty="0" smtClean="0">
+              <a:solidFill>
+                <a:schemeClr val="bg1"/>
+              </a:solidFill>
+            </a:endParaRPr>
+          </a:p>
+          <a:p>
+            <a:pPr eaLnBrk="1" hangingPunct="1">
+              <a:defRPr/>
+            </a:pPr>
+            <a:r>
+              <a:rPr lang="fr-CA" altLang="zh-CN" sz="2000" dirty="0" smtClean="0">
+                <a:solidFill>
+                  <a:schemeClr val="bg1"/>
+                </a:solidFill>
+              </a:rPr>
+              <a:t>Tong Liu</a:t>
+            </a:r>
+          </a:p>
+          <a:p>
+            <a:pPr lvl="1" eaLnBrk="1" hangingPunct="1">
+              <a:defRPr/>
+            </a:pPr>
+            <a:r>
+              <a:rPr lang="fr-CA" altLang="zh-CN" sz="2000" dirty="0">
+                <a:solidFill>
+                  <a:schemeClr val="bg1"/>
+                </a:solidFill>
+              </a:rPr>
+              <a:t>Design and maintain the database for user imformation</a:t>
+            </a:r>
+          </a:p>
+          <a:p>
+            <a:pPr lvl="1" eaLnBrk="1" hangingPunct="1">
+              <a:defRPr/>
+            </a:pPr>
+            <a:r>
+              <a:rPr lang="fr-CA" altLang="zh-CN" sz="2000" dirty="0" smtClean="0">
+                <a:solidFill>
+                  <a:schemeClr val="bg1"/>
+                </a:solidFill>
+              </a:rPr>
+              <a:t>Design databse for travel blog and photos</a:t>
+            </a:r>
+          </a:p>
+          <a:p>
+            <a:pPr eaLnBrk="1" hangingPunct="1">
+              <a:defRPr/>
+            </a:pPr>
+            <a:r>
+              <a:rPr lang="fr-CA" altLang="zh-CN" sz="2000" dirty="0" smtClean="0">
+                <a:solidFill>
+                  <a:schemeClr val="bg1"/>
+                </a:solidFill>
+              </a:rPr>
+              <a:t>Shaobin Ding</a:t>
+            </a:r>
+          </a:p>
+          <a:p>
+            <a:pPr lvl="1" eaLnBrk="1" hangingPunct="1">
+              <a:defRPr/>
+            </a:pPr>
+            <a:r>
+              <a:rPr lang="fr-CA" altLang="zh-CN" sz="2000" dirty="0">
+                <a:solidFill>
+                  <a:schemeClr val="bg1"/>
+                </a:solidFill>
+              </a:rPr>
+              <a:t>Progaming for main page and personal pages</a:t>
+            </a:r>
+          </a:p>
+          <a:p>
+            <a:pPr lvl="1" eaLnBrk="1" hangingPunct="1">
+              <a:defRPr/>
+            </a:pPr>
+            <a:r>
+              <a:rPr lang="fr-CA" altLang="zh-CN" sz="2000" dirty="0">
+                <a:solidFill>
+                  <a:schemeClr val="bg1"/>
+                </a:solidFill>
+              </a:rPr>
+              <a:t>Design the structure of travel </a:t>
+            </a:r>
+            <a:r>
+              <a:rPr lang="fr-CA" altLang="zh-CN" sz="2000" dirty="0" smtClean="0">
+                <a:solidFill>
+                  <a:schemeClr val="bg1"/>
+                </a:solidFill>
+              </a:rPr>
+              <a:t>blog</a:t>
+            </a:r>
+          </a:p>
+          <a:p>
+            <a:pPr lvl="1" eaLnBrk="1" hangingPunct="1">
+              <a:defRPr/>
+            </a:pPr>
+            <a:r>
+              <a:rPr lang="fr-CA" altLang="zh-CN" sz="2000" dirty="0" smtClean="0">
+                <a:solidFill>
+                  <a:schemeClr val="bg1"/>
+                </a:solidFill>
+              </a:rPr>
+              <a:t>Comment function</a:t>
+            </a:r>
+            <a:endParaRPr lang="fr-CA" altLang="zh-CN" sz="2000" dirty="0">
+              <a:solidFill>
+                <a:schemeClr val="bg1"/>
+              </a:solidFill>
+            </a:endParaRPr>
+          </a:p>
+          <a:p>
+            <a:pPr marL="0" indent="0" eaLnBrk="1" hangingPunct="1">
+              <a:buFont typeface="Arial" charset="0"/>
+              <a:buNone/>
+              <a:defRPr/>
+            </a:pPr>
+            <a:endParaRPr lang="fr-CA" altLang="zh-CN" sz="2000" dirty="0" smtClean="0">
+              <a:solidFill>
+                <a:schemeClr val="bg1"/>
+              </a:solidFill>
+            </a:endParaRPr>
           </a:p>
         </p:txBody>
       </p:sp>
     </p:spTree>
+    <p:extLst>
+      <p:ext uri="{BB962C8B-B14F-4D97-AF65-F5344CB8AC3E}">
+        <p14:creationId xmlns:p14="http://schemas.microsoft.com/office/powerpoint/2010/main" val="1623065494"/>
+      </p:ext>
+    </p:extLst>
   </p:cSld>
   <p:clrMapOvr>
     <a:masterClrMapping/>
@@ -7350,7 +4912,7 @@
       </p:grpSpPr>
       <p:sp>
         <p:nvSpPr>
-          <p:cNvPr id="10242" name="Titre 3"/>
+          <p:cNvPr id="18434" name="Titre 3"/>
           <p:cNvSpPr>
             <a:spLocks noGrp="1"/>
           </p:cNvSpPr>
@@ -7360,8 +4922,8 @@
         </p:nvSpPr>
         <p:spPr>
           <a:xfrm>
-            <a:off x="857250" y="2643188"/>
-            <a:ext cx="6954838" cy="1143000"/>
+            <a:off x="827584" y="692696"/>
+            <a:ext cx="4143375" cy="1143000"/>
           </a:xfrm>
         </p:spPr>
         <p:txBody>
@@ -7370,20 +4932,26 @@
           <a:p>
             <a:pPr algn="l" eaLnBrk="1" hangingPunct="1"/>
             <a:r>
-              <a:rPr lang="fr-CA" altLang="zh-CN" smtClean="0">
+              <a:rPr lang="fr-CA" altLang="zh-CN" dirty="0" smtClean="0">
                 <a:solidFill>
                   <a:schemeClr val="bg1"/>
                 </a:solidFill>
                 <a:latin typeface="FFF Tusj" pitchFamily="18" charset="0"/>
               </a:rPr>
-              <a:t>Personal Footprint(Cont..)</a:t>
-            </a:r>
+              <a:t>Risk Analysis</a:t>
+            </a:r>
+            <a:endParaRPr lang="fr-CA" altLang="zh-CN" dirty="0" smtClean="0">
+              <a:solidFill>
+                <a:schemeClr val="bg1"/>
+              </a:solidFill>
+              <a:latin typeface="FFF Tusj" pitchFamily="18" charset="0"/>
+            </a:endParaRPr>
           </a:p>
         </p:txBody>
       </p:sp>
       <p:sp>
         <p:nvSpPr>
-          <p:cNvPr id="10243" name="Espace réservé du contenu 4"/>
+          <p:cNvPr id="5123" name="Espace réservé du contenu 4"/>
           <p:cNvSpPr>
             <a:spLocks noGrp="1"/>
           </p:cNvSpPr>
@@ -7393,23 +4961,76 @@
         </p:nvSpPr>
         <p:spPr>
           <a:xfrm>
-            <a:off x="457200" y="3643313"/>
-            <a:ext cx="8229600" cy="2928937"/>
+            <a:off x="457200" y="2564904"/>
+            <a:ext cx="8229600" cy="4007347"/>
           </a:xfrm>
         </p:spPr>
         <p:txBody>
           <a:bodyPr/>
           <a:lstStyle/>
           <a:p>
-            <a:pPr eaLnBrk="1" hangingPunct="1"/>
-            <a:r>
-              <a:rPr lang="fr-CA" altLang="zh-CN" sz="2800" smtClean="0">
+            <a:pPr eaLnBrk="1" hangingPunct="1">
+              <a:defRPr/>
+            </a:pPr>
+            <a:r>
+              <a:rPr lang="fr-CA" altLang="zh-CN" sz="2800" dirty="0" smtClean="0">
                 <a:solidFill>
                   <a:schemeClr val="bg1"/>
                 </a:solidFill>
               </a:rPr>
-              <a:t>Picture and text such as location/photo</a:t>
-            </a:r>
+              <a:t>1 Trip plan function </a:t>
+            </a:r>
+          </a:p>
+          <a:p>
+            <a:pPr eaLnBrk="1" hangingPunct="1">
+              <a:defRPr/>
+            </a:pPr>
+            <a:endParaRPr lang="fr-CA" altLang="zh-CN" sz="2800" dirty="0" smtClean="0">
+              <a:solidFill>
+                <a:schemeClr val="bg1"/>
+              </a:solidFill>
+            </a:endParaRPr>
+          </a:p>
+          <a:p>
+            <a:pPr eaLnBrk="1" hangingPunct="1">
+              <a:defRPr/>
+            </a:pPr>
+            <a:r>
+              <a:rPr lang="fr-CA" altLang="zh-CN" sz="2800" dirty="0" smtClean="0">
+                <a:solidFill>
+                  <a:schemeClr val="bg1"/>
+                </a:solidFill>
+              </a:rPr>
+              <a:t>2 Recommendation function</a:t>
+            </a:r>
+          </a:p>
+          <a:p>
+            <a:pPr eaLnBrk="1" hangingPunct="1">
+              <a:defRPr/>
+            </a:pPr>
+            <a:endParaRPr lang="fr-CA" altLang="zh-CN" sz="2800" dirty="0" smtClean="0">
+              <a:solidFill>
+                <a:schemeClr val="bg1"/>
+              </a:solidFill>
+            </a:endParaRPr>
+          </a:p>
+          <a:p>
+            <a:pPr eaLnBrk="1" hangingPunct="1">
+              <a:defRPr/>
+            </a:pPr>
+            <a:r>
+              <a:rPr lang="fr-CA" altLang="zh-CN" sz="2800" dirty="0" smtClean="0">
+                <a:solidFill>
+                  <a:schemeClr val="bg1"/>
+                </a:solidFill>
+              </a:rPr>
+              <a:t>3 Dynamic news update</a:t>
+            </a:r>
+            <a:endParaRPr lang="fr-CA" altLang="zh-CN" sz="2800" dirty="0" smtClean="0">
+              <a:solidFill>
+                <a:schemeClr val="bg1"/>
+              </a:solidFill>
+            </a:endParaRPr>
           </a:p>
         </p:txBody>
       </p:sp>
@@ -7459,7 +5080,7 @@
       </p:grpSpPr>
       <p:sp>
         <p:nvSpPr>
-          <p:cNvPr id="11266" name="Titre 3"/>
+          <p:cNvPr id="19458" name="Titre 3"/>
           <p:cNvSpPr>
             <a:spLocks noGrp="1"/>
           </p:cNvSpPr>
@@ -7469,15 +5090,15 @@
         </p:nvSpPr>
         <p:spPr>
           <a:xfrm>
-            <a:off x="857250" y="2643188"/>
-            <a:ext cx="4143375" cy="1143000"/>
+            <a:off x="285750" y="1643063"/>
+            <a:ext cx="8229600" cy="1143000"/>
           </a:xfrm>
         </p:spPr>
         <p:txBody>
           <a:bodyPr/>
           <a:lstStyle/>
           <a:p>
-            <a:pPr algn="l" eaLnBrk="1" hangingPunct="1"/>
+            <a:pPr eaLnBrk="1" hangingPunct="1"/>
             <a:r>
               <a:rPr lang="fr-CA" altLang="zh-CN" smtClean="0">
                 <a:solidFill>
@@ -7485,51 +5106,58 @@
                 </a:solidFill>
                 <a:latin typeface="FFF Tusj" pitchFamily="18" charset="0"/>
               </a:rPr>
-              <a:t>Comments</a:t>
+              <a:t>Thank you!</a:t>
             </a:r>
           </a:p>
         </p:txBody>
       </p:sp>
       <p:sp>
         <p:nvSpPr>
-          <p:cNvPr id="11267" name="Espace réservé du contenu 4"/>
-          <p:cNvSpPr>
-            <a:spLocks noGrp="1"/>
+          <p:cNvPr id="6" name="Text Box 4"/>
+          <p:cNvSpPr txBox="1">
+            <a:spLocks noChangeAspect="1" noChangeArrowheads="1"/>
           </p:cNvSpPr>
-          <p:nvPr>
-            <p:ph idx="1"/>
-          </p:nvPr>
+          <p:nvPr/>
         </p:nvSpPr>
-        <p:spPr>
+        <p:spPr bwMode="auto">
           <a:xfrm>
-            <a:off x="457200" y="3643313"/>
-            <a:ext cx="8229600" cy="2928937"/>
+            <a:off x="3357563" y="2143125"/>
+            <a:ext cx="2057400" cy="1101725"/>
           </a:xfrm>
+          <a:prstGeom prst="rect">
+            <a:avLst/>
+          </a:prstGeom>
+          <a:noFill/>
+          <a:ln w="9525">
+            <a:noFill/>
+            <a:miter lim="800000"/>
+            <a:headEnd/>
+            <a:tailEnd/>
+          </a:ln>
+          <a:effectLst/>
         </p:spPr>
         <p:txBody>
-          <a:bodyPr/>
+          <a:bodyPr anchor="ctr" anchorCtr="1"/>
           <a:lstStyle/>
           <a:p>
-            <a:pPr eaLnBrk="1" hangingPunct="1"/>
-            <a:r>
-              <a:rPr lang="fr-CA" altLang="zh-CN" sz="2800" smtClean="0">
-                <a:solidFill>
-                  <a:schemeClr val="bg1"/>
-                </a:solidFill>
-              </a:rPr>
-              <a:t>Lorem ipsum dolor sit amet, consectetuer adipiscing elit. Vivamus et magna. Fusce sed sem sed magna suscipit egestas. </a:t>
-            </a:r>
-          </a:p>
-          <a:p>
-            <a:pPr eaLnBrk="1" hangingPunct="1"/>
-            <a:r>
-              <a:rPr lang="fr-CA" altLang="zh-CN" sz="2800" smtClean="0">
-                <a:solidFill>
-                  <a:schemeClr val="bg1"/>
-                </a:solidFill>
-              </a:rPr>
-              <a:t>Lorem ipsum dolor sit amet, consectetuer adipiscing elit. Vivamus et magna. Fusce sed sem sed magna suscipit egestas. </a:t>
-            </a:r>
+            <a:pPr>
+              <a:spcBef>
+                <a:spcPct val="50000"/>
+              </a:spcBef>
+              <a:defRPr/>
+            </a:pPr>
+            <a:endParaRPr lang="zh-CN" altLang="en-US" sz="2000" b="1" dirty="0">
+              <a:solidFill>
+                <a:schemeClr val="bg1"/>
+              </a:solidFill>
+              <a:effectLst>
+                <a:outerShdw blurRad="38100" dist="38100" dir="2700000" algn="tl">
+                  <a:srgbClr val="C0C0C0"/>
+                </a:outerShdw>
+              </a:effectLst>
+              <a:latin typeface="FFF Tusj" pitchFamily="18" charset="0"/>
+              <a:ea typeface="方正粗活意简体" pitchFamily="65" charset="-122"/>
+            </a:endParaRPr>
           </a:p>
         </p:txBody>
       </p:sp>
@@ -7541,576 +5169,142 @@
   <p:timing>
     <p:tnLst>
       <p:par>
-        <p:cTn id="1" dur="indefinite" restart="never" nodeType="tmRoot"/>
+        <p:cTn id="1" dur="indefinite" restart="never" nodeType="tmRoot">
+          <p:childTnLst>
+            <p:seq concurrent="1" nextAc="seek">
+              <p:cTn id="2" dur="indefinite" nodeType="mainSeq">
+                <p:childTnLst>
+                  <p:par>
+                    <p:cTn id="3" fill="hold" nodeType="clickPar">
+                      <p:stCondLst>
+                        <p:cond delay="indefinite"/>
+                        <p:cond evt="onBegin" delay="0">
+                          <p:tn val="2"/>
+                        </p:cond>
+                      </p:stCondLst>
+                      <p:childTnLst>
+                        <p:par>
+                          <p:cTn id="4" fill="hold" nodeType="withGroup">
+                            <p:stCondLst>
+                              <p:cond delay="0"/>
+                            </p:stCondLst>
+                            <p:childTnLst>
+                              <p:par>
+                                <p:cTn id="5" presetID="42" presetClass="entr" presetSubtype="0" fill="hold" grpId="0" nodeType="withEffect" nodePh="1">
+                                  <p:stCondLst>
+                                    <p:cond delay="0"/>
+                                  </p:stCondLst>
+                                  <p:endCondLst>
+                                    <p:cond evt="begin" delay="0">
+                                      <p:tn val="5"/>
+                                    </p:cond>
+                                  </p:endCondLst>
+                                  <p:childTnLst>
+                                    <p:set>
+                                      <p:cBhvr>
+                                        <p:cTn id="6" dur="1" fill="hold">
+                                          <p:stCondLst>
+                                            <p:cond delay="0"/>
+                                          </p:stCondLst>
+                                        </p:cTn>
+                                        <p:tgtEl>
+                                          <p:spTgt spid="6"/>
+                                        </p:tgtEl>
+                                        <p:attrNameLst>
+                                          <p:attrName>style.visibility</p:attrName>
+                                        </p:attrNameLst>
+                                      </p:cBhvr>
+                                      <p:to>
+                                        <p:strVal val="visible"/>
+                                      </p:to>
+                                    </p:set>
+                                    <p:animEffect transition="in" filter="fade">
+                                      <p:cBhvr>
+                                        <p:cTn id="7" dur="500"/>
+                                        <p:tgtEl>
+                                          <p:spTgt spid="6"/>
+                                        </p:tgtEl>
+                                      </p:cBhvr>
+                                    </p:animEffect>
+                                    <p:anim calcmode="lin" valueType="num">
+                                      <p:cBhvr>
+                                        <p:cTn id="8" dur="500" fill="hold"/>
+                                        <p:tgtEl>
+                                          <p:spTgt spid="6"/>
+                                        </p:tgtEl>
+                                        <p:attrNameLst>
+                                          <p:attrName>ppt_x</p:attrName>
+                                        </p:attrNameLst>
+                                      </p:cBhvr>
+                                      <p:tavLst>
+                                        <p:tav tm="0">
+                                          <p:val>
+                                            <p:strVal val="#ppt_x"/>
+                                          </p:val>
+                                        </p:tav>
+                                        <p:tav tm="100000">
+                                          <p:val>
+                                            <p:strVal val="#ppt_x"/>
+                                          </p:val>
+                                        </p:tav>
+                                      </p:tavLst>
+                                    </p:anim>
+                                    <p:anim calcmode="lin" valueType="num">
+                                      <p:cBhvr>
+                                        <p:cTn id="9" dur="500" fill="hold"/>
+                                        <p:tgtEl>
+                                          <p:spTgt spid="6"/>
+                                        </p:tgtEl>
+                                        <p:attrNameLst>
+                                          <p:attrName>ppt_y</p:attrName>
+                                        </p:attrNameLst>
+                                      </p:cBhvr>
+                                      <p:tavLst>
+                                        <p:tav tm="0">
+                                          <p:val>
+                                            <p:strVal val="#ppt_y+.1"/>
+                                          </p:val>
+                                        </p:tav>
+                                        <p:tav tm="100000">
+                                          <p:val>
+                                            <p:strVal val="#ppt_y"/>
+                                          </p:val>
+                                        </p:tav>
+                                      </p:tavLst>
+                                    </p:anim>
+                                  </p:childTnLst>
+                                </p:cTn>
+                              </p:par>
+                            </p:childTnLst>
+                          </p:cTn>
+                        </p:par>
+                      </p:childTnLst>
+                    </p:cTn>
+                  </p:par>
+                </p:childTnLst>
+              </p:cTn>
+              <p:prevCondLst>
+                <p:cond evt="onPrev" delay="0">
+                  <p:tgtEl>
+                    <p:sldTgt/>
+                  </p:tgtEl>
+                </p:cond>
+              </p:prevCondLst>
+              <p:nextCondLst>
+                <p:cond evt="onNext" delay="0">
+                  <p:tgtEl>
+                    <p:sldTgt/>
+                  </p:tgtEl>
+                </p:cond>
+              </p:nextCondLst>
+            </p:seq>
+          </p:childTnLst>
+        </p:cTn>
       </p:par>
     </p:tnLst>
-  </p:timing>
-</p:sld>
-</file>
-
-<file path=ppt/slides/slide15.xml><?xml version="1.0" encoding="utf-8"?>
-<p:sld xmlns:a="http://schemas.openxmlformats.org/drawingml/2006/main" xmlns:r="http://schemas.openxmlformats.org/officeDocument/2006/relationships" xmlns:p="http://schemas.openxmlformats.org/presentationml/2006/main">
-  <p:cSld>
-    <p:bg>
-      <p:bgPr>
-        <a:blipFill dpi="0" rotWithShape="0">
-          <a:blip r:embed="rId2"/>
-          <a:srcRect/>
-          <a:stretch>
-            <a:fillRect/>
-          </a:stretch>
-        </a:blipFill>
-        <a:effectLst/>
-      </p:bgPr>
-    </p:bg>
-    <p:spTree>
-      <p:nvGrpSpPr>
-        <p:cNvPr id="1" name=""/>
-        <p:cNvGrpSpPr/>
-        <p:nvPr/>
-      </p:nvGrpSpPr>
-      <p:grpSpPr>
-        <a:xfrm>
-          <a:off x="0" y="0"/>
-          <a:ext cx="0" cy="0"/>
-          <a:chOff x="0" y="0"/>
-          <a:chExt cx="0" cy="0"/>
-        </a:xfrm>
-      </p:grpSpPr>
-      <p:sp>
-        <p:nvSpPr>
-          <p:cNvPr id="12290" name="Titre 3"/>
-          <p:cNvSpPr>
-            <a:spLocks noGrp="1"/>
-          </p:cNvSpPr>
-          <p:nvPr>
-            <p:ph type="title"/>
-          </p:nvPr>
-        </p:nvSpPr>
-        <p:spPr>
-          <a:xfrm>
-            <a:off x="857250" y="2643188"/>
-            <a:ext cx="4143375" cy="1143000"/>
-          </a:xfrm>
-        </p:spPr>
-        <p:txBody>
-          <a:bodyPr/>
-          <a:lstStyle/>
-          <a:p>
-            <a:pPr algn="l" eaLnBrk="1" hangingPunct="1"/>
-            <a:r>
-              <a:rPr lang="fr-CA" altLang="zh-CN" smtClean="0">
-                <a:solidFill>
-                  <a:schemeClr val="bg1"/>
-                </a:solidFill>
-                <a:latin typeface="FFF Tusj" pitchFamily="18" charset="0"/>
-              </a:rPr>
-              <a:t>Title</a:t>
-            </a:r>
-          </a:p>
-        </p:txBody>
-      </p:sp>
-      <p:sp>
-        <p:nvSpPr>
-          <p:cNvPr id="12291" name="Espace réservé du contenu 4"/>
-          <p:cNvSpPr>
-            <a:spLocks noGrp="1"/>
-          </p:cNvSpPr>
-          <p:nvPr>
-            <p:ph idx="1"/>
-          </p:nvPr>
-        </p:nvSpPr>
-        <p:spPr>
-          <a:xfrm>
-            <a:off x="457200" y="3643313"/>
-            <a:ext cx="8229600" cy="2928937"/>
-          </a:xfrm>
-        </p:spPr>
-        <p:txBody>
-          <a:bodyPr/>
-          <a:lstStyle/>
-          <a:p>
-            <a:pPr eaLnBrk="1" hangingPunct="1"/>
-            <a:r>
-              <a:rPr lang="fr-CA" altLang="zh-CN" sz="2800" smtClean="0">
-                <a:solidFill>
-                  <a:schemeClr val="bg1"/>
-                </a:solidFill>
-              </a:rPr>
-              <a:t>Lorem ipsum dolor sit amet, consectetuer adipiscing elit. Vivamus et magna. Fusce sed sem sed magna suscipit egestas. </a:t>
-            </a:r>
-          </a:p>
-          <a:p>
-            <a:pPr eaLnBrk="1" hangingPunct="1"/>
-            <a:r>
-              <a:rPr lang="fr-CA" altLang="zh-CN" sz="2800" smtClean="0">
-                <a:solidFill>
-                  <a:schemeClr val="bg1"/>
-                </a:solidFill>
-              </a:rPr>
-              <a:t>Lorem ipsum dolor sit amet, consectetuer adipiscing elit. Vivamus et magna. Fusce sed sem sed magna suscipit egestas. </a:t>
-            </a:r>
-          </a:p>
-        </p:txBody>
-      </p:sp>
-    </p:spTree>
-  </p:cSld>
-  <p:clrMapOvr>
-    <a:masterClrMapping/>
-  </p:clrMapOvr>
-  <p:timing>
-    <p:tnLst>
-      <p:par>
-        <p:cTn id="1" dur="indefinite" restart="never" nodeType="tmRoot"/>
-      </p:par>
-    </p:tnLst>
-  </p:timing>
-</p:sld>
-</file>
-
-<file path=ppt/slides/slide16.xml><?xml version="1.0" encoding="utf-8"?>
-<p:sld xmlns:a="http://schemas.openxmlformats.org/drawingml/2006/main" xmlns:r="http://schemas.openxmlformats.org/officeDocument/2006/relationships" xmlns:p="http://schemas.openxmlformats.org/presentationml/2006/main">
-  <p:cSld>
-    <p:bg>
-      <p:bgPr>
-        <a:blipFill dpi="0" rotWithShape="0">
-          <a:blip r:embed="rId2"/>
-          <a:srcRect/>
-          <a:stretch>
-            <a:fillRect/>
-          </a:stretch>
-        </a:blipFill>
-        <a:effectLst/>
-      </p:bgPr>
-    </p:bg>
-    <p:spTree>
-      <p:nvGrpSpPr>
-        <p:cNvPr id="1" name=""/>
-        <p:cNvGrpSpPr/>
-        <p:nvPr/>
-      </p:nvGrpSpPr>
-      <p:grpSpPr>
-        <a:xfrm>
-          <a:off x="0" y="0"/>
-          <a:ext cx="0" cy="0"/>
-          <a:chOff x="0" y="0"/>
-          <a:chExt cx="0" cy="0"/>
-        </a:xfrm>
-      </p:grpSpPr>
-      <p:sp>
-        <p:nvSpPr>
-          <p:cNvPr id="13314" name="Titre 3"/>
-          <p:cNvSpPr>
-            <a:spLocks noGrp="1"/>
-          </p:cNvSpPr>
-          <p:nvPr>
-            <p:ph type="title"/>
-          </p:nvPr>
-        </p:nvSpPr>
-        <p:spPr>
-          <a:xfrm>
-            <a:off x="857250" y="2643188"/>
-            <a:ext cx="4143375" cy="1143000"/>
-          </a:xfrm>
-        </p:spPr>
-        <p:txBody>
-          <a:bodyPr/>
-          <a:lstStyle/>
-          <a:p>
-            <a:pPr algn="l" eaLnBrk="1" hangingPunct="1"/>
-            <a:r>
-              <a:rPr lang="fr-CA" altLang="zh-CN" smtClean="0">
-                <a:solidFill>
-                  <a:schemeClr val="bg1"/>
-                </a:solidFill>
-                <a:latin typeface="FFF Tusj" pitchFamily="18" charset="0"/>
-              </a:rPr>
-              <a:t>Location</a:t>
-            </a:r>
-          </a:p>
-        </p:txBody>
-      </p:sp>
-      <p:sp>
-        <p:nvSpPr>
-          <p:cNvPr id="13315" name="Espace réservé du contenu 4"/>
-          <p:cNvSpPr>
-            <a:spLocks noGrp="1"/>
-          </p:cNvSpPr>
-          <p:nvPr>
-            <p:ph idx="1"/>
-          </p:nvPr>
-        </p:nvSpPr>
-        <p:spPr>
-          <a:xfrm>
-            <a:off x="457200" y="3643313"/>
-            <a:ext cx="8229600" cy="2928937"/>
-          </a:xfrm>
-        </p:spPr>
-        <p:txBody>
-          <a:bodyPr/>
-          <a:lstStyle/>
-          <a:p>
-            <a:pPr eaLnBrk="1" hangingPunct="1"/>
-            <a:r>
-              <a:rPr lang="fr-CA" altLang="zh-CN" sz="2800" smtClean="0">
-                <a:solidFill>
-                  <a:schemeClr val="bg1"/>
-                </a:solidFill>
-              </a:rPr>
-              <a:t>Google map</a:t>
-            </a:r>
-          </a:p>
-        </p:txBody>
-      </p:sp>
-    </p:spTree>
-  </p:cSld>
-  <p:clrMapOvr>
-    <a:masterClrMapping/>
-  </p:clrMapOvr>
-  <p:timing>
-    <p:tnLst>
-      <p:par>
-        <p:cTn id="1" dur="indefinite" restart="never" nodeType="tmRoot"/>
-      </p:par>
-    </p:tnLst>
-  </p:timing>
-</p:sld>
-</file>
-
-<file path=ppt/slides/slide17.xml><?xml version="1.0" encoding="utf-8"?>
-<p:sld xmlns:a="http://schemas.openxmlformats.org/drawingml/2006/main" xmlns:r="http://schemas.openxmlformats.org/officeDocument/2006/relationships" xmlns:p="http://schemas.openxmlformats.org/presentationml/2006/main">
-  <p:cSld>
-    <p:bg>
-      <p:bgPr>
-        <a:blipFill dpi="0" rotWithShape="0">
-          <a:blip r:embed="rId2"/>
-          <a:srcRect/>
-          <a:stretch>
-            <a:fillRect/>
-          </a:stretch>
-        </a:blipFill>
-        <a:effectLst/>
-      </p:bgPr>
-    </p:bg>
-    <p:spTree>
-      <p:nvGrpSpPr>
-        <p:cNvPr id="1" name=""/>
-        <p:cNvGrpSpPr/>
-        <p:nvPr/>
-      </p:nvGrpSpPr>
-      <p:grpSpPr>
-        <a:xfrm>
-          <a:off x="0" y="0"/>
-          <a:ext cx="0" cy="0"/>
-          <a:chOff x="0" y="0"/>
-          <a:chExt cx="0" cy="0"/>
-        </a:xfrm>
-      </p:grpSpPr>
-      <p:sp>
-        <p:nvSpPr>
-          <p:cNvPr id="14338" name="Titre 3"/>
-          <p:cNvSpPr>
-            <a:spLocks noGrp="1"/>
-          </p:cNvSpPr>
-          <p:nvPr>
-            <p:ph type="title"/>
-          </p:nvPr>
-        </p:nvSpPr>
-        <p:spPr>
-          <a:xfrm>
-            <a:off x="857250" y="2643188"/>
-            <a:ext cx="4143375" cy="1143000"/>
-          </a:xfrm>
-        </p:spPr>
-        <p:txBody>
-          <a:bodyPr/>
-          <a:lstStyle/>
-          <a:p>
-            <a:pPr algn="l" eaLnBrk="1" hangingPunct="1"/>
-            <a:r>
-              <a:rPr lang="fr-CA" altLang="zh-CN" smtClean="0">
-                <a:solidFill>
-                  <a:schemeClr val="bg1"/>
-                </a:solidFill>
-                <a:latin typeface="FFF Tusj" pitchFamily="18" charset="0"/>
-              </a:rPr>
-              <a:t>Title</a:t>
-            </a:r>
-          </a:p>
-        </p:txBody>
-      </p:sp>
-      <p:sp>
-        <p:nvSpPr>
-          <p:cNvPr id="14339" name="Espace réservé du contenu 4"/>
-          <p:cNvSpPr>
-            <a:spLocks noGrp="1"/>
-          </p:cNvSpPr>
-          <p:nvPr>
-            <p:ph idx="1"/>
-          </p:nvPr>
-        </p:nvSpPr>
-        <p:spPr>
-          <a:xfrm>
-            <a:off x="457200" y="3643313"/>
-            <a:ext cx="8229600" cy="2928937"/>
-          </a:xfrm>
-        </p:spPr>
-        <p:txBody>
-          <a:bodyPr/>
-          <a:lstStyle/>
-          <a:p>
-            <a:pPr eaLnBrk="1" hangingPunct="1"/>
-            <a:r>
-              <a:rPr lang="fr-CA" altLang="zh-CN" sz="2800" smtClean="0">
-                <a:solidFill>
-                  <a:schemeClr val="bg1"/>
-                </a:solidFill>
-              </a:rPr>
-              <a:t>Lorem ipsum dolor sit amet, consectetuer adipiscing elit. Vivamus et magna. Fusce sed sem sed magna suscipit egestas. </a:t>
-            </a:r>
-          </a:p>
-          <a:p>
-            <a:pPr eaLnBrk="1" hangingPunct="1"/>
-            <a:r>
-              <a:rPr lang="fr-CA" altLang="zh-CN" sz="2800" smtClean="0">
-                <a:solidFill>
-                  <a:schemeClr val="bg1"/>
-                </a:solidFill>
-              </a:rPr>
-              <a:t>Lorem ipsum dolor sit amet, consectetuer adipiscing elit. Vivamus et magna. Fusce sed sem sed magna suscipit egestas. </a:t>
-            </a:r>
-          </a:p>
-        </p:txBody>
-      </p:sp>
-    </p:spTree>
-  </p:cSld>
-  <p:clrMapOvr>
-    <a:masterClrMapping/>
-  </p:clrMapOvr>
-  <p:timing>
-    <p:tnLst>
-      <p:par>
-        <p:cTn id="1" dur="indefinite" restart="never" nodeType="tmRoot"/>
-      </p:par>
-    </p:tnLst>
-  </p:timing>
-</p:sld>
-</file>
-
-<file path=ppt/slides/slide18.xml><?xml version="1.0" encoding="utf-8"?>
-<p:sld xmlns:a="http://schemas.openxmlformats.org/drawingml/2006/main" xmlns:r="http://schemas.openxmlformats.org/officeDocument/2006/relationships" xmlns:p="http://schemas.openxmlformats.org/presentationml/2006/main">
-  <p:cSld>
-    <p:bg>
-      <p:bgPr>
-        <a:blipFill dpi="0" rotWithShape="0">
-          <a:blip r:embed="rId2"/>
-          <a:srcRect/>
-          <a:stretch>
-            <a:fillRect/>
-          </a:stretch>
-        </a:blipFill>
-        <a:effectLst/>
-      </p:bgPr>
-    </p:bg>
-    <p:spTree>
-      <p:nvGrpSpPr>
-        <p:cNvPr id="1" name=""/>
-        <p:cNvGrpSpPr/>
-        <p:nvPr/>
-      </p:nvGrpSpPr>
-      <p:grpSpPr>
-        <a:xfrm>
-          <a:off x="0" y="0"/>
-          <a:ext cx="0" cy="0"/>
-          <a:chOff x="0" y="0"/>
-          <a:chExt cx="0" cy="0"/>
-        </a:xfrm>
-      </p:grpSpPr>
-      <p:sp>
-        <p:nvSpPr>
-          <p:cNvPr id="15362" name="Titre 3"/>
-          <p:cNvSpPr>
-            <a:spLocks noGrp="1"/>
-          </p:cNvSpPr>
-          <p:nvPr>
-            <p:ph type="title"/>
-          </p:nvPr>
-        </p:nvSpPr>
-        <p:spPr>
-          <a:xfrm>
-            <a:off x="857250" y="2643188"/>
-            <a:ext cx="4938713" cy="1143000"/>
-          </a:xfrm>
-        </p:spPr>
-        <p:txBody>
-          <a:bodyPr/>
-          <a:lstStyle/>
-          <a:p>
-            <a:pPr algn="l" eaLnBrk="1" hangingPunct="1"/>
-            <a:r>
-              <a:rPr lang="fr-CA" altLang="zh-CN" smtClean="0">
-                <a:solidFill>
-                  <a:schemeClr val="bg1"/>
-                </a:solidFill>
-                <a:latin typeface="FFF Tusj" pitchFamily="18" charset="0"/>
-              </a:rPr>
-              <a:t>Database(Cont...)</a:t>
-            </a:r>
-          </a:p>
-        </p:txBody>
-      </p:sp>
-      <p:sp>
-        <p:nvSpPr>
-          <p:cNvPr id="15363" name="Espace réservé du contenu 4"/>
-          <p:cNvSpPr>
-            <a:spLocks noGrp="1"/>
-          </p:cNvSpPr>
-          <p:nvPr>
-            <p:ph idx="1"/>
-          </p:nvPr>
-        </p:nvSpPr>
-        <p:spPr>
-          <a:xfrm>
-            <a:off x="457200" y="3643313"/>
-            <a:ext cx="8229600" cy="2928937"/>
-          </a:xfrm>
-        </p:spPr>
-        <p:txBody>
-          <a:bodyPr/>
-          <a:lstStyle/>
-          <a:p>
-            <a:pPr eaLnBrk="1" hangingPunct="1"/>
-            <a:r>
-              <a:rPr lang="fr-CA" altLang="zh-CN" sz="2800" smtClean="0">
-                <a:solidFill>
-                  <a:schemeClr val="bg1"/>
-                </a:solidFill>
-              </a:rPr>
-              <a:t>picture</a:t>
-            </a:r>
-          </a:p>
-        </p:txBody>
-      </p:sp>
-    </p:spTree>
-  </p:cSld>
-  <p:clrMapOvr>
-    <a:masterClrMapping/>
-  </p:clrMapOvr>
-  <p:timing>
-    <p:tnLst>
-      <p:par>
-        <p:cTn id="1" dur="indefinite" restart="never" nodeType="tmRoot"/>
-      </p:par>
-    </p:tnLst>
-  </p:timing>
-</p:sld>
-</file>
-
-<file path=ppt/slides/slide19.xml><?xml version="1.0" encoding="utf-8"?>
-<p:sld xmlns:a="http://schemas.openxmlformats.org/drawingml/2006/main" xmlns:r="http://schemas.openxmlformats.org/officeDocument/2006/relationships" xmlns:p="http://schemas.openxmlformats.org/presentationml/2006/main">
-  <p:cSld>
-    <p:bg>
-      <p:bgPr>
-        <a:blipFill dpi="0" rotWithShape="0">
-          <a:blip r:embed="rId2"/>
-          <a:srcRect/>
-          <a:stretch>
-            <a:fillRect/>
-          </a:stretch>
-        </a:blipFill>
-        <a:effectLst/>
-      </p:bgPr>
-    </p:bg>
-    <p:spTree>
-      <p:nvGrpSpPr>
-        <p:cNvPr id="1" name=""/>
-        <p:cNvGrpSpPr/>
-        <p:nvPr/>
-      </p:nvGrpSpPr>
-      <p:grpSpPr>
-        <a:xfrm>
-          <a:off x="0" y="0"/>
-          <a:ext cx="0" cy="0"/>
-          <a:chOff x="0" y="0"/>
-          <a:chExt cx="0" cy="0"/>
-        </a:xfrm>
-      </p:grpSpPr>
-      <p:sp>
-        <p:nvSpPr>
-          <p:cNvPr id="16386" name="Titre 3"/>
-          <p:cNvSpPr>
-            <a:spLocks noGrp="1"/>
-          </p:cNvSpPr>
-          <p:nvPr>
-            <p:ph type="title"/>
-          </p:nvPr>
-        </p:nvSpPr>
-        <p:spPr>
-          <a:xfrm>
-            <a:off x="827088" y="2708275"/>
-            <a:ext cx="5040312" cy="1143000"/>
-          </a:xfrm>
-        </p:spPr>
-        <p:txBody>
-          <a:bodyPr/>
-          <a:lstStyle/>
-          <a:p>
-            <a:pPr algn="l" eaLnBrk="1" hangingPunct="1"/>
-            <a:r>
-              <a:rPr lang="fr-CA" altLang="zh-CN" smtClean="0">
-                <a:solidFill>
-                  <a:schemeClr val="bg1"/>
-                </a:solidFill>
-                <a:latin typeface="FFF Tusj" pitchFamily="18" charset="0"/>
-              </a:rPr>
-              <a:t>DataBase(Cont....)</a:t>
-            </a:r>
-          </a:p>
-        </p:txBody>
-      </p:sp>
-      <p:sp>
-        <p:nvSpPr>
-          <p:cNvPr id="16387" name="Espace réservé du contenu 4"/>
-          <p:cNvSpPr>
-            <a:spLocks noGrp="1"/>
-          </p:cNvSpPr>
-          <p:nvPr>
-            <p:ph idx="1"/>
-          </p:nvPr>
-        </p:nvSpPr>
-        <p:spPr>
-          <a:xfrm>
-            <a:off x="457200" y="3643313"/>
-            <a:ext cx="8229600" cy="2928937"/>
-          </a:xfrm>
-        </p:spPr>
-        <p:txBody>
-          <a:bodyPr/>
-          <a:lstStyle/>
-          <a:p>
-            <a:pPr eaLnBrk="1" hangingPunct="1"/>
-            <a:r>
-              <a:rPr lang="fr-CA" altLang="zh-CN" sz="2800" smtClean="0">
-                <a:solidFill>
-                  <a:schemeClr val="bg1"/>
-                </a:solidFill>
-              </a:rPr>
-              <a:t>picture</a:t>
-            </a:r>
-          </a:p>
-        </p:txBody>
-      </p:sp>
-    </p:spTree>
-  </p:cSld>
-  <p:clrMapOvr>
-    <a:masterClrMapping/>
-  </p:clrMapOvr>
-  <p:timing>
-    <p:tnLst>
-      <p:par>
-        <p:cTn id="1" dur="indefinite" restart="never" nodeType="tmRoot"/>
-      </p:par>
-    </p:tnLst>
+    <p:bldLst>
+      <p:bldP spid="6" grpId="0"/>
+    </p:bldLst>
   </p:timing>
 </p:sld>
 </file>
@@ -8787,605 +5981,6 @@
 </p:sld>
 </file>
 
-<file path=ppt/slides/slide20.xml><?xml version="1.0" encoding="utf-8"?>
-<p:sld xmlns:a="http://schemas.openxmlformats.org/drawingml/2006/main" xmlns:r="http://schemas.openxmlformats.org/officeDocument/2006/relationships" xmlns:p="http://schemas.openxmlformats.org/presentationml/2006/main">
-  <p:cSld>
-    <p:bg>
-      <p:bgPr>
-        <a:blipFill dpi="0" rotWithShape="0">
-          <a:blip r:embed="rId2"/>
-          <a:srcRect/>
-          <a:stretch>
-            <a:fillRect/>
-          </a:stretch>
-        </a:blipFill>
-        <a:effectLst/>
-      </p:bgPr>
-    </p:bg>
-    <p:spTree>
-      <p:nvGrpSpPr>
-        <p:cNvPr id="1" name=""/>
-        <p:cNvGrpSpPr/>
-        <p:nvPr/>
-      </p:nvGrpSpPr>
-      <p:grpSpPr>
-        <a:xfrm>
-          <a:off x="0" y="0"/>
-          <a:ext cx="0" cy="0"/>
-          <a:chOff x="0" y="0"/>
-          <a:chExt cx="0" cy="0"/>
-        </a:xfrm>
-      </p:grpSpPr>
-      <p:sp>
-        <p:nvSpPr>
-          <p:cNvPr id="17410" name="Espace réservé du contenu 4"/>
-          <p:cNvSpPr>
-            <a:spLocks noGrp="1"/>
-          </p:cNvSpPr>
-          <p:nvPr>
-            <p:ph idx="1"/>
-          </p:nvPr>
-        </p:nvSpPr>
-        <p:spPr>
-          <a:xfrm>
-            <a:off x="457200" y="3643313"/>
-            <a:ext cx="8229600" cy="2928937"/>
-          </a:xfrm>
-        </p:spPr>
-        <p:txBody>
-          <a:bodyPr/>
-          <a:lstStyle/>
-          <a:p>
-            <a:pPr marL="0" indent="0" eaLnBrk="1" hangingPunct="1">
-              <a:buFont typeface="Arial" charset="0"/>
-              <a:buNone/>
-            </a:pPr>
-            <a:r>
-              <a:rPr lang="fr-CA" altLang="zh-CN" sz="2800" smtClean="0">
-                <a:solidFill>
-                  <a:schemeClr val="bg1"/>
-                </a:solidFill>
-              </a:rPr>
-              <a:t> </a:t>
-            </a:r>
-          </a:p>
-        </p:txBody>
-      </p:sp>
-      <p:graphicFrame>
-        <p:nvGraphicFramePr>
-          <p:cNvPr id="5" name="图示 4"/>
-          <p:cNvGraphicFramePr/>
-          <p:nvPr/>
-        </p:nvGraphicFramePr>
-        <p:xfrm>
-          <a:off x="2771800" y="2780928"/>
-          <a:ext cx="5712296" cy="3616176"/>
-        </p:xfrm>
-        <a:graphic>
-          <a:graphicData uri="http://schemas.openxmlformats.org/drawingml/2006/diagram">
-            <dgm:relIds xmlns:dgm="http://schemas.openxmlformats.org/drawingml/2006/diagram" xmlns:r="http://schemas.openxmlformats.org/officeDocument/2006/relationships" r:dm="rId3" r:lo="rId4" r:qs="rId5" r:cs="rId6"/>
-          </a:graphicData>
-        </a:graphic>
-      </p:graphicFrame>
-      <p:sp>
-        <p:nvSpPr>
-          <p:cNvPr id="6" name="矩形 5"/>
-          <p:cNvSpPr/>
-          <p:nvPr/>
-        </p:nvSpPr>
-        <p:spPr>
-          <a:xfrm>
-            <a:off x="468313" y="3038475"/>
-            <a:ext cx="1727200" cy="3313113"/>
-          </a:xfrm>
-          <a:prstGeom prst="rect">
-            <a:avLst/>
-          </a:prstGeom>
-          <a:gradFill flip="none" rotWithShape="1">
-            <a:gsLst>
-              <a:gs pos="0">
-                <a:schemeClr val="accent1">
-                  <a:tint val="66000"/>
-                  <a:satMod val="160000"/>
-                </a:schemeClr>
-              </a:gs>
-              <a:gs pos="50000">
-                <a:schemeClr val="accent1">
-                  <a:tint val="44500"/>
-                  <a:satMod val="160000"/>
-                </a:schemeClr>
-              </a:gs>
-              <a:gs pos="100000">
-                <a:schemeClr val="accent1">
-                  <a:tint val="23500"/>
-                  <a:satMod val="160000"/>
-                </a:schemeClr>
-              </a:gs>
-            </a:gsLst>
-            <a:path path="shape">
-              <a:fillToRect l="50000" t="50000" r="50000" b="50000"/>
-            </a:path>
-            <a:tileRect/>
-          </a:gradFill>
-        </p:spPr>
-        <p:style>
-          <a:lnRef idx="2">
-            <a:schemeClr val="accent1">
-              <a:shade val="50000"/>
-            </a:schemeClr>
-          </a:lnRef>
-          <a:fillRef idx="1">
-            <a:schemeClr val="accent1"/>
-          </a:fillRef>
-          <a:effectRef idx="0">
-            <a:schemeClr val="accent1"/>
-          </a:effectRef>
-          <a:fontRef idx="minor">
-            <a:schemeClr val="lt1"/>
-          </a:fontRef>
-        </p:style>
-        <p:txBody>
-          <a:bodyPr anchor="ctr"/>
-          <a:lstStyle/>
-          <a:p>
-            <a:pPr algn="ctr">
-              <a:defRPr/>
-            </a:pPr>
-            <a:r>
-              <a:rPr lang="en-US" altLang="zh-CN" sz="3200" dirty="0">
-                <a:latin typeface="FFF Tusj"/>
-              </a:rPr>
-              <a:t>Work</a:t>
-            </a:r>
-          </a:p>
-          <a:p>
-            <a:pPr algn="ctr">
-              <a:defRPr/>
-            </a:pPr>
-            <a:endParaRPr lang="en-US" altLang="zh-CN" sz="3200" dirty="0">
-              <a:latin typeface="FFF Tusj"/>
-            </a:endParaRPr>
-          </a:p>
-          <a:p>
-            <a:pPr algn="ctr">
-              <a:defRPr/>
-            </a:pPr>
-            <a:r>
-              <a:rPr lang="en-US" altLang="zh-CN" sz="3200" dirty="0">
-                <a:latin typeface="FFF Tusj"/>
-              </a:rPr>
-              <a:t>division</a:t>
-            </a:r>
-            <a:endParaRPr lang="zh-CN" altLang="en-US" sz="3200" dirty="0">
-              <a:latin typeface="FFF Tusj"/>
-            </a:endParaRPr>
-          </a:p>
-        </p:txBody>
-      </p:sp>
-    </p:spTree>
-  </p:cSld>
-  <p:clrMapOvr>
-    <a:masterClrMapping/>
-  </p:clrMapOvr>
-  <p:timing>
-    <p:tnLst>
-      <p:par>
-        <p:cTn id="1" dur="indefinite" restart="never" nodeType="tmRoot"/>
-      </p:par>
-    </p:tnLst>
-  </p:timing>
-</p:sld>
-</file>
-
-<file path=ppt/slides/slide21.xml><?xml version="1.0" encoding="utf-8"?>
-<p:sld xmlns:a="http://schemas.openxmlformats.org/drawingml/2006/main" xmlns:r="http://schemas.openxmlformats.org/officeDocument/2006/relationships" xmlns:p="http://schemas.openxmlformats.org/presentationml/2006/main">
-  <p:cSld>
-    <p:bg>
-      <p:bgPr>
-        <a:blipFill dpi="0" rotWithShape="0">
-          <a:blip r:embed="rId2"/>
-          <a:srcRect/>
-          <a:stretch>
-            <a:fillRect/>
-          </a:stretch>
-        </a:blipFill>
-        <a:effectLst/>
-      </p:bgPr>
-    </p:bg>
-    <p:spTree>
-      <p:nvGrpSpPr>
-        <p:cNvPr id="1" name=""/>
-        <p:cNvGrpSpPr/>
-        <p:nvPr/>
-      </p:nvGrpSpPr>
-      <p:grpSpPr>
-        <a:xfrm>
-          <a:off x="0" y="0"/>
-          <a:ext cx="0" cy="0"/>
-          <a:chOff x="0" y="0"/>
-          <a:chExt cx="0" cy="0"/>
-        </a:xfrm>
-      </p:grpSpPr>
-      <p:sp>
-        <p:nvSpPr>
-          <p:cNvPr id="18434" name="Titre 3"/>
-          <p:cNvSpPr>
-            <a:spLocks noGrp="1"/>
-          </p:cNvSpPr>
-          <p:nvPr>
-            <p:ph type="title"/>
-          </p:nvPr>
-        </p:nvSpPr>
-        <p:spPr>
-          <a:xfrm>
-            <a:off x="857250" y="2643188"/>
-            <a:ext cx="4143375" cy="1143000"/>
-          </a:xfrm>
-        </p:spPr>
-        <p:txBody>
-          <a:bodyPr/>
-          <a:lstStyle/>
-          <a:p>
-            <a:pPr algn="l" eaLnBrk="1" hangingPunct="1"/>
-            <a:r>
-              <a:rPr lang="fr-CA" altLang="zh-CN" smtClean="0">
-                <a:solidFill>
-                  <a:schemeClr val="bg1"/>
-                </a:solidFill>
-                <a:latin typeface="FFF Tusj" pitchFamily="18" charset="0"/>
-              </a:rPr>
-              <a:t>Challenge</a:t>
-            </a:r>
-          </a:p>
-        </p:txBody>
-      </p:sp>
-      <p:sp>
-        <p:nvSpPr>
-          <p:cNvPr id="5123" name="Espace réservé du contenu 4"/>
-          <p:cNvSpPr>
-            <a:spLocks noGrp="1"/>
-          </p:cNvSpPr>
-          <p:nvPr>
-            <p:ph idx="1"/>
-          </p:nvPr>
-        </p:nvSpPr>
-        <p:spPr>
-          <a:xfrm>
-            <a:off x="457200" y="3643313"/>
-            <a:ext cx="8229600" cy="2928937"/>
-          </a:xfrm>
-        </p:spPr>
-        <p:txBody>
-          <a:bodyPr/>
-          <a:lstStyle/>
-          <a:p>
-            <a:pPr eaLnBrk="1" hangingPunct="1">
-              <a:defRPr/>
-            </a:pPr>
-            <a:r>
-              <a:rPr lang="fr-CA" altLang="zh-CN" sz="2800" dirty="0" smtClean="0">
-                <a:solidFill>
-                  <a:schemeClr val="bg1"/>
-                </a:solidFill>
-              </a:rPr>
-              <a:t>1</a:t>
-            </a:r>
-          </a:p>
-          <a:p>
-            <a:pPr eaLnBrk="1" hangingPunct="1">
-              <a:defRPr/>
-            </a:pPr>
-            <a:r>
-              <a:rPr lang="fr-CA" altLang="zh-CN" sz="2800" dirty="0" smtClean="0">
-                <a:solidFill>
-                  <a:schemeClr val="bg1"/>
-                </a:solidFill>
-              </a:rPr>
-              <a:t>2</a:t>
-            </a:r>
-          </a:p>
-          <a:p>
-            <a:pPr eaLnBrk="1" hangingPunct="1">
-              <a:defRPr/>
-            </a:pPr>
-            <a:r>
-              <a:rPr lang="fr-CA" altLang="zh-CN" sz="2800" dirty="0" smtClean="0">
-                <a:solidFill>
-                  <a:schemeClr val="bg1"/>
-                </a:solidFill>
-              </a:rPr>
-              <a:t>3</a:t>
-            </a:r>
-          </a:p>
-          <a:p>
-            <a:pPr marL="0" indent="0" eaLnBrk="1" hangingPunct="1">
-              <a:buFont typeface="Arial" charset="0"/>
-              <a:buNone/>
-              <a:defRPr/>
-            </a:pPr>
-            <a:endParaRPr lang="fr-CA" altLang="zh-CN" sz="2800" dirty="0" smtClean="0">
-              <a:solidFill>
-                <a:schemeClr val="bg1"/>
-              </a:solidFill>
-            </a:endParaRPr>
-          </a:p>
-        </p:txBody>
-      </p:sp>
-    </p:spTree>
-  </p:cSld>
-  <p:clrMapOvr>
-    <a:masterClrMapping/>
-  </p:clrMapOvr>
-  <p:timing>
-    <p:tnLst>
-      <p:par>
-        <p:cTn id="1" dur="indefinite" restart="never" nodeType="tmRoot"/>
-      </p:par>
-    </p:tnLst>
-  </p:timing>
-</p:sld>
-</file>
-
-<file path=ppt/slides/slide22.xml><?xml version="1.0" encoding="utf-8"?>
-<p:sld xmlns:a="http://schemas.openxmlformats.org/drawingml/2006/main" xmlns:r="http://schemas.openxmlformats.org/officeDocument/2006/relationships" xmlns:p="http://schemas.openxmlformats.org/presentationml/2006/main">
-  <p:cSld>
-    <p:bg>
-      <p:bgPr>
-        <a:blipFill dpi="0" rotWithShape="0">
-          <a:blip r:embed="rId2"/>
-          <a:srcRect/>
-          <a:stretch>
-            <a:fillRect/>
-          </a:stretch>
-        </a:blipFill>
-        <a:effectLst/>
-      </p:bgPr>
-    </p:bg>
-    <p:spTree>
-      <p:nvGrpSpPr>
-        <p:cNvPr id="1" name=""/>
-        <p:cNvGrpSpPr/>
-        <p:nvPr/>
-      </p:nvGrpSpPr>
-      <p:grpSpPr>
-        <a:xfrm>
-          <a:off x="0" y="0"/>
-          <a:ext cx="0" cy="0"/>
-          <a:chOff x="0" y="0"/>
-          <a:chExt cx="0" cy="0"/>
-        </a:xfrm>
-      </p:grpSpPr>
-      <p:sp>
-        <p:nvSpPr>
-          <p:cNvPr id="19458" name="Titre 3"/>
-          <p:cNvSpPr>
-            <a:spLocks noGrp="1"/>
-          </p:cNvSpPr>
-          <p:nvPr>
-            <p:ph type="title"/>
-          </p:nvPr>
-        </p:nvSpPr>
-        <p:spPr>
-          <a:xfrm>
-            <a:off x="285750" y="1643063"/>
-            <a:ext cx="8229600" cy="1143000"/>
-          </a:xfrm>
-        </p:spPr>
-        <p:txBody>
-          <a:bodyPr/>
-          <a:lstStyle/>
-          <a:p>
-            <a:pPr eaLnBrk="1" hangingPunct="1"/>
-            <a:r>
-              <a:rPr lang="fr-CA" altLang="zh-CN" smtClean="0">
-                <a:solidFill>
-                  <a:schemeClr val="bg1"/>
-                </a:solidFill>
-                <a:latin typeface="FFF Tusj" pitchFamily="18" charset="0"/>
-              </a:rPr>
-              <a:t>Thank you!</a:t>
-            </a:r>
-          </a:p>
-        </p:txBody>
-      </p:sp>
-      <p:sp>
-        <p:nvSpPr>
-          <p:cNvPr id="6" name="Text Box 4"/>
-          <p:cNvSpPr txBox="1">
-            <a:spLocks noChangeAspect="1" noChangeArrowheads="1"/>
-          </p:cNvSpPr>
-          <p:nvPr/>
-        </p:nvSpPr>
-        <p:spPr bwMode="auto">
-          <a:xfrm>
-            <a:off x="3357563" y="2143125"/>
-            <a:ext cx="2057400" cy="1101725"/>
-          </a:xfrm>
-          <a:prstGeom prst="rect">
-            <a:avLst/>
-          </a:prstGeom>
-          <a:noFill/>
-          <a:ln w="9525">
-            <a:noFill/>
-            <a:miter lim="800000"/>
-            <a:headEnd/>
-            <a:tailEnd/>
-          </a:ln>
-          <a:effectLst/>
-        </p:spPr>
-        <p:txBody>
-          <a:bodyPr anchor="ctr" anchorCtr="1"/>
-          <a:lstStyle/>
-          <a:p>
-            <a:pPr>
-              <a:spcBef>
-                <a:spcPct val="50000"/>
-              </a:spcBef>
-              <a:defRPr/>
-            </a:pPr>
-            <a:endParaRPr lang="zh-CN" altLang="en-US" sz="2000" b="1" dirty="0">
-              <a:solidFill>
-                <a:schemeClr val="bg1"/>
-              </a:solidFill>
-              <a:effectLst>
-                <a:outerShdw blurRad="38100" dist="38100" dir="2700000" algn="tl">
-                  <a:srgbClr val="C0C0C0"/>
-                </a:outerShdw>
-              </a:effectLst>
-              <a:latin typeface="FFF Tusj" pitchFamily="18" charset="0"/>
-              <a:ea typeface="方正粗活意简体" pitchFamily="65" charset="-122"/>
-            </a:endParaRPr>
-          </a:p>
-        </p:txBody>
-      </p:sp>
-    </p:spTree>
-  </p:cSld>
-  <p:clrMapOvr>
-    <a:masterClrMapping/>
-  </p:clrMapOvr>
-  <p:timing>
-    <p:tnLst>
-      <p:par>
-        <p:cTn id="1" dur="indefinite" restart="never" nodeType="tmRoot">
-          <p:childTnLst>
-            <p:seq concurrent="1" nextAc="seek">
-              <p:cTn id="2" dur="indefinite" nodeType="mainSeq">
-                <p:childTnLst>
-                  <p:par>
-                    <p:cTn id="3" fill="hold" nodeType="clickPar">
-                      <p:stCondLst>
-                        <p:cond delay="indefinite"/>
-                        <p:cond evt="onBegin" delay="0">
-                          <p:tn val="2"/>
-                        </p:cond>
-                      </p:stCondLst>
-                      <p:childTnLst>
-                        <p:par>
-                          <p:cTn id="4" fill="hold" nodeType="withGroup">
-                            <p:stCondLst>
-                              <p:cond delay="0"/>
-                            </p:stCondLst>
-                            <p:childTnLst>
-                              <p:par>
-                                <p:cTn id="5" presetID="42" presetClass="entr" presetSubtype="0" fill="hold" grpId="0" nodeType="withEffect" nodePh="1">
-                                  <p:stCondLst>
-                                    <p:cond delay="0"/>
-                                  </p:stCondLst>
-                                  <p:endCondLst>
-                                    <p:cond evt="begin" delay="0">
-                                      <p:tn val="5"/>
-                                    </p:cond>
-                                  </p:endCondLst>
-                                  <p:childTnLst>
-                                    <p:set>
-                                      <p:cBhvr>
-                                        <p:cTn id="6" dur="1" fill="hold">
-                                          <p:stCondLst>
-                                            <p:cond delay="0"/>
-                                          </p:stCondLst>
-                                        </p:cTn>
-                                        <p:tgtEl>
-                                          <p:spTgt spid="6"/>
-                                        </p:tgtEl>
-                                        <p:attrNameLst>
-                                          <p:attrName>style.visibility</p:attrName>
-                                        </p:attrNameLst>
-                                      </p:cBhvr>
-                                      <p:to>
-                                        <p:strVal val="visible"/>
-                                      </p:to>
-                                    </p:set>
-                                    <p:animEffect transition="in" filter="fade">
-                                      <p:cBhvr>
-                                        <p:cTn id="7" dur="500"/>
-                                        <p:tgtEl>
-                                          <p:spTgt spid="6"/>
-                                        </p:tgtEl>
-                                      </p:cBhvr>
-                                    </p:animEffect>
-                                    <p:anim calcmode="lin" valueType="num">
-                                      <p:cBhvr>
-                                        <p:cTn id="8" dur="500" fill="hold"/>
-                                        <p:tgtEl>
-                                          <p:spTgt spid="6"/>
-                                        </p:tgtEl>
-                                        <p:attrNameLst>
-                                          <p:attrName>ppt_x</p:attrName>
-                                        </p:attrNameLst>
-                                      </p:cBhvr>
-                                      <p:tavLst>
-                                        <p:tav tm="0">
-                                          <p:val>
-                                            <p:strVal val="#ppt_x"/>
-                                          </p:val>
-                                        </p:tav>
-                                        <p:tav tm="100000">
-                                          <p:val>
-                                            <p:strVal val="#ppt_x"/>
-                                          </p:val>
-                                        </p:tav>
-                                      </p:tavLst>
-                                    </p:anim>
-                                    <p:anim calcmode="lin" valueType="num">
-                                      <p:cBhvr>
-                                        <p:cTn id="9" dur="500" fill="hold"/>
-                                        <p:tgtEl>
-                                          <p:spTgt spid="6"/>
-                                        </p:tgtEl>
-                                        <p:attrNameLst>
-                                          <p:attrName>ppt_y</p:attrName>
-                                        </p:attrNameLst>
-                                      </p:cBhvr>
-                                      <p:tavLst>
-                                        <p:tav tm="0">
-                                          <p:val>
-                                            <p:strVal val="#ppt_y+.1"/>
-                                          </p:val>
-                                        </p:tav>
-                                        <p:tav tm="100000">
-                                          <p:val>
-                                            <p:strVal val="#ppt_y"/>
-                                          </p:val>
-                                        </p:tav>
-                                      </p:tavLst>
-                                    </p:anim>
-                                  </p:childTnLst>
-                                </p:cTn>
-                              </p:par>
-                            </p:childTnLst>
-                          </p:cTn>
-                        </p:par>
-                      </p:childTnLst>
-                    </p:cTn>
-                  </p:par>
-                </p:childTnLst>
-              </p:cTn>
-              <p:prevCondLst>
-                <p:cond evt="onPrev" delay="0">
-                  <p:tgtEl>
-                    <p:sldTgt/>
-                  </p:tgtEl>
-                </p:cond>
-              </p:prevCondLst>
-              <p:nextCondLst>
-                <p:cond evt="onNext" delay="0">
-                  <p:tgtEl>
-                    <p:sldTgt/>
-                  </p:tgtEl>
-                </p:cond>
-              </p:nextCondLst>
-            </p:seq>
-          </p:childTnLst>
-        </p:cTn>
-      </p:par>
-    </p:tnLst>
-    <p:bldLst>
-      <p:bldP spid="6" grpId="0"/>
-    </p:bldLst>
-  </p:timing>
-</p:sld>
-</file>
-
 <file path=ppt/slides/slide3.xml><?xml version="1.0" encoding="utf-8"?>
 <p:sld xmlns:a="http://schemas.openxmlformats.org/drawingml/2006/main" xmlns:r="http://schemas.openxmlformats.org/officeDocument/2006/relationships" xmlns:p="http://schemas.openxmlformats.org/presentationml/2006/main">
   <p:cSld>
@@ -9545,21 +6140,8 @@
                   <a:schemeClr val="bg1"/>
                 </a:solidFill>
               </a:rPr>
-              <a:t> </a:t>
-            </a:r>
-            <a:r>
-              <a:rPr lang="fr-CA" altLang="zh-CN" sz="2800" dirty="0" smtClean="0">
-                <a:solidFill>
-                  <a:schemeClr val="bg1"/>
-                </a:solidFill>
-              </a:rPr>
-              <a:t>Keep minute of life</a:t>
-            </a:r>
-            <a:endParaRPr lang="fr-CA" altLang="zh-CN" sz="2800" dirty="0" smtClean="0">
-              <a:solidFill>
-                <a:schemeClr val="bg1"/>
-              </a:solidFill>
-            </a:endParaRPr>
+              <a:t> Keep minute of life</a:t>
+            </a:r>
           </a:p>
           <a:p>
             <a:pPr eaLnBrk="1" hangingPunct="1">
@@ -9573,11 +6155,6 @@
               </a:rPr>
               <a:t>Relax yourself</a:t>
             </a:r>
-            <a:endParaRPr lang="fr-CA" altLang="zh-CN" sz="2800" dirty="0" smtClean="0">
-              <a:solidFill>
-                <a:schemeClr val="bg1"/>
-              </a:solidFill>
-            </a:endParaRPr>
           </a:p>
           <a:p>
             <a:pPr eaLnBrk="1" hangingPunct="1">
@@ -9597,15 +6174,7 @@
                   <a:schemeClr val="bg1"/>
                 </a:solidFill>
               </a:rPr>
-              <a:t>ake friends during </a:t>
-            </a:r>
-            <a:r>
-              <a:rPr lang="fr-CA" altLang="zh-CN" sz="2800" dirty="0" smtClean="0">
-                <a:solidFill>
-                  <a:schemeClr val="bg1"/>
-                </a:solidFill>
-              </a:rPr>
-              <a:t>trip</a:t>
+              <a:t>ake friends during trip</a:t>
             </a:r>
           </a:p>
           <a:p>
@@ -9631,11 +6200,6 @@
               </a:rPr>
               <a:t>Ideal website for you!</a:t>
             </a:r>
-            <a:endParaRPr lang="fr-CA" altLang="zh-CN" sz="4000" i="1" dirty="0" smtClean="0">
-              <a:solidFill>
-                <a:schemeClr val="bg1"/>
-              </a:solidFill>
-            </a:endParaRPr>
           </a:p>
         </p:txBody>
       </p:sp>
@@ -10001,12 +6565,6 @@
               </a:rPr>
               <a:t>Functions(Cont...)</a:t>
             </a:r>
-            <a:endParaRPr lang="fr-CA" altLang="zh-CN" dirty="0" smtClean="0">
-              <a:solidFill>
-                <a:schemeClr val="bg1"/>
-              </a:solidFill>
-              <a:latin typeface="FFF Tusj" pitchFamily="18" charset="0"/>
-            </a:endParaRPr>
           </a:p>
         </p:txBody>
       </p:sp>
@@ -10055,11 +6613,6 @@
               </a:rPr>
               <a:t>Account management</a:t>
             </a:r>
-            <a:endParaRPr lang="fr-CA" altLang="zh-CN" sz="2800" dirty="0" smtClean="0">
-              <a:solidFill>
-                <a:schemeClr val="bg1"/>
-              </a:solidFill>
-            </a:endParaRPr>
           </a:p>
           <a:p>
             <a:pPr eaLnBrk="1" hangingPunct="1">
@@ -10112,11 +6665,6 @@
               </a:rPr>
               <a:t>Comments</a:t>
             </a:r>
-            <a:endParaRPr lang="fr-CA" altLang="zh-CN" sz="2800" dirty="0" smtClean="0">
-              <a:solidFill>
-                <a:schemeClr val="bg1"/>
-              </a:solidFill>
-            </a:endParaRPr>
           </a:p>
           <a:p>
             <a:pPr eaLnBrk="1" hangingPunct="1">
@@ -10925,12 +7473,6 @@
               </a:rPr>
               <a:t>Functions(Cont...)</a:t>
             </a:r>
-            <a:endParaRPr lang="fr-CA" altLang="zh-CN" dirty="0" smtClean="0">
-              <a:solidFill>
-                <a:schemeClr val="bg1"/>
-              </a:solidFill>
-              <a:latin typeface="FFF Tusj" pitchFamily="18" charset="0"/>
-            </a:endParaRPr>
           </a:p>
         </p:txBody>
       </p:sp>
@@ -10967,11 +7509,6 @@
               </a:rPr>
               <a:t>Advanced:</a:t>
             </a:r>
-            <a:endParaRPr lang="fr-CA" altLang="zh-CN" sz="4000" i="1" dirty="0" smtClean="0">
-              <a:solidFill>
-                <a:schemeClr val="bg1"/>
-              </a:solidFill>
-            </a:endParaRPr>
           </a:p>
           <a:p>
             <a:pPr eaLnBrk="1" hangingPunct="1">
@@ -10993,11 +7530,6 @@
               </a:rPr>
               <a:t> </a:t>
             </a:r>
-            <a:endParaRPr lang="fr-CA" altLang="zh-CN" sz="2800" dirty="0">
-              <a:solidFill>
-                <a:schemeClr val="bg1"/>
-              </a:solidFill>
-            </a:endParaRPr>
           </a:p>
           <a:p>
             <a:pPr eaLnBrk="1" hangingPunct="1">
@@ -17880,7 +14412,7 @@
       </p:grpSpPr>
       <p:sp>
         <p:nvSpPr>
-          <p:cNvPr id="6146" name="Titre 3"/>
+          <p:cNvPr id="5122" name="Titre 1"/>
           <p:cNvSpPr>
             <a:spLocks noGrp="1"/>
           </p:cNvSpPr>
@@ -17890,8 +14422,8 @@
         </p:nvSpPr>
         <p:spPr>
           <a:xfrm>
-            <a:off x="857250" y="2643188"/>
-            <a:ext cx="5443538" cy="1143000"/>
+            <a:off x="2528888" y="214313"/>
+            <a:ext cx="6615112" cy="1143000"/>
           </a:xfrm>
         </p:spPr>
         <p:txBody>
@@ -17900,20 +14432,26 @@
           <a:p>
             <a:pPr algn="l" eaLnBrk="1" hangingPunct="1"/>
             <a:r>
-              <a:rPr lang="fr-CA" altLang="zh-CN" smtClean="0">
+              <a:rPr lang="fr-CA" altLang="zh-CN" dirty="0">
                 <a:solidFill>
                   <a:schemeClr val="bg1"/>
                 </a:solidFill>
                 <a:latin typeface="FFF Tusj" pitchFamily="18" charset="0"/>
               </a:rPr>
-              <a:t>Technology used</a:t>
-            </a:r>
+              <a:t>Milestone</a:t>
+            </a:r>
+            <a:endParaRPr lang="fr-CA" altLang="zh-CN" dirty="0" smtClean="0">
+              <a:solidFill>
+                <a:schemeClr val="bg1"/>
+              </a:solidFill>
+              <a:latin typeface="FFF Tusj" pitchFamily="18" charset="0"/>
+            </a:endParaRPr>
           </a:p>
         </p:txBody>
       </p:sp>
       <p:sp>
         <p:nvSpPr>
-          <p:cNvPr id="6147" name="Espace réservé du contenu 4"/>
+          <p:cNvPr id="5123" name="Espace réservé du contenu 2"/>
           <p:cNvSpPr>
             <a:spLocks noGrp="1"/>
           </p:cNvSpPr>
@@ -17923,60 +14461,217 @@
         </p:nvSpPr>
         <p:spPr>
           <a:xfrm>
-            <a:off x="457200" y="3643313"/>
-            <a:ext cx="8229600" cy="2928937"/>
+            <a:off x="2528888" y="1412776"/>
+            <a:ext cx="6615112" cy="4525962"/>
           </a:xfrm>
         </p:spPr>
         <p:txBody>
           <a:bodyPr/>
           <a:lstStyle/>
           <a:p>
-            <a:pPr eaLnBrk="1" hangingPunct="1"/>
-            <a:r>
-              <a:rPr lang="fr-CA" altLang="zh-CN" sz="2800" smtClean="0">
+            <a:pPr eaLnBrk="1" hangingPunct="1">
+              <a:spcAft>
+                <a:spcPts val="500"/>
+              </a:spcAft>
+              <a:defRPr/>
+            </a:pPr>
+            <a:r>
+              <a:rPr lang="fr-CA" altLang="zh-CN" sz="2400" dirty="0" smtClean="0">
                 <a:solidFill>
                   <a:schemeClr val="bg1"/>
                 </a:solidFill>
               </a:rPr>
-              <a:t>Asp.net</a:t>
-            </a:r>
-          </a:p>
-          <a:p>
-            <a:pPr eaLnBrk="1" hangingPunct="1"/>
-            <a:r>
-              <a:rPr lang="fr-CA" altLang="zh-CN" sz="2800" smtClean="0">
+              <a:t> </a:t>
+            </a:r>
+            <a:r>
+              <a:rPr lang="fr-CA" altLang="zh-CN" sz="2400" dirty="0">
                 <a:solidFill>
                   <a:schemeClr val="bg1"/>
                 </a:solidFill>
               </a:rPr>
-              <a:t>SQL Sever</a:t>
-            </a:r>
-          </a:p>
-          <a:p>
-            <a:pPr eaLnBrk="1" hangingPunct="1"/>
-            <a:r>
-              <a:rPr lang="fr-CA" altLang="zh-CN" sz="2800" smtClean="0">
+              <a:t>1. Design Main pages of website</a:t>
+            </a:r>
+          </a:p>
+          <a:p>
+            <a:pPr eaLnBrk="1" hangingPunct="1">
+              <a:spcAft>
+                <a:spcPts val="500"/>
+              </a:spcAft>
+              <a:defRPr/>
+            </a:pPr>
+            <a:r>
+              <a:rPr lang="fr-CA" altLang="zh-CN" sz="2400" dirty="0">
                 <a:solidFill>
                   <a:schemeClr val="bg1"/>
                 </a:solidFill>
               </a:rPr>
-              <a:t>C#</a:t>
-            </a:r>
-          </a:p>
-          <a:p>
-            <a:pPr eaLnBrk="1" hangingPunct="1"/>
-            <a:r>
-              <a:rPr lang="fr-CA" altLang="zh-CN" sz="2800" smtClean="0">
+              <a:t>2. Gather contents to enrich database</a:t>
+            </a:r>
+          </a:p>
+          <a:p>
+            <a:pPr eaLnBrk="1" hangingPunct="1">
+              <a:spcAft>
+                <a:spcPts val="500"/>
+              </a:spcAft>
+              <a:defRPr/>
+            </a:pPr>
+            <a:r>
+              <a:rPr lang="fr-CA" altLang="zh-CN" sz="2400" dirty="0">
                 <a:solidFill>
                   <a:schemeClr val="bg1"/>
                 </a:solidFill>
               </a:rPr>
-              <a:t>HTML</a:t>
-            </a:r>
+              <a:t>3. login function and friends function.</a:t>
+            </a:r>
+          </a:p>
+          <a:p>
+            <a:pPr marL="0" indent="0" eaLnBrk="1" hangingPunct="1">
+              <a:spcAft>
+                <a:spcPts val="500"/>
+              </a:spcAft>
+              <a:buNone/>
+              <a:defRPr/>
+            </a:pPr>
+            <a:r>
+              <a:rPr lang="fr-CA" altLang="zh-CN" sz="2400" dirty="0">
+                <a:solidFill>
+                  <a:schemeClr val="bg1"/>
+                </a:solidFill>
+              </a:rPr>
+              <a:t>      </a:t>
+            </a:r>
+            <a:r>
+              <a:rPr lang="fr-CA" altLang="zh-CN" sz="2400" dirty="0" smtClean="0">
+                <a:solidFill>
+                  <a:schemeClr val="bg1"/>
+                </a:solidFill>
+              </a:rPr>
+              <a:t>    (</a:t>
+            </a:r>
+            <a:r>
+              <a:rPr lang="fr-CA" altLang="zh-CN" sz="2400" dirty="0">
+                <a:solidFill>
+                  <a:schemeClr val="bg1"/>
+                </a:solidFill>
+              </a:rPr>
+              <a:t>Design database for user information)</a:t>
+            </a:r>
+          </a:p>
+          <a:p>
+            <a:pPr eaLnBrk="1" hangingPunct="1">
+              <a:spcAft>
+                <a:spcPts val="500"/>
+              </a:spcAft>
+              <a:defRPr/>
+            </a:pPr>
+            <a:r>
+              <a:rPr lang="fr-CA" altLang="zh-CN" sz="2400" dirty="0">
+                <a:solidFill>
+                  <a:schemeClr val="bg1"/>
+                </a:solidFill>
+              </a:rPr>
+              <a:t>4. Design personal page</a:t>
+            </a:r>
+          </a:p>
+          <a:p>
+            <a:pPr eaLnBrk="1" hangingPunct="1">
+              <a:spcAft>
+                <a:spcPts val="500"/>
+              </a:spcAft>
+              <a:defRPr/>
+            </a:pPr>
+            <a:r>
+              <a:rPr lang="fr-CA" altLang="zh-CN" sz="2400" dirty="0">
+                <a:solidFill>
+                  <a:schemeClr val="bg1"/>
+                </a:solidFill>
+              </a:rPr>
+              <a:t>5. Design database for travel blog function</a:t>
+            </a:r>
+          </a:p>
+          <a:p>
+            <a:pPr eaLnBrk="1" hangingPunct="1">
+              <a:spcAft>
+                <a:spcPts val="500"/>
+              </a:spcAft>
+              <a:defRPr/>
+            </a:pPr>
+            <a:r>
+              <a:rPr lang="fr-CA" altLang="zh-CN" sz="2400" dirty="0">
+                <a:solidFill>
+                  <a:schemeClr val="bg1"/>
+                </a:solidFill>
+              </a:rPr>
+              <a:t>6. Comment function, thumb up or thumb down</a:t>
+            </a:r>
+          </a:p>
+          <a:p>
+            <a:pPr eaLnBrk="1" hangingPunct="1">
+              <a:spcAft>
+                <a:spcPts val="500"/>
+              </a:spcAft>
+              <a:defRPr/>
+            </a:pPr>
+            <a:r>
+              <a:rPr lang="fr-CA" altLang="zh-CN" sz="2400" dirty="0">
+                <a:solidFill>
+                  <a:schemeClr val="bg1"/>
+                </a:solidFill>
+              </a:rPr>
+              <a:t>7. UI beautification</a:t>
+            </a:r>
+          </a:p>
+          <a:p>
+            <a:pPr eaLnBrk="1" hangingPunct="1">
+              <a:spcAft>
+                <a:spcPts val="500"/>
+              </a:spcAft>
+              <a:defRPr/>
+            </a:pPr>
+            <a:r>
+              <a:rPr lang="fr-CA" altLang="zh-CN" sz="2400" dirty="0">
+                <a:solidFill>
+                  <a:schemeClr val="bg1"/>
+                </a:solidFill>
+              </a:rPr>
+              <a:t>8. Advanced Features</a:t>
+            </a:r>
+          </a:p>
+          <a:p>
+            <a:pPr eaLnBrk="1" hangingPunct="1">
+              <a:spcAft>
+                <a:spcPts val="500"/>
+              </a:spcAft>
+              <a:defRPr/>
+            </a:pPr>
+            <a:r>
+              <a:rPr lang="fr-CA" altLang="zh-CN" sz="2400" dirty="0">
+                <a:solidFill>
+                  <a:schemeClr val="bg1"/>
+                </a:solidFill>
+              </a:rPr>
+              <a:t>9. Testing</a:t>
+            </a:r>
+          </a:p>
+          <a:p>
+            <a:pPr marL="0" indent="0" eaLnBrk="1" hangingPunct="1">
+              <a:buFont typeface="Arial" charset="0"/>
+              <a:buNone/>
+            </a:pPr>
+            <a:endParaRPr lang="fr-CA" altLang="zh-CN" sz="2400" dirty="0" smtClean="0">
+              <a:solidFill>
+                <a:schemeClr val="bg1"/>
+              </a:solidFill>
+            </a:endParaRPr>
           </a:p>
         </p:txBody>
       </p:sp>
     </p:spTree>
+    <p:extLst>
+      <p:ext uri="{BB962C8B-B14F-4D97-AF65-F5344CB8AC3E}">
+        <p14:creationId xmlns:p14="http://schemas.microsoft.com/office/powerpoint/2010/main" val="3280620794"/>
+      </p:ext>
+    </p:extLst>
   </p:cSld>
   <p:clrMapOvr>
     <a:masterClrMapping/>

--- a/512副本.pptx
+++ b/512副本.pptx
@@ -10,15 +10,13 @@
     <p:sldId id="281" r:id="rId4"/>
     <p:sldId id="282" r:id="rId5"/>
     <p:sldId id="274" r:id="rId6"/>
-    <p:sldId id="275" r:id="rId7"/>
-    <p:sldId id="277" r:id="rId8"/>
-    <p:sldId id="280" r:id="rId9"/>
-    <p:sldId id="286" r:id="rId10"/>
-    <p:sldId id="287" r:id="rId11"/>
-    <p:sldId id="288" r:id="rId12"/>
-    <p:sldId id="285" r:id="rId13"/>
-    <p:sldId id="270" r:id="rId14"/>
-    <p:sldId id="260" r:id="rId15"/>
+    <p:sldId id="277" r:id="rId7"/>
+    <p:sldId id="280" r:id="rId8"/>
+    <p:sldId id="286" r:id="rId9"/>
+    <p:sldId id="287" r:id="rId10"/>
+    <p:sldId id="288" r:id="rId11"/>
+    <p:sldId id="289" r:id="rId12"/>
+    <p:sldId id="260" r:id="rId13"/>
   </p:sldIdLst>
   <p:sldSz cx="9144000" cy="6858000" type="screen4x3"/>
   <p:notesSz cx="6858000" cy="9144000"/>
@@ -3678,9 +3676,9 @@
           <a:p>
             <a:pPr eaLnBrk="1" hangingPunct="1"/>
             <a:r>
-              <a:rPr lang="en-US" altLang="zh-CN" sz="4800" i="1" smtClean="0">
+              <a:rPr lang="en-US" altLang="zh-CN" sz="4800" i="1" dirty="0" smtClean="0">
                 <a:solidFill>
-                  <a:schemeClr val="tx1"/>
+                  <a:schemeClr val="bg1"/>
                 </a:solidFill>
               </a:rPr>
               <a:t>Travel Diary</a:t>
@@ -3688,7 +3686,7 @@
           </a:p>
           <a:p>
             <a:pPr eaLnBrk="1" hangingPunct="1"/>
-            <a:endParaRPr lang="fr-CA" altLang="zh-CN" smtClean="0">
+            <a:endParaRPr lang="fr-CA" altLang="zh-CN" dirty="0" smtClean="0">
               <a:solidFill>
                 <a:schemeClr val="tx1"/>
               </a:solidFill>
@@ -4081,13 +4079,13 @@
           <a:p>
             <a:pPr algn="l" eaLnBrk="1" hangingPunct="1"/>
             <a:r>
-              <a:rPr lang="fr-CA" altLang="zh-CN" dirty="0" smtClean="0">
+              <a:rPr lang="fr-CA" altLang="zh-CN" dirty="0">
                 <a:solidFill>
                   <a:schemeClr val="bg1"/>
                 </a:solidFill>
                 <a:latin typeface="FFF Tusj" pitchFamily="18" charset="0"/>
               </a:rPr>
-              <a:t>Gannt Chart</a:t>
+              <a:t>Work Division</a:t>
             </a:r>
             <a:endParaRPr lang="fr-CA" altLang="zh-CN" dirty="0" smtClean="0">
               <a:solidFill>
@@ -4110,7 +4108,7 @@
         </p:nvSpPr>
         <p:spPr>
           <a:xfrm>
-            <a:off x="2528888" y="1412776"/>
+            <a:off x="2528888" y="1340768"/>
             <a:ext cx="6615112" cy="4525962"/>
           </a:xfrm>
         </p:spPr>
@@ -4118,11 +4116,180 @@
           <a:bodyPr/>
           <a:lstStyle/>
           <a:p>
+            <a:pPr eaLnBrk="1" hangingPunct="1">
+              <a:defRPr/>
+            </a:pPr>
+            <a:r>
+              <a:rPr lang="fr-CA" altLang="zh-CN" sz="2000" dirty="0">
+                <a:solidFill>
+                  <a:schemeClr val="bg1"/>
+                </a:solidFill>
+              </a:rPr>
+              <a:t>Ying Wang</a:t>
+            </a:r>
+          </a:p>
+          <a:p>
+            <a:pPr lvl="1" eaLnBrk="1" hangingPunct="1">
+              <a:defRPr/>
+            </a:pPr>
+            <a:r>
+              <a:rPr lang="fr-CA" altLang="zh-CN" sz="2000" dirty="0">
+                <a:solidFill>
+                  <a:schemeClr val="bg1"/>
+                </a:solidFill>
+              </a:rPr>
+              <a:t>User interface design and implementation.</a:t>
+            </a:r>
+          </a:p>
+          <a:p>
+            <a:pPr lvl="1" eaLnBrk="1" hangingPunct="1">
+              <a:defRPr/>
+            </a:pPr>
+            <a:r>
+              <a:rPr lang="fr-CA" altLang="zh-CN" sz="2000" dirty="0">
+                <a:solidFill>
+                  <a:schemeClr val="bg1"/>
+                </a:solidFill>
+              </a:rPr>
+              <a:t>Gather information for the contents and enrich the database.</a:t>
+            </a:r>
+          </a:p>
+          <a:p>
+            <a:pPr eaLnBrk="1" hangingPunct="1">
+              <a:defRPr/>
+            </a:pPr>
+            <a:r>
+              <a:rPr lang="fr-CA" altLang="zh-CN" sz="2000" dirty="0">
+                <a:solidFill>
+                  <a:schemeClr val="bg1"/>
+                </a:solidFill>
+              </a:rPr>
+              <a:t>Congrui Xu</a:t>
+            </a:r>
+          </a:p>
+          <a:p>
+            <a:pPr lvl="1" eaLnBrk="1" hangingPunct="1">
+              <a:defRPr/>
+            </a:pPr>
+            <a:r>
+              <a:rPr lang="fr-CA" altLang="zh-CN" sz="2000" dirty="0">
+                <a:solidFill>
+                  <a:schemeClr val="bg1"/>
+                </a:solidFill>
+              </a:rPr>
+              <a:t>Login function and friends function.</a:t>
+            </a:r>
+          </a:p>
+          <a:p>
+            <a:pPr lvl="1" eaLnBrk="1" hangingPunct="1">
+              <a:defRPr/>
+            </a:pPr>
+            <a:r>
+              <a:rPr lang="fr-CA" altLang="zh-CN" sz="2000" dirty="0">
+                <a:solidFill>
+                  <a:schemeClr val="bg1"/>
+                </a:solidFill>
+              </a:rPr>
+              <a:t>Testing</a:t>
+            </a:r>
+          </a:p>
+          <a:p>
+            <a:pPr eaLnBrk="1" hangingPunct="1">
+              <a:defRPr/>
+            </a:pPr>
+            <a:r>
+              <a:rPr lang="fr-CA" altLang="zh-CN" sz="2000" dirty="0">
+                <a:solidFill>
+                  <a:schemeClr val="bg1"/>
+                </a:solidFill>
+              </a:rPr>
+              <a:t>Tong Liu</a:t>
+            </a:r>
+          </a:p>
+          <a:p>
+            <a:pPr lvl="1" eaLnBrk="1" hangingPunct="1">
+              <a:defRPr/>
+            </a:pPr>
+            <a:r>
+              <a:rPr lang="fr-CA" altLang="zh-CN" sz="2000" dirty="0">
+                <a:solidFill>
+                  <a:schemeClr val="bg1"/>
+                </a:solidFill>
+              </a:rPr>
+              <a:t>Design and maintain the database for user imformation</a:t>
+            </a:r>
+          </a:p>
+          <a:p>
+            <a:pPr lvl="1" eaLnBrk="1" hangingPunct="1">
+              <a:defRPr/>
+            </a:pPr>
+            <a:r>
+              <a:rPr lang="fr-CA" altLang="zh-CN" sz="2000" dirty="0">
+                <a:solidFill>
+                  <a:schemeClr val="bg1"/>
+                </a:solidFill>
+              </a:rPr>
+              <a:t>Design databse for travel blog and photos</a:t>
+            </a:r>
+          </a:p>
+          <a:p>
+            <a:pPr eaLnBrk="1" hangingPunct="1">
+              <a:defRPr/>
+            </a:pPr>
+            <a:r>
+              <a:rPr lang="fr-CA" altLang="zh-CN" sz="2000" dirty="0">
+                <a:solidFill>
+                  <a:schemeClr val="bg1"/>
+                </a:solidFill>
+              </a:rPr>
+              <a:t>Shaobin Ding</a:t>
+            </a:r>
+          </a:p>
+          <a:p>
+            <a:pPr lvl="1" eaLnBrk="1" hangingPunct="1">
+              <a:defRPr/>
+            </a:pPr>
+            <a:r>
+              <a:rPr lang="fr-CA" altLang="zh-CN" sz="2000" dirty="0">
+                <a:solidFill>
+                  <a:schemeClr val="bg1"/>
+                </a:solidFill>
+              </a:rPr>
+              <a:t>Progaming for main page and personal pages</a:t>
+            </a:r>
+          </a:p>
+          <a:p>
+            <a:pPr lvl="1" eaLnBrk="1" hangingPunct="1">
+              <a:defRPr/>
+            </a:pPr>
+            <a:r>
+              <a:rPr lang="fr-CA" altLang="zh-CN" sz="2000" dirty="0">
+                <a:solidFill>
+                  <a:schemeClr val="bg1"/>
+                </a:solidFill>
+              </a:rPr>
+              <a:t>Design the structure of travel blog</a:t>
+            </a:r>
+          </a:p>
+          <a:p>
+            <a:pPr lvl="1" eaLnBrk="1" hangingPunct="1">
+              <a:defRPr/>
+            </a:pPr>
+            <a:r>
+              <a:rPr lang="fr-CA" altLang="zh-CN" sz="2000" dirty="0">
+                <a:solidFill>
+                  <a:schemeClr val="bg1"/>
+                </a:solidFill>
+              </a:rPr>
+              <a:t>Comment function</a:t>
+            </a:r>
+          </a:p>
+          <a:p>
             <a:pPr marL="0" indent="0" eaLnBrk="1" hangingPunct="1">
-              <a:buFont typeface="Arial" charset="0"/>
               <a:buNone/>
+              <a:defRPr/>
             </a:pPr>
-            <a:endParaRPr lang="fr-CA" altLang="zh-CN" sz="2400" dirty="0" smtClean="0">
+            <a:endParaRPr lang="fr-CA" altLang="zh-CN" sz="2000" dirty="0">
               <a:solidFill>
                 <a:schemeClr val="bg1"/>
               </a:solidFill>
@@ -4130,118 +4297,10 @@
           </a:p>
         </p:txBody>
       </p:sp>
-      <p:pic>
-        <p:nvPicPr>
-          <p:cNvPr id="4" name="Picture 2"/>
-          <p:cNvPicPr>
-            <a:picLocks noChangeAspect="1" noChangeArrowheads="1"/>
-          </p:cNvPicPr>
-          <p:nvPr/>
-        </p:nvPicPr>
-        <p:blipFill>
-          <a:blip r:embed="rId3">
-            <a:extLst>
-              <a:ext uri="{28A0092B-C50C-407E-A947-70E740481C1C}">
-                <a14:useLocalDpi xmlns:a14="http://schemas.microsoft.com/office/drawing/2010/main" val="0"/>
-              </a:ext>
-            </a:extLst>
-          </a:blip>
-          <a:srcRect/>
-          <a:stretch>
-            <a:fillRect/>
-          </a:stretch>
-        </p:blipFill>
-        <p:spPr bwMode="auto">
-          <a:xfrm>
-            <a:off x="2555778" y="3611017"/>
-            <a:ext cx="6297834" cy="2482279"/>
-          </a:xfrm>
-          <a:prstGeom prst="rect">
-            <a:avLst/>
-          </a:prstGeom>
-          <a:noFill/>
-          <a:ln>
-            <a:noFill/>
-          </a:ln>
-          <a:extLst>
-            <a:ext uri="{909E8E84-426E-40DD-AFC4-6F175D3DCCD1}">
-              <a14:hiddenFill xmlns:a14="http://schemas.microsoft.com/office/drawing/2010/main">
-                <a:solidFill>
-                  <a:schemeClr val="accent1"/>
-                </a:solidFill>
-              </a14:hiddenFill>
-            </a:ext>
-            <a:ext uri="{91240B29-F687-4F45-9708-019B960494DF}">
-              <a14:hiddenLine xmlns:a14="http://schemas.microsoft.com/office/drawing/2010/main" w="9525">
-                <a:solidFill>
-                  <a:schemeClr val="tx1"/>
-                </a:solidFill>
-                <a:miter lim="800000"/>
-                <a:headEnd/>
-                <a:tailEnd/>
-              </a14:hiddenLine>
-            </a:ext>
-          </a:extLst>
-        </p:spPr>
-      </p:pic>
-      <p:pic>
-        <p:nvPicPr>
-          <p:cNvPr id="5" name="Picture 8"/>
-          <p:cNvPicPr>
-            <a:picLocks noChangeAspect="1" noChangeArrowheads="1"/>
-          </p:cNvPicPr>
-          <p:nvPr/>
-        </p:nvPicPr>
-        <p:blipFill>
-          <a:blip r:embed="rId4">
-            <a:extLst>
-              <a:ext uri="{28A0092B-C50C-407E-A947-70E740481C1C}">
-                <a14:useLocalDpi xmlns:a14="http://schemas.microsoft.com/office/drawing/2010/main" val="0"/>
-              </a:ext>
-            </a:extLst>
-          </a:blip>
-          <a:srcRect/>
-          <a:stretch>
-            <a:fillRect/>
-          </a:stretch>
-        </p:blipFill>
-        <p:spPr bwMode="auto">
-          <a:xfrm>
-            <a:off x="2528037" y="1484784"/>
-            <a:ext cx="6325575" cy="1957509"/>
-          </a:xfrm>
-          <a:prstGeom prst="rect">
-            <a:avLst/>
-          </a:prstGeom>
-          <a:noFill/>
-          <a:ln>
-            <a:noFill/>
-          </a:ln>
-          <a:extLst>
-            <a:ext uri="{909E8E84-426E-40DD-AFC4-6F175D3DCCD1}">
-              <a14:hiddenFill xmlns:a14="http://schemas.microsoft.com/office/drawing/2010/main">
-                <a:solidFill>
-                  <a:schemeClr val="accent1"/>
-                </a:solidFill>
-              </a14:hiddenFill>
-            </a:ext>
-            <a:ext uri="{91240B29-F687-4F45-9708-019B960494DF}">
-              <a14:hiddenLine xmlns:a14="http://schemas.microsoft.com/office/drawing/2010/main" w="9525">
-                <a:solidFill>
-                  <a:schemeClr val="tx1"/>
-                </a:solidFill>
-                <a:miter lim="800000"/>
-                <a:headEnd/>
-                <a:tailEnd/>
-              </a14:hiddenLine>
-            </a:ext>
-          </a:extLst>
-        </p:spPr>
-      </p:pic>
     </p:spTree>
     <p:extLst>
       <p:ext uri="{BB962C8B-B14F-4D97-AF65-F5344CB8AC3E}">
-        <p14:creationId xmlns:p14="http://schemas.microsoft.com/office/powerpoint/2010/main" val="1338142244"/>
+        <p14:creationId xmlns:p14="http://schemas.microsoft.com/office/powerpoint/2010/main" val="4245606113"/>
       </p:ext>
     </p:extLst>
   </p:cSld>
@@ -4309,13 +4368,13 @@
           <a:p>
             <a:pPr algn="l" eaLnBrk="1" hangingPunct="1"/>
             <a:r>
-              <a:rPr lang="fr-CA" altLang="zh-CN">
+              <a:rPr lang="fr-CA" altLang="zh-CN" dirty="0">
                 <a:solidFill>
                   <a:schemeClr val="bg1"/>
                 </a:solidFill>
                 <a:latin typeface="FFF Tusj" pitchFamily="18" charset="0"/>
               </a:rPr>
-              <a:t>Work Division</a:t>
+              <a:t>Risk Analysis</a:t>
             </a:r>
             <a:endParaRPr lang="fr-CA" altLang="zh-CN" dirty="0" smtClean="0">
               <a:solidFill>
@@ -4338,7 +4397,7 @@
         </p:nvSpPr>
         <p:spPr>
           <a:xfrm>
-            <a:off x="2528888" y="1412776"/>
+            <a:off x="2528888" y="1556792"/>
             <a:ext cx="6615112" cy="4525962"/>
           </a:xfrm>
         </p:spPr>
@@ -4350,187 +4409,66 @@
               <a:defRPr/>
             </a:pPr>
             <a:r>
-              <a:rPr lang="fr-CA" altLang="zh-CN" sz="2000" dirty="0">
+              <a:rPr lang="fr-CA" altLang="zh-CN" dirty="0">
                 <a:solidFill>
                   <a:schemeClr val="bg1"/>
                 </a:solidFill>
               </a:rPr>
-              <a:t>Ying Wang</a:t>
-            </a:r>
-          </a:p>
-          <a:p>
-            <a:pPr lvl="1" eaLnBrk="1" hangingPunct="1">
+              <a:t>1 Trip plan function </a:t>
+            </a:r>
+          </a:p>
+          <a:p>
+            <a:pPr eaLnBrk="1" hangingPunct="1">
               <a:defRPr/>
             </a:pPr>
-            <a:r>
-              <a:rPr lang="fr-CA" altLang="zh-CN" sz="2000" dirty="0">
+            <a:endParaRPr lang="fr-CA" altLang="zh-CN" dirty="0">
+              <a:solidFill>
+                <a:schemeClr val="bg1"/>
+              </a:solidFill>
+            </a:endParaRPr>
+          </a:p>
+          <a:p>
+            <a:pPr eaLnBrk="1" hangingPunct="1">
+              <a:defRPr/>
+            </a:pPr>
+            <a:r>
+              <a:rPr lang="fr-CA" altLang="zh-CN" dirty="0">
                 <a:solidFill>
                   <a:schemeClr val="bg1"/>
                 </a:solidFill>
               </a:rPr>
-              <a:t>User interface design and implementation.</a:t>
-            </a:r>
-          </a:p>
-          <a:p>
-            <a:pPr lvl="1" eaLnBrk="1" hangingPunct="1">
+              <a:t>2 Recommendation function</a:t>
+            </a:r>
+          </a:p>
+          <a:p>
+            <a:pPr eaLnBrk="1" hangingPunct="1">
               <a:defRPr/>
             </a:pPr>
-            <a:r>
-              <a:rPr lang="fr-CA" altLang="zh-CN" sz="2000" dirty="0">
+            <a:endParaRPr lang="fr-CA" altLang="zh-CN" dirty="0">
+              <a:solidFill>
+                <a:schemeClr val="bg1"/>
+              </a:solidFill>
+            </a:endParaRPr>
+          </a:p>
+          <a:p>
+            <a:pPr eaLnBrk="1" hangingPunct="1">
+              <a:defRPr/>
+            </a:pPr>
+            <a:r>
+              <a:rPr lang="fr-CA" altLang="zh-CN" dirty="0">
                 <a:solidFill>
                   <a:schemeClr val="bg1"/>
                 </a:solidFill>
               </a:rPr>
-              <a:t>Gather information for the contents and enrich the database.</a:t>
-            </a:r>
-          </a:p>
-          <a:p>
-            <a:pPr eaLnBrk="1" hangingPunct="1">
-              <a:defRPr/>
-            </a:pPr>
-            <a:r>
-              <a:rPr lang="fr-CA" altLang="zh-CN" sz="2000" dirty="0">
-                <a:solidFill>
-                  <a:schemeClr val="bg1"/>
-                </a:solidFill>
-              </a:rPr>
-              <a:t>Congrui Xu</a:t>
-            </a:r>
-          </a:p>
-          <a:p>
-            <a:pPr lvl="1" eaLnBrk="1" hangingPunct="1">
-              <a:defRPr/>
-            </a:pPr>
-            <a:r>
-              <a:rPr lang="fr-CA" altLang="zh-CN" sz="2000" dirty="0">
-                <a:solidFill>
-                  <a:schemeClr val="bg1"/>
-                </a:solidFill>
-              </a:rPr>
-              <a:t>Login function and friends function.</a:t>
-            </a:r>
-          </a:p>
-          <a:p>
-            <a:pPr lvl="1" eaLnBrk="1" hangingPunct="1">
-              <a:defRPr/>
-            </a:pPr>
-            <a:r>
-              <a:rPr lang="fr-CA" altLang="zh-CN" sz="2000" dirty="0">
-                <a:solidFill>
-                  <a:schemeClr val="bg1"/>
-                </a:solidFill>
-              </a:rPr>
-              <a:t>Testing</a:t>
-            </a:r>
-          </a:p>
-          <a:p>
-            <a:pPr eaLnBrk="1" hangingPunct="1">
-              <a:defRPr/>
-            </a:pPr>
-            <a:r>
-              <a:rPr lang="fr-CA" altLang="zh-CN" sz="2000" dirty="0">
-                <a:solidFill>
-                  <a:schemeClr val="bg1"/>
-                </a:solidFill>
-              </a:rPr>
-              <a:t>Tong Liu</a:t>
-            </a:r>
-          </a:p>
-          <a:p>
-            <a:pPr lvl="1" eaLnBrk="1" hangingPunct="1">
-              <a:defRPr/>
-            </a:pPr>
-            <a:r>
-              <a:rPr lang="fr-CA" altLang="zh-CN" sz="2000" dirty="0">
-                <a:solidFill>
-                  <a:schemeClr val="bg1"/>
-                </a:solidFill>
-              </a:rPr>
-              <a:t>Design and maintain the database for user imformation</a:t>
-            </a:r>
-          </a:p>
-          <a:p>
-            <a:pPr lvl="1" eaLnBrk="1" hangingPunct="1">
-              <a:defRPr/>
-            </a:pPr>
-            <a:r>
-              <a:rPr lang="fr-CA" altLang="zh-CN" sz="2000" dirty="0">
-                <a:solidFill>
-                  <a:schemeClr val="bg1"/>
-                </a:solidFill>
-              </a:rPr>
-              <a:t>Design databse for travel blog and photos</a:t>
-            </a:r>
-          </a:p>
-          <a:p>
-            <a:pPr eaLnBrk="1" hangingPunct="1">
-              <a:defRPr/>
-            </a:pPr>
-            <a:r>
-              <a:rPr lang="fr-CA" altLang="zh-CN" sz="2000" dirty="0">
-                <a:solidFill>
-                  <a:schemeClr val="bg1"/>
-                </a:solidFill>
-              </a:rPr>
-              <a:t>Shaobin Ding</a:t>
-            </a:r>
-          </a:p>
-          <a:p>
-            <a:pPr lvl="1" eaLnBrk="1" hangingPunct="1">
-              <a:defRPr/>
-            </a:pPr>
-            <a:r>
-              <a:rPr lang="fr-CA" altLang="zh-CN" sz="2000" dirty="0">
-                <a:solidFill>
-                  <a:schemeClr val="bg1"/>
-                </a:solidFill>
-              </a:rPr>
-              <a:t>Progaming for main page and personal pages</a:t>
-            </a:r>
-          </a:p>
-          <a:p>
-            <a:pPr lvl="1" eaLnBrk="1" hangingPunct="1">
-              <a:defRPr/>
-            </a:pPr>
-            <a:r>
-              <a:rPr lang="fr-CA" altLang="zh-CN" sz="2000" dirty="0">
-                <a:solidFill>
-                  <a:schemeClr val="bg1"/>
-                </a:solidFill>
-              </a:rPr>
-              <a:t>Design the structure of travel blog</a:t>
-            </a:r>
-          </a:p>
-          <a:p>
-            <a:pPr lvl="1" eaLnBrk="1" hangingPunct="1">
-              <a:defRPr/>
-            </a:pPr>
-            <a:r>
-              <a:rPr lang="fr-CA" altLang="zh-CN" sz="2000" dirty="0">
-                <a:solidFill>
-                  <a:schemeClr val="bg1"/>
-                </a:solidFill>
-              </a:rPr>
-              <a:t>Comment function</a:t>
-            </a:r>
-          </a:p>
-          <a:p>
-            <a:pPr marL="0" indent="0" eaLnBrk="1" hangingPunct="1">
-              <a:buNone/>
-              <a:defRPr/>
-            </a:pPr>
-            <a:endParaRPr lang="fr-CA" altLang="zh-CN" sz="2000" dirty="0">
-              <a:solidFill>
-                <a:schemeClr val="bg1"/>
-              </a:solidFill>
-            </a:endParaRPr>
+              <a:t>3 Dynamic news update</a:t>
+            </a:r>
           </a:p>
         </p:txBody>
       </p:sp>
     </p:spTree>
     <p:extLst>
       <p:ext uri="{BB962C8B-B14F-4D97-AF65-F5344CB8AC3E}">
-        <p14:creationId xmlns:p14="http://schemas.microsoft.com/office/powerpoint/2010/main" val="4245606113"/>
+        <p14:creationId xmlns:p14="http://schemas.microsoft.com/office/powerpoint/2010/main" val="2305796882"/>
       </p:ext>
     </p:extLst>
   </p:cSld>
@@ -4548,508 +4486,6 @@
 </file>
 
 <file path=ppt/slides/slide12.xml><?xml version="1.0" encoding="utf-8"?>
-<p:sld xmlns:a="http://schemas.openxmlformats.org/drawingml/2006/main" xmlns:r="http://schemas.openxmlformats.org/officeDocument/2006/relationships" xmlns:p="http://schemas.openxmlformats.org/presentationml/2006/main">
-  <p:cSld>
-    <p:bg>
-      <p:bgPr>
-        <a:blipFill dpi="0" rotWithShape="0">
-          <a:blip r:embed="rId2"/>
-          <a:srcRect/>
-          <a:stretch>
-            <a:fillRect/>
-          </a:stretch>
-        </a:blipFill>
-        <a:effectLst/>
-      </p:bgPr>
-    </p:bg>
-    <p:spTree>
-      <p:nvGrpSpPr>
-        <p:cNvPr id="1" name=""/>
-        <p:cNvGrpSpPr/>
-        <p:nvPr/>
-      </p:nvGrpSpPr>
-      <p:grpSpPr>
-        <a:xfrm>
-          <a:off x="0" y="0"/>
-          <a:ext cx="0" cy="0"/>
-          <a:chOff x="0" y="0"/>
-          <a:chExt cx="0" cy="0"/>
-        </a:xfrm>
-      </p:grpSpPr>
-      <p:sp>
-        <p:nvSpPr>
-          <p:cNvPr id="18434" name="Titre 3"/>
-          <p:cNvSpPr>
-            <a:spLocks noGrp="1"/>
-          </p:cNvSpPr>
-          <p:nvPr>
-            <p:ph type="title"/>
-          </p:nvPr>
-        </p:nvSpPr>
-        <p:spPr>
-          <a:xfrm>
-            <a:off x="755576" y="332656"/>
-            <a:ext cx="7099126" cy="1143000"/>
-          </a:xfrm>
-        </p:spPr>
-        <p:txBody>
-          <a:bodyPr/>
-          <a:lstStyle/>
-          <a:p>
-            <a:pPr algn="l" eaLnBrk="1" hangingPunct="1"/>
-            <a:r>
-              <a:rPr lang="fr-CA" altLang="zh-CN" dirty="0" smtClean="0">
-                <a:solidFill>
-                  <a:schemeClr val="bg1"/>
-                </a:solidFill>
-                <a:latin typeface="FFF Tusj" pitchFamily="18" charset="0"/>
-              </a:rPr>
-              <a:t>Work Division</a:t>
-            </a:r>
-            <a:endParaRPr lang="fr-CA" altLang="zh-CN" dirty="0" smtClean="0">
-              <a:solidFill>
-                <a:schemeClr val="bg1"/>
-              </a:solidFill>
-              <a:latin typeface="FFF Tusj" pitchFamily="18" charset="0"/>
-            </a:endParaRPr>
-          </a:p>
-        </p:txBody>
-      </p:sp>
-      <p:sp>
-        <p:nvSpPr>
-          <p:cNvPr id="5123" name="Espace réservé du contenu 4"/>
-          <p:cNvSpPr>
-            <a:spLocks noGrp="1"/>
-          </p:cNvSpPr>
-          <p:nvPr>
-            <p:ph idx="1"/>
-          </p:nvPr>
-        </p:nvSpPr>
-        <p:spPr>
-          <a:xfrm>
-            <a:off x="457200" y="1628801"/>
-            <a:ext cx="8229600" cy="4943450"/>
-          </a:xfrm>
-        </p:spPr>
-        <p:txBody>
-          <a:bodyPr/>
-          <a:lstStyle/>
-          <a:p>
-            <a:pPr eaLnBrk="1" hangingPunct="1">
-              <a:defRPr/>
-            </a:pPr>
-            <a:r>
-              <a:rPr lang="fr-CA" altLang="zh-CN" sz="2000" dirty="0" smtClean="0">
-                <a:solidFill>
-                  <a:schemeClr val="bg1"/>
-                </a:solidFill>
-              </a:rPr>
-              <a:t>Ying Wang</a:t>
-            </a:r>
-          </a:p>
-          <a:p>
-            <a:pPr lvl="1" eaLnBrk="1" hangingPunct="1">
-              <a:defRPr/>
-            </a:pPr>
-            <a:r>
-              <a:rPr lang="fr-CA" altLang="zh-CN" sz="2000" dirty="0">
-                <a:solidFill>
-                  <a:schemeClr val="bg1"/>
-                </a:solidFill>
-              </a:rPr>
-              <a:t>User interface design and </a:t>
-            </a:r>
-            <a:r>
-              <a:rPr lang="fr-CA" altLang="zh-CN" sz="2000" dirty="0" smtClean="0">
-                <a:solidFill>
-                  <a:schemeClr val="bg1"/>
-                </a:solidFill>
-              </a:rPr>
-              <a:t>implementation.</a:t>
-            </a:r>
-            <a:endParaRPr lang="fr-CA" altLang="zh-CN" sz="2000" dirty="0">
-              <a:solidFill>
-                <a:schemeClr val="bg1"/>
-              </a:solidFill>
-            </a:endParaRPr>
-          </a:p>
-          <a:p>
-            <a:pPr lvl="1" eaLnBrk="1" hangingPunct="1">
-              <a:defRPr/>
-            </a:pPr>
-            <a:r>
-              <a:rPr lang="fr-CA" altLang="zh-CN" sz="2000" dirty="0">
-                <a:solidFill>
-                  <a:schemeClr val="bg1"/>
-                </a:solidFill>
-              </a:rPr>
-              <a:t>Gather information for the contents and </a:t>
-            </a:r>
-            <a:r>
-              <a:rPr lang="fr-CA" altLang="zh-CN" sz="2000" dirty="0" smtClean="0">
-                <a:solidFill>
-                  <a:schemeClr val="bg1"/>
-                </a:solidFill>
-              </a:rPr>
-              <a:t>enrich the database.</a:t>
-            </a:r>
-            <a:endParaRPr lang="fr-CA" altLang="zh-CN" sz="2000" dirty="0" smtClean="0">
-              <a:solidFill>
-                <a:schemeClr val="bg1"/>
-              </a:solidFill>
-            </a:endParaRPr>
-          </a:p>
-          <a:p>
-            <a:pPr eaLnBrk="1" hangingPunct="1">
-              <a:defRPr/>
-            </a:pPr>
-            <a:r>
-              <a:rPr lang="fr-CA" altLang="zh-CN" sz="2000" dirty="0" smtClean="0">
-                <a:solidFill>
-                  <a:schemeClr val="bg1"/>
-                </a:solidFill>
-              </a:rPr>
-              <a:t>Congrui Xu</a:t>
-            </a:r>
-          </a:p>
-          <a:p>
-            <a:pPr lvl="1" eaLnBrk="1" hangingPunct="1">
-              <a:defRPr/>
-            </a:pPr>
-            <a:r>
-              <a:rPr lang="fr-CA" altLang="zh-CN" sz="2000" dirty="0" smtClean="0">
-                <a:solidFill>
-                  <a:schemeClr val="bg1"/>
-                </a:solidFill>
-              </a:rPr>
-              <a:t>Login function and friends function.</a:t>
-            </a:r>
-          </a:p>
-          <a:p>
-            <a:pPr lvl="1" eaLnBrk="1" hangingPunct="1">
-              <a:defRPr/>
-            </a:pPr>
-            <a:r>
-              <a:rPr lang="fr-CA" altLang="zh-CN" sz="2000" dirty="0" smtClean="0">
-                <a:solidFill>
-                  <a:schemeClr val="bg1"/>
-                </a:solidFill>
-              </a:rPr>
-              <a:t>Testing</a:t>
-            </a:r>
-            <a:endParaRPr lang="fr-CA" altLang="zh-CN" sz="2000" dirty="0" smtClean="0">
-              <a:solidFill>
-                <a:schemeClr val="bg1"/>
-              </a:solidFill>
-            </a:endParaRPr>
-          </a:p>
-          <a:p>
-            <a:pPr eaLnBrk="1" hangingPunct="1">
-              <a:defRPr/>
-            </a:pPr>
-            <a:r>
-              <a:rPr lang="fr-CA" altLang="zh-CN" sz="2000" dirty="0" smtClean="0">
-                <a:solidFill>
-                  <a:schemeClr val="bg1"/>
-                </a:solidFill>
-              </a:rPr>
-              <a:t>Tong Liu</a:t>
-            </a:r>
-          </a:p>
-          <a:p>
-            <a:pPr lvl="1" eaLnBrk="1" hangingPunct="1">
-              <a:defRPr/>
-            </a:pPr>
-            <a:r>
-              <a:rPr lang="fr-CA" altLang="zh-CN" sz="2000" dirty="0">
-                <a:solidFill>
-                  <a:schemeClr val="bg1"/>
-                </a:solidFill>
-              </a:rPr>
-              <a:t>Design and maintain the database for user imformation</a:t>
-            </a:r>
-          </a:p>
-          <a:p>
-            <a:pPr lvl="1" eaLnBrk="1" hangingPunct="1">
-              <a:defRPr/>
-            </a:pPr>
-            <a:r>
-              <a:rPr lang="fr-CA" altLang="zh-CN" sz="2000" dirty="0" smtClean="0">
-                <a:solidFill>
-                  <a:schemeClr val="bg1"/>
-                </a:solidFill>
-              </a:rPr>
-              <a:t>Design databse for travel blog and photos</a:t>
-            </a:r>
-          </a:p>
-          <a:p>
-            <a:pPr eaLnBrk="1" hangingPunct="1">
-              <a:defRPr/>
-            </a:pPr>
-            <a:r>
-              <a:rPr lang="fr-CA" altLang="zh-CN" sz="2000" dirty="0" smtClean="0">
-                <a:solidFill>
-                  <a:schemeClr val="bg1"/>
-                </a:solidFill>
-              </a:rPr>
-              <a:t>Shaobin Ding</a:t>
-            </a:r>
-          </a:p>
-          <a:p>
-            <a:pPr lvl="1" eaLnBrk="1" hangingPunct="1">
-              <a:defRPr/>
-            </a:pPr>
-            <a:r>
-              <a:rPr lang="fr-CA" altLang="zh-CN" sz="2000" dirty="0">
-                <a:solidFill>
-                  <a:schemeClr val="bg1"/>
-                </a:solidFill>
-              </a:rPr>
-              <a:t>Progaming for main page and personal pages</a:t>
-            </a:r>
-          </a:p>
-          <a:p>
-            <a:pPr lvl="1" eaLnBrk="1" hangingPunct="1">
-              <a:defRPr/>
-            </a:pPr>
-            <a:r>
-              <a:rPr lang="fr-CA" altLang="zh-CN" sz="2000" dirty="0">
-                <a:solidFill>
-                  <a:schemeClr val="bg1"/>
-                </a:solidFill>
-              </a:rPr>
-              <a:t>Design the structure of travel </a:t>
-            </a:r>
-            <a:r>
-              <a:rPr lang="fr-CA" altLang="zh-CN" sz="2000" dirty="0" smtClean="0">
-                <a:solidFill>
-                  <a:schemeClr val="bg1"/>
-                </a:solidFill>
-              </a:rPr>
-              <a:t>blog</a:t>
-            </a:r>
-          </a:p>
-          <a:p>
-            <a:pPr lvl="1" eaLnBrk="1" hangingPunct="1">
-              <a:defRPr/>
-            </a:pPr>
-            <a:r>
-              <a:rPr lang="fr-CA" altLang="zh-CN" sz="2000" dirty="0" smtClean="0">
-                <a:solidFill>
-                  <a:schemeClr val="bg1"/>
-                </a:solidFill>
-              </a:rPr>
-              <a:t>Comment function</a:t>
-            </a:r>
-            <a:endParaRPr lang="fr-CA" altLang="zh-CN" sz="2000" dirty="0">
-              <a:solidFill>
-                <a:schemeClr val="bg1"/>
-              </a:solidFill>
-            </a:endParaRPr>
-          </a:p>
-          <a:p>
-            <a:pPr marL="0" indent="0" eaLnBrk="1" hangingPunct="1">
-              <a:buFont typeface="Arial" charset="0"/>
-              <a:buNone/>
-              <a:defRPr/>
-            </a:pPr>
-            <a:endParaRPr lang="fr-CA" altLang="zh-CN" sz="2000" dirty="0" smtClean="0">
-              <a:solidFill>
-                <a:schemeClr val="bg1"/>
-              </a:solidFill>
-            </a:endParaRPr>
-          </a:p>
-        </p:txBody>
-      </p:sp>
-    </p:spTree>
-    <p:extLst>
-      <p:ext uri="{BB962C8B-B14F-4D97-AF65-F5344CB8AC3E}">
-        <p14:creationId xmlns:p14="http://schemas.microsoft.com/office/powerpoint/2010/main" val="1623065494"/>
-      </p:ext>
-    </p:extLst>
-  </p:cSld>
-  <p:clrMapOvr>
-    <a:masterClrMapping/>
-  </p:clrMapOvr>
-  <p:timing>
-    <p:tnLst>
-      <p:par>
-        <p:cTn id="1" dur="indefinite" restart="never" nodeType="tmRoot"/>
-      </p:par>
-    </p:tnLst>
-  </p:timing>
-</p:sld>
-</file>
-
-<file path=ppt/slides/slide13.xml><?xml version="1.0" encoding="utf-8"?>
-<p:sld xmlns:a="http://schemas.openxmlformats.org/drawingml/2006/main" xmlns:r="http://schemas.openxmlformats.org/officeDocument/2006/relationships" xmlns:p="http://schemas.openxmlformats.org/presentationml/2006/main">
-  <p:cSld>
-    <p:bg>
-      <p:bgPr>
-        <a:blipFill dpi="0" rotWithShape="0">
-          <a:blip r:embed="rId2"/>
-          <a:srcRect/>
-          <a:stretch>
-            <a:fillRect/>
-          </a:stretch>
-        </a:blipFill>
-        <a:effectLst/>
-      </p:bgPr>
-    </p:bg>
-    <p:spTree>
-      <p:nvGrpSpPr>
-        <p:cNvPr id="1" name=""/>
-        <p:cNvGrpSpPr/>
-        <p:nvPr/>
-      </p:nvGrpSpPr>
-      <p:grpSpPr>
-        <a:xfrm>
-          <a:off x="0" y="0"/>
-          <a:ext cx="0" cy="0"/>
-          <a:chOff x="0" y="0"/>
-          <a:chExt cx="0" cy="0"/>
-        </a:xfrm>
-      </p:grpSpPr>
-      <p:sp>
-        <p:nvSpPr>
-          <p:cNvPr id="18434" name="Titre 3"/>
-          <p:cNvSpPr>
-            <a:spLocks noGrp="1"/>
-          </p:cNvSpPr>
-          <p:nvPr>
-            <p:ph type="title"/>
-          </p:nvPr>
-        </p:nvSpPr>
-        <p:spPr>
-          <a:xfrm>
-            <a:off x="827584" y="692696"/>
-            <a:ext cx="4143375" cy="1143000"/>
-          </a:xfrm>
-        </p:spPr>
-        <p:txBody>
-          <a:bodyPr/>
-          <a:lstStyle/>
-          <a:p>
-            <a:pPr algn="l" eaLnBrk="1" hangingPunct="1"/>
-            <a:r>
-              <a:rPr lang="fr-CA" altLang="zh-CN" dirty="0" smtClean="0">
-                <a:solidFill>
-                  <a:schemeClr val="bg1"/>
-                </a:solidFill>
-                <a:latin typeface="FFF Tusj" pitchFamily="18" charset="0"/>
-              </a:rPr>
-              <a:t>Risk Analysis</a:t>
-            </a:r>
-            <a:endParaRPr lang="fr-CA" altLang="zh-CN" dirty="0" smtClean="0">
-              <a:solidFill>
-                <a:schemeClr val="bg1"/>
-              </a:solidFill>
-              <a:latin typeface="FFF Tusj" pitchFamily="18" charset="0"/>
-            </a:endParaRPr>
-          </a:p>
-        </p:txBody>
-      </p:sp>
-      <p:sp>
-        <p:nvSpPr>
-          <p:cNvPr id="5123" name="Espace réservé du contenu 4"/>
-          <p:cNvSpPr>
-            <a:spLocks noGrp="1"/>
-          </p:cNvSpPr>
-          <p:nvPr>
-            <p:ph idx="1"/>
-          </p:nvPr>
-        </p:nvSpPr>
-        <p:spPr>
-          <a:xfrm>
-            <a:off x="457200" y="2564904"/>
-            <a:ext cx="8229600" cy="4007347"/>
-          </a:xfrm>
-        </p:spPr>
-        <p:txBody>
-          <a:bodyPr/>
-          <a:lstStyle/>
-          <a:p>
-            <a:pPr eaLnBrk="1" hangingPunct="1">
-              <a:defRPr/>
-            </a:pPr>
-            <a:r>
-              <a:rPr lang="fr-CA" altLang="zh-CN" sz="2800" dirty="0" smtClean="0">
-                <a:solidFill>
-                  <a:schemeClr val="bg1"/>
-                </a:solidFill>
-              </a:rPr>
-              <a:t>1 Trip plan function </a:t>
-            </a:r>
-          </a:p>
-          <a:p>
-            <a:pPr eaLnBrk="1" hangingPunct="1">
-              <a:defRPr/>
-            </a:pPr>
-            <a:endParaRPr lang="fr-CA" altLang="zh-CN" sz="2800" dirty="0" smtClean="0">
-              <a:solidFill>
-                <a:schemeClr val="bg1"/>
-              </a:solidFill>
-            </a:endParaRPr>
-          </a:p>
-          <a:p>
-            <a:pPr eaLnBrk="1" hangingPunct="1">
-              <a:defRPr/>
-            </a:pPr>
-            <a:r>
-              <a:rPr lang="fr-CA" altLang="zh-CN" sz="2800" dirty="0" smtClean="0">
-                <a:solidFill>
-                  <a:schemeClr val="bg1"/>
-                </a:solidFill>
-              </a:rPr>
-              <a:t>2 Recommendation function</a:t>
-            </a:r>
-          </a:p>
-          <a:p>
-            <a:pPr eaLnBrk="1" hangingPunct="1">
-              <a:defRPr/>
-            </a:pPr>
-            <a:endParaRPr lang="fr-CA" altLang="zh-CN" sz="2800" dirty="0" smtClean="0">
-              <a:solidFill>
-                <a:schemeClr val="bg1"/>
-              </a:solidFill>
-            </a:endParaRPr>
-          </a:p>
-          <a:p>
-            <a:pPr eaLnBrk="1" hangingPunct="1">
-              <a:defRPr/>
-            </a:pPr>
-            <a:r>
-              <a:rPr lang="fr-CA" altLang="zh-CN" sz="2800" dirty="0" smtClean="0">
-                <a:solidFill>
-                  <a:schemeClr val="bg1"/>
-                </a:solidFill>
-              </a:rPr>
-              <a:t>3 Dynamic news update</a:t>
-            </a:r>
-            <a:endParaRPr lang="fr-CA" altLang="zh-CN" sz="2800" dirty="0" smtClean="0">
-              <a:solidFill>
-                <a:schemeClr val="bg1"/>
-              </a:solidFill>
-            </a:endParaRPr>
-          </a:p>
-        </p:txBody>
-      </p:sp>
-    </p:spTree>
-  </p:cSld>
-  <p:clrMapOvr>
-    <a:masterClrMapping/>
-  </p:clrMapOvr>
-  <p:timing>
-    <p:tnLst>
-      <p:par>
-        <p:cTn id="1" dur="indefinite" restart="never" nodeType="tmRoot"/>
-      </p:par>
-    </p:tnLst>
-  </p:timing>
-</p:sld>
-</file>
-
-<file path=ppt/slides/slide14.xml><?xml version="1.0" encoding="utf-8"?>
 <p:sld xmlns:a="http://schemas.openxmlformats.org/drawingml/2006/main" xmlns:r="http://schemas.openxmlformats.org/officeDocument/2006/relationships" xmlns:p="http://schemas.openxmlformats.org/presentationml/2006/main">
   <p:cSld>
     <p:bg>
@@ -5506,7 +4942,7 @@
         </p:blipFill>
         <p:spPr>
           <a:xfrm>
-            <a:off x="6156176" y="1628799"/>
+            <a:off x="6152480" y="1340768"/>
             <a:ext cx="2664296" cy="1866669"/>
           </a:xfrm>
           <a:prstGeom prst="rect">
@@ -8199,166 +7635,6 @@
 </file>
 
 <file path=ppt/slides/slide6.xml><?xml version="1.0" encoding="utf-8"?>
-<p:sld xmlns:a="http://schemas.openxmlformats.org/drawingml/2006/main" xmlns:r="http://schemas.openxmlformats.org/officeDocument/2006/relationships" xmlns:p="http://schemas.openxmlformats.org/presentationml/2006/main">
-  <p:cSld>
-    <p:bg>
-      <p:bgPr>
-        <a:blipFill dpi="0" rotWithShape="0">
-          <a:blip r:embed="rId2"/>
-          <a:srcRect/>
-          <a:stretch>
-            <a:fillRect/>
-          </a:stretch>
-        </a:blipFill>
-        <a:effectLst/>
-      </p:bgPr>
-    </p:bg>
-    <p:spTree>
-      <p:nvGrpSpPr>
-        <p:cNvPr id="1" name=""/>
-        <p:cNvGrpSpPr/>
-        <p:nvPr/>
-      </p:nvGrpSpPr>
-      <p:grpSpPr>
-        <a:xfrm>
-          <a:off x="0" y="0"/>
-          <a:ext cx="0" cy="0"/>
-          <a:chOff x="0" y="0"/>
-          <a:chExt cx="0" cy="0"/>
-        </a:xfrm>
-      </p:grpSpPr>
-      <p:sp>
-        <p:nvSpPr>
-          <p:cNvPr id="5122" name="Titre 1"/>
-          <p:cNvSpPr>
-            <a:spLocks noGrp="1"/>
-          </p:cNvSpPr>
-          <p:nvPr>
-            <p:ph type="title"/>
-          </p:nvPr>
-        </p:nvSpPr>
-        <p:spPr>
-          <a:xfrm>
-            <a:off x="2528888" y="214313"/>
-            <a:ext cx="6615112" cy="1143000"/>
-          </a:xfrm>
-        </p:spPr>
-        <p:txBody>
-          <a:bodyPr/>
-          <a:lstStyle/>
-          <a:p>
-            <a:pPr algn="l" eaLnBrk="1" hangingPunct="1"/>
-            <a:r>
-              <a:rPr lang="en-US" altLang="zh-CN" smtClean="0">
-                <a:solidFill>
-                  <a:schemeClr val="bg1"/>
-                </a:solidFill>
-                <a:latin typeface="FFF Tusj" pitchFamily="18" charset="0"/>
-              </a:rPr>
-              <a:t>Graphic expression</a:t>
-            </a:r>
-            <a:endParaRPr lang="fr-CA" altLang="zh-CN" smtClean="0">
-              <a:solidFill>
-                <a:schemeClr val="bg1"/>
-              </a:solidFill>
-              <a:latin typeface="FFF Tusj" pitchFamily="18" charset="0"/>
-            </a:endParaRPr>
-          </a:p>
-        </p:txBody>
-      </p:sp>
-      <p:sp>
-        <p:nvSpPr>
-          <p:cNvPr id="5123" name="Espace réservé du contenu 2"/>
-          <p:cNvSpPr>
-            <a:spLocks noGrp="1"/>
-          </p:cNvSpPr>
-          <p:nvPr>
-            <p:ph idx="1"/>
-          </p:nvPr>
-        </p:nvSpPr>
-        <p:spPr>
-          <a:xfrm>
-            <a:off x="2357438" y="1785938"/>
-            <a:ext cx="6615112" cy="4525962"/>
-          </a:xfrm>
-        </p:spPr>
-        <p:txBody>
-          <a:bodyPr/>
-          <a:lstStyle/>
-          <a:p>
-            <a:pPr marL="0" indent="0" eaLnBrk="1" hangingPunct="1">
-              <a:buFont typeface="Arial" charset="0"/>
-              <a:buNone/>
-            </a:pPr>
-            <a:r>
-              <a:rPr lang="fr-CA" altLang="zh-CN" sz="2800" smtClean="0">
-                <a:solidFill>
-                  <a:schemeClr val="bg1"/>
-                </a:solidFill>
-              </a:rPr>
-              <a:t> </a:t>
-            </a:r>
-          </a:p>
-        </p:txBody>
-      </p:sp>
-      <p:sp>
-        <p:nvSpPr>
-          <p:cNvPr id="2" name="矩形 1"/>
-          <p:cNvSpPr/>
-          <p:nvPr/>
-        </p:nvSpPr>
-        <p:spPr>
-          <a:xfrm>
-            <a:off x="5003800" y="1484313"/>
-            <a:ext cx="863600" cy="431800"/>
-          </a:xfrm>
-          <a:prstGeom prst="rect">
-            <a:avLst/>
-          </a:prstGeom>
-        </p:spPr>
-        <p:style>
-          <a:lnRef idx="2">
-            <a:schemeClr val="accent1">
-              <a:shade val="50000"/>
-            </a:schemeClr>
-          </a:lnRef>
-          <a:fillRef idx="1">
-            <a:schemeClr val="accent1"/>
-          </a:fillRef>
-          <a:effectRef idx="0">
-            <a:schemeClr val="accent1"/>
-          </a:effectRef>
-          <a:fontRef idx="minor">
-            <a:schemeClr val="lt1"/>
-          </a:fontRef>
-        </p:style>
-        <p:txBody>
-          <a:bodyPr anchor="ctr"/>
-          <a:lstStyle/>
-          <a:p>
-            <a:pPr algn="ctr">
-              <a:defRPr/>
-            </a:pPr>
-            <a:endParaRPr lang="zh-CN" altLang="en-US"/>
-          </a:p>
-        </p:txBody>
-      </p:sp>
-    </p:spTree>
-  </p:cSld>
-  <p:clrMapOvr>
-    <a:masterClrMapping/>
-  </p:clrMapOvr>
-  <p:timing>
-    <p:tnLst>
-      <p:par>
-        <p:cTn id="1" dur="indefinite" restart="never" nodeType="tmRoot"/>
-      </p:par>
-    </p:tnLst>
-  </p:timing>
-</p:sld>
-</file>
-
-<file path=ppt/slides/slide7.xml><?xml version="1.0" encoding="utf-8"?>
 <p:sld xmlns:a="http://schemas.openxmlformats.org/drawingml/2006/main" xmlns:r="http://schemas.openxmlformats.org/officeDocument/2006/relationships" xmlns:p="http://schemas.openxmlformats.org/presentationml/2006/main">
   <p:cSld>
     <p:bg>
@@ -11047,7 +10323,7 @@
 </p:sld>
 </file>
 
-<file path=ppt/slides/slide8.xml><?xml version="1.0" encoding="utf-8"?>
+<file path=ppt/slides/slide7.xml><?xml version="1.0" encoding="utf-8"?>
 <p:sld xmlns:a="http://schemas.openxmlformats.org/drawingml/2006/main" xmlns:r="http://schemas.openxmlformats.org/officeDocument/2006/relationships" xmlns:p="http://schemas.openxmlformats.org/presentationml/2006/main">
   <p:cSld>
     <p:bg>
@@ -14381,6 +13657,311 @@
 </p:sld>
 </file>
 
+<file path=ppt/slides/slide8.xml><?xml version="1.0" encoding="utf-8"?>
+<p:sld xmlns:a="http://schemas.openxmlformats.org/drawingml/2006/main" xmlns:r="http://schemas.openxmlformats.org/officeDocument/2006/relationships" xmlns:p="http://schemas.openxmlformats.org/presentationml/2006/main">
+  <p:cSld>
+    <p:bg>
+      <p:bgPr>
+        <a:blipFill dpi="0" rotWithShape="0">
+          <a:blip r:embed="rId2"/>
+          <a:srcRect/>
+          <a:stretch>
+            <a:fillRect/>
+          </a:stretch>
+        </a:blipFill>
+        <a:effectLst/>
+      </p:bgPr>
+    </p:bg>
+    <p:spTree>
+      <p:nvGrpSpPr>
+        <p:cNvPr id="1" name=""/>
+        <p:cNvGrpSpPr/>
+        <p:nvPr/>
+      </p:nvGrpSpPr>
+      <p:grpSpPr>
+        <a:xfrm>
+          <a:off x="0" y="0"/>
+          <a:ext cx="0" cy="0"/>
+          <a:chOff x="0" y="0"/>
+          <a:chExt cx="0" cy="0"/>
+        </a:xfrm>
+      </p:grpSpPr>
+      <p:sp>
+        <p:nvSpPr>
+          <p:cNvPr id="5122" name="Titre 1"/>
+          <p:cNvSpPr>
+            <a:spLocks noGrp="1"/>
+          </p:cNvSpPr>
+          <p:nvPr>
+            <p:ph type="title"/>
+          </p:nvPr>
+        </p:nvSpPr>
+        <p:spPr>
+          <a:xfrm>
+            <a:off x="2528888" y="214313"/>
+            <a:ext cx="6615112" cy="1143000"/>
+          </a:xfrm>
+        </p:spPr>
+        <p:txBody>
+          <a:bodyPr/>
+          <a:lstStyle/>
+          <a:p>
+            <a:pPr algn="l" eaLnBrk="1" hangingPunct="1"/>
+            <a:r>
+              <a:rPr lang="fr-CA" altLang="zh-CN" dirty="0">
+                <a:solidFill>
+                  <a:schemeClr val="bg1"/>
+                </a:solidFill>
+                <a:latin typeface="FFF Tusj" pitchFamily="18" charset="0"/>
+              </a:rPr>
+              <a:t>Milestone</a:t>
+            </a:r>
+            <a:endParaRPr lang="fr-CA" altLang="zh-CN" dirty="0" smtClean="0">
+              <a:solidFill>
+                <a:schemeClr val="bg1"/>
+              </a:solidFill>
+              <a:latin typeface="FFF Tusj" pitchFamily="18" charset="0"/>
+            </a:endParaRPr>
+          </a:p>
+        </p:txBody>
+      </p:sp>
+      <p:sp>
+        <p:nvSpPr>
+          <p:cNvPr id="5123" name="Espace réservé du contenu 2"/>
+          <p:cNvSpPr>
+            <a:spLocks noGrp="1"/>
+          </p:cNvSpPr>
+          <p:nvPr>
+            <p:ph idx="1"/>
+          </p:nvPr>
+        </p:nvSpPr>
+        <p:spPr>
+          <a:xfrm>
+            <a:off x="2528888" y="1412776"/>
+            <a:ext cx="6615112" cy="4525962"/>
+          </a:xfrm>
+        </p:spPr>
+        <p:txBody>
+          <a:bodyPr/>
+          <a:lstStyle/>
+          <a:p>
+            <a:pPr eaLnBrk="1" hangingPunct="1">
+              <a:spcAft>
+                <a:spcPts val="500"/>
+              </a:spcAft>
+              <a:defRPr/>
+            </a:pPr>
+            <a:r>
+              <a:rPr lang="fr-CA" altLang="zh-CN" sz="2400" dirty="0" smtClean="0">
+                <a:solidFill>
+                  <a:schemeClr val="bg1"/>
+                </a:solidFill>
+              </a:rPr>
+              <a:t> </a:t>
+            </a:r>
+            <a:r>
+              <a:rPr lang="fr-CA" altLang="zh-CN" sz="2400" dirty="0">
+                <a:solidFill>
+                  <a:schemeClr val="bg1"/>
+                </a:solidFill>
+              </a:rPr>
+              <a:t>1. Design Main pages of website</a:t>
+            </a:r>
+          </a:p>
+          <a:p>
+            <a:pPr eaLnBrk="1" hangingPunct="1">
+              <a:spcAft>
+                <a:spcPts val="500"/>
+              </a:spcAft>
+              <a:defRPr/>
+            </a:pPr>
+            <a:r>
+              <a:rPr lang="fr-CA" altLang="zh-CN" sz="2400" dirty="0">
+                <a:solidFill>
+                  <a:schemeClr val="bg1"/>
+                </a:solidFill>
+              </a:rPr>
+              <a:t>2. Gather contents to enrich database</a:t>
+            </a:r>
+          </a:p>
+          <a:p>
+            <a:pPr eaLnBrk="1" hangingPunct="1">
+              <a:spcAft>
+                <a:spcPts val="500"/>
+              </a:spcAft>
+              <a:defRPr/>
+            </a:pPr>
+            <a:r>
+              <a:rPr lang="fr-CA" altLang="zh-CN" sz="2400" dirty="0">
+                <a:solidFill>
+                  <a:schemeClr val="bg1"/>
+                </a:solidFill>
+              </a:rPr>
+              <a:t>3. login function and friends function.</a:t>
+            </a:r>
+          </a:p>
+          <a:p>
+            <a:pPr marL="0" indent="0" eaLnBrk="1" hangingPunct="1">
+              <a:spcAft>
+                <a:spcPts val="500"/>
+              </a:spcAft>
+              <a:buNone/>
+              <a:defRPr/>
+            </a:pPr>
+            <a:r>
+              <a:rPr lang="fr-CA" altLang="zh-CN" sz="2400" dirty="0">
+                <a:solidFill>
+                  <a:schemeClr val="bg1"/>
+                </a:solidFill>
+              </a:rPr>
+              <a:t>      </a:t>
+            </a:r>
+            <a:r>
+              <a:rPr lang="fr-CA" altLang="zh-CN" sz="2400" dirty="0" smtClean="0">
+                <a:solidFill>
+                  <a:schemeClr val="bg1"/>
+                </a:solidFill>
+              </a:rPr>
+              <a:t>    (</a:t>
+            </a:r>
+            <a:r>
+              <a:rPr lang="fr-CA" altLang="zh-CN" sz="2400" dirty="0">
+                <a:solidFill>
+                  <a:schemeClr val="bg1"/>
+                </a:solidFill>
+              </a:rPr>
+              <a:t>Design database for user information)</a:t>
+            </a:r>
+          </a:p>
+          <a:p>
+            <a:pPr eaLnBrk="1" hangingPunct="1">
+              <a:spcAft>
+                <a:spcPts val="500"/>
+              </a:spcAft>
+              <a:defRPr/>
+            </a:pPr>
+            <a:r>
+              <a:rPr lang="fr-CA" altLang="zh-CN" sz="2400" dirty="0">
+                <a:solidFill>
+                  <a:schemeClr val="bg1"/>
+                </a:solidFill>
+              </a:rPr>
+              <a:t>4. Design personal page</a:t>
+            </a:r>
+          </a:p>
+          <a:p>
+            <a:pPr eaLnBrk="1" hangingPunct="1">
+              <a:spcAft>
+                <a:spcPts val="500"/>
+              </a:spcAft>
+              <a:defRPr/>
+            </a:pPr>
+            <a:r>
+              <a:rPr lang="fr-CA" altLang="zh-CN" sz="2400" dirty="0">
+                <a:solidFill>
+                  <a:schemeClr val="bg1"/>
+                </a:solidFill>
+              </a:rPr>
+              <a:t>5. Design database for travel blog function</a:t>
+            </a:r>
+          </a:p>
+          <a:p>
+            <a:pPr eaLnBrk="1" hangingPunct="1">
+              <a:spcAft>
+                <a:spcPts val="500"/>
+              </a:spcAft>
+              <a:defRPr/>
+            </a:pPr>
+            <a:r>
+              <a:rPr lang="fr-CA" altLang="zh-CN" sz="2400" dirty="0">
+                <a:solidFill>
+                  <a:schemeClr val="bg1"/>
+                </a:solidFill>
+              </a:rPr>
+              <a:t>6. Comment function, thumb up or thumb down</a:t>
+            </a:r>
+          </a:p>
+          <a:p>
+            <a:pPr eaLnBrk="1" hangingPunct="1">
+              <a:spcAft>
+                <a:spcPts val="500"/>
+              </a:spcAft>
+              <a:defRPr/>
+            </a:pPr>
+            <a:r>
+              <a:rPr lang="fr-CA" altLang="zh-CN" sz="2400" dirty="0">
+                <a:solidFill>
+                  <a:schemeClr val="bg1"/>
+                </a:solidFill>
+              </a:rPr>
+              <a:t>7. UI beautification</a:t>
+            </a:r>
+          </a:p>
+          <a:p>
+            <a:pPr eaLnBrk="1" hangingPunct="1">
+              <a:spcAft>
+                <a:spcPts val="500"/>
+              </a:spcAft>
+              <a:defRPr/>
+            </a:pPr>
+            <a:r>
+              <a:rPr lang="fr-CA" altLang="zh-CN" sz="2400" dirty="0">
+                <a:solidFill>
+                  <a:schemeClr val="bg1"/>
+                </a:solidFill>
+              </a:rPr>
+              <a:t>8. Advanced Features</a:t>
+            </a:r>
+          </a:p>
+          <a:p>
+            <a:pPr eaLnBrk="1" hangingPunct="1">
+              <a:spcAft>
+                <a:spcPts val="500"/>
+              </a:spcAft>
+              <a:defRPr/>
+            </a:pPr>
+            <a:r>
+              <a:rPr lang="fr-CA" altLang="zh-CN" sz="2400" dirty="0">
+                <a:solidFill>
+                  <a:schemeClr val="bg1"/>
+                </a:solidFill>
+              </a:rPr>
+              <a:t>9. Testing</a:t>
+            </a:r>
+          </a:p>
+          <a:p>
+            <a:pPr marL="0" indent="0" eaLnBrk="1" hangingPunct="1">
+              <a:buFont typeface="Arial" charset="0"/>
+              <a:buNone/>
+            </a:pPr>
+            <a:endParaRPr lang="fr-CA" altLang="zh-CN" sz="2400" dirty="0" smtClean="0">
+              <a:solidFill>
+                <a:schemeClr val="bg1"/>
+              </a:solidFill>
+            </a:endParaRPr>
+          </a:p>
+        </p:txBody>
+      </p:sp>
+    </p:spTree>
+    <p:extLst>
+      <p:ext uri="{BB962C8B-B14F-4D97-AF65-F5344CB8AC3E}">
+        <p14:creationId xmlns:p14="http://schemas.microsoft.com/office/powerpoint/2010/main" val="3280620794"/>
+      </p:ext>
+    </p:extLst>
+  </p:cSld>
+  <p:clrMapOvr>
+    <a:masterClrMapping/>
+  </p:clrMapOvr>
+  <p:timing>
+    <p:tnLst>
+      <p:par>
+        <p:cTn id="1" dur="indefinite" restart="never" nodeType="tmRoot"/>
+      </p:par>
+    </p:tnLst>
+  </p:timing>
+</p:sld>
+</file>
+
 <file path=ppt/slides/slide9.xml><?xml version="1.0" encoding="utf-8"?>
 <p:sld xmlns:a="http://schemas.openxmlformats.org/drawingml/2006/main" xmlns:r="http://schemas.openxmlformats.org/officeDocument/2006/relationships" xmlns:p="http://schemas.openxmlformats.org/presentationml/2006/main">
   <p:cSld>
@@ -14432,13 +14013,13 @@
           <a:p>
             <a:pPr algn="l" eaLnBrk="1" hangingPunct="1"/>
             <a:r>
-              <a:rPr lang="fr-CA" altLang="zh-CN" dirty="0">
+              <a:rPr lang="fr-CA" altLang="zh-CN" dirty="0" smtClean="0">
                 <a:solidFill>
                   <a:schemeClr val="bg1"/>
                 </a:solidFill>
                 <a:latin typeface="FFF Tusj" pitchFamily="18" charset="0"/>
               </a:rPr>
-              <a:t>Milestone</a:t>
+              <a:t>Gannt Chart</a:t>
             </a:r>
             <a:endParaRPr lang="fr-CA" altLang="zh-CN" dirty="0" smtClean="0">
               <a:solidFill>
@@ -14469,191 +14050,6 @@
           <a:bodyPr/>
           <a:lstStyle/>
           <a:p>
-            <a:pPr eaLnBrk="1" hangingPunct="1">
-              <a:spcAft>
-                <a:spcPts val="500"/>
-              </a:spcAft>
-              <a:defRPr/>
-            </a:pPr>
-            <a:r>
-              <a:rPr lang="fr-CA" altLang="zh-CN" sz="2400" dirty="0" smtClean="0">
-                <a:solidFill>
-                  <a:schemeClr val="bg1"/>
-                </a:solidFill>
-              </a:rPr>
-              <a:t> </a:t>
-            </a:r>
-            <a:r>
-              <a:rPr lang="fr-CA" altLang="zh-CN" sz="2400" dirty="0">
-                <a:solidFill>
-                  <a:schemeClr val="bg1"/>
-                </a:solidFill>
-              </a:rPr>
-              <a:t>1. Design Main pages of website</a:t>
-            </a:r>
-          </a:p>
-          <a:p>
-            <a:pPr eaLnBrk="1" hangingPunct="1">
-              <a:spcAft>
-                <a:spcPts val="500"/>
-              </a:spcAft>
-              <a:defRPr/>
-            </a:pPr>
-            <a:r>
-              <a:rPr lang="fr-CA" altLang="zh-CN" sz="2400" dirty="0">
-                <a:solidFill>
-                  <a:schemeClr val="bg1"/>
-                </a:solidFill>
-              </a:rPr>
-              <a:t>2. Gather contents to enrich database</a:t>
-            </a:r>
-          </a:p>
-          <a:p>
-            <a:pPr eaLnBrk="1" hangingPunct="1">
-              <a:spcAft>
-                <a:spcPts val="500"/>
-              </a:spcAft>
-              <a:defRPr/>
-            </a:pPr>
-            <a:r>
-              <a:rPr lang="fr-CA" altLang="zh-CN" sz="2400" dirty="0">
-                <a:solidFill>
-                  <a:schemeClr val="bg1"/>
-                </a:solidFill>
-              </a:rPr>
-              <a:t>3. login function and friends function.</a:t>
-            </a:r>
-          </a:p>
-          <a:p>
-            <a:pPr marL="0" indent="0" eaLnBrk="1" hangingPunct="1">
-              <a:spcAft>
-                <a:spcPts val="500"/>
-              </a:spcAft>
-              <a:buNone/>
-              <a:defRPr/>
-            </a:pPr>
-            <a:r>
-              <a:rPr lang="fr-CA" altLang="zh-CN" sz="2400" dirty="0">
-                <a:solidFill>
-                  <a:schemeClr val="bg1"/>
-                </a:solidFill>
-              </a:rPr>
-              <a:t>      </a:t>
-            </a:r>
-            <a:r>
-              <a:rPr lang="fr-CA" altLang="zh-CN" sz="2400" dirty="0" smtClean="0">
-                <a:solidFill>
-                  <a:schemeClr val="bg1"/>
-                </a:solidFill>
-              </a:rPr>
-              <a:t>    (</a:t>
-            </a:r>
-            <a:r>
-              <a:rPr lang="fr-CA" altLang="zh-CN" sz="2400" dirty="0">
-                <a:solidFill>
-                  <a:schemeClr val="bg1"/>
-                </a:solidFill>
-              </a:rPr>
-              <a:t>Design database for user information)</a:t>
-            </a:r>
-          </a:p>
-          <a:p>
-            <a:pPr eaLnBrk="1" hangingPunct="1">
-              <a:spcAft>
-                <a:spcPts val="500"/>
-              </a:spcAft>
-              <a:defRPr/>
-            </a:pPr>
-            <a:r>
-              <a:rPr lang="fr-CA" altLang="zh-CN" sz="2400" dirty="0">
-                <a:solidFill>
-                  <a:schemeClr val="bg1"/>
-                </a:solidFill>
-              </a:rPr>
-              <a:t>4. Design personal page</a:t>
-            </a:r>
-          </a:p>
-          <a:p>
-            <a:pPr eaLnBrk="1" hangingPunct="1">
-              <a:spcAft>
-                <a:spcPts val="500"/>
-              </a:spcAft>
-              <a:defRPr/>
-            </a:pPr>
-            <a:r>
-              <a:rPr lang="fr-CA" altLang="zh-CN" sz="2400" dirty="0">
-                <a:solidFill>
-                  <a:schemeClr val="bg1"/>
-                </a:solidFill>
-              </a:rPr>
-              <a:t>5. Design database for travel blog function</a:t>
-            </a:r>
-          </a:p>
-          <a:p>
-            <a:pPr eaLnBrk="1" hangingPunct="1">
-              <a:spcAft>
-                <a:spcPts val="500"/>
-              </a:spcAft>
-              <a:defRPr/>
-            </a:pPr>
-            <a:r>
-              <a:rPr lang="fr-CA" altLang="zh-CN" sz="2400" dirty="0">
-                <a:solidFill>
-                  <a:schemeClr val="bg1"/>
-                </a:solidFill>
-              </a:rPr>
-              <a:t>6. Comment function, thumb up or thumb down</a:t>
-            </a:r>
-          </a:p>
-          <a:p>
-            <a:pPr eaLnBrk="1" hangingPunct="1">
-              <a:spcAft>
-                <a:spcPts val="500"/>
-              </a:spcAft>
-              <a:defRPr/>
-            </a:pPr>
-            <a:r>
-              <a:rPr lang="fr-CA" altLang="zh-CN" sz="2400" dirty="0">
-                <a:solidFill>
-                  <a:schemeClr val="bg1"/>
-                </a:solidFill>
-              </a:rPr>
-              <a:t>7. UI beautification</a:t>
-            </a:r>
-          </a:p>
-          <a:p>
-            <a:pPr eaLnBrk="1" hangingPunct="1">
-              <a:spcAft>
-                <a:spcPts val="500"/>
-              </a:spcAft>
-              <a:defRPr/>
-            </a:pPr>
-            <a:r>
-              <a:rPr lang="fr-CA" altLang="zh-CN" sz="2400" dirty="0">
-                <a:solidFill>
-                  <a:schemeClr val="bg1"/>
-                </a:solidFill>
-              </a:rPr>
-              <a:t>8. Advanced Features</a:t>
-            </a:r>
-          </a:p>
-          <a:p>
-            <a:pPr eaLnBrk="1" hangingPunct="1">
-              <a:spcAft>
-                <a:spcPts val="500"/>
-              </a:spcAft>
-              <a:defRPr/>
-            </a:pPr>
-            <a:r>
-              <a:rPr lang="fr-CA" altLang="zh-CN" sz="2400" dirty="0">
-                <a:solidFill>
-                  <a:schemeClr val="bg1"/>
-                </a:solidFill>
-              </a:rPr>
-              <a:t>9. Testing</a:t>
-            </a:r>
-          </a:p>
-          <a:p>
             <a:pPr marL="0" indent="0" eaLnBrk="1" hangingPunct="1">
               <a:buFont typeface="Arial" charset="0"/>
               <a:buNone/>
@@ -14666,10 +14062,118 @@
           </a:p>
         </p:txBody>
       </p:sp>
+      <p:pic>
+        <p:nvPicPr>
+          <p:cNvPr id="4" name="Picture 2"/>
+          <p:cNvPicPr>
+            <a:picLocks noChangeAspect="1" noChangeArrowheads="1"/>
+          </p:cNvPicPr>
+          <p:nvPr/>
+        </p:nvPicPr>
+        <p:blipFill>
+          <a:blip r:embed="rId3">
+            <a:extLst>
+              <a:ext uri="{28A0092B-C50C-407E-A947-70E740481C1C}">
+                <a14:useLocalDpi xmlns:a14="http://schemas.microsoft.com/office/drawing/2010/main" val="0"/>
+              </a:ext>
+            </a:extLst>
+          </a:blip>
+          <a:srcRect/>
+          <a:stretch>
+            <a:fillRect/>
+          </a:stretch>
+        </p:blipFill>
+        <p:spPr bwMode="auto">
+          <a:xfrm>
+            <a:off x="2555778" y="3611017"/>
+            <a:ext cx="6297834" cy="2482279"/>
+          </a:xfrm>
+          <a:prstGeom prst="rect">
+            <a:avLst/>
+          </a:prstGeom>
+          <a:noFill/>
+          <a:ln>
+            <a:noFill/>
+          </a:ln>
+          <a:extLst>
+            <a:ext uri="{909E8E84-426E-40DD-AFC4-6F175D3DCCD1}">
+              <a14:hiddenFill xmlns:a14="http://schemas.microsoft.com/office/drawing/2010/main">
+                <a:solidFill>
+                  <a:schemeClr val="accent1"/>
+                </a:solidFill>
+              </a14:hiddenFill>
+            </a:ext>
+            <a:ext uri="{91240B29-F687-4F45-9708-019B960494DF}">
+              <a14:hiddenLine xmlns:a14="http://schemas.microsoft.com/office/drawing/2010/main" w="9525">
+                <a:solidFill>
+                  <a:schemeClr val="tx1"/>
+                </a:solidFill>
+                <a:miter lim="800000"/>
+                <a:headEnd/>
+                <a:tailEnd/>
+              </a14:hiddenLine>
+            </a:ext>
+          </a:extLst>
+        </p:spPr>
+      </p:pic>
+      <p:pic>
+        <p:nvPicPr>
+          <p:cNvPr id="5" name="Picture 8"/>
+          <p:cNvPicPr>
+            <a:picLocks noChangeAspect="1" noChangeArrowheads="1"/>
+          </p:cNvPicPr>
+          <p:nvPr/>
+        </p:nvPicPr>
+        <p:blipFill>
+          <a:blip r:embed="rId4">
+            <a:extLst>
+              <a:ext uri="{28A0092B-C50C-407E-A947-70E740481C1C}">
+                <a14:useLocalDpi xmlns:a14="http://schemas.microsoft.com/office/drawing/2010/main" val="0"/>
+              </a:ext>
+            </a:extLst>
+          </a:blip>
+          <a:srcRect/>
+          <a:stretch>
+            <a:fillRect/>
+          </a:stretch>
+        </p:blipFill>
+        <p:spPr bwMode="auto">
+          <a:xfrm>
+            <a:off x="2528037" y="1484784"/>
+            <a:ext cx="6325575" cy="1957509"/>
+          </a:xfrm>
+          <a:prstGeom prst="rect">
+            <a:avLst/>
+          </a:prstGeom>
+          <a:noFill/>
+          <a:ln>
+            <a:noFill/>
+          </a:ln>
+          <a:extLst>
+            <a:ext uri="{909E8E84-426E-40DD-AFC4-6F175D3DCCD1}">
+              <a14:hiddenFill xmlns:a14="http://schemas.microsoft.com/office/drawing/2010/main">
+                <a:solidFill>
+                  <a:schemeClr val="accent1"/>
+                </a:solidFill>
+              </a14:hiddenFill>
+            </a:ext>
+            <a:ext uri="{91240B29-F687-4F45-9708-019B960494DF}">
+              <a14:hiddenLine xmlns:a14="http://schemas.microsoft.com/office/drawing/2010/main" w="9525">
+                <a:solidFill>
+                  <a:schemeClr val="tx1"/>
+                </a:solidFill>
+                <a:miter lim="800000"/>
+                <a:headEnd/>
+                <a:tailEnd/>
+              </a14:hiddenLine>
+            </a:ext>
+          </a:extLst>
+        </p:spPr>
+      </p:pic>
     </p:spTree>
     <p:extLst>
       <p:ext uri="{BB962C8B-B14F-4D97-AF65-F5344CB8AC3E}">
-        <p14:creationId xmlns:p14="http://schemas.microsoft.com/office/powerpoint/2010/main" val="3280620794"/>
+        <p14:creationId xmlns:p14="http://schemas.microsoft.com/office/powerpoint/2010/main" val="1338142244"/>
       </p:ext>
     </p:extLst>
   </p:cSld>

--- a/512副本.pptx
+++ b/512副本.pptx
@@ -4802,34 +4802,7 @@
                 </a:solidFill>
                 <a:latin typeface="FFF Tusj" pitchFamily="18" charset="0"/>
               </a:rPr>
-              <a:t>Introdution </a:t>
-            </a:r>
-            <a:r>
-              <a:rPr lang="zh-CN" altLang="en-US" dirty="0" smtClean="0">
-                <a:solidFill>
-                  <a:schemeClr val="bg1"/>
-                </a:solidFill>
-                <a:latin typeface="FFF Tusj" pitchFamily="18" charset="0"/>
-              </a:rPr>
-              <a:t>（</a:t>
-            </a:r>
-            <a:r>
-              <a:rPr lang="en-US" altLang="zh-CN" dirty="0" smtClean="0">
-                <a:solidFill>
-                  <a:schemeClr val="bg1"/>
-                </a:solidFill>
-                <a:latin typeface="FFF Tusj" pitchFamily="18" charset="0"/>
-              </a:rPr>
-              <a:t>Cont..</a:t>
-            </a:r>
-            <a:r>
-              <a:rPr lang="zh-CN" altLang="en-US" dirty="0" smtClean="0">
-                <a:solidFill>
-                  <a:schemeClr val="bg1"/>
-                </a:solidFill>
-                <a:latin typeface="FFF Tusj" pitchFamily="18" charset="0"/>
-              </a:rPr>
-              <a:t>）</a:t>
+              <a:t>Introdution</a:t>
             </a:r>
             <a:endParaRPr lang="fr-CA" altLang="zh-CN" dirty="0" smtClean="0">
               <a:solidFill>
@@ -5468,34 +5441,25 @@
           <a:p>
             <a:pPr algn="l" eaLnBrk="1" hangingPunct="1"/>
             <a:r>
-              <a:rPr lang="fr-CA" altLang="zh-CN" smtClean="0">
+              <a:rPr lang="fr-CA" altLang="zh-CN" dirty="0" smtClean="0">
                 <a:solidFill>
                   <a:schemeClr val="bg1"/>
                 </a:solidFill>
                 <a:latin typeface="FFF Tusj" pitchFamily="18" charset="0"/>
               </a:rPr>
-              <a:t>Introdution </a:t>
-            </a:r>
-            <a:r>
-              <a:rPr lang="zh-CN" altLang="en-US" smtClean="0">
+              <a:t>Introdution(</a:t>
+            </a:r>
+            <a:r>
+              <a:rPr lang="en-US" altLang="zh-CN" dirty="0" smtClean="0">
                 <a:solidFill>
                   <a:schemeClr val="bg1"/>
                 </a:solidFill>
                 <a:latin typeface="FFF Tusj" pitchFamily="18" charset="0"/>
               </a:rPr>
-              <a:t>（</a:t>
-            </a:r>
-            <a:r>
-              <a:rPr lang="en-US" altLang="zh-CN" smtClean="0">
-                <a:solidFill>
-                  <a:schemeClr val="bg1"/>
-                </a:solidFill>
-                <a:latin typeface="FFF Tusj" pitchFamily="18" charset="0"/>
-              </a:rPr>
-              <a:t>Cont..</a:t>
-            </a:r>
-            <a:r>
-              <a:rPr lang="zh-CN" altLang="en-US" smtClean="0">
+              <a:t>Cont.</a:t>
+            </a:r>
+            <a:r>
+              <a:rPr lang="zh-CN" altLang="en-US" dirty="0" smtClean="0">
                 <a:solidFill>
                   <a:schemeClr val="bg1"/>
                 </a:solidFill>
@@ -5503,7 +5467,7 @@
               </a:rPr>
               <a:t>）</a:t>
             </a:r>
-            <a:endParaRPr lang="fr-CA" altLang="zh-CN" smtClean="0">
+            <a:endParaRPr lang="fr-CA" altLang="zh-CN" dirty="0" smtClean="0">
               <a:solidFill>
                 <a:schemeClr val="bg1"/>
               </a:solidFill>
@@ -5576,7 +5540,15 @@
                   <a:schemeClr val="bg1"/>
                 </a:solidFill>
               </a:rPr>
-              <a:t> Keep minute of life</a:t>
+              <a:t>Keep </a:t>
+            </a:r>
+            <a:r>
+              <a:rPr lang="fr-CA" altLang="zh-CN" sz="2800" dirty="0" smtClean="0">
+                <a:solidFill>
+                  <a:schemeClr val="bg1"/>
+                </a:solidFill>
+              </a:rPr>
+              <a:t>minute of life</a:t>
             </a:r>
           </a:p>
           <a:p>
@@ -5866,7 +5838,7 @@
                             </p:stCondLst>
                             <p:childTnLst>
                               <p:par>
-                                <p:cTn id="21" presetID="21" presetClass="entr" presetSubtype="1" fill="hold" grpId="0" nodeType="clickEffect">
+                                <p:cTn id="21" presetID="10" presetClass="entr" presetSubtype="0" fill="hold" grpId="0" nodeType="clickEffect">
                                   <p:stCondLst>
                                     <p:cond delay="0"/>
                                   </p:stCondLst>
@@ -5893,9 +5865,9 @@
                                         <p:strVal val="visible"/>
                                       </p:to>
                                     </p:set>
-                                    <p:animEffect transition="in" filter="wheel(1)">
-                                      <p:cBhvr>
-                                        <p:cTn id="23" dur="2000"/>
+                                    <p:animEffect transition="in" filter="fade">
+                                      <p:cBhvr>
+                                        <p:cTn id="23" dur="500"/>
                                         <p:tgtEl>
                                           <p:spTgt spid="3075">
                                             <p:txEl>
@@ -5936,7 +5908,7 @@
       </p:par>
     </p:tnLst>
     <p:bldLst>
-      <p:bldP spid="3075" grpId="0" build="p"/>
+      <p:bldP spid="3075" grpId="0" uiExpand="1" build="p"/>
     </p:bldLst>
   </p:timing>
 </p:sld>
@@ -5999,8 +5971,14 @@
                 </a:solidFill>
                 <a:latin typeface="FFF Tusj" pitchFamily="18" charset="0"/>
               </a:rPr>
-              <a:t>Functions(Cont...)</a:t>
-            </a:r>
+              <a:t>Functions</a:t>
+            </a:r>
+            <a:endParaRPr lang="fr-CA" altLang="zh-CN" dirty="0" smtClean="0">
+              <a:solidFill>
+                <a:schemeClr val="bg1"/>
+              </a:solidFill>
+              <a:latin typeface="FFF Tusj" pitchFamily="18" charset="0"/>
+            </a:endParaRPr>
           </a:p>
         </p:txBody>
       </p:sp>
@@ -6907,8 +6885,14 @@
                 </a:solidFill>
                 <a:latin typeface="FFF Tusj" pitchFamily="18" charset="0"/>
               </a:rPr>
-              <a:t>Functions(Cont...)</a:t>
-            </a:r>
+              <a:t>Functions(Cont.)</a:t>
+            </a:r>
+            <a:endParaRPr lang="fr-CA" altLang="zh-CN" dirty="0" smtClean="0">
+              <a:solidFill>
+                <a:schemeClr val="bg1"/>
+              </a:solidFill>
+              <a:latin typeface="FFF Tusj" pitchFamily="18" charset="0"/>
+            </a:endParaRPr>
           </a:p>
         </p:txBody>
       </p:sp>
@@ -14003,7 +13987,7 @@
         </p:nvSpPr>
         <p:spPr>
           <a:xfrm>
-            <a:off x="2528888" y="214313"/>
+            <a:off x="2521928" y="332656"/>
             <a:ext cx="6615112" cy="1143000"/>
           </a:xfrm>
         </p:spPr>
@@ -14064,7 +14048,7 @@
       </p:sp>
       <p:pic>
         <p:nvPicPr>
-          <p:cNvPr id="4" name="Picture 2"/>
+          <p:cNvPr id="5" name="Picture 8"/>
           <p:cNvPicPr>
             <a:picLocks noChangeAspect="1" noChangeArrowheads="1"/>
           </p:cNvPicPr>
@@ -14085,8 +14069,8 @@
         </p:blipFill>
         <p:spPr bwMode="auto">
           <a:xfrm>
-            <a:off x="2555778" y="3611017"/>
-            <a:ext cx="6297834" cy="2482279"/>
+            <a:off x="2528037" y="1556792"/>
+            <a:ext cx="6325575" cy="1957509"/>
           </a:xfrm>
           <a:prstGeom prst="rect">
             <a:avLst/>
@@ -14118,7 +14102,7 @@
       </p:pic>
       <p:pic>
         <p:nvPicPr>
-          <p:cNvPr id="5" name="Picture 8"/>
+          <p:cNvPr id="2052" name="Picture 4"/>
           <p:cNvPicPr>
             <a:picLocks noChangeAspect="1" noChangeArrowheads="1"/>
           </p:cNvPicPr>
@@ -14139,8 +14123,8 @@
         </p:blipFill>
         <p:spPr bwMode="auto">
           <a:xfrm>
-            <a:off x="2528037" y="1484784"/>
-            <a:ext cx="6325575" cy="1957509"/>
+            <a:off x="2513229" y="3861048"/>
+            <a:ext cx="6355190" cy="2016224"/>
           </a:xfrm>
           <a:prstGeom prst="rect">
             <a:avLst/>
